--- a/Final Project DS610.pptx
+++ b/Final Project DS610.pptx
@@ -1,49 +1,51 @@
 
 <file path=ppt/presentation.xml><?xml version="1.0" encoding="utf-8"?>
-<p:presentation xmlns:a="http://schemas.openxmlformats.org/drawingml/2006/main" xmlns:r="http://schemas.openxmlformats.org/officeDocument/2006/relationships" xmlns:mc="http://schemas.openxmlformats.org/markup-compatibility/2006" xmlns:mv="urn:schemas-microsoft-com:mac:vml" xmlns:p="http://schemas.openxmlformats.org/presentationml/2006/main" xmlns:c="http://schemas.openxmlformats.org/drawingml/2006/chart" xmlns:dgm="http://schemas.openxmlformats.org/drawingml/2006/diagram" xmlns:o="urn:schemas-microsoft-com:office:office" xmlns:v="urn:schemas-microsoft-com:vml" xmlns:pvml="urn:schemas-microsoft-com:office:powerpoint" xmlns:com="http://schemas.openxmlformats.org/drawingml/2006/compatibility" xmlns:p14="http://schemas.microsoft.com/office/powerpoint/2010/main" xmlns:p15="http://schemas.microsoft.com/office/powerpoint/2012/main" autoCompressPictures="0" embedTrueTypeFonts="1" strictFirstAndLastChars="0" saveSubsetFonts="1">
+<p:presentation xmlns:a="http://schemas.openxmlformats.org/drawingml/2006/main" xmlns:r="http://schemas.openxmlformats.org/officeDocument/2006/relationships" xmlns:p="http://schemas.openxmlformats.org/presentationml/2006/main" strictFirstAndLastChars="0" embedTrueTypeFonts="1" autoCompressPictures="0">
   <p:sldMasterIdLst>
-    <p:sldMasterId id="2147483659" r:id="rId4"/>
+    <p:sldMasterId id="2147483659" r:id="rId1"/>
   </p:sldMasterIdLst>
   <p:notesMasterIdLst>
-    <p:notesMasterId r:id="rId5"/>
+    <p:notesMasterId r:id="rId19"/>
   </p:notesMasterIdLst>
   <p:sldIdLst>
-    <p:sldId id="256" r:id="rId6"/>
-    <p:sldId id="257" r:id="rId7"/>
-    <p:sldId id="258" r:id="rId8"/>
-    <p:sldId id="259" r:id="rId9"/>
-    <p:sldId id="260" r:id="rId10"/>
-    <p:sldId id="261" r:id="rId11"/>
-    <p:sldId id="262" r:id="rId12"/>
-    <p:sldId id="263" r:id="rId13"/>
-    <p:sldId id="264" r:id="rId14"/>
-    <p:sldId id="265" r:id="rId15"/>
-    <p:sldId id="266" r:id="rId16"/>
-    <p:sldId id="267" r:id="rId17"/>
-    <p:sldId id="268" r:id="rId18"/>
-    <p:sldId id="269" r:id="rId19"/>
-    <p:sldId id="270" r:id="rId20"/>
+    <p:sldId id="256" r:id="rId2"/>
+    <p:sldId id="257" r:id="rId3"/>
+    <p:sldId id="258" r:id="rId4"/>
+    <p:sldId id="259" r:id="rId5"/>
+    <p:sldId id="260" r:id="rId6"/>
+    <p:sldId id="261" r:id="rId7"/>
+    <p:sldId id="262" r:id="rId8"/>
+    <p:sldId id="263" r:id="rId9"/>
+    <p:sldId id="264" r:id="rId10"/>
+    <p:sldId id="265" r:id="rId11"/>
+    <p:sldId id="266" r:id="rId12"/>
+    <p:sldId id="267" r:id="rId13"/>
+    <p:sldId id="272" r:id="rId14"/>
+    <p:sldId id="273" r:id="rId15"/>
+    <p:sldId id="268" r:id="rId16"/>
+    <p:sldId id="269" r:id="rId17"/>
+    <p:sldId id="270" r:id="rId18"/>
   </p:sldIdLst>
-  <p:sldSz cy="5143500" cx="9144000"/>
+  <p:sldSz cx="9144000" cy="5143500" type="screen16x9"/>
   <p:notesSz cx="6858000" cy="9144000"/>
   <p:embeddedFontLst>
     <p:embeddedFont>
-      <p:font typeface="Raleway"/>
-      <p:regular r:id="rId21"/>
-      <p:bold r:id="rId22"/>
-      <p:italic r:id="rId23"/>
-      <p:boldItalic r:id="rId24"/>
+      <p:font typeface="Lato" panose="020F0502020204030203" pitchFamily="34" charset="77"/>
+      <p:regular r:id="rId20"/>
+      <p:bold r:id="rId21"/>
+      <p:italic r:id="rId22"/>
+      <p:boldItalic r:id="rId23"/>
     </p:embeddedFont>
     <p:embeddedFont>
-      <p:font typeface="Lato"/>
-      <p:regular r:id="rId25"/>
-      <p:bold r:id="rId26"/>
-      <p:italic r:id="rId27"/>
-      <p:boldItalic r:id="rId28"/>
+      <p:font typeface="Raleway" panose="020B0603030101060003" pitchFamily="34" charset="77"/>
+      <p:regular r:id="rId24"/>
+      <p:bold r:id="rId25"/>
+      <p:italic r:id="rId26"/>
+      <p:boldItalic r:id="rId27"/>
     </p:embeddedFont>
   </p:embeddedFontLst>
   <p:defaultTextStyle>
-    <a:defPPr lvl="0" marR="0" rtl="0" algn="l">
+    <a:defPPr marR="0" lvl="0" algn="l" rtl="0">
       <a:lnSpc>
         <a:spcPct val="100000"/>
       </a:lnSpc>
@@ -54,7 +56,7 @@
         <a:spcPts val="0"/>
       </a:spcAft>
     </a:defPPr>
-    <a:lvl1pPr lvl="0" marR="0" rtl="0" algn="l">
+    <a:lvl1pPr marR="0" lvl="0" algn="l" rtl="0">
       <a:lnSpc>
         <a:spcPct val="100000"/>
       </a:lnSpc>
@@ -68,7 +70,7 @@
         <a:srgbClr val="000000"/>
       </a:buClr>
       <a:buFont typeface="Arial"/>
-      <a:defRPr b="0" i="0" sz="1400" u="none" cap="none" strike="noStrike">
+      <a:defRPr sz="1400" b="0" i="0" u="none" strike="noStrike" cap="none">
         <a:solidFill>
           <a:srgbClr val="000000"/>
         </a:solidFill>
@@ -78,7 +80,7 @@
         <a:sym typeface="Arial"/>
       </a:defRPr>
     </a:lvl1pPr>
-    <a:lvl2pPr lvl="1" marR="0" rtl="0" algn="l">
+    <a:lvl2pPr marR="0" lvl="1" algn="l" rtl="0">
       <a:lnSpc>
         <a:spcPct val="100000"/>
       </a:lnSpc>
@@ -92,7 +94,7 @@
         <a:srgbClr val="000000"/>
       </a:buClr>
       <a:buFont typeface="Arial"/>
-      <a:defRPr b="0" i="0" sz="1400" u="none" cap="none" strike="noStrike">
+      <a:defRPr sz="1400" b="0" i="0" u="none" strike="noStrike" cap="none">
         <a:solidFill>
           <a:srgbClr val="000000"/>
         </a:solidFill>
@@ -102,7 +104,7 @@
         <a:sym typeface="Arial"/>
       </a:defRPr>
     </a:lvl2pPr>
-    <a:lvl3pPr lvl="2" marR="0" rtl="0" algn="l">
+    <a:lvl3pPr marR="0" lvl="2" algn="l" rtl="0">
       <a:lnSpc>
         <a:spcPct val="100000"/>
       </a:lnSpc>
@@ -116,7 +118,7 @@
         <a:srgbClr val="000000"/>
       </a:buClr>
       <a:buFont typeface="Arial"/>
-      <a:defRPr b="0" i="0" sz="1400" u="none" cap="none" strike="noStrike">
+      <a:defRPr sz="1400" b="0" i="0" u="none" strike="noStrike" cap="none">
         <a:solidFill>
           <a:srgbClr val="000000"/>
         </a:solidFill>
@@ -126,7 +128,7 @@
         <a:sym typeface="Arial"/>
       </a:defRPr>
     </a:lvl3pPr>
-    <a:lvl4pPr lvl="3" marR="0" rtl="0" algn="l">
+    <a:lvl4pPr marR="0" lvl="3" algn="l" rtl="0">
       <a:lnSpc>
         <a:spcPct val="100000"/>
       </a:lnSpc>
@@ -140,7 +142,7 @@
         <a:srgbClr val="000000"/>
       </a:buClr>
       <a:buFont typeface="Arial"/>
-      <a:defRPr b="0" i="0" sz="1400" u="none" cap="none" strike="noStrike">
+      <a:defRPr sz="1400" b="0" i="0" u="none" strike="noStrike" cap="none">
         <a:solidFill>
           <a:srgbClr val="000000"/>
         </a:solidFill>
@@ -150,7 +152,7 @@
         <a:sym typeface="Arial"/>
       </a:defRPr>
     </a:lvl4pPr>
-    <a:lvl5pPr lvl="4" marR="0" rtl="0" algn="l">
+    <a:lvl5pPr marR="0" lvl="4" algn="l" rtl="0">
       <a:lnSpc>
         <a:spcPct val="100000"/>
       </a:lnSpc>
@@ -164,7 +166,7 @@
         <a:srgbClr val="000000"/>
       </a:buClr>
       <a:buFont typeface="Arial"/>
-      <a:defRPr b="0" i="0" sz="1400" u="none" cap="none" strike="noStrike">
+      <a:defRPr sz="1400" b="0" i="0" u="none" strike="noStrike" cap="none">
         <a:solidFill>
           <a:srgbClr val="000000"/>
         </a:solidFill>
@@ -174,7 +176,7 @@
         <a:sym typeface="Arial"/>
       </a:defRPr>
     </a:lvl5pPr>
-    <a:lvl6pPr lvl="5" marR="0" rtl="0" algn="l">
+    <a:lvl6pPr marR="0" lvl="5" algn="l" rtl="0">
       <a:lnSpc>
         <a:spcPct val="100000"/>
       </a:lnSpc>
@@ -188,7 +190,7 @@
         <a:srgbClr val="000000"/>
       </a:buClr>
       <a:buFont typeface="Arial"/>
-      <a:defRPr b="0" i="0" sz="1400" u="none" cap="none" strike="noStrike">
+      <a:defRPr sz="1400" b="0" i="0" u="none" strike="noStrike" cap="none">
         <a:solidFill>
           <a:srgbClr val="000000"/>
         </a:solidFill>
@@ -198,7 +200,7 @@
         <a:sym typeface="Arial"/>
       </a:defRPr>
     </a:lvl6pPr>
-    <a:lvl7pPr lvl="6" marR="0" rtl="0" algn="l">
+    <a:lvl7pPr marR="0" lvl="6" algn="l" rtl="0">
       <a:lnSpc>
         <a:spcPct val="100000"/>
       </a:lnSpc>
@@ -212,7 +214,7 @@
         <a:srgbClr val="000000"/>
       </a:buClr>
       <a:buFont typeface="Arial"/>
-      <a:defRPr b="0" i="0" sz="1400" u="none" cap="none" strike="noStrike">
+      <a:defRPr sz="1400" b="0" i="0" u="none" strike="noStrike" cap="none">
         <a:solidFill>
           <a:srgbClr val="000000"/>
         </a:solidFill>
@@ -222,7 +224,7 @@
         <a:sym typeface="Arial"/>
       </a:defRPr>
     </a:lvl7pPr>
-    <a:lvl8pPr lvl="7" marR="0" rtl="0" algn="l">
+    <a:lvl8pPr marR="0" lvl="7" algn="l" rtl="0">
       <a:lnSpc>
         <a:spcPct val="100000"/>
       </a:lnSpc>
@@ -236,7 +238,7 @@
         <a:srgbClr val="000000"/>
       </a:buClr>
       <a:buFont typeface="Arial"/>
-      <a:defRPr b="0" i="0" sz="1400" u="none" cap="none" strike="noStrike">
+      <a:defRPr sz="1400" b="0" i="0" u="none" strike="noStrike" cap="none">
         <a:solidFill>
           <a:srgbClr val="000000"/>
         </a:solidFill>
@@ -246,7 +248,7 @@
         <a:sym typeface="Arial"/>
       </a:defRPr>
     </a:lvl8pPr>
-    <a:lvl9pPr lvl="8" marR="0" rtl="0" algn="l">
+    <a:lvl9pPr marR="0" lvl="8" algn="l" rtl="0">
       <a:lnSpc>
         <a:spcPct val="100000"/>
       </a:lnSpc>
@@ -260,7 +262,7 @@
         <a:srgbClr val="000000"/>
       </a:buClr>
       <a:buFont typeface="Arial"/>
-      <a:defRPr b="0" i="0" sz="1400" u="none" cap="none" strike="noStrike">
+      <a:defRPr sz="1400" b="0" i="0" u="none" strike="noStrike" cap="none">
         <a:solidFill>
           <a:srgbClr val="000000"/>
         </a:solidFill>
@@ -273,7 +275,7 @@
   </p:defaultTextStyle>
   <p:extLst>
     <p:ext uri="{EFAFB233-063F-42B5-8137-9DF3F51BA10A}">
-      <p15:sldGuideLst>
+      <p15:sldGuideLst xmlns:p15="http://schemas.microsoft.com/office/powerpoint/2012/main">
         <p15:guide id="1" orient="horz" pos="1620">
           <p15:clr>
             <a:srgbClr val="A4A3A4"/>
@@ -291,11 +293,16 @@
 </file>
 
 <file path=ppt/notesMasters/notesMaster1.xml><?xml version="1.0" encoding="utf-8"?>
-<p:notesMaster xmlns:a="http://schemas.openxmlformats.org/drawingml/2006/main" xmlns:r="http://schemas.openxmlformats.org/officeDocument/2006/relationships" xmlns:mc="http://schemas.openxmlformats.org/markup-compatibility/2006" xmlns:mv="urn:schemas-microsoft-com:mac:vml" xmlns:p="http://schemas.openxmlformats.org/presentationml/2006/main" xmlns:c="http://schemas.openxmlformats.org/drawingml/2006/chart" xmlns:dgm="http://schemas.openxmlformats.org/drawingml/2006/diagram" xmlns:o="urn:schemas-microsoft-com:office:office" xmlns:v="urn:schemas-microsoft-com:vml" xmlns:pvml="urn:schemas-microsoft-com:office:powerpoint" xmlns:com="http://schemas.openxmlformats.org/drawingml/2006/compatibility" xmlns:p14="http://schemas.microsoft.com/office/powerpoint/2010/main" xmlns:p15="http://schemas.microsoft.com/office/powerpoint/2012/main">
+<p:notesMaster xmlns:a="http://schemas.openxmlformats.org/drawingml/2006/main" xmlns:r="http://schemas.openxmlformats.org/officeDocument/2006/relationships" xmlns:p="http://schemas.openxmlformats.org/presentationml/2006/main">
   <p:cSld>
+    <p:bg>
+      <p:bgRef idx="1001">
+        <a:schemeClr val="bg1"/>
+      </p:bgRef>
+    </p:bg>
     <p:spTree>
       <p:nvGrpSpPr>
-        <p:cNvPr id="2" name="Shape 2"/>
+        <p:cNvPr id="1" name="Shape 2"/>
         <p:cNvGrpSpPr/>
         <p:nvPr/>
       </p:nvGrpSpPr>
@@ -310,9 +317,11 @@
       <p:sp>
         <p:nvSpPr>
           <p:cNvPr id="3" name="Google Shape;3;n"/>
-          <p:cNvSpPr/>
+          <p:cNvSpPr>
+            <a:spLocks noGrp="1" noRot="1" noChangeAspect="1"/>
+          </p:cNvSpPr>
           <p:nvPr>
-            <p:ph idx="2" type="sldImg"/>
+            <p:ph type="sldImg" idx="2"/>
           </p:nvPr>
         </p:nvSpPr>
         <p:spPr>
@@ -321,9 +330,13 @@
             <a:ext cx="6096075" cy="3429000"/>
           </a:xfrm>
           <a:custGeom>
-            <a:rect b="b" l="l" r="r" t="t"/>
+            <a:avLst/>
+            <a:gdLst/>
+            <a:ahLst/>
+            <a:cxnLst/>
+            <a:rect l="l" t="t" r="r" b="b"/>
             <a:pathLst>
-              <a:path extrusionOk="0" h="120000" w="120000">
+              <a:path w="120000" h="120000" extrusionOk="0">
                 <a:moveTo>
                   <a:pt x="0" y="0"/>
                 </a:moveTo>
@@ -341,23 +354,25 @@
             </a:pathLst>
           </a:custGeom>
           <a:noFill/>
-          <a:ln cap="flat" cmpd="sng" w="9525">
+          <a:ln w="9525" cap="flat" cmpd="sng">
             <a:solidFill>
               <a:srgbClr val="000000"/>
             </a:solidFill>
             <a:prstDash val="solid"/>
             <a:round/>
-            <a:headEnd len="sm" w="sm" type="none"/>
-            <a:tailEnd len="sm" w="sm" type="none"/>
+            <a:headEnd type="none" w="sm" len="sm"/>
+            <a:tailEnd type="none" w="sm" len="sm"/>
           </a:ln>
         </p:spPr>
       </p:sp>
       <p:sp>
         <p:nvSpPr>
           <p:cNvPr id="4" name="Google Shape;4;n"/>
-          <p:cNvSpPr txBox="1"/>
+          <p:cNvSpPr txBox="1">
+            <a:spLocks noGrp="1"/>
+          </p:cNvSpPr>
           <p:nvPr>
-            <p:ph idx="1" type="body"/>
+            <p:ph type="body" idx="1"/>
           </p:nvPr>
         </p:nvSpPr>
         <p:spPr>
@@ -374,11 +389,11 @@
           </a:ln>
         </p:spPr>
         <p:txBody>
-          <a:bodyPr anchorCtr="0" anchor="t" bIns="91425" lIns="91425" spcFirstLastPara="1" rIns="91425" wrap="square" tIns="91425">
+          <a:bodyPr spcFirstLastPara="1" wrap="square" lIns="91425" tIns="91425" rIns="91425" bIns="91425" anchor="t" anchorCtr="0">
             <a:noAutofit/>
           </a:bodyPr>
           <a:lstStyle>
-            <a:lvl1pPr indent="-317500" lvl="0" marL="457200">
+            <a:lvl1pPr marL="457200" lvl="0" indent="-317500">
               <a:spcBef>
                 <a:spcPts val="0"/>
               </a:spcBef>
@@ -389,7 +404,7 @@
               <a:buChar char="●"/>
               <a:defRPr sz="1100"/>
             </a:lvl1pPr>
-            <a:lvl2pPr indent="-317500" lvl="1" marL="914400">
+            <a:lvl2pPr marL="914400" lvl="1" indent="-317500">
               <a:spcBef>
                 <a:spcPts val="0"/>
               </a:spcBef>
@@ -400,7 +415,7 @@
               <a:buChar char="○"/>
               <a:defRPr sz="1100"/>
             </a:lvl2pPr>
-            <a:lvl3pPr indent="-317500" lvl="2" marL="1371600">
+            <a:lvl3pPr marL="1371600" lvl="2" indent="-317500">
               <a:spcBef>
                 <a:spcPts val="0"/>
               </a:spcBef>
@@ -411,7 +426,7 @@
               <a:buChar char="■"/>
               <a:defRPr sz="1100"/>
             </a:lvl3pPr>
-            <a:lvl4pPr indent="-317500" lvl="3" marL="1828800">
+            <a:lvl4pPr marL="1828800" lvl="3" indent="-317500">
               <a:spcBef>
                 <a:spcPts val="0"/>
               </a:spcBef>
@@ -422,7 +437,7 @@
               <a:buChar char="●"/>
               <a:defRPr sz="1100"/>
             </a:lvl4pPr>
-            <a:lvl5pPr indent="-317500" lvl="4" marL="2286000">
+            <a:lvl5pPr marL="2286000" lvl="4" indent="-317500">
               <a:spcBef>
                 <a:spcPts val="0"/>
               </a:spcBef>
@@ -433,7 +448,7 @@
               <a:buChar char="○"/>
               <a:defRPr sz="1100"/>
             </a:lvl5pPr>
-            <a:lvl6pPr indent="-317500" lvl="5" marL="2743200">
+            <a:lvl6pPr marL="2743200" lvl="5" indent="-317500">
               <a:spcBef>
                 <a:spcPts val="0"/>
               </a:spcBef>
@@ -444,7 +459,7 @@
               <a:buChar char="■"/>
               <a:defRPr sz="1100"/>
             </a:lvl6pPr>
-            <a:lvl7pPr indent="-317500" lvl="6" marL="3200400">
+            <a:lvl7pPr marL="3200400" lvl="6" indent="-317500">
               <a:spcBef>
                 <a:spcPts val="0"/>
               </a:spcBef>
@@ -455,7 +470,7 @@
               <a:buChar char="●"/>
               <a:defRPr sz="1100"/>
             </a:lvl7pPr>
-            <a:lvl8pPr indent="-317500" lvl="7" marL="3657600">
+            <a:lvl8pPr marL="3657600" lvl="7" indent="-317500">
               <a:spcBef>
                 <a:spcPts val="0"/>
               </a:spcBef>
@@ -466,7 +481,7 @@
               <a:buChar char="○"/>
               <a:defRPr sz="1100"/>
             </a:lvl8pPr>
-            <a:lvl9pPr indent="-317500" lvl="8" marL="4114800">
+            <a:lvl9pPr marL="4114800" lvl="8" indent="-317500">
               <a:spcBef>
                 <a:spcPts val="0"/>
               </a:spcBef>
@@ -478,14 +493,16 @@
               <a:defRPr sz="1100"/>
             </a:lvl9pPr>
           </a:lstStyle>
-          <a:p/>
+          <a:p>
+            <a:endParaRPr/>
+          </a:p>
         </p:txBody>
       </p:sp>
     </p:spTree>
   </p:cSld>
-  <p:clrMap accent1="accent1" accent2="accent2" accent3="accent3" accent4="accent4" accent5="accent5" accent6="accent6" bg1="lt1" bg2="dk2" tx1="dk1" tx2="lt2" folHlink="folHlink" hlink="hlink"/>
+  <p:clrMap bg1="lt1" tx1="dk1" bg2="dk2" tx2="lt2" accent1="accent1" accent2="accent2" accent3="accent3" accent4="accent4" accent5="accent5" accent6="accent6" hlink="hlink" folHlink="folHlink"/>
   <p:notesStyle>
-    <a:defPPr lvl="0" marR="0" rtl="0" algn="l">
+    <a:defPPr marR="0" lvl="0" algn="l" rtl="0">
       <a:lnSpc>
         <a:spcPct val="100000"/>
       </a:lnSpc>
@@ -496,7 +513,7 @@
         <a:spcPts val="0"/>
       </a:spcAft>
     </a:defPPr>
-    <a:lvl1pPr lvl="0" marR="0" rtl="0" algn="l">
+    <a:lvl1pPr marR="0" lvl="0" algn="l" rtl="0">
       <a:lnSpc>
         <a:spcPct val="100000"/>
       </a:lnSpc>
@@ -510,7 +527,7 @@
         <a:srgbClr val="000000"/>
       </a:buClr>
       <a:buFont typeface="Arial"/>
-      <a:defRPr b="0" i="0" sz="1400" u="none" cap="none" strike="noStrike">
+      <a:defRPr sz="1400" b="0" i="0" u="none" strike="noStrike" cap="none">
         <a:solidFill>
           <a:srgbClr val="000000"/>
         </a:solidFill>
@@ -520,7 +537,7 @@
         <a:sym typeface="Arial"/>
       </a:defRPr>
     </a:lvl1pPr>
-    <a:lvl2pPr lvl="1" marR="0" rtl="0" algn="l">
+    <a:lvl2pPr marR="0" lvl="1" algn="l" rtl="0">
       <a:lnSpc>
         <a:spcPct val="100000"/>
       </a:lnSpc>
@@ -534,7 +551,7 @@
         <a:srgbClr val="000000"/>
       </a:buClr>
       <a:buFont typeface="Arial"/>
-      <a:defRPr b="0" i="0" sz="1400" u="none" cap="none" strike="noStrike">
+      <a:defRPr sz="1400" b="0" i="0" u="none" strike="noStrike" cap="none">
         <a:solidFill>
           <a:srgbClr val="000000"/>
         </a:solidFill>
@@ -544,7 +561,7 @@
         <a:sym typeface="Arial"/>
       </a:defRPr>
     </a:lvl2pPr>
-    <a:lvl3pPr lvl="2" marR="0" rtl="0" algn="l">
+    <a:lvl3pPr marR="0" lvl="2" algn="l" rtl="0">
       <a:lnSpc>
         <a:spcPct val="100000"/>
       </a:lnSpc>
@@ -558,7 +575,7 @@
         <a:srgbClr val="000000"/>
       </a:buClr>
       <a:buFont typeface="Arial"/>
-      <a:defRPr b="0" i="0" sz="1400" u="none" cap="none" strike="noStrike">
+      <a:defRPr sz="1400" b="0" i="0" u="none" strike="noStrike" cap="none">
         <a:solidFill>
           <a:srgbClr val="000000"/>
         </a:solidFill>
@@ -568,7 +585,7 @@
         <a:sym typeface="Arial"/>
       </a:defRPr>
     </a:lvl3pPr>
-    <a:lvl4pPr lvl="3" marR="0" rtl="0" algn="l">
+    <a:lvl4pPr marR="0" lvl="3" algn="l" rtl="0">
       <a:lnSpc>
         <a:spcPct val="100000"/>
       </a:lnSpc>
@@ -582,7 +599,7 @@
         <a:srgbClr val="000000"/>
       </a:buClr>
       <a:buFont typeface="Arial"/>
-      <a:defRPr b="0" i="0" sz="1400" u="none" cap="none" strike="noStrike">
+      <a:defRPr sz="1400" b="0" i="0" u="none" strike="noStrike" cap="none">
         <a:solidFill>
           <a:srgbClr val="000000"/>
         </a:solidFill>
@@ -592,7 +609,7 @@
         <a:sym typeface="Arial"/>
       </a:defRPr>
     </a:lvl4pPr>
-    <a:lvl5pPr lvl="4" marR="0" rtl="0" algn="l">
+    <a:lvl5pPr marR="0" lvl="4" algn="l" rtl="0">
       <a:lnSpc>
         <a:spcPct val="100000"/>
       </a:lnSpc>
@@ -606,7 +623,7 @@
         <a:srgbClr val="000000"/>
       </a:buClr>
       <a:buFont typeface="Arial"/>
-      <a:defRPr b="0" i="0" sz="1400" u="none" cap="none" strike="noStrike">
+      <a:defRPr sz="1400" b="0" i="0" u="none" strike="noStrike" cap="none">
         <a:solidFill>
           <a:srgbClr val="000000"/>
         </a:solidFill>
@@ -616,7 +633,7 @@
         <a:sym typeface="Arial"/>
       </a:defRPr>
     </a:lvl5pPr>
-    <a:lvl6pPr lvl="5" marR="0" rtl="0" algn="l">
+    <a:lvl6pPr marR="0" lvl="5" algn="l" rtl="0">
       <a:lnSpc>
         <a:spcPct val="100000"/>
       </a:lnSpc>
@@ -630,7 +647,7 @@
         <a:srgbClr val="000000"/>
       </a:buClr>
       <a:buFont typeface="Arial"/>
-      <a:defRPr b="0" i="0" sz="1400" u="none" cap="none" strike="noStrike">
+      <a:defRPr sz="1400" b="0" i="0" u="none" strike="noStrike" cap="none">
         <a:solidFill>
           <a:srgbClr val="000000"/>
         </a:solidFill>
@@ -640,7 +657,7 @@
         <a:sym typeface="Arial"/>
       </a:defRPr>
     </a:lvl6pPr>
-    <a:lvl7pPr lvl="6" marR="0" rtl="0" algn="l">
+    <a:lvl7pPr marR="0" lvl="6" algn="l" rtl="0">
       <a:lnSpc>
         <a:spcPct val="100000"/>
       </a:lnSpc>
@@ -654,7 +671,7 @@
         <a:srgbClr val="000000"/>
       </a:buClr>
       <a:buFont typeface="Arial"/>
-      <a:defRPr b="0" i="0" sz="1400" u="none" cap="none" strike="noStrike">
+      <a:defRPr sz="1400" b="0" i="0" u="none" strike="noStrike" cap="none">
         <a:solidFill>
           <a:srgbClr val="000000"/>
         </a:solidFill>
@@ -664,7 +681,7 @@
         <a:sym typeface="Arial"/>
       </a:defRPr>
     </a:lvl7pPr>
-    <a:lvl8pPr lvl="7" marR="0" rtl="0" algn="l">
+    <a:lvl8pPr marR="0" lvl="7" algn="l" rtl="0">
       <a:lnSpc>
         <a:spcPct val="100000"/>
       </a:lnSpc>
@@ -678,7 +695,7 @@
         <a:srgbClr val="000000"/>
       </a:buClr>
       <a:buFont typeface="Arial"/>
-      <a:defRPr b="0" i="0" sz="1400" u="none" cap="none" strike="noStrike">
+      <a:defRPr sz="1400" b="0" i="0" u="none" strike="noStrike" cap="none">
         <a:solidFill>
           <a:srgbClr val="000000"/>
         </a:solidFill>
@@ -688,7 +705,7 @@
         <a:sym typeface="Arial"/>
       </a:defRPr>
     </a:lvl8pPr>
-    <a:lvl9pPr lvl="8" marR="0" rtl="0" algn="l">
+    <a:lvl9pPr marR="0" lvl="8" algn="l" rtl="0">
       <a:lnSpc>
         <a:spcPct val="100000"/>
       </a:lnSpc>
@@ -702,7 +719,7 @@
         <a:srgbClr val="000000"/>
       </a:buClr>
       <a:buFont typeface="Arial"/>
-      <a:defRPr b="0" i="0" sz="1400" u="none" cap="none" strike="noStrike">
+      <a:defRPr sz="1400" b="0" i="0" u="none" strike="noStrike" cap="none">
         <a:solidFill>
           <a:srgbClr val="000000"/>
         </a:solidFill>
@@ -717,11 +734,11 @@
 </file>
 
 <file path=ppt/notesSlides/notesSlide1.xml><?xml version="1.0" encoding="utf-8"?>
-<p:notes xmlns:a="http://schemas.openxmlformats.org/drawingml/2006/main" xmlns:r="http://schemas.openxmlformats.org/officeDocument/2006/relationships" xmlns:mc="http://schemas.openxmlformats.org/markup-compatibility/2006" xmlns:mv="urn:schemas-microsoft-com:mac:vml" xmlns:p="http://schemas.openxmlformats.org/presentationml/2006/main" xmlns:c="http://schemas.openxmlformats.org/drawingml/2006/chart" xmlns:dgm="http://schemas.openxmlformats.org/drawingml/2006/diagram" xmlns:o="urn:schemas-microsoft-com:office:office" xmlns:v="urn:schemas-microsoft-com:vml" xmlns:pvml="urn:schemas-microsoft-com:office:powerpoint" xmlns:com="http://schemas.openxmlformats.org/drawingml/2006/compatibility" xmlns:p14="http://schemas.microsoft.com/office/powerpoint/2010/main" xmlns:p15="http://schemas.microsoft.com/office/powerpoint/2012/main" showMasterPhAnim="0" showMasterSp="0">
+<p:notes xmlns:a="http://schemas.openxmlformats.org/drawingml/2006/main" xmlns:r="http://schemas.openxmlformats.org/officeDocument/2006/relationships" xmlns:p="http://schemas.openxmlformats.org/presentationml/2006/main" showMasterSp="0" showMasterPhAnim="0">
   <p:cSld>
     <p:spTree>
       <p:nvGrpSpPr>
-        <p:cNvPr id="68" name="Shape 68"/>
+        <p:cNvPr id="1" name="Shape 68"/>
         <p:cNvGrpSpPr/>
         <p:nvPr/>
       </p:nvGrpSpPr>
@@ -736,9 +753,11 @@
       <p:sp>
         <p:nvSpPr>
           <p:cNvPr id="69" name="Google Shape;69;gcb9a0b074_1_0:notes"/>
-          <p:cNvSpPr/>
+          <p:cNvSpPr>
+            <a:spLocks noGrp="1" noRot="1" noChangeAspect="1"/>
+          </p:cNvSpPr>
           <p:nvPr>
-            <p:ph idx="2" type="sldImg"/>
+            <p:ph type="sldImg" idx="2"/>
           </p:nvPr>
         </p:nvSpPr>
         <p:spPr>
@@ -747,9 +766,13 @@
             <a:ext cx="6096000" cy="3429000"/>
           </a:xfrm>
           <a:custGeom>
-            <a:rect b="b" l="l" r="r" t="t"/>
+            <a:avLst/>
+            <a:gdLst/>
+            <a:ahLst/>
+            <a:cxnLst/>
+            <a:rect l="l" t="t" r="r" b="b"/>
             <a:pathLst>
-              <a:path extrusionOk="0" h="120000" w="120000">
+              <a:path w="120000" h="120000" extrusionOk="0">
                 <a:moveTo>
                   <a:pt x="0" y="0"/>
                 </a:moveTo>
@@ -771,9 +794,11 @@
       <p:sp>
         <p:nvSpPr>
           <p:cNvPr id="70" name="Google Shape;70;gcb9a0b074_1_0:notes"/>
-          <p:cNvSpPr txBox="1"/>
+          <p:cNvSpPr txBox="1">
+            <a:spLocks noGrp="1"/>
+          </p:cNvSpPr>
           <p:nvPr>
-            <p:ph idx="1" type="body"/>
+            <p:ph type="body" idx="1"/>
           </p:nvPr>
         </p:nvSpPr>
         <p:spPr>
@@ -786,12 +811,12 @@
           </a:prstGeom>
         </p:spPr>
         <p:txBody>
-          <a:bodyPr anchorCtr="0" anchor="t" bIns="91425" lIns="91425" spcFirstLastPara="1" rIns="91425" wrap="square" tIns="91425">
+          <a:bodyPr spcFirstLastPara="1" wrap="square" lIns="91425" tIns="91425" rIns="91425" bIns="91425" anchor="t" anchorCtr="0">
             <a:noAutofit/>
           </a:bodyPr>
           <a:lstStyle/>
           <a:p>
-            <a:pPr indent="0" lvl="0" marL="0" rtl="0" algn="l">
+            <a:pPr marL="0" lvl="0" indent="0" algn="l" rtl="0">
               <a:spcBef>
                 <a:spcPts val="0"/>
               </a:spcBef>
@@ -800,9 +825,6 @@
               </a:spcAft>
               <a:buNone/>
             </a:pPr>
-            <a:r>
-              <a:t/>
-            </a:r>
             <a:endParaRPr/>
           </a:p>
         </p:txBody>
@@ -816,11 +838,11 @@
 </file>
 
 <file path=ppt/notesSlides/notesSlide10.xml><?xml version="1.0" encoding="utf-8"?>
-<p:notes xmlns:a="http://schemas.openxmlformats.org/drawingml/2006/main" xmlns:r="http://schemas.openxmlformats.org/officeDocument/2006/relationships" xmlns:mc="http://schemas.openxmlformats.org/markup-compatibility/2006" xmlns:mv="urn:schemas-microsoft-com:mac:vml" xmlns:p="http://schemas.openxmlformats.org/presentationml/2006/main" xmlns:c="http://schemas.openxmlformats.org/drawingml/2006/chart" xmlns:dgm="http://schemas.openxmlformats.org/drawingml/2006/diagram" xmlns:o="urn:schemas-microsoft-com:office:office" xmlns:v="urn:schemas-microsoft-com:vml" xmlns:pvml="urn:schemas-microsoft-com:office:powerpoint" xmlns:com="http://schemas.openxmlformats.org/drawingml/2006/compatibility" xmlns:p14="http://schemas.microsoft.com/office/powerpoint/2010/main" xmlns:p15="http://schemas.microsoft.com/office/powerpoint/2012/main" showMasterPhAnim="0" showMasterSp="0">
+<p:notes xmlns:a="http://schemas.openxmlformats.org/drawingml/2006/main" xmlns:r="http://schemas.openxmlformats.org/officeDocument/2006/relationships" xmlns:p="http://schemas.openxmlformats.org/presentationml/2006/main" showMasterSp="0" showMasterPhAnim="0">
   <p:cSld>
     <p:spTree>
       <p:nvGrpSpPr>
-        <p:cNvPr id="124" name="Shape 124"/>
+        <p:cNvPr id="1" name="Shape 124"/>
         <p:cNvGrpSpPr/>
         <p:nvPr/>
       </p:nvGrpSpPr>
@@ -835,20 +857,26 @@
       <p:sp>
         <p:nvSpPr>
           <p:cNvPr id="125" name="Google Shape;125;g6f1032757d_0_34:notes"/>
-          <p:cNvSpPr/>
+          <p:cNvSpPr>
+            <a:spLocks noGrp="1" noRot="1" noChangeAspect="1"/>
+          </p:cNvSpPr>
           <p:nvPr>
-            <p:ph idx="2" type="sldImg"/>
+            <p:ph type="sldImg" idx="2"/>
           </p:nvPr>
         </p:nvSpPr>
         <p:spPr>
           <a:xfrm>
-            <a:off x="381300" y="685800"/>
+            <a:off x="381000" y="685800"/>
             <a:ext cx="6096000" cy="3429000"/>
           </a:xfrm>
           <a:custGeom>
-            <a:rect b="b" l="l" r="r" t="t"/>
+            <a:avLst/>
+            <a:gdLst/>
+            <a:ahLst/>
+            <a:cxnLst/>
+            <a:rect l="l" t="t" r="r" b="b"/>
             <a:pathLst>
-              <a:path extrusionOk="0" h="120000" w="120000">
+              <a:path w="120000" h="120000" extrusionOk="0">
                 <a:moveTo>
                   <a:pt x="0" y="0"/>
                 </a:moveTo>
@@ -870,9 +898,11 @@
       <p:sp>
         <p:nvSpPr>
           <p:cNvPr id="126" name="Google Shape;126;g6f1032757d_0_34:notes"/>
-          <p:cNvSpPr txBox="1"/>
+          <p:cNvSpPr txBox="1">
+            <a:spLocks noGrp="1"/>
+          </p:cNvSpPr>
           <p:nvPr>
-            <p:ph idx="1" type="body"/>
+            <p:ph type="body" idx="1"/>
           </p:nvPr>
         </p:nvSpPr>
         <p:spPr>
@@ -885,12 +915,12 @@
           </a:prstGeom>
         </p:spPr>
         <p:txBody>
-          <a:bodyPr anchorCtr="0" anchor="t" bIns="91425" lIns="91425" spcFirstLastPara="1" rIns="91425" wrap="square" tIns="91425">
+          <a:bodyPr spcFirstLastPara="1" wrap="square" lIns="91425" tIns="91425" rIns="91425" bIns="91425" anchor="t" anchorCtr="0">
             <a:noAutofit/>
           </a:bodyPr>
           <a:lstStyle/>
           <a:p>
-            <a:pPr indent="0" lvl="0" marL="0" rtl="0" algn="l">
+            <a:pPr marL="0" lvl="0" indent="0" algn="l" rtl="0">
               <a:spcBef>
                 <a:spcPts val="0"/>
               </a:spcBef>
@@ -899,9 +929,6 @@
               </a:spcAft>
               <a:buNone/>
             </a:pPr>
-            <a:r>
-              <a:t/>
-            </a:r>
             <a:endParaRPr/>
           </a:p>
         </p:txBody>
@@ -915,11 +942,11 @@
 </file>
 
 <file path=ppt/notesSlides/notesSlide11.xml><?xml version="1.0" encoding="utf-8"?>
-<p:notes xmlns:a="http://schemas.openxmlformats.org/drawingml/2006/main" xmlns:r="http://schemas.openxmlformats.org/officeDocument/2006/relationships" xmlns:mc="http://schemas.openxmlformats.org/markup-compatibility/2006" xmlns:mv="urn:schemas-microsoft-com:mac:vml" xmlns:p="http://schemas.openxmlformats.org/presentationml/2006/main" xmlns:c="http://schemas.openxmlformats.org/drawingml/2006/chart" xmlns:dgm="http://schemas.openxmlformats.org/drawingml/2006/diagram" xmlns:o="urn:schemas-microsoft-com:office:office" xmlns:v="urn:schemas-microsoft-com:vml" xmlns:pvml="urn:schemas-microsoft-com:office:powerpoint" xmlns:com="http://schemas.openxmlformats.org/drawingml/2006/compatibility" xmlns:p14="http://schemas.microsoft.com/office/powerpoint/2010/main" xmlns:p15="http://schemas.microsoft.com/office/powerpoint/2012/main" showMasterPhAnim="0" showMasterSp="0">
+<p:notes xmlns:a="http://schemas.openxmlformats.org/drawingml/2006/main" xmlns:r="http://schemas.openxmlformats.org/officeDocument/2006/relationships" xmlns:p="http://schemas.openxmlformats.org/presentationml/2006/main" showMasterSp="0" showMasterPhAnim="0">
   <p:cSld>
     <p:spTree>
       <p:nvGrpSpPr>
-        <p:cNvPr id="130" name="Shape 130"/>
+        <p:cNvPr id="1" name="Shape 130"/>
         <p:cNvGrpSpPr/>
         <p:nvPr/>
       </p:nvGrpSpPr>
@@ -934,20 +961,26 @@
       <p:sp>
         <p:nvSpPr>
           <p:cNvPr id="131" name="Google Shape;131;g6f1032757d_0_29:notes"/>
-          <p:cNvSpPr/>
+          <p:cNvSpPr>
+            <a:spLocks noGrp="1" noRot="1" noChangeAspect="1"/>
+          </p:cNvSpPr>
           <p:nvPr>
-            <p:ph idx="2" type="sldImg"/>
+            <p:ph type="sldImg" idx="2"/>
           </p:nvPr>
         </p:nvSpPr>
         <p:spPr>
           <a:xfrm>
-            <a:off x="381300" y="685800"/>
+            <a:off x="381000" y="685800"/>
             <a:ext cx="6096000" cy="3429000"/>
           </a:xfrm>
           <a:custGeom>
-            <a:rect b="b" l="l" r="r" t="t"/>
+            <a:avLst/>
+            <a:gdLst/>
+            <a:ahLst/>
+            <a:cxnLst/>
+            <a:rect l="l" t="t" r="r" b="b"/>
             <a:pathLst>
-              <a:path extrusionOk="0" h="120000" w="120000">
+              <a:path w="120000" h="120000" extrusionOk="0">
                 <a:moveTo>
                   <a:pt x="0" y="0"/>
                 </a:moveTo>
@@ -969,9 +1002,11 @@
       <p:sp>
         <p:nvSpPr>
           <p:cNvPr id="132" name="Google Shape;132;g6f1032757d_0_29:notes"/>
-          <p:cNvSpPr txBox="1"/>
+          <p:cNvSpPr txBox="1">
+            <a:spLocks noGrp="1"/>
+          </p:cNvSpPr>
           <p:nvPr>
-            <p:ph idx="1" type="body"/>
+            <p:ph type="body" idx="1"/>
           </p:nvPr>
         </p:nvSpPr>
         <p:spPr>
@@ -984,12 +1019,12 @@
           </a:prstGeom>
         </p:spPr>
         <p:txBody>
-          <a:bodyPr anchorCtr="0" anchor="t" bIns="91425" lIns="91425" spcFirstLastPara="1" rIns="91425" wrap="square" tIns="91425">
+          <a:bodyPr spcFirstLastPara="1" wrap="square" lIns="91425" tIns="91425" rIns="91425" bIns="91425" anchor="t" anchorCtr="0">
             <a:noAutofit/>
           </a:bodyPr>
           <a:lstStyle/>
           <a:p>
-            <a:pPr indent="0" lvl="0" marL="0" rtl="0" algn="l">
+            <a:pPr marL="0" lvl="0" indent="0" algn="l" rtl="0">
               <a:spcBef>
                 <a:spcPts val="0"/>
               </a:spcBef>
@@ -998,9 +1033,6 @@
               </a:spcAft>
               <a:buNone/>
             </a:pPr>
-            <a:r>
-              <a:t/>
-            </a:r>
             <a:endParaRPr/>
           </a:p>
         </p:txBody>
@@ -1014,11 +1046,11 @@
 </file>
 
 <file path=ppt/notesSlides/notesSlide12.xml><?xml version="1.0" encoding="utf-8"?>
-<p:notes xmlns:a="http://schemas.openxmlformats.org/drawingml/2006/main" xmlns:r="http://schemas.openxmlformats.org/officeDocument/2006/relationships" xmlns:mc="http://schemas.openxmlformats.org/markup-compatibility/2006" xmlns:mv="urn:schemas-microsoft-com:mac:vml" xmlns:p="http://schemas.openxmlformats.org/presentationml/2006/main" xmlns:c="http://schemas.openxmlformats.org/drawingml/2006/chart" xmlns:dgm="http://schemas.openxmlformats.org/drawingml/2006/diagram" xmlns:o="urn:schemas-microsoft-com:office:office" xmlns:v="urn:schemas-microsoft-com:vml" xmlns:pvml="urn:schemas-microsoft-com:office:powerpoint" xmlns:com="http://schemas.openxmlformats.org/drawingml/2006/compatibility" xmlns:p14="http://schemas.microsoft.com/office/powerpoint/2010/main" xmlns:p15="http://schemas.microsoft.com/office/powerpoint/2012/main" showMasterPhAnim="0" showMasterSp="0">
+<p:notes xmlns:a="http://schemas.openxmlformats.org/drawingml/2006/main" xmlns:r="http://schemas.openxmlformats.org/officeDocument/2006/relationships" xmlns:p="http://schemas.openxmlformats.org/presentationml/2006/main" showMasterSp="0" showMasterPhAnim="0">
   <p:cSld>
     <p:spTree>
       <p:nvGrpSpPr>
-        <p:cNvPr id="136" name="Shape 136"/>
+        <p:cNvPr id="1" name="Shape 136"/>
         <p:cNvGrpSpPr/>
         <p:nvPr/>
       </p:nvGrpSpPr>
@@ -1033,20 +1065,26 @@
       <p:sp>
         <p:nvSpPr>
           <p:cNvPr id="137" name="Google Shape;137;g6f1032757d_0_41:notes"/>
-          <p:cNvSpPr/>
+          <p:cNvSpPr>
+            <a:spLocks noGrp="1" noRot="1" noChangeAspect="1"/>
+          </p:cNvSpPr>
           <p:nvPr>
-            <p:ph idx="2" type="sldImg"/>
+            <p:ph type="sldImg" idx="2"/>
           </p:nvPr>
         </p:nvSpPr>
         <p:spPr>
           <a:xfrm>
-            <a:off x="381300" y="685800"/>
+            <a:off x="381000" y="685800"/>
             <a:ext cx="6096000" cy="3429000"/>
           </a:xfrm>
           <a:custGeom>
-            <a:rect b="b" l="l" r="r" t="t"/>
+            <a:avLst/>
+            <a:gdLst/>
+            <a:ahLst/>
+            <a:cxnLst/>
+            <a:rect l="l" t="t" r="r" b="b"/>
             <a:pathLst>
-              <a:path extrusionOk="0" h="120000" w="120000">
+              <a:path w="120000" h="120000" extrusionOk="0">
                 <a:moveTo>
                   <a:pt x="0" y="0"/>
                 </a:moveTo>
@@ -1068,9 +1106,11 @@
       <p:sp>
         <p:nvSpPr>
           <p:cNvPr id="138" name="Google Shape;138;g6f1032757d_0_41:notes"/>
-          <p:cNvSpPr txBox="1"/>
+          <p:cNvSpPr txBox="1">
+            <a:spLocks noGrp="1"/>
+          </p:cNvSpPr>
           <p:nvPr>
-            <p:ph idx="1" type="body"/>
+            <p:ph type="body" idx="1"/>
           </p:nvPr>
         </p:nvSpPr>
         <p:spPr>
@@ -1083,12 +1123,12 @@
           </a:prstGeom>
         </p:spPr>
         <p:txBody>
-          <a:bodyPr anchorCtr="0" anchor="t" bIns="91425" lIns="91425" spcFirstLastPara="1" rIns="91425" wrap="square" tIns="91425">
+          <a:bodyPr spcFirstLastPara="1" wrap="square" lIns="91425" tIns="91425" rIns="91425" bIns="91425" anchor="t" anchorCtr="0">
             <a:noAutofit/>
           </a:bodyPr>
           <a:lstStyle/>
           <a:p>
-            <a:pPr indent="0" lvl="0" marL="0" rtl="0" algn="l">
+            <a:pPr marL="0" lvl="0" indent="0" algn="l" rtl="0">
               <a:spcBef>
                 <a:spcPts val="0"/>
               </a:spcBef>
@@ -1097,9 +1137,6 @@
               </a:spcAft>
               <a:buNone/>
             </a:pPr>
-            <a:r>
-              <a:t/>
-            </a:r>
             <a:endParaRPr/>
           </a:p>
         </p:txBody>
@@ -1113,11 +1150,11 @@
 </file>
 
 <file path=ppt/notesSlides/notesSlide13.xml><?xml version="1.0" encoding="utf-8"?>
-<p:notes xmlns:a="http://schemas.openxmlformats.org/drawingml/2006/main" xmlns:r="http://schemas.openxmlformats.org/officeDocument/2006/relationships" xmlns:mc="http://schemas.openxmlformats.org/markup-compatibility/2006" xmlns:mv="urn:schemas-microsoft-com:mac:vml" xmlns:p="http://schemas.openxmlformats.org/presentationml/2006/main" xmlns:c="http://schemas.openxmlformats.org/drawingml/2006/chart" xmlns:dgm="http://schemas.openxmlformats.org/drawingml/2006/diagram" xmlns:o="urn:schemas-microsoft-com:office:office" xmlns:v="urn:schemas-microsoft-com:vml" xmlns:pvml="urn:schemas-microsoft-com:office:powerpoint" xmlns:com="http://schemas.openxmlformats.org/drawingml/2006/compatibility" xmlns:p14="http://schemas.microsoft.com/office/powerpoint/2010/main" xmlns:p15="http://schemas.microsoft.com/office/powerpoint/2012/main" showMasterPhAnim="0" showMasterSp="0">
+<p:notes xmlns:a="http://schemas.openxmlformats.org/drawingml/2006/main" xmlns:r="http://schemas.openxmlformats.org/officeDocument/2006/relationships" xmlns:p="http://schemas.openxmlformats.org/presentationml/2006/main" showMasterSp="0" showMasterPhAnim="0">
   <p:cSld>
     <p:spTree>
       <p:nvGrpSpPr>
-        <p:cNvPr id="142" name="Shape 142"/>
+        <p:cNvPr id="1" name="Shape 136"/>
         <p:cNvGrpSpPr/>
         <p:nvPr/>
       </p:nvGrpSpPr>
@@ -1131,21 +1168,27 @@
       </p:grpSpPr>
       <p:sp>
         <p:nvSpPr>
-          <p:cNvPr id="143" name="Google Shape;143;g6f1032757d_0_47:notes"/>
-          <p:cNvSpPr/>
+          <p:cNvPr id="137" name="Google Shape;137;g6f1032757d_0_41:notes"/>
+          <p:cNvSpPr>
+            <a:spLocks noGrp="1" noRot="1" noChangeAspect="1"/>
+          </p:cNvSpPr>
           <p:nvPr>
-            <p:ph idx="2" type="sldImg"/>
+            <p:ph type="sldImg" idx="2"/>
           </p:nvPr>
         </p:nvSpPr>
         <p:spPr>
           <a:xfrm>
-            <a:off x="381300" y="685800"/>
+            <a:off x="381000" y="685800"/>
             <a:ext cx="6096000" cy="3429000"/>
           </a:xfrm>
           <a:custGeom>
-            <a:rect b="b" l="l" r="r" t="t"/>
+            <a:avLst/>
+            <a:gdLst/>
+            <a:ahLst/>
+            <a:cxnLst/>
+            <a:rect l="l" t="t" r="r" b="b"/>
             <a:pathLst>
-              <a:path extrusionOk="0" h="120000" w="120000">
+              <a:path w="120000" h="120000" extrusionOk="0">
                 <a:moveTo>
                   <a:pt x="0" y="0"/>
                 </a:moveTo>
@@ -1166,10 +1209,12 @@
       </p:sp>
       <p:sp>
         <p:nvSpPr>
-          <p:cNvPr id="144" name="Google Shape;144;g6f1032757d_0_47:notes"/>
-          <p:cNvSpPr txBox="1"/>
+          <p:cNvPr id="138" name="Google Shape;138;g6f1032757d_0_41:notes"/>
+          <p:cNvSpPr txBox="1">
+            <a:spLocks noGrp="1"/>
+          </p:cNvSpPr>
           <p:nvPr>
-            <p:ph idx="1" type="body"/>
+            <p:ph type="body" idx="1"/>
           </p:nvPr>
         </p:nvSpPr>
         <p:spPr>
@@ -1182,12 +1227,12 @@
           </a:prstGeom>
         </p:spPr>
         <p:txBody>
-          <a:bodyPr anchorCtr="0" anchor="t" bIns="91425" lIns="91425" spcFirstLastPara="1" rIns="91425" wrap="square" tIns="91425">
+          <a:bodyPr spcFirstLastPara="1" wrap="square" lIns="91425" tIns="91425" rIns="91425" bIns="91425" anchor="t" anchorCtr="0">
             <a:noAutofit/>
           </a:bodyPr>
           <a:lstStyle/>
           <a:p>
-            <a:pPr indent="0" lvl="0" marL="0" rtl="0" algn="l">
+            <a:pPr marL="0" lvl="0" indent="0" algn="l" rtl="0">
               <a:spcBef>
                 <a:spcPts val="0"/>
               </a:spcBef>
@@ -1196,14 +1241,16 @@
               </a:spcAft>
               <a:buNone/>
             </a:pPr>
-            <a:r>
-              <a:t/>
-            </a:r>
             <a:endParaRPr/>
           </a:p>
         </p:txBody>
       </p:sp>
     </p:spTree>
+    <p:extLst>
+      <p:ext uri="{BB962C8B-B14F-4D97-AF65-F5344CB8AC3E}">
+        <p14:creationId xmlns:p14="http://schemas.microsoft.com/office/powerpoint/2010/main" val="1637356101"/>
+      </p:ext>
+    </p:extLst>
   </p:cSld>
   <p:clrMapOvr>
     <a:masterClrMapping/>
@@ -1212,11 +1259,11 @@
 </file>
 
 <file path=ppt/notesSlides/notesSlide14.xml><?xml version="1.0" encoding="utf-8"?>
-<p:notes xmlns:a="http://schemas.openxmlformats.org/drawingml/2006/main" xmlns:r="http://schemas.openxmlformats.org/officeDocument/2006/relationships" xmlns:mc="http://schemas.openxmlformats.org/markup-compatibility/2006" xmlns:mv="urn:schemas-microsoft-com:mac:vml" xmlns:p="http://schemas.openxmlformats.org/presentationml/2006/main" xmlns:c="http://schemas.openxmlformats.org/drawingml/2006/chart" xmlns:dgm="http://schemas.openxmlformats.org/drawingml/2006/diagram" xmlns:o="urn:schemas-microsoft-com:office:office" xmlns:v="urn:schemas-microsoft-com:vml" xmlns:pvml="urn:schemas-microsoft-com:office:powerpoint" xmlns:com="http://schemas.openxmlformats.org/drawingml/2006/compatibility" xmlns:p14="http://schemas.microsoft.com/office/powerpoint/2010/main" xmlns:p15="http://schemas.microsoft.com/office/powerpoint/2012/main" showMasterPhAnim="0" showMasterSp="0">
+<p:notes xmlns:a="http://schemas.openxmlformats.org/drawingml/2006/main" xmlns:r="http://schemas.openxmlformats.org/officeDocument/2006/relationships" xmlns:p="http://schemas.openxmlformats.org/presentationml/2006/main" showMasterSp="0" showMasterPhAnim="0">
   <p:cSld>
     <p:spTree>
       <p:nvGrpSpPr>
-        <p:cNvPr id="148" name="Shape 148"/>
+        <p:cNvPr id="1" name="Shape 136"/>
         <p:cNvGrpSpPr/>
         <p:nvPr/>
       </p:nvGrpSpPr>
@@ -1230,21 +1277,27 @@
       </p:grpSpPr>
       <p:sp>
         <p:nvSpPr>
-          <p:cNvPr id="149" name="Google Shape;149;g6f1032757d_0_52:notes"/>
-          <p:cNvSpPr/>
+          <p:cNvPr id="137" name="Google Shape;137;g6f1032757d_0_41:notes"/>
+          <p:cNvSpPr>
+            <a:spLocks noGrp="1" noRot="1" noChangeAspect="1"/>
+          </p:cNvSpPr>
           <p:nvPr>
-            <p:ph idx="2" type="sldImg"/>
+            <p:ph type="sldImg" idx="2"/>
           </p:nvPr>
         </p:nvSpPr>
         <p:spPr>
           <a:xfrm>
-            <a:off x="381300" y="685800"/>
+            <a:off x="381000" y="685800"/>
             <a:ext cx="6096000" cy="3429000"/>
           </a:xfrm>
           <a:custGeom>
-            <a:rect b="b" l="l" r="r" t="t"/>
+            <a:avLst/>
+            <a:gdLst/>
+            <a:ahLst/>
+            <a:cxnLst/>
+            <a:rect l="l" t="t" r="r" b="b"/>
             <a:pathLst>
-              <a:path extrusionOk="0" h="120000" w="120000">
+              <a:path w="120000" h="120000" extrusionOk="0">
                 <a:moveTo>
                   <a:pt x="0" y="0"/>
                 </a:moveTo>
@@ -1265,10 +1318,12 @@
       </p:sp>
       <p:sp>
         <p:nvSpPr>
-          <p:cNvPr id="150" name="Google Shape;150;g6f1032757d_0_52:notes"/>
-          <p:cNvSpPr txBox="1"/>
+          <p:cNvPr id="138" name="Google Shape;138;g6f1032757d_0_41:notes"/>
+          <p:cNvSpPr txBox="1">
+            <a:spLocks noGrp="1"/>
+          </p:cNvSpPr>
           <p:nvPr>
-            <p:ph idx="1" type="body"/>
+            <p:ph type="body" idx="1"/>
           </p:nvPr>
         </p:nvSpPr>
         <p:spPr>
@@ -1281,12 +1336,12 @@
           </a:prstGeom>
         </p:spPr>
         <p:txBody>
-          <a:bodyPr anchorCtr="0" anchor="t" bIns="91425" lIns="91425" spcFirstLastPara="1" rIns="91425" wrap="square" tIns="91425">
+          <a:bodyPr spcFirstLastPara="1" wrap="square" lIns="91425" tIns="91425" rIns="91425" bIns="91425" anchor="t" anchorCtr="0">
             <a:noAutofit/>
           </a:bodyPr>
           <a:lstStyle/>
           <a:p>
-            <a:pPr indent="0" lvl="0" marL="0" rtl="0" algn="l">
+            <a:pPr marL="0" lvl="0" indent="0" algn="l" rtl="0">
               <a:spcBef>
                 <a:spcPts val="0"/>
               </a:spcBef>
@@ -1295,14 +1350,16 @@
               </a:spcAft>
               <a:buNone/>
             </a:pPr>
-            <a:r>
-              <a:t/>
-            </a:r>
             <a:endParaRPr/>
           </a:p>
         </p:txBody>
       </p:sp>
     </p:spTree>
+    <p:extLst>
+      <p:ext uri="{BB962C8B-B14F-4D97-AF65-F5344CB8AC3E}">
+        <p14:creationId xmlns:p14="http://schemas.microsoft.com/office/powerpoint/2010/main" val="2718245340"/>
+      </p:ext>
+    </p:extLst>
   </p:cSld>
   <p:clrMapOvr>
     <a:masterClrMapping/>
@@ -1311,11 +1368,11 @@
 </file>
 
 <file path=ppt/notesSlides/notesSlide15.xml><?xml version="1.0" encoding="utf-8"?>
-<p:notes xmlns:a="http://schemas.openxmlformats.org/drawingml/2006/main" xmlns:r="http://schemas.openxmlformats.org/officeDocument/2006/relationships" xmlns:mc="http://schemas.openxmlformats.org/markup-compatibility/2006" xmlns:mv="urn:schemas-microsoft-com:mac:vml" xmlns:p="http://schemas.openxmlformats.org/presentationml/2006/main" xmlns:c="http://schemas.openxmlformats.org/drawingml/2006/chart" xmlns:dgm="http://schemas.openxmlformats.org/drawingml/2006/diagram" xmlns:o="urn:schemas-microsoft-com:office:office" xmlns:v="urn:schemas-microsoft-com:vml" xmlns:pvml="urn:schemas-microsoft-com:office:powerpoint" xmlns:com="http://schemas.openxmlformats.org/drawingml/2006/compatibility" xmlns:p14="http://schemas.microsoft.com/office/powerpoint/2010/main" xmlns:p15="http://schemas.microsoft.com/office/powerpoint/2012/main" showMasterPhAnim="0" showMasterSp="0">
+<p:notes xmlns:a="http://schemas.openxmlformats.org/drawingml/2006/main" xmlns:r="http://schemas.openxmlformats.org/officeDocument/2006/relationships" xmlns:p="http://schemas.openxmlformats.org/presentationml/2006/main" showMasterSp="0" showMasterPhAnim="0">
   <p:cSld>
     <p:spTree>
       <p:nvGrpSpPr>
-        <p:cNvPr id="154" name="Shape 154"/>
+        <p:cNvPr id="1" name="Shape 142"/>
         <p:cNvGrpSpPr/>
         <p:nvPr/>
       </p:nvGrpSpPr>
@@ -1329,10 +1386,12 @@
       </p:grpSpPr>
       <p:sp>
         <p:nvSpPr>
-          <p:cNvPr id="155" name="Google Shape;155;g6f1032757d_0_57:notes"/>
-          <p:cNvSpPr/>
+          <p:cNvPr id="143" name="Google Shape;143;g6f1032757d_0_47:notes"/>
+          <p:cNvSpPr>
+            <a:spLocks noGrp="1" noRot="1" noChangeAspect="1"/>
+          </p:cNvSpPr>
           <p:nvPr>
-            <p:ph idx="2" type="sldImg"/>
+            <p:ph type="sldImg" idx="2"/>
           </p:nvPr>
         </p:nvSpPr>
         <p:spPr>
@@ -1341,9 +1400,13 @@
             <a:ext cx="6096000" cy="3429000"/>
           </a:xfrm>
           <a:custGeom>
-            <a:rect b="b" l="l" r="r" t="t"/>
+            <a:avLst/>
+            <a:gdLst/>
+            <a:ahLst/>
+            <a:cxnLst/>
+            <a:rect l="l" t="t" r="r" b="b"/>
             <a:pathLst>
-              <a:path extrusionOk="0" h="120000" w="120000">
+              <a:path w="120000" h="120000" extrusionOk="0">
                 <a:moveTo>
                   <a:pt x="0" y="0"/>
                 </a:moveTo>
@@ -1364,10 +1427,12 @@
       </p:sp>
       <p:sp>
         <p:nvSpPr>
-          <p:cNvPr id="156" name="Google Shape;156;g6f1032757d_0_57:notes"/>
-          <p:cNvSpPr txBox="1"/>
+          <p:cNvPr id="144" name="Google Shape;144;g6f1032757d_0_47:notes"/>
+          <p:cNvSpPr txBox="1">
+            <a:spLocks noGrp="1"/>
+          </p:cNvSpPr>
           <p:nvPr>
-            <p:ph idx="1" type="body"/>
+            <p:ph type="body" idx="1"/>
           </p:nvPr>
         </p:nvSpPr>
         <p:spPr>
@@ -1380,12 +1445,12 @@
           </a:prstGeom>
         </p:spPr>
         <p:txBody>
-          <a:bodyPr anchorCtr="0" anchor="t" bIns="91425" lIns="91425" spcFirstLastPara="1" rIns="91425" wrap="square" tIns="91425">
+          <a:bodyPr spcFirstLastPara="1" wrap="square" lIns="91425" tIns="91425" rIns="91425" bIns="91425" anchor="t" anchorCtr="0">
             <a:noAutofit/>
           </a:bodyPr>
           <a:lstStyle/>
           <a:p>
-            <a:pPr indent="0" lvl="0" marL="0" rtl="0" algn="l">
+            <a:pPr marL="0" lvl="0" indent="0" algn="l" rtl="0">
               <a:spcBef>
                 <a:spcPts val="0"/>
               </a:spcBef>
@@ -1394,9 +1459,6 @@
               </a:spcAft>
               <a:buNone/>
             </a:pPr>
-            <a:r>
-              <a:t/>
-            </a:r>
             <a:endParaRPr/>
           </a:p>
         </p:txBody>
@@ -1409,12 +1471,12 @@
 </p:notes>
 </file>
 
-<file path=ppt/notesSlides/notesSlide2.xml><?xml version="1.0" encoding="utf-8"?>
-<p:notes xmlns:a="http://schemas.openxmlformats.org/drawingml/2006/main" xmlns:r="http://schemas.openxmlformats.org/officeDocument/2006/relationships" xmlns:mc="http://schemas.openxmlformats.org/markup-compatibility/2006" xmlns:mv="urn:schemas-microsoft-com:mac:vml" xmlns:p="http://schemas.openxmlformats.org/presentationml/2006/main" xmlns:c="http://schemas.openxmlformats.org/drawingml/2006/chart" xmlns:dgm="http://schemas.openxmlformats.org/drawingml/2006/diagram" xmlns:o="urn:schemas-microsoft-com:office:office" xmlns:v="urn:schemas-microsoft-com:vml" xmlns:pvml="urn:schemas-microsoft-com:office:powerpoint" xmlns:com="http://schemas.openxmlformats.org/drawingml/2006/compatibility" xmlns:p14="http://schemas.microsoft.com/office/powerpoint/2010/main" xmlns:p15="http://schemas.microsoft.com/office/powerpoint/2012/main" showMasterPhAnim="0" showMasterSp="0">
+<file path=ppt/notesSlides/notesSlide16.xml><?xml version="1.0" encoding="utf-8"?>
+<p:notes xmlns:a="http://schemas.openxmlformats.org/drawingml/2006/main" xmlns:r="http://schemas.openxmlformats.org/officeDocument/2006/relationships" xmlns:p="http://schemas.openxmlformats.org/presentationml/2006/main" showMasterSp="0" showMasterPhAnim="0">
   <p:cSld>
     <p:spTree>
       <p:nvGrpSpPr>
-        <p:cNvPr id="74" name="Shape 74"/>
+        <p:cNvPr id="1" name="Shape 148"/>
         <p:cNvGrpSpPr/>
         <p:nvPr/>
       </p:nvGrpSpPr>
@@ -1428,10 +1490,12 @@
       </p:grpSpPr>
       <p:sp>
         <p:nvSpPr>
-          <p:cNvPr id="75" name="Google Shape;75;gd5b15f0a3_5_26:notes"/>
-          <p:cNvSpPr/>
+          <p:cNvPr id="149" name="Google Shape;149;g6f1032757d_0_52:notes"/>
+          <p:cNvSpPr>
+            <a:spLocks noGrp="1" noRot="1" noChangeAspect="1"/>
+          </p:cNvSpPr>
           <p:nvPr>
-            <p:ph idx="2" type="sldImg"/>
+            <p:ph type="sldImg" idx="2"/>
           </p:nvPr>
         </p:nvSpPr>
         <p:spPr>
@@ -1440,9 +1504,13 @@
             <a:ext cx="6096000" cy="3429000"/>
           </a:xfrm>
           <a:custGeom>
-            <a:rect b="b" l="l" r="r" t="t"/>
+            <a:avLst/>
+            <a:gdLst/>
+            <a:ahLst/>
+            <a:cxnLst/>
+            <a:rect l="l" t="t" r="r" b="b"/>
             <a:pathLst>
-              <a:path extrusionOk="0" h="120000" w="120000">
+              <a:path w="120000" h="120000" extrusionOk="0">
                 <a:moveTo>
                   <a:pt x="0" y="0"/>
                 </a:moveTo>
@@ -1463,10 +1531,12 @@
       </p:sp>
       <p:sp>
         <p:nvSpPr>
-          <p:cNvPr id="76" name="Google Shape;76;gd5b15f0a3_5_26:notes"/>
-          <p:cNvSpPr txBox="1"/>
+          <p:cNvPr id="150" name="Google Shape;150;g6f1032757d_0_52:notes"/>
+          <p:cNvSpPr txBox="1">
+            <a:spLocks noGrp="1"/>
+          </p:cNvSpPr>
           <p:nvPr>
-            <p:ph idx="1" type="body"/>
+            <p:ph type="body" idx="1"/>
           </p:nvPr>
         </p:nvSpPr>
         <p:spPr>
@@ -1479,12 +1549,12 @@
           </a:prstGeom>
         </p:spPr>
         <p:txBody>
-          <a:bodyPr anchorCtr="0" anchor="t" bIns="91425" lIns="91425" spcFirstLastPara="1" rIns="91425" wrap="square" tIns="91425">
+          <a:bodyPr spcFirstLastPara="1" wrap="square" lIns="91425" tIns="91425" rIns="91425" bIns="91425" anchor="t" anchorCtr="0">
             <a:noAutofit/>
           </a:bodyPr>
           <a:lstStyle/>
           <a:p>
-            <a:pPr indent="0" lvl="0" marL="0" rtl="0" algn="l">
+            <a:pPr marL="0" lvl="0" indent="0" algn="l" rtl="0">
               <a:spcBef>
                 <a:spcPts val="0"/>
               </a:spcBef>
@@ -1493,9 +1563,6 @@
               </a:spcAft>
               <a:buNone/>
             </a:pPr>
-            <a:r>
-              <a:t/>
-            </a:r>
             <a:endParaRPr/>
           </a:p>
         </p:txBody>
@@ -1508,12 +1575,12 @@
 </p:notes>
 </file>
 
-<file path=ppt/notesSlides/notesSlide3.xml><?xml version="1.0" encoding="utf-8"?>
-<p:notes xmlns:a="http://schemas.openxmlformats.org/drawingml/2006/main" xmlns:r="http://schemas.openxmlformats.org/officeDocument/2006/relationships" xmlns:mc="http://schemas.openxmlformats.org/markup-compatibility/2006" xmlns:mv="urn:schemas-microsoft-com:mac:vml" xmlns:p="http://schemas.openxmlformats.org/presentationml/2006/main" xmlns:c="http://schemas.openxmlformats.org/drawingml/2006/chart" xmlns:dgm="http://schemas.openxmlformats.org/drawingml/2006/diagram" xmlns:o="urn:schemas-microsoft-com:office:office" xmlns:v="urn:schemas-microsoft-com:vml" xmlns:pvml="urn:schemas-microsoft-com:office:powerpoint" xmlns:com="http://schemas.openxmlformats.org/drawingml/2006/compatibility" xmlns:p14="http://schemas.microsoft.com/office/powerpoint/2010/main" xmlns:p15="http://schemas.microsoft.com/office/powerpoint/2012/main" showMasterPhAnim="0" showMasterSp="0">
+<file path=ppt/notesSlides/notesSlide17.xml><?xml version="1.0" encoding="utf-8"?>
+<p:notes xmlns:a="http://schemas.openxmlformats.org/drawingml/2006/main" xmlns:r="http://schemas.openxmlformats.org/officeDocument/2006/relationships" xmlns:p="http://schemas.openxmlformats.org/presentationml/2006/main" showMasterSp="0" showMasterPhAnim="0">
   <p:cSld>
     <p:spTree>
       <p:nvGrpSpPr>
-        <p:cNvPr id="80" name="Shape 80"/>
+        <p:cNvPr id="1" name="Shape 154"/>
         <p:cNvGrpSpPr/>
         <p:nvPr/>
       </p:nvGrpSpPr>
@@ -1527,10 +1594,12 @@
       </p:grpSpPr>
       <p:sp>
         <p:nvSpPr>
-          <p:cNvPr id="81" name="Google Shape;81;gd251bb473_0_600:notes"/>
-          <p:cNvSpPr/>
+          <p:cNvPr id="155" name="Google Shape;155;g6f1032757d_0_57:notes"/>
+          <p:cNvSpPr>
+            <a:spLocks noGrp="1" noRot="1" noChangeAspect="1"/>
+          </p:cNvSpPr>
           <p:nvPr>
-            <p:ph idx="2" type="sldImg"/>
+            <p:ph type="sldImg" idx="2"/>
           </p:nvPr>
         </p:nvSpPr>
         <p:spPr>
@@ -1539,9 +1608,13 @@
             <a:ext cx="6096000" cy="3429000"/>
           </a:xfrm>
           <a:custGeom>
-            <a:rect b="b" l="l" r="r" t="t"/>
+            <a:avLst/>
+            <a:gdLst/>
+            <a:ahLst/>
+            <a:cxnLst/>
+            <a:rect l="l" t="t" r="r" b="b"/>
             <a:pathLst>
-              <a:path extrusionOk="0" h="120000" w="120000">
+              <a:path w="120000" h="120000" extrusionOk="0">
                 <a:moveTo>
                   <a:pt x="0" y="0"/>
                 </a:moveTo>
@@ -1562,10 +1635,12 @@
       </p:sp>
       <p:sp>
         <p:nvSpPr>
-          <p:cNvPr id="82" name="Google Shape;82;gd251bb473_0_600:notes"/>
-          <p:cNvSpPr txBox="1"/>
+          <p:cNvPr id="156" name="Google Shape;156;g6f1032757d_0_57:notes"/>
+          <p:cNvSpPr txBox="1">
+            <a:spLocks noGrp="1"/>
+          </p:cNvSpPr>
           <p:nvPr>
-            <p:ph idx="1" type="body"/>
+            <p:ph type="body" idx="1"/>
           </p:nvPr>
         </p:nvSpPr>
         <p:spPr>
@@ -1578,12 +1653,12 @@
           </a:prstGeom>
         </p:spPr>
         <p:txBody>
-          <a:bodyPr anchorCtr="0" anchor="t" bIns="91425" lIns="91425" spcFirstLastPara="1" rIns="91425" wrap="square" tIns="91425">
+          <a:bodyPr spcFirstLastPara="1" wrap="square" lIns="91425" tIns="91425" rIns="91425" bIns="91425" anchor="t" anchorCtr="0">
             <a:noAutofit/>
           </a:bodyPr>
           <a:lstStyle/>
           <a:p>
-            <a:pPr indent="0" lvl="0" marL="0" rtl="0" algn="l">
+            <a:pPr marL="0" lvl="0" indent="0" algn="l" rtl="0">
               <a:spcBef>
                 <a:spcPts val="0"/>
               </a:spcBef>
@@ -1592,9 +1667,6 @@
               </a:spcAft>
               <a:buNone/>
             </a:pPr>
-            <a:r>
-              <a:t/>
-            </a:r>
             <a:endParaRPr/>
           </a:p>
         </p:txBody>
@@ -1607,12 +1679,12 @@
 </p:notes>
 </file>
 
-<file path=ppt/notesSlides/notesSlide4.xml><?xml version="1.0" encoding="utf-8"?>
-<p:notes xmlns:a="http://schemas.openxmlformats.org/drawingml/2006/main" xmlns:r="http://schemas.openxmlformats.org/officeDocument/2006/relationships" xmlns:mc="http://schemas.openxmlformats.org/markup-compatibility/2006" xmlns:mv="urn:schemas-microsoft-com:mac:vml" xmlns:p="http://schemas.openxmlformats.org/presentationml/2006/main" xmlns:c="http://schemas.openxmlformats.org/drawingml/2006/chart" xmlns:dgm="http://schemas.openxmlformats.org/drawingml/2006/diagram" xmlns:o="urn:schemas-microsoft-com:office:office" xmlns:v="urn:schemas-microsoft-com:vml" xmlns:pvml="urn:schemas-microsoft-com:office:powerpoint" xmlns:com="http://schemas.openxmlformats.org/drawingml/2006/compatibility" xmlns:p14="http://schemas.microsoft.com/office/powerpoint/2010/main" xmlns:p15="http://schemas.microsoft.com/office/powerpoint/2012/main" showMasterPhAnim="0" showMasterSp="0">
+<file path=ppt/notesSlides/notesSlide2.xml><?xml version="1.0" encoding="utf-8"?>
+<p:notes xmlns:a="http://schemas.openxmlformats.org/drawingml/2006/main" xmlns:r="http://schemas.openxmlformats.org/officeDocument/2006/relationships" xmlns:p="http://schemas.openxmlformats.org/presentationml/2006/main" showMasterSp="0" showMasterPhAnim="0">
   <p:cSld>
     <p:spTree>
       <p:nvGrpSpPr>
-        <p:cNvPr id="87" name="Shape 87"/>
+        <p:cNvPr id="1" name="Shape 74"/>
         <p:cNvGrpSpPr/>
         <p:nvPr/>
       </p:nvGrpSpPr>
@@ -1626,10 +1698,12 @@
       </p:grpSpPr>
       <p:sp>
         <p:nvSpPr>
-          <p:cNvPr id="88" name="Google Shape;88;gd251bb473_0_681:notes"/>
-          <p:cNvSpPr/>
+          <p:cNvPr id="75" name="Google Shape;75;gd5b15f0a3_5_26:notes"/>
+          <p:cNvSpPr>
+            <a:spLocks noGrp="1" noRot="1" noChangeAspect="1"/>
+          </p:cNvSpPr>
           <p:nvPr>
-            <p:ph idx="2" type="sldImg"/>
+            <p:ph type="sldImg" idx="2"/>
           </p:nvPr>
         </p:nvSpPr>
         <p:spPr>
@@ -1638,9 +1712,13 @@
             <a:ext cx="6096000" cy="3429000"/>
           </a:xfrm>
           <a:custGeom>
-            <a:rect b="b" l="l" r="r" t="t"/>
+            <a:avLst/>
+            <a:gdLst/>
+            <a:ahLst/>
+            <a:cxnLst/>
+            <a:rect l="l" t="t" r="r" b="b"/>
             <a:pathLst>
-              <a:path extrusionOk="0" h="120000" w="120000">
+              <a:path w="120000" h="120000" extrusionOk="0">
                 <a:moveTo>
                   <a:pt x="0" y="0"/>
                 </a:moveTo>
@@ -1661,10 +1739,12 @@
       </p:sp>
       <p:sp>
         <p:nvSpPr>
-          <p:cNvPr id="89" name="Google Shape;89;gd251bb473_0_681:notes"/>
-          <p:cNvSpPr txBox="1"/>
+          <p:cNvPr id="76" name="Google Shape;76;gd5b15f0a3_5_26:notes"/>
+          <p:cNvSpPr txBox="1">
+            <a:spLocks noGrp="1"/>
+          </p:cNvSpPr>
           <p:nvPr>
-            <p:ph idx="1" type="body"/>
+            <p:ph type="body" idx="1"/>
           </p:nvPr>
         </p:nvSpPr>
         <p:spPr>
@@ -1677,12 +1757,12 @@
           </a:prstGeom>
         </p:spPr>
         <p:txBody>
-          <a:bodyPr anchorCtr="0" anchor="t" bIns="91425" lIns="91425" spcFirstLastPara="1" rIns="91425" wrap="square" tIns="91425">
+          <a:bodyPr spcFirstLastPara="1" wrap="square" lIns="91425" tIns="91425" rIns="91425" bIns="91425" anchor="t" anchorCtr="0">
             <a:noAutofit/>
           </a:bodyPr>
           <a:lstStyle/>
           <a:p>
-            <a:pPr indent="0" lvl="0" marL="0" rtl="0" algn="l">
+            <a:pPr marL="0" lvl="0" indent="0" algn="l" rtl="0">
               <a:spcBef>
                 <a:spcPts val="0"/>
               </a:spcBef>
@@ -1691,9 +1771,6 @@
               </a:spcAft>
               <a:buNone/>
             </a:pPr>
-            <a:r>
-              <a:t/>
-            </a:r>
             <a:endParaRPr/>
           </a:p>
         </p:txBody>
@@ -1706,12 +1783,12 @@
 </p:notes>
 </file>
 
-<file path=ppt/notesSlides/notesSlide5.xml><?xml version="1.0" encoding="utf-8"?>
-<p:notes xmlns:a="http://schemas.openxmlformats.org/drawingml/2006/main" xmlns:r="http://schemas.openxmlformats.org/officeDocument/2006/relationships" xmlns:mc="http://schemas.openxmlformats.org/markup-compatibility/2006" xmlns:mv="urn:schemas-microsoft-com:mac:vml" xmlns:p="http://schemas.openxmlformats.org/presentationml/2006/main" xmlns:c="http://schemas.openxmlformats.org/drawingml/2006/chart" xmlns:dgm="http://schemas.openxmlformats.org/drawingml/2006/diagram" xmlns:o="urn:schemas-microsoft-com:office:office" xmlns:v="urn:schemas-microsoft-com:vml" xmlns:pvml="urn:schemas-microsoft-com:office:powerpoint" xmlns:com="http://schemas.openxmlformats.org/drawingml/2006/compatibility" xmlns:p14="http://schemas.microsoft.com/office/powerpoint/2010/main" xmlns:p15="http://schemas.microsoft.com/office/powerpoint/2012/main" showMasterPhAnim="0" showMasterSp="0">
+<file path=ppt/notesSlides/notesSlide3.xml><?xml version="1.0" encoding="utf-8"?>
+<p:notes xmlns:a="http://schemas.openxmlformats.org/drawingml/2006/main" xmlns:r="http://schemas.openxmlformats.org/officeDocument/2006/relationships" xmlns:p="http://schemas.openxmlformats.org/presentationml/2006/main" showMasterSp="0" showMasterPhAnim="0">
   <p:cSld>
     <p:spTree>
       <p:nvGrpSpPr>
-        <p:cNvPr id="93" name="Shape 93"/>
+        <p:cNvPr id="1" name="Shape 80"/>
         <p:cNvGrpSpPr/>
         <p:nvPr/>
       </p:nvGrpSpPr>
@@ -1725,10 +1802,12 @@
       </p:grpSpPr>
       <p:sp>
         <p:nvSpPr>
-          <p:cNvPr id="94" name="Google Shape;94;ge965474a9_3_50:notes"/>
-          <p:cNvSpPr/>
+          <p:cNvPr id="81" name="Google Shape;81;gd251bb473_0_600:notes"/>
+          <p:cNvSpPr>
+            <a:spLocks noGrp="1" noRot="1" noChangeAspect="1"/>
+          </p:cNvSpPr>
           <p:nvPr>
-            <p:ph idx="2" type="sldImg"/>
+            <p:ph type="sldImg" idx="2"/>
           </p:nvPr>
         </p:nvSpPr>
         <p:spPr>
@@ -1737,9 +1816,13 @@
             <a:ext cx="6096000" cy="3429000"/>
           </a:xfrm>
           <a:custGeom>
-            <a:rect b="b" l="l" r="r" t="t"/>
+            <a:avLst/>
+            <a:gdLst/>
+            <a:ahLst/>
+            <a:cxnLst/>
+            <a:rect l="l" t="t" r="r" b="b"/>
             <a:pathLst>
-              <a:path extrusionOk="0" h="120000" w="120000">
+              <a:path w="120000" h="120000" extrusionOk="0">
                 <a:moveTo>
                   <a:pt x="0" y="0"/>
                 </a:moveTo>
@@ -1760,10 +1843,12 @@
       </p:sp>
       <p:sp>
         <p:nvSpPr>
-          <p:cNvPr id="95" name="Google Shape;95;ge965474a9_3_50:notes"/>
-          <p:cNvSpPr txBox="1"/>
+          <p:cNvPr id="82" name="Google Shape;82;gd251bb473_0_600:notes"/>
+          <p:cNvSpPr txBox="1">
+            <a:spLocks noGrp="1"/>
+          </p:cNvSpPr>
           <p:nvPr>
-            <p:ph idx="1" type="body"/>
+            <p:ph type="body" idx="1"/>
           </p:nvPr>
         </p:nvSpPr>
         <p:spPr>
@@ -1776,12 +1861,12 @@
           </a:prstGeom>
         </p:spPr>
         <p:txBody>
-          <a:bodyPr anchorCtr="0" anchor="t" bIns="91425" lIns="91425" spcFirstLastPara="1" rIns="91425" wrap="square" tIns="91425">
+          <a:bodyPr spcFirstLastPara="1" wrap="square" lIns="91425" tIns="91425" rIns="91425" bIns="91425" anchor="t" anchorCtr="0">
             <a:noAutofit/>
           </a:bodyPr>
           <a:lstStyle/>
           <a:p>
-            <a:pPr indent="0" lvl="0" marL="0" rtl="0" algn="l">
+            <a:pPr marL="0" lvl="0" indent="0" algn="l" rtl="0">
               <a:spcBef>
                 <a:spcPts val="0"/>
               </a:spcBef>
@@ -1790,9 +1875,6 @@
               </a:spcAft>
               <a:buNone/>
             </a:pPr>
-            <a:r>
-              <a:t/>
-            </a:r>
             <a:endParaRPr/>
           </a:p>
         </p:txBody>
@@ -1805,12 +1887,12 @@
 </p:notes>
 </file>
 
-<file path=ppt/notesSlides/notesSlide6.xml><?xml version="1.0" encoding="utf-8"?>
-<p:notes xmlns:a="http://schemas.openxmlformats.org/drawingml/2006/main" xmlns:r="http://schemas.openxmlformats.org/officeDocument/2006/relationships" xmlns:mc="http://schemas.openxmlformats.org/markup-compatibility/2006" xmlns:mv="urn:schemas-microsoft-com:mac:vml" xmlns:p="http://schemas.openxmlformats.org/presentationml/2006/main" xmlns:c="http://schemas.openxmlformats.org/drawingml/2006/chart" xmlns:dgm="http://schemas.openxmlformats.org/drawingml/2006/diagram" xmlns:o="urn:schemas-microsoft-com:office:office" xmlns:v="urn:schemas-microsoft-com:vml" xmlns:pvml="urn:schemas-microsoft-com:office:powerpoint" xmlns:com="http://schemas.openxmlformats.org/drawingml/2006/compatibility" xmlns:p14="http://schemas.microsoft.com/office/powerpoint/2010/main" xmlns:p15="http://schemas.microsoft.com/office/powerpoint/2012/main" showMasterPhAnim="0" showMasterSp="0">
+<file path=ppt/notesSlides/notesSlide4.xml><?xml version="1.0" encoding="utf-8"?>
+<p:notes xmlns:a="http://schemas.openxmlformats.org/drawingml/2006/main" xmlns:r="http://schemas.openxmlformats.org/officeDocument/2006/relationships" xmlns:p="http://schemas.openxmlformats.org/presentationml/2006/main" showMasterSp="0" showMasterPhAnim="0">
   <p:cSld>
     <p:spTree>
       <p:nvGrpSpPr>
-        <p:cNvPr id="99" name="Shape 99"/>
+        <p:cNvPr id="1" name="Shape 87"/>
         <p:cNvGrpSpPr/>
         <p:nvPr/>
       </p:nvGrpSpPr>
@@ -1824,10 +1906,12 @@
       </p:grpSpPr>
       <p:sp>
         <p:nvSpPr>
-          <p:cNvPr id="100" name="Google Shape;100;gcb9a0b074_1_103:notes"/>
-          <p:cNvSpPr/>
+          <p:cNvPr id="88" name="Google Shape;88;gd251bb473_0_681:notes"/>
+          <p:cNvSpPr>
+            <a:spLocks noGrp="1" noRot="1" noChangeAspect="1"/>
+          </p:cNvSpPr>
           <p:nvPr>
-            <p:ph idx="2" type="sldImg"/>
+            <p:ph type="sldImg" idx="2"/>
           </p:nvPr>
         </p:nvSpPr>
         <p:spPr>
@@ -1836,9 +1920,13 @@
             <a:ext cx="6096000" cy="3429000"/>
           </a:xfrm>
           <a:custGeom>
-            <a:rect b="b" l="l" r="r" t="t"/>
+            <a:avLst/>
+            <a:gdLst/>
+            <a:ahLst/>
+            <a:cxnLst/>
+            <a:rect l="l" t="t" r="r" b="b"/>
             <a:pathLst>
-              <a:path extrusionOk="0" h="120000" w="120000">
+              <a:path w="120000" h="120000" extrusionOk="0">
                 <a:moveTo>
                   <a:pt x="0" y="0"/>
                 </a:moveTo>
@@ -1859,10 +1947,12 @@
       </p:sp>
       <p:sp>
         <p:nvSpPr>
-          <p:cNvPr id="101" name="Google Shape;101;gcb9a0b074_1_103:notes"/>
-          <p:cNvSpPr txBox="1"/>
+          <p:cNvPr id="89" name="Google Shape;89;gd251bb473_0_681:notes"/>
+          <p:cNvSpPr txBox="1">
+            <a:spLocks noGrp="1"/>
+          </p:cNvSpPr>
           <p:nvPr>
-            <p:ph idx="1" type="body"/>
+            <p:ph type="body" idx="1"/>
           </p:nvPr>
         </p:nvSpPr>
         <p:spPr>
@@ -1875,12 +1965,12 @@
           </a:prstGeom>
         </p:spPr>
         <p:txBody>
-          <a:bodyPr anchorCtr="0" anchor="t" bIns="91425" lIns="91425" spcFirstLastPara="1" rIns="91425" wrap="square" tIns="91425">
+          <a:bodyPr spcFirstLastPara="1" wrap="square" lIns="91425" tIns="91425" rIns="91425" bIns="91425" anchor="t" anchorCtr="0">
             <a:noAutofit/>
           </a:bodyPr>
           <a:lstStyle/>
           <a:p>
-            <a:pPr indent="0" lvl="0" marL="0" rtl="0" algn="l">
+            <a:pPr marL="0" lvl="0" indent="0" algn="l" rtl="0">
               <a:spcBef>
                 <a:spcPts val="0"/>
               </a:spcBef>
@@ -1889,9 +1979,6 @@
               </a:spcAft>
               <a:buNone/>
             </a:pPr>
-            <a:r>
-              <a:t/>
-            </a:r>
             <a:endParaRPr/>
           </a:p>
         </p:txBody>
@@ -1904,12 +1991,12 @@
 </p:notes>
 </file>
 
-<file path=ppt/notesSlides/notesSlide7.xml><?xml version="1.0" encoding="utf-8"?>
-<p:notes xmlns:a="http://schemas.openxmlformats.org/drawingml/2006/main" xmlns:r="http://schemas.openxmlformats.org/officeDocument/2006/relationships" xmlns:mc="http://schemas.openxmlformats.org/markup-compatibility/2006" xmlns:mv="urn:schemas-microsoft-com:mac:vml" xmlns:p="http://schemas.openxmlformats.org/presentationml/2006/main" xmlns:c="http://schemas.openxmlformats.org/drawingml/2006/chart" xmlns:dgm="http://schemas.openxmlformats.org/drawingml/2006/diagram" xmlns:o="urn:schemas-microsoft-com:office:office" xmlns:v="urn:schemas-microsoft-com:vml" xmlns:pvml="urn:schemas-microsoft-com:office:powerpoint" xmlns:com="http://schemas.openxmlformats.org/drawingml/2006/compatibility" xmlns:p14="http://schemas.microsoft.com/office/powerpoint/2010/main" xmlns:p15="http://schemas.microsoft.com/office/powerpoint/2012/main" showMasterPhAnim="0" showMasterSp="0">
+<file path=ppt/notesSlides/notesSlide5.xml><?xml version="1.0" encoding="utf-8"?>
+<p:notes xmlns:a="http://schemas.openxmlformats.org/drawingml/2006/main" xmlns:r="http://schemas.openxmlformats.org/officeDocument/2006/relationships" xmlns:p="http://schemas.openxmlformats.org/presentationml/2006/main" showMasterSp="0" showMasterPhAnim="0">
   <p:cSld>
     <p:spTree>
       <p:nvGrpSpPr>
-        <p:cNvPr id="105" name="Shape 105"/>
+        <p:cNvPr id="1" name="Shape 93"/>
         <p:cNvGrpSpPr/>
         <p:nvPr/>
       </p:nvGrpSpPr>
@@ -1923,21 +2010,27 @@
       </p:grpSpPr>
       <p:sp>
         <p:nvSpPr>
-          <p:cNvPr id="106" name="Google Shape;106;g723630543_10_0:notes"/>
-          <p:cNvSpPr/>
+          <p:cNvPr id="94" name="Google Shape;94;ge965474a9_3_50:notes"/>
+          <p:cNvSpPr>
+            <a:spLocks noGrp="1" noRot="1" noChangeAspect="1"/>
+          </p:cNvSpPr>
           <p:nvPr>
-            <p:ph idx="2" type="sldImg"/>
+            <p:ph type="sldImg" idx="2"/>
           </p:nvPr>
         </p:nvSpPr>
         <p:spPr>
           <a:xfrm>
-            <a:off x="381188" y="685800"/>
-            <a:ext cx="6096300" cy="3429000"/>
+            <a:off x="381300" y="685800"/>
+            <a:ext cx="6096000" cy="3429000"/>
           </a:xfrm>
           <a:custGeom>
-            <a:rect b="b" l="l" r="r" t="t"/>
+            <a:avLst/>
+            <a:gdLst/>
+            <a:ahLst/>
+            <a:cxnLst/>
+            <a:rect l="l" t="t" r="r" b="b"/>
             <a:pathLst>
-              <a:path extrusionOk="0" h="120000" w="120000">
+              <a:path w="120000" h="120000" extrusionOk="0">
                 <a:moveTo>
                   <a:pt x="0" y="0"/>
                 </a:moveTo>
@@ -1958,10 +2051,12 @@
       </p:sp>
       <p:sp>
         <p:nvSpPr>
-          <p:cNvPr id="107" name="Google Shape;107;g723630543_10_0:notes"/>
-          <p:cNvSpPr txBox="1"/>
+          <p:cNvPr id="95" name="Google Shape;95;ge965474a9_3_50:notes"/>
+          <p:cNvSpPr txBox="1">
+            <a:spLocks noGrp="1"/>
+          </p:cNvSpPr>
           <p:nvPr>
-            <p:ph idx="1" type="body"/>
+            <p:ph type="body" idx="1"/>
           </p:nvPr>
         </p:nvSpPr>
         <p:spPr>
@@ -1974,12 +2069,12 @@
           </a:prstGeom>
         </p:spPr>
         <p:txBody>
-          <a:bodyPr anchorCtr="0" anchor="t" bIns="91425" lIns="91425" spcFirstLastPara="1" rIns="91425" wrap="square" tIns="91425">
+          <a:bodyPr spcFirstLastPara="1" wrap="square" lIns="91425" tIns="91425" rIns="91425" bIns="91425" anchor="t" anchorCtr="0">
             <a:noAutofit/>
           </a:bodyPr>
           <a:lstStyle/>
           <a:p>
-            <a:pPr indent="0" lvl="0" marL="0" rtl="0" algn="l">
+            <a:pPr marL="0" lvl="0" indent="0" algn="l" rtl="0">
               <a:spcBef>
                 <a:spcPts val="0"/>
               </a:spcBef>
@@ -1988,9 +2083,6 @@
               </a:spcAft>
               <a:buNone/>
             </a:pPr>
-            <a:r>
-              <a:t/>
-            </a:r>
             <a:endParaRPr/>
           </a:p>
         </p:txBody>
@@ -2003,12 +2095,12 @@
 </p:notes>
 </file>
 
-<file path=ppt/notesSlides/notesSlide8.xml><?xml version="1.0" encoding="utf-8"?>
-<p:notes xmlns:a="http://schemas.openxmlformats.org/drawingml/2006/main" xmlns:r="http://schemas.openxmlformats.org/officeDocument/2006/relationships" xmlns:mc="http://schemas.openxmlformats.org/markup-compatibility/2006" xmlns:mv="urn:schemas-microsoft-com:mac:vml" xmlns:p="http://schemas.openxmlformats.org/presentationml/2006/main" xmlns:c="http://schemas.openxmlformats.org/drawingml/2006/chart" xmlns:dgm="http://schemas.openxmlformats.org/drawingml/2006/diagram" xmlns:o="urn:schemas-microsoft-com:office:office" xmlns:v="urn:schemas-microsoft-com:vml" xmlns:pvml="urn:schemas-microsoft-com:office:powerpoint" xmlns:com="http://schemas.openxmlformats.org/drawingml/2006/compatibility" xmlns:p14="http://schemas.microsoft.com/office/powerpoint/2010/main" xmlns:p15="http://schemas.microsoft.com/office/powerpoint/2012/main" showMasterPhAnim="0" showMasterSp="0">
+<file path=ppt/notesSlides/notesSlide6.xml><?xml version="1.0" encoding="utf-8"?>
+<p:notes xmlns:a="http://schemas.openxmlformats.org/drawingml/2006/main" xmlns:r="http://schemas.openxmlformats.org/officeDocument/2006/relationships" xmlns:p="http://schemas.openxmlformats.org/presentationml/2006/main" showMasterSp="0" showMasterPhAnim="0">
   <p:cSld>
     <p:spTree>
       <p:nvGrpSpPr>
-        <p:cNvPr id="112" name="Shape 112"/>
+        <p:cNvPr id="1" name="Shape 99"/>
         <p:cNvGrpSpPr/>
         <p:nvPr/>
       </p:nvGrpSpPr>
@@ -2022,21 +2114,27 @@
       </p:grpSpPr>
       <p:sp>
         <p:nvSpPr>
-          <p:cNvPr id="113" name="Google Shape;113;gcb9a0b074_1_122:notes"/>
-          <p:cNvSpPr/>
+          <p:cNvPr id="100" name="Google Shape;100;gcb9a0b074_1_103:notes"/>
+          <p:cNvSpPr>
+            <a:spLocks noGrp="1" noRot="1" noChangeAspect="1"/>
+          </p:cNvSpPr>
           <p:nvPr>
-            <p:ph idx="2" type="sldImg"/>
+            <p:ph type="sldImg" idx="2"/>
           </p:nvPr>
         </p:nvSpPr>
         <p:spPr>
           <a:xfrm>
-            <a:off x="381188" y="685800"/>
-            <a:ext cx="6096300" cy="3429000"/>
+            <a:off x="381300" y="685800"/>
+            <a:ext cx="6096000" cy="3429000"/>
           </a:xfrm>
           <a:custGeom>
-            <a:rect b="b" l="l" r="r" t="t"/>
+            <a:avLst/>
+            <a:gdLst/>
+            <a:ahLst/>
+            <a:cxnLst/>
+            <a:rect l="l" t="t" r="r" b="b"/>
             <a:pathLst>
-              <a:path extrusionOk="0" h="120000" w="120000">
+              <a:path w="120000" h="120000" extrusionOk="0">
                 <a:moveTo>
                   <a:pt x="0" y="0"/>
                 </a:moveTo>
@@ -2057,10 +2155,12 @@
       </p:sp>
       <p:sp>
         <p:nvSpPr>
-          <p:cNvPr id="114" name="Google Shape;114;gcb9a0b074_1_122:notes"/>
-          <p:cNvSpPr txBox="1"/>
+          <p:cNvPr id="101" name="Google Shape;101;gcb9a0b074_1_103:notes"/>
+          <p:cNvSpPr txBox="1">
+            <a:spLocks noGrp="1"/>
+          </p:cNvSpPr>
           <p:nvPr>
-            <p:ph idx="1" type="body"/>
+            <p:ph type="body" idx="1"/>
           </p:nvPr>
         </p:nvSpPr>
         <p:spPr>
@@ -2073,12 +2173,12 @@
           </a:prstGeom>
         </p:spPr>
         <p:txBody>
-          <a:bodyPr anchorCtr="0" anchor="t" bIns="91425" lIns="91425" spcFirstLastPara="1" rIns="91425" wrap="square" tIns="91425">
+          <a:bodyPr spcFirstLastPara="1" wrap="square" lIns="91425" tIns="91425" rIns="91425" bIns="91425" anchor="t" anchorCtr="0">
             <a:noAutofit/>
           </a:bodyPr>
           <a:lstStyle/>
           <a:p>
-            <a:pPr indent="0" lvl="0" marL="0" rtl="0" algn="l">
+            <a:pPr marL="0" lvl="0" indent="0" algn="l" rtl="0">
               <a:spcBef>
                 <a:spcPts val="0"/>
               </a:spcBef>
@@ -2087,9 +2187,6 @@
               </a:spcAft>
               <a:buNone/>
             </a:pPr>
-            <a:r>
-              <a:t/>
-            </a:r>
             <a:endParaRPr/>
           </a:p>
         </p:txBody>
@@ -2102,12 +2199,12 @@
 </p:notes>
 </file>
 
-<file path=ppt/notesSlides/notesSlide9.xml><?xml version="1.0" encoding="utf-8"?>
-<p:notes xmlns:a="http://schemas.openxmlformats.org/drawingml/2006/main" xmlns:r="http://schemas.openxmlformats.org/officeDocument/2006/relationships" xmlns:mc="http://schemas.openxmlformats.org/markup-compatibility/2006" xmlns:mv="urn:schemas-microsoft-com:mac:vml" xmlns:p="http://schemas.openxmlformats.org/presentationml/2006/main" xmlns:c="http://schemas.openxmlformats.org/drawingml/2006/chart" xmlns:dgm="http://schemas.openxmlformats.org/drawingml/2006/diagram" xmlns:o="urn:schemas-microsoft-com:office:office" xmlns:v="urn:schemas-microsoft-com:vml" xmlns:pvml="urn:schemas-microsoft-com:office:powerpoint" xmlns:com="http://schemas.openxmlformats.org/drawingml/2006/compatibility" xmlns:p14="http://schemas.microsoft.com/office/powerpoint/2010/main" xmlns:p15="http://schemas.microsoft.com/office/powerpoint/2012/main" showMasterPhAnim="0" showMasterSp="0">
+<file path=ppt/notesSlides/notesSlide7.xml><?xml version="1.0" encoding="utf-8"?>
+<p:notes xmlns:a="http://schemas.openxmlformats.org/drawingml/2006/main" xmlns:r="http://schemas.openxmlformats.org/officeDocument/2006/relationships" xmlns:p="http://schemas.openxmlformats.org/presentationml/2006/main" showMasterSp="0" showMasterPhAnim="0">
   <p:cSld>
     <p:spTree>
       <p:nvGrpSpPr>
-        <p:cNvPr id="118" name="Shape 118"/>
+        <p:cNvPr id="1" name="Shape 105"/>
         <p:cNvGrpSpPr/>
         <p:nvPr/>
       </p:nvGrpSpPr>
@@ -2121,21 +2218,27 @@
       </p:grpSpPr>
       <p:sp>
         <p:nvSpPr>
-          <p:cNvPr id="119" name="Google Shape;119;g6f1032757d_0_23:notes"/>
-          <p:cNvSpPr/>
+          <p:cNvPr id="106" name="Google Shape;106;g723630543_10_0:notes"/>
+          <p:cNvSpPr>
+            <a:spLocks noGrp="1" noRot="1" noChangeAspect="1"/>
+          </p:cNvSpPr>
           <p:nvPr>
-            <p:ph idx="2" type="sldImg"/>
+            <p:ph type="sldImg" idx="2"/>
           </p:nvPr>
         </p:nvSpPr>
         <p:spPr>
           <a:xfrm>
-            <a:off x="381300" y="685800"/>
-            <a:ext cx="6096000" cy="3429000"/>
+            <a:off x="381188" y="685800"/>
+            <a:ext cx="6096300" cy="3429000"/>
           </a:xfrm>
           <a:custGeom>
-            <a:rect b="b" l="l" r="r" t="t"/>
+            <a:avLst/>
+            <a:gdLst/>
+            <a:ahLst/>
+            <a:cxnLst/>
+            <a:rect l="l" t="t" r="r" b="b"/>
             <a:pathLst>
-              <a:path extrusionOk="0" h="120000" w="120000">
+              <a:path w="120000" h="120000" extrusionOk="0">
                 <a:moveTo>
                   <a:pt x="0" y="0"/>
                 </a:moveTo>
@@ -2156,10 +2259,12 @@
       </p:sp>
       <p:sp>
         <p:nvSpPr>
-          <p:cNvPr id="120" name="Google Shape;120;g6f1032757d_0_23:notes"/>
-          <p:cNvSpPr txBox="1"/>
+          <p:cNvPr id="107" name="Google Shape;107;g723630543_10_0:notes"/>
+          <p:cNvSpPr txBox="1">
+            <a:spLocks noGrp="1"/>
+          </p:cNvSpPr>
           <p:nvPr>
-            <p:ph idx="1" type="body"/>
+            <p:ph type="body" idx="1"/>
           </p:nvPr>
         </p:nvSpPr>
         <p:spPr>
@@ -2172,12 +2277,12 @@
           </a:prstGeom>
         </p:spPr>
         <p:txBody>
-          <a:bodyPr anchorCtr="0" anchor="t" bIns="91425" lIns="91425" spcFirstLastPara="1" rIns="91425" wrap="square" tIns="91425">
+          <a:bodyPr spcFirstLastPara="1" wrap="square" lIns="91425" tIns="91425" rIns="91425" bIns="91425" anchor="t" anchorCtr="0">
             <a:noAutofit/>
           </a:bodyPr>
           <a:lstStyle/>
           <a:p>
-            <a:pPr indent="0" lvl="0" marL="0" rtl="0" algn="l">
+            <a:pPr marL="0" lvl="0" indent="0" algn="l" rtl="0">
               <a:spcBef>
                 <a:spcPts val="0"/>
               </a:spcBef>
@@ -2186,9 +2291,214 @@
               </a:spcAft>
               <a:buNone/>
             </a:pPr>
-            <a:r>
-              <a:t/>
-            </a:r>
+            <a:endParaRPr/>
+          </a:p>
+        </p:txBody>
+      </p:sp>
+    </p:spTree>
+  </p:cSld>
+  <p:clrMapOvr>
+    <a:masterClrMapping/>
+  </p:clrMapOvr>
+</p:notes>
+</file>
+
+<file path=ppt/notesSlides/notesSlide8.xml><?xml version="1.0" encoding="utf-8"?>
+<p:notes xmlns:a="http://schemas.openxmlformats.org/drawingml/2006/main" xmlns:r="http://schemas.openxmlformats.org/officeDocument/2006/relationships" xmlns:p="http://schemas.openxmlformats.org/presentationml/2006/main" showMasterSp="0" showMasterPhAnim="0">
+  <p:cSld>
+    <p:spTree>
+      <p:nvGrpSpPr>
+        <p:cNvPr id="1" name="Shape 112"/>
+        <p:cNvGrpSpPr/>
+        <p:nvPr/>
+      </p:nvGrpSpPr>
+      <p:grpSpPr>
+        <a:xfrm>
+          <a:off x="0" y="0"/>
+          <a:ext cx="0" cy="0"/>
+          <a:chOff x="0" y="0"/>
+          <a:chExt cx="0" cy="0"/>
+        </a:xfrm>
+      </p:grpSpPr>
+      <p:sp>
+        <p:nvSpPr>
+          <p:cNvPr id="113" name="Google Shape;113;gcb9a0b074_1_122:notes"/>
+          <p:cNvSpPr>
+            <a:spLocks noGrp="1" noRot="1" noChangeAspect="1"/>
+          </p:cNvSpPr>
+          <p:nvPr>
+            <p:ph type="sldImg" idx="2"/>
+          </p:nvPr>
+        </p:nvSpPr>
+        <p:spPr>
+          <a:xfrm>
+            <a:off x="381000" y="685800"/>
+            <a:ext cx="6096000" cy="3429000"/>
+          </a:xfrm>
+          <a:custGeom>
+            <a:avLst/>
+            <a:gdLst/>
+            <a:ahLst/>
+            <a:cxnLst/>
+            <a:rect l="l" t="t" r="r" b="b"/>
+            <a:pathLst>
+              <a:path w="120000" h="120000" extrusionOk="0">
+                <a:moveTo>
+                  <a:pt x="0" y="0"/>
+                </a:moveTo>
+                <a:lnTo>
+                  <a:pt x="120000" y="0"/>
+                </a:lnTo>
+                <a:lnTo>
+                  <a:pt x="120000" y="120000"/>
+                </a:lnTo>
+                <a:lnTo>
+                  <a:pt x="0" y="120000"/>
+                </a:lnTo>
+                <a:close/>
+              </a:path>
+            </a:pathLst>
+          </a:custGeom>
+        </p:spPr>
+      </p:sp>
+      <p:sp>
+        <p:nvSpPr>
+          <p:cNvPr id="114" name="Google Shape;114;gcb9a0b074_1_122:notes"/>
+          <p:cNvSpPr txBox="1">
+            <a:spLocks noGrp="1"/>
+          </p:cNvSpPr>
+          <p:nvPr>
+            <p:ph type="body" idx="1"/>
+          </p:nvPr>
+        </p:nvSpPr>
+        <p:spPr>
+          <a:xfrm>
+            <a:off x="685800" y="4343400"/>
+            <a:ext cx="5486400" cy="4114800"/>
+          </a:xfrm>
+          <a:prstGeom prst="rect">
+            <a:avLst/>
+          </a:prstGeom>
+        </p:spPr>
+        <p:txBody>
+          <a:bodyPr spcFirstLastPara="1" wrap="square" lIns="91425" tIns="91425" rIns="91425" bIns="91425" anchor="t" anchorCtr="0">
+            <a:noAutofit/>
+          </a:bodyPr>
+          <a:lstStyle/>
+          <a:p>
+            <a:pPr marL="0" lvl="0" indent="0" algn="l" rtl="0">
+              <a:spcBef>
+                <a:spcPts val="0"/>
+              </a:spcBef>
+              <a:spcAft>
+                <a:spcPts val="0"/>
+              </a:spcAft>
+              <a:buNone/>
+            </a:pPr>
+            <a:endParaRPr/>
+          </a:p>
+        </p:txBody>
+      </p:sp>
+    </p:spTree>
+  </p:cSld>
+  <p:clrMapOvr>
+    <a:masterClrMapping/>
+  </p:clrMapOvr>
+</p:notes>
+</file>
+
+<file path=ppt/notesSlides/notesSlide9.xml><?xml version="1.0" encoding="utf-8"?>
+<p:notes xmlns:a="http://schemas.openxmlformats.org/drawingml/2006/main" xmlns:r="http://schemas.openxmlformats.org/officeDocument/2006/relationships" xmlns:p="http://schemas.openxmlformats.org/presentationml/2006/main" showMasterSp="0" showMasterPhAnim="0">
+  <p:cSld>
+    <p:spTree>
+      <p:nvGrpSpPr>
+        <p:cNvPr id="1" name="Shape 118"/>
+        <p:cNvGrpSpPr/>
+        <p:nvPr/>
+      </p:nvGrpSpPr>
+      <p:grpSpPr>
+        <a:xfrm>
+          <a:off x="0" y="0"/>
+          <a:ext cx="0" cy="0"/>
+          <a:chOff x="0" y="0"/>
+          <a:chExt cx="0" cy="0"/>
+        </a:xfrm>
+      </p:grpSpPr>
+      <p:sp>
+        <p:nvSpPr>
+          <p:cNvPr id="119" name="Google Shape;119;g6f1032757d_0_23:notes"/>
+          <p:cNvSpPr>
+            <a:spLocks noGrp="1" noRot="1" noChangeAspect="1"/>
+          </p:cNvSpPr>
+          <p:nvPr>
+            <p:ph type="sldImg" idx="2"/>
+          </p:nvPr>
+        </p:nvSpPr>
+        <p:spPr>
+          <a:xfrm>
+            <a:off x="381000" y="685800"/>
+            <a:ext cx="6096000" cy="3429000"/>
+          </a:xfrm>
+          <a:custGeom>
+            <a:avLst/>
+            <a:gdLst/>
+            <a:ahLst/>
+            <a:cxnLst/>
+            <a:rect l="l" t="t" r="r" b="b"/>
+            <a:pathLst>
+              <a:path w="120000" h="120000" extrusionOk="0">
+                <a:moveTo>
+                  <a:pt x="0" y="0"/>
+                </a:moveTo>
+                <a:lnTo>
+                  <a:pt x="120000" y="0"/>
+                </a:lnTo>
+                <a:lnTo>
+                  <a:pt x="120000" y="120000"/>
+                </a:lnTo>
+                <a:lnTo>
+                  <a:pt x="0" y="120000"/>
+                </a:lnTo>
+                <a:close/>
+              </a:path>
+            </a:pathLst>
+          </a:custGeom>
+        </p:spPr>
+      </p:sp>
+      <p:sp>
+        <p:nvSpPr>
+          <p:cNvPr id="120" name="Google Shape;120;g6f1032757d_0_23:notes"/>
+          <p:cNvSpPr txBox="1">
+            <a:spLocks noGrp="1"/>
+          </p:cNvSpPr>
+          <p:nvPr>
+            <p:ph type="body" idx="1"/>
+          </p:nvPr>
+        </p:nvSpPr>
+        <p:spPr>
+          <a:xfrm>
+            <a:off x="685800" y="4343400"/>
+            <a:ext cx="5486400" cy="4114800"/>
+          </a:xfrm>
+          <a:prstGeom prst="rect">
+            <a:avLst/>
+          </a:prstGeom>
+        </p:spPr>
+        <p:txBody>
+          <a:bodyPr spcFirstLastPara="1" wrap="square" lIns="91425" tIns="91425" rIns="91425" bIns="91425" anchor="t" anchorCtr="0">
+            <a:noAutofit/>
+          </a:bodyPr>
+          <a:lstStyle/>
+          <a:p>
+            <a:pPr marL="0" lvl="0" indent="0" algn="l" rtl="0">
+              <a:spcBef>
+                <a:spcPts val="0"/>
+              </a:spcBef>
+              <a:spcAft>
+                <a:spcPts val="0"/>
+              </a:spcAft>
+              <a:buNone/>
+            </a:pPr>
             <a:endParaRPr/>
           </a:p>
         </p:txBody>
@@ -2202,18 +2512,19 @@
 </file>
 
 <file path=ppt/slideLayouts/slideLayout1.xml><?xml version="1.0" encoding="utf-8"?>
-<p:sldLayout xmlns:a="http://schemas.openxmlformats.org/drawingml/2006/main" xmlns:r="http://schemas.openxmlformats.org/officeDocument/2006/relationships" xmlns:mc="http://schemas.openxmlformats.org/markup-compatibility/2006" xmlns:mv="urn:schemas-microsoft-com:mac:vml" xmlns:p="http://schemas.openxmlformats.org/presentationml/2006/main" xmlns:c="http://schemas.openxmlformats.org/drawingml/2006/chart" xmlns:dgm="http://schemas.openxmlformats.org/drawingml/2006/diagram" xmlns:o="urn:schemas-microsoft-com:office:office" xmlns:v="urn:schemas-microsoft-com:vml" xmlns:pvml="urn:schemas-microsoft-com:office:powerpoint" xmlns:com="http://schemas.openxmlformats.org/drawingml/2006/compatibility" xmlns:p14="http://schemas.microsoft.com/office/powerpoint/2010/main" xmlns:p15="http://schemas.microsoft.com/office/powerpoint/2012/main" matchingName="Title slide" type="title">
+<p:sldLayout xmlns:a="http://schemas.openxmlformats.org/drawingml/2006/main" xmlns:r="http://schemas.openxmlformats.org/officeDocument/2006/relationships" xmlns:p="http://schemas.openxmlformats.org/presentationml/2006/main" matchingName="Title slide" type="title">
   <p:cSld name="TITLE">
     <p:bg>
       <p:bgPr>
         <a:solidFill>
           <a:schemeClr val="dk1"/>
         </a:solidFill>
+        <a:effectLst/>
       </p:bgPr>
     </p:bg>
     <p:spTree>
       <p:nvGrpSpPr>
-        <p:cNvPr id="9" name="Shape 9"/>
+        <p:cNvPr id="1" name="Shape 9"/>
         <p:cNvGrpSpPr/>
         <p:nvPr/>
       </p:nvGrpSpPr>
@@ -2240,14 +2551,14 @@
             <a:avLst/>
           </a:prstGeom>
           <a:noFill/>
-          <a:ln cap="flat" cmpd="sng" w="38100">
+          <a:ln w="38100" cap="flat" cmpd="sng">
             <a:solidFill>
               <a:schemeClr val="lt1"/>
             </a:solidFill>
             <a:prstDash val="solid"/>
             <a:round/>
-            <a:headEnd len="sm" w="sm" type="none"/>
-            <a:tailEnd len="sm" w="sm" type="none"/>
+            <a:headEnd type="none" w="sm" len="sm"/>
+            <a:tailEnd type="none" w="sm" len="sm"/>
           </a:ln>
         </p:spPr>
       </p:cxnSp>
@@ -2266,14 +2577,14 @@
             <a:avLst/>
           </a:prstGeom>
           <a:noFill/>
-          <a:ln cap="flat" cmpd="sng" w="19050">
+          <a:ln w="19050" cap="flat" cmpd="sng">
             <a:solidFill>
               <a:schemeClr val="lt1"/>
             </a:solidFill>
             <a:prstDash val="solid"/>
             <a:round/>
-            <a:headEnd len="sm" w="sm" type="none"/>
-            <a:tailEnd len="sm" w="sm" type="none"/>
+            <a:headEnd type="none" w="sm" len="sm"/>
+            <a:tailEnd type="none" w="sm" len="sm"/>
           </a:ln>
         </p:spPr>
       </p:cxnSp>
@@ -2292,21 +2603,23 @@
             <a:avLst/>
           </a:prstGeom>
           <a:noFill/>
-          <a:ln cap="flat" cmpd="sng" w="19050">
+          <a:ln w="19050" cap="flat" cmpd="sng">
             <a:solidFill>
               <a:schemeClr val="lt1"/>
             </a:solidFill>
             <a:prstDash val="solid"/>
             <a:round/>
-            <a:headEnd len="sm" w="sm" type="none"/>
-            <a:tailEnd len="sm" w="sm" type="none"/>
+            <a:headEnd type="none" w="sm" len="sm"/>
+            <a:tailEnd type="none" w="sm" len="sm"/>
           </a:ln>
         </p:spPr>
       </p:cxnSp>
       <p:sp>
         <p:nvSpPr>
           <p:cNvPr id="13" name="Google Shape;13;p2"/>
-          <p:cNvSpPr txBox="1"/>
+          <p:cNvSpPr txBox="1">
+            <a:spLocks noGrp="1"/>
+          </p:cNvSpPr>
           <p:nvPr>
             <p:ph type="ctrTitle"/>
           </p:nvPr>
@@ -2321,7 +2634,7 @@
           </a:prstGeom>
         </p:spPr>
         <p:txBody>
-          <a:bodyPr anchorCtr="0" anchor="t" bIns="91425" lIns="91425" spcFirstLastPara="1" rIns="91425" wrap="square" tIns="91425">
+          <a:bodyPr spcFirstLastPara="1" wrap="square" lIns="91425" tIns="91425" rIns="91425" bIns="91425" anchor="t" anchorCtr="0">
             <a:noAutofit/>
           </a:bodyPr>
           <a:lstStyle>
@@ -2488,15 +2801,19 @@
               </a:defRPr>
             </a:lvl9pPr>
           </a:lstStyle>
-          <a:p/>
+          <a:p>
+            <a:endParaRPr/>
+          </a:p>
         </p:txBody>
       </p:sp>
       <p:sp>
         <p:nvSpPr>
           <p:cNvPr id="14" name="Google Shape;14;p2"/>
-          <p:cNvSpPr txBox="1"/>
+          <p:cNvSpPr txBox="1">
+            <a:spLocks noGrp="1"/>
+          </p:cNvSpPr>
           <p:nvPr>
-            <p:ph idx="1" type="subTitle"/>
+            <p:ph type="subTitle" idx="1"/>
           </p:nvPr>
         </p:nvSpPr>
         <p:spPr>
@@ -2509,7 +2826,7 @@
           </a:prstGeom>
         </p:spPr>
         <p:txBody>
-          <a:bodyPr anchorCtr="0" anchor="b" bIns="91425" lIns="91425" spcFirstLastPara="1" rIns="91425" wrap="square" tIns="91425">
+          <a:bodyPr spcFirstLastPara="1" wrap="square" lIns="91425" tIns="91425" rIns="91425" bIns="91425" anchor="b" anchorCtr="0">
             <a:noAutofit/>
           </a:bodyPr>
           <a:lstStyle>
@@ -2703,15 +3020,19 @@
               </a:defRPr>
             </a:lvl9pPr>
           </a:lstStyle>
-          <a:p/>
+          <a:p>
+            <a:endParaRPr/>
+          </a:p>
         </p:txBody>
       </p:sp>
       <p:sp>
         <p:nvSpPr>
           <p:cNvPr id="15" name="Google Shape;15;p2"/>
-          <p:cNvSpPr txBox="1"/>
+          <p:cNvSpPr txBox="1">
+            <a:spLocks noGrp="1"/>
+          </p:cNvSpPr>
           <p:nvPr>
-            <p:ph idx="12" type="sldNum"/>
+            <p:ph type="sldNum" idx="12"/>
           </p:nvPr>
         </p:nvSpPr>
         <p:spPr>
@@ -2724,7 +3045,7 @@
           </a:prstGeom>
         </p:spPr>
         <p:txBody>
-          <a:bodyPr anchorCtr="0" anchor="ctr" bIns="91425" lIns="91425" spcFirstLastPara="1" rIns="91425" wrap="square" tIns="91425">
+          <a:bodyPr spcFirstLastPara="1" wrap="square" lIns="91425" tIns="91425" rIns="91425" bIns="91425" anchor="ctr" anchorCtr="0">
             <a:noAutofit/>
           </a:bodyPr>
           <a:lstStyle>
@@ -2802,7 +3123,7 @@
             </a:lvl9pPr>
           </a:lstStyle>
           <a:p>
-            <a:pPr indent="0" lvl="0" marL="0" rtl="0" algn="r">
+            <a:pPr marL="0" lvl="0" indent="0" algn="r" rtl="0">
               <a:spcBef>
                 <a:spcPts val="0"/>
               </a:spcBef>
@@ -2828,11 +3149,11 @@
 </file>
 
 <file path=ppt/slideLayouts/slideLayout10.xml><?xml version="1.0" encoding="utf-8"?>
-<p:sldLayout xmlns:a="http://schemas.openxmlformats.org/drawingml/2006/main" xmlns:r="http://schemas.openxmlformats.org/officeDocument/2006/relationships" xmlns:mc="http://schemas.openxmlformats.org/markup-compatibility/2006" xmlns:mv="urn:schemas-microsoft-com:mac:vml" xmlns:p="http://schemas.openxmlformats.org/presentationml/2006/main" xmlns:c="http://schemas.openxmlformats.org/drawingml/2006/chart" xmlns:dgm="http://schemas.openxmlformats.org/drawingml/2006/diagram" xmlns:o="urn:schemas-microsoft-com:office:office" xmlns:v="urn:schemas-microsoft-com:vml" xmlns:pvml="urn:schemas-microsoft-com:office:powerpoint" xmlns:com="http://schemas.openxmlformats.org/drawingml/2006/compatibility" xmlns:p14="http://schemas.microsoft.com/office/powerpoint/2010/main" xmlns:p15="http://schemas.microsoft.com/office/powerpoint/2012/main" matchingName="Big number">
+<p:sldLayout xmlns:a="http://schemas.openxmlformats.org/drawingml/2006/main" xmlns:r="http://schemas.openxmlformats.org/officeDocument/2006/relationships" xmlns:p="http://schemas.openxmlformats.org/presentationml/2006/main" matchingName="Big number">
   <p:cSld name="BIG_NUMBER">
     <p:spTree>
       <p:nvGrpSpPr>
-        <p:cNvPr id="60" name="Shape 60"/>
+        <p:cNvPr id="1" name="Shape 60"/>
         <p:cNvGrpSpPr/>
         <p:nvPr/>
       </p:nvGrpSpPr>
@@ -2859,14 +3180,14 @@
             <a:avLst/>
           </a:prstGeom>
           <a:noFill/>
-          <a:ln cap="flat" cmpd="sng" w="19050">
+          <a:ln w="19050" cap="flat" cmpd="sng">
             <a:solidFill>
               <a:schemeClr val="dk2"/>
             </a:solidFill>
             <a:prstDash val="solid"/>
             <a:round/>
-            <a:headEnd len="sm" w="sm" type="none"/>
-            <a:tailEnd len="sm" w="sm" type="none"/>
+            <a:headEnd type="none" w="sm" len="sm"/>
+            <a:tailEnd type="none" w="sm" len="sm"/>
           </a:ln>
         </p:spPr>
       </p:cxnSp>
@@ -2885,23 +3206,25 @@
             <a:avLst/>
           </a:prstGeom>
           <a:noFill/>
-          <a:ln cap="flat" cmpd="sng" w="38100">
+          <a:ln w="38100" cap="flat" cmpd="sng">
             <a:solidFill>
               <a:schemeClr val="dk2"/>
             </a:solidFill>
             <a:prstDash val="solid"/>
             <a:round/>
-            <a:headEnd len="sm" w="sm" type="none"/>
-            <a:tailEnd len="sm" w="sm" type="none"/>
+            <a:headEnd type="none" w="sm" len="sm"/>
+            <a:tailEnd type="none" w="sm" len="sm"/>
           </a:ln>
         </p:spPr>
       </p:cxnSp>
       <p:sp>
         <p:nvSpPr>
           <p:cNvPr id="63" name="Google Shape;63;p11"/>
-          <p:cNvSpPr txBox="1"/>
+          <p:cNvSpPr txBox="1">
+            <a:spLocks noGrp="1"/>
+          </p:cNvSpPr>
           <p:nvPr>
-            <p:ph hasCustomPrompt="1" type="title"/>
+            <p:ph type="title" hasCustomPrompt="1"/>
           </p:nvPr>
         </p:nvSpPr>
         <p:spPr>
@@ -2914,11 +3237,11 @@
           </a:prstGeom>
         </p:spPr>
         <p:txBody>
-          <a:bodyPr anchorCtr="0" anchor="ctr" bIns="91425" lIns="91425" spcFirstLastPara="1" rIns="91425" wrap="square" tIns="91425">
+          <a:bodyPr spcFirstLastPara="1" wrap="square" lIns="91425" tIns="91425" rIns="91425" bIns="91425" anchor="ctr" anchorCtr="0">
             <a:noAutofit/>
           </a:bodyPr>
           <a:lstStyle>
-            <a:lvl1pPr lvl="0" rtl="0" algn="ctr">
+            <a:lvl1pPr lvl="0" algn="ctr" rtl="0">
               <a:spcBef>
                 <a:spcPts val="0"/>
               </a:spcBef>
@@ -2941,7 +3264,7 @@
                 <a:sym typeface="Lato"/>
               </a:defRPr>
             </a:lvl1pPr>
-            <a:lvl2pPr lvl="1" rtl="0" algn="ctr">
+            <a:lvl2pPr lvl="1" algn="ctr" rtl="0">
               <a:spcBef>
                 <a:spcPts val="0"/>
               </a:spcBef>
@@ -2964,7 +3287,7 @@
                 <a:sym typeface="Lato"/>
               </a:defRPr>
             </a:lvl2pPr>
-            <a:lvl3pPr lvl="2" rtl="0" algn="ctr">
+            <a:lvl3pPr lvl="2" algn="ctr" rtl="0">
               <a:spcBef>
                 <a:spcPts val="0"/>
               </a:spcBef>
@@ -2987,7 +3310,7 @@
                 <a:sym typeface="Lato"/>
               </a:defRPr>
             </a:lvl3pPr>
-            <a:lvl4pPr lvl="3" rtl="0" algn="ctr">
+            <a:lvl4pPr lvl="3" algn="ctr" rtl="0">
               <a:spcBef>
                 <a:spcPts val="0"/>
               </a:spcBef>
@@ -3010,7 +3333,7 @@
                 <a:sym typeface="Lato"/>
               </a:defRPr>
             </a:lvl4pPr>
-            <a:lvl5pPr lvl="4" rtl="0" algn="ctr">
+            <a:lvl5pPr lvl="4" algn="ctr" rtl="0">
               <a:spcBef>
                 <a:spcPts val="0"/>
               </a:spcBef>
@@ -3033,7 +3356,7 @@
                 <a:sym typeface="Lato"/>
               </a:defRPr>
             </a:lvl5pPr>
-            <a:lvl6pPr lvl="5" rtl="0" algn="ctr">
+            <a:lvl6pPr lvl="5" algn="ctr" rtl="0">
               <a:spcBef>
                 <a:spcPts val="0"/>
               </a:spcBef>
@@ -3056,7 +3379,7 @@
                 <a:sym typeface="Lato"/>
               </a:defRPr>
             </a:lvl6pPr>
-            <a:lvl7pPr lvl="6" rtl="0" algn="ctr">
+            <a:lvl7pPr lvl="6" algn="ctr" rtl="0">
               <a:spcBef>
                 <a:spcPts val="0"/>
               </a:spcBef>
@@ -3079,7 +3402,7 @@
                 <a:sym typeface="Lato"/>
               </a:defRPr>
             </a:lvl7pPr>
-            <a:lvl8pPr lvl="7" rtl="0" algn="ctr">
+            <a:lvl8pPr lvl="7" algn="ctr" rtl="0">
               <a:spcBef>
                 <a:spcPts val="0"/>
               </a:spcBef>
@@ -3102,7 +3425,7 @@
                 <a:sym typeface="Lato"/>
               </a:defRPr>
             </a:lvl8pPr>
-            <a:lvl9pPr lvl="8" rtl="0" algn="ctr">
+            <a:lvl9pPr lvl="8" algn="ctr" rtl="0">
               <a:spcBef>
                 <a:spcPts val="0"/>
               </a:spcBef>
@@ -3136,9 +3459,11 @@
       <p:sp>
         <p:nvSpPr>
           <p:cNvPr id="64" name="Google Shape;64;p11"/>
-          <p:cNvSpPr txBox="1"/>
+          <p:cNvSpPr txBox="1">
+            <a:spLocks noGrp="1"/>
+          </p:cNvSpPr>
           <p:nvPr>
-            <p:ph idx="1" type="body"/>
+            <p:ph type="body" idx="1"/>
           </p:nvPr>
         </p:nvSpPr>
         <p:spPr>
@@ -3151,11 +3476,11 @@
           </a:prstGeom>
         </p:spPr>
         <p:txBody>
-          <a:bodyPr anchorCtr="0" anchor="t" bIns="91425" lIns="91425" spcFirstLastPara="1" rIns="91425" wrap="square" tIns="91425">
+          <a:bodyPr spcFirstLastPara="1" wrap="square" lIns="91425" tIns="91425" rIns="91425" bIns="91425" anchor="t" anchorCtr="0">
             <a:noAutofit/>
           </a:bodyPr>
           <a:lstStyle>
-            <a:lvl1pPr indent="-342900" lvl="0" marL="457200" rtl="0" algn="ctr">
+            <a:lvl1pPr marL="457200" lvl="0" indent="-342900" algn="ctr" rtl="0">
               <a:spcBef>
                 <a:spcPts val="0"/>
               </a:spcBef>
@@ -3166,7 +3491,7 @@
               <a:buChar char="●"/>
               <a:defRPr/>
             </a:lvl1pPr>
-            <a:lvl2pPr indent="-317500" lvl="1" marL="914400" rtl="0" algn="ctr">
+            <a:lvl2pPr marL="914400" lvl="1" indent="-317500" algn="ctr" rtl="0">
               <a:spcBef>
                 <a:spcPts val="1600"/>
               </a:spcBef>
@@ -3177,7 +3502,7 @@
               <a:buChar char="○"/>
               <a:defRPr/>
             </a:lvl2pPr>
-            <a:lvl3pPr indent="-317500" lvl="2" marL="1371600" rtl="0" algn="ctr">
+            <a:lvl3pPr marL="1371600" lvl="2" indent="-317500" algn="ctr" rtl="0">
               <a:spcBef>
                 <a:spcPts val="1600"/>
               </a:spcBef>
@@ -3188,7 +3513,7 @@
               <a:buChar char="■"/>
               <a:defRPr/>
             </a:lvl3pPr>
-            <a:lvl4pPr indent="-317500" lvl="3" marL="1828800" rtl="0" algn="ctr">
+            <a:lvl4pPr marL="1828800" lvl="3" indent="-317500" algn="ctr" rtl="0">
               <a:spcBef>
                 <a:spcPts val="1600"/>
               </a:spcBef>
@@ -3199,7 +3524,7 @@
               <a:buChar char="●"/>
               <a:defRPr/>
             </a:lvl4pPr>
-            <a:lvl5pPr indent="-317500" lvl="4" marL="2286000" rtl="0" algn="ctr">
+            <a:lvl5pPr marL="2286000" lvl="4" indent="-317500" algn="ctr" rtl="0">
               <a:spcBef>
                 <a:spcPts val="1600"/>
               </a:spcBef>
@@ -3210,7 +3535,7 @@
               <a:buChar char="○"/>
               <a:defRPr/>
             </a:lvl5pPr>
-            <a:lvl6pPr indent="-317500" lvl="5" marL="2743200" rtl="0" algn="ctr">
+            <a:lvl6pPr marL="2743200" lvl="5" indent="-317500" algn="ctr" rtl="0">
               <a:spcBef>
                 <a:spcPts val="1600"/>
               </a:spcBef>
@@ -3221,7 +3546,7 @@
               <a:buChar char="■"/>
               <a:defRPr/>
             </a:lvl6pPr>
-            <a:lvl7pPr indent="-317500" lvl="6" marL="3200400" rtl="0" algn="ctr">
+            <a:lvl7pPr marL="3200400" lvl="6" indent="-317500" algn="ctr" rtl="0">
               <a:spcBef>
                 <a:spcPts val="1600"/>
               </a:spcBef>
@@ -3232,7 +3557,7 @@
               <a:buChar char="●"/>
               <a:defRPr/>
             </a:lvl7pPr>
-            <a:lvl8pPr indent="-317500" lvl="7" marL="3657600" rtl="0" algn="ctr">
+            <a:lvl8pPr marL="3657600" lvl="7" indent="-317500" algn="ctr" rtl="0">
               <a:spcBef>
                 <a:spcPts val="1600"/>
               </a:spcBef>
@@ -3243,7 +3568,7 @@
               <a:buChar char="○"/>
               <a:defRPr/>
             </a:lvl8pPr>
-            <a:lvl9pPr indent="-317500" lvl="8" marL="4114800" rtl="0" algn="ctr">
+            <a:lvl9pPr marL="4114800" lvl="8" indent="-317500" algn="ctr" rtl="0">
               <a:spcBef>
                 <a:spcPts val="1600"/>
               </a:spcBef>
@@ -3255,15 +3580,19 @@
               <a:defRPr/>
             </a:lvl9pPr>
           </a:lstStyle>
-          <a:p/>
+          <a:p>
+            <a:endParaRPr/>
+          </a:p>
         </p:txBody>
       </p:sp>
       <p:sp>
         <p:nvSpPr>
           <p:cNvPr id="65" name="Google Shape;65;p11"/>
-          <p:cNvSpPr txBox="1"/>
+          <p:cNvSpPr txBox="1">
+            <a:spLocks noGrp="1"/>
+          </p:cNvSpPr>
           <p:nvPr>
-            <p:ph idx="12" type="sldNum"/>
+            <p:ph type="sldNum" idx="12"/>
           </p:nvPr>
         </p:nvSpPr>
         <p:spPr>
@@ -3276,7 +3605,7 @@
           </a:prstGeom>
         </p:spPr>
         <p:txBody>
-          <a:bodyPr anchorCtr="0" anchor="ctr" bIns="91425" lIns="91425" spcFirstLastPara="1" rIns="91425" wrap="square" tIns="91425">
+          <a:bodyPr spcFirstLastPara="1" wrap="square" lIns="91425" tIns="91425" rIns="91425" bIns="91425" anchor="ctr" anchorCtr="0">
             <a:noAutofit/>
           </a:bodyPr>
           <a:lstStyle>
@@ -3318,7 +3647,7 @@
             </a:lvl9pPr>
           </a:lstStyle>
           <a:p>
-            <a:pPr indent="0" lvl="0" marL="0" rtl="0" algn="r">
+            <a:pPr marL="0" lvl="0" indent="0" algn="r" rtl="0">
               <a:spcBef>
                 <a:spcPts val="0"/>
               </a:spcBef>
@@ -3344,11 +3673,11 @@
 </file>
 
 <file path=ppt/slideLayouts/slideLayout11.xml><?xml version="1.0" encoding="utf-8"?>
-<p:sldLayout xmlns:a="http://schemas.openxmlformats.org/drawingml/2006/main" xmlns:r="http://schemas.openxmlformats.org/officeDocument/2006/relationships" xmlns:mc="http://schemas.openxmlformats.org/markup-compatibility/2006" xmlns:mv="urn:schemas-microsoft-com:mac:vml" xmlns:p="http://schemas.openxmlformats.org/presentationml/2006/main" xmlns:c="http://schemas.openxmlformats.org/drawingml/2006/chart" xmlns:dgm="http://schemas.openxmlformats.org/drawingml/2006/diagram" xmlns:o="urn:schemas-microsoft-com:office:office" xmlns:v="urn:schemas-microsoft-com:vml" xmlns:pvml="urn:schemas-microsoft-com:office:powerpoint" xmlns:com="http://schemas.openxmlformats.org/drawingml/2006/compatibility" xmlns:p14="http://schemas.microsoft.com/office/powerpoint/2010/main" xmlns:p15="http://schemas.microsoft.com/office/powerpoint/2012/main" matchingName="Blank" type="blank">
+<p:sldLayout xmlns:a="http://schemas.openxmlformats.org/drawingml/2006/main" xmlns:r="http://schemas.openxmlformats.org/officeDocument/2006/relationships" xmlns:p="http://schemas.openxmlformats.org/presentationml/2006/main" matchingName="Blank" type="blank">
   <p:cSld name="BLANK">
     <p:spTree>
       <p:nvGrpSpPr>
-        <p:cNvPr id="66" name="Shape 66"/>
+        <p:cNvPr id="1" name="Shape 66"/>
         <p:cNvGrpSpPr/>
         <p:nvPr/>
       </p:nvGrpSpPr>
@@ -3363,9 +3692,11 @@
       <p:sp>
         <p:nvSpPr>
           <p:cNvPr id="67" name="Google Shape;67;p12"/>
-          <p:cNvSpPr txBox="1"/>
+          <p:cNvSpPr txBox="1">
+            <a:spLocks noGrp="1"/>
+          </p:cNvSpPr>
           <p:nvPr>
-            <p:ph idx="12" type="sldNum"/>
+            <p:ph type="sldNum" idx="12"/>
           </p:nvPr>
         </p:nvSpPr>
         <p:spPr>
@@ -3378,7 +3709,7 @@
           </a:prstGeom>
         </p:spPr>
         <p:txBody>
-          <a:bodyPr anchorCtr="0" anchor="ctr" bIns="91425" lIns="91425" spcFirstLastPara="1" rIns="91425" wrap="square" tIns="91425">
+          <a:bodyPr spcFirstLastPara="1" wrap="square" lIns="91425" tIns="91425" rIns="91425" bIns="91425" anchor="ctr" anchorCtr="0">
             <a:noAutofit/>
           </a:bodyPr>
           <a:lstStyle>
@@ -3420,7 +3751,7 @@
             </a:lvl9pPr>
           </a:lstStyle>
           <a:p>
-            <a:pPr indent="0" lvl="0" marL="0" rtl="0" algn="r">
+            <a:pPr marL="0" lvl="0" indent="0" algn="r" rtl="0">
               <a:spcBef>
                 <a:spcPts val="0"/>
               </a:spcBef>
@@ -3446,18 +3777,19 @@
 </file>
 
 <file path=ppt/slideLayouts/slideLayout2.xml><?xml version="1.0" encoding="utf-8"?>
-<p:sldLayout xmlns:a="http://schemas.openxmlformats.org/drawingml/2006/main" xmlns:r="http://schemas.openxmlformats.org/officeDocument/2006/relationships" xmlns:mc="http://schemas.openxmlformats.org/markup-compatibility/2006" xmlns:mv="urn:schemas-microsoft-com:mac:vml" xmlns:p="http://schemas.openxmlformats.org/presentationml/2006/main" xmlns:c="http://schemas.openxmlformats.org/drawingml/2006/chart" xmlns:dgm="http://schemas.openxmlformats.org/drawingml/2006/diagram" xmlns:o="urn:schemas-microsoft-com:office:office" xmlns:v="urn:schemas-microsoft-com:vml" xmlns:pvml="urn:schemas-microsoft-com:office:powerpoint" xmlns:com="http://schemas.openxmlformats.org/drawingml/2006/compatibility" xmlns:p14="http://schemas.microsoft.com/office/powerpoint/2010/main" xmlns:p15="http://schemas.microsoft.com/office/powerpoint/2012/main" matchingName="Section header" type="secHead">
+<p:sldLayout xmlns:a="http://schemas.openxmlformats.org/drawingml/2006/main" xmlns:r="http://schemas.openxmlformats.org/officeDocument/2006/relationships" xmlns:p="http://schemas.openxmlformats.org/presentationml/2006/main" matchingName="Section header" type="secHead">
   <p:cSld name="SECTION_HEADER">
     <p:bg>
       <p:bgPr>
         <a:solidFill>
           <a:schemeClr val="dk1"/>
         </a:solidFill>
+        <a:effectLst/>
       </p:bgPr>
     </p:bg>
     <p:spTree>
       <p:nvGrpSpPr>
-        <p:cNvPr id="16" name="Shape 16"/>
+        <p:cNvPr id="1" name="Shape 16"/>
         <p:cNvGrpSpPr/>
         <p:nvPr/>
       </p:nvGrpSpPr>
@@ -3484,14 +3816,14 @@
             <a:avLst/>
           </a:prstGeom>
           <a:noFill/>
-          <a:ln cap="flat" cmpd="sng" w="38100">
+          <a:ln w="38100" cap="flat" cmpd="sng">
             <a:solidFill>
               <a:schemeClr val="lt1"/>
             </a:solidFill>
             <a:prstDash val="solid"/>
             <a:round/>
-            <a:headEnd len="sm" w="sm" type="none"/>
-            <a:tailEnd len="sm" w="sm" type="none"/>
+            <a:headEnd type="none" w="sm" len="sm"/>
+            <a:tailEnd type="none" w="sm" len="sm"/>
           </a:ln>
         </p:spPr>
       </p:cxnSp>
@@ -3510,21 +3842,23 @@
             <a:avLst/>
           </a:prstGeom>
           <a:noFill/>
-          <a:ln cap="flat" cmpd="sng" w="19050">
+          <a:ln w="19050" cap="flat" cmpd="sng">
             <a:solidFill>
               <a:schemeClr val="lt1"/>
             </a:solidFill>
             <a:prstDash val="solid"/>
             <a:round/>
-            <a:headEnd len="sm" w="sm" type="none"/>
-            <a:tailEnd len="sm" w="sm" type="none"/>
+            <a:headEnd type="none" w="sm" len="sm"/>
+            <a:tailEnd type="none" w="sm" len="sm"/>
           </a:ln>
         </p:spPr>
       </p:cxnSp>
       <p:sp>
         <p:nvSpPr>
           <p:cNvPr id="19" name="Google Shape;19;p3"/>
-          <p:cNvSpPr txBox="1"/>
+          <p:cNvSpPr txBox="1">
+            <a:spLocks noGrp="1"/>
+          </p:cNvSpPr>
           <p:nvPr>
             <p:ph type="title"/>
           </p:nvPr>
@@ -3539,11 +3873,11 @@
           </a:prstGeom>
         </p:spPr>
         <p:txBody>
-          <a:bodyPr anchorCtr="0" anchor="ctr" bIns="91425" lIns="91425" spcFirstLastPara="1" rIns="91425" wrap="square" tIns="91425">
+          <a:bodyPr spcFirstLastPara="1" wrap="square" lIns="91425" tIns="91425" rIns="91425" bIns="91425" anchor="ctr" anchorCtr="0">
             <a:noAutofit/>
           </a:bodyPr>
           <a:lstStyle>
-            <a:lvl1pPr lvl="0" rtl="0" algn="ctr">
+            <a:lvl1pPr lvl="0" algn="ctr" rtl="0">
               <a:spcBef>
                 <a:spcPts val="0"/>
               </a:spcBef>
@@ -3561,7 +3895,7 @@
                 </a:solidFill>
               </a:defRPr>
             </a:lvl1pPr>
-            <a:lvl2pPr lvl="1" rtl="0" algn="ctr">
+            <a:lvl2pPr lvl="1" algn="ctr" rtl="0">
               <a:spcBef>
                 <a:spcPts val="0"/>
               </a:spcBef>
@@ -3579,7 +3913,7 @@
                 </a:solidFill>
               </a:defRPr>
             </a:lvl2pPr>
-            <a:lvl3pPr lvl="2" rtl="0" algn="ctr">
+            <a:lvl3pPr lvl="2" algn="ctr" rtl="0">
               <a:spcBef>
                 <a:spcPts val="0"/>
               </a:spcBef>
@@ -3597,7 +3931,7 @@
                 </a:solidFill>
               </a:defRPr>
             </a:lvl3pPr>
-            <a:lvl4pPr lvl="3" rtl="0" algn="ctr">
+            <a:lvl4pPr lvl="3" algn="ctr" rtl="0">
               <a:spcBef>
                 <a:spcPts val="0"/>
               </a:spcBef>
@@ -3615,7 +3949,7 @@
                 </a:solidFill>
               </a:defRPr>
             </a:lvl4pPr>
-            <a:lvl5pPr lvl="4" rtl="0" algn="ctr">
+            <a:lvl5pPr lvl="4" algn="ctr" rtl="0">
               <a:spcBef>
                 <a:spcPts val="0"/>
               </a:spcBef>
@@ -3633,7 +3967,7 @@
                 </a:solidFill>
               </a:defRPr>
             </a:lvl5pPr>
-            <a:lvl6pPr lvl="5" rtl="0" algn="ctr">
+            <a:lvl6pPr lvl="5" algn="ctr" rtl="0">
               <a:spcBef>
                 <a:spcPts val="0"/>
               </a:spcBef>
@@ -3651,7 +3985,7 @@
                 </a:solidFill>
               </a:defRPr>
             </a:lvl6pPr>
-            <a:lvl7pPr lvl="6" rtl="0" algn="ctr">
+            <a:lvl7pPr lvl="6" algn="ctr" rtl="0">
               <a:spcBef>
                 <a:spcPts val="0"/>
               </a:spcBef>
@@ -3669,7 +4003,7 @@
                 </a:solidFill>
               </a:defRPr>
             </a:lvl7pPr>
-            <a:lvl8pPr lvl="7" rtl="0" algn="ctr">
+            <a:lvl8pPr lvl="7" algn="ctr" rtl="0">
               <a:spcBef>
                 <a:spcPts val="0"/>
               </a:spcBef>
@@ -3687,7 +4021,7 @@
                 </a:solidFill>
               </a:defRPr>
             </a:lvl8pPr>
-            <a:lvl9pPr lvl="8" rtl="0" algn="ctr">
+            <a:lvl9pPr lvl="8" algn="ctr" rtl="0">
               <a:spcBef>
                 <a:spcPts val="0"/>
               </a:spcBef>
@@ -3706,15 +4040,19 @@
               </a:defRPr>
             </a:lvl9pPr>
           </a:lstStyle>
-          <a:p/>
+          <a:p>
+            <a:endParaRPr/>
+          </a:p>
         </p:txBody>
       </p:sp>
       <p:sp>
         <p:nvSpPr>
           <p:cNvPr id="20" name="Google Shape;20;p3"/>
-          <p:cNvSpPr txBox="1"/>
+          <p:cNvSpPr txBox="1">
+            <a:spLocks noGrp="1"/>
+          </p:cNvSpPr>
           <p:nvPr>
-            <p:ph idx="12" type="sldNum"/>
+            <p:ph type="sldNum" idx="12"/>
           </p:nvPr>
         </p:nvSpPr>
         <p:spPr>
@@ -3727,7 +4065,7 @@
           </a:prstGeom>
         </p:spPr>
         <p:txBody>
-          <a:bodyPr anchorCtr="0" anchor="ctr" bIns="91425" lIns="91425" spcFirstLastPara="1" rIns="91425" wrap="square" tIns="91425">
+          <a:bodyPr spcFirstLastPara="1" wrap="square" lIns="91425" tIns="91425" rIns="91425" bIns="91425" anchor="ctr" anchorCtr="0">
             <a:noAutofit/>
           </a:bodyPr>
           <a:lstStyle>
@@ -3805,7 +4143,7 @@
             </a:lvl9pPr>
           </a:lstStyle>
           <a:p>
-            <a:pPr indent="0" lvl="0" marL="0" rtl="0" algn="r">
+            <a:pPr marL="0" lvl="0" indent="0" algn="r" rtl="0">
               <a:spcBef>
                 <a:spcPts val="0"/>
               </a:spcBef>
@@ -3831,11 +4169,11 @@
 </file>
 
 <file path=ppt/slideLayouts/slideLayout3.xml><?xml version="1.0" encoding="utf-8"?>
-<p:sldLayout xmlns:a="http://schemas.openxmlformats.org/drawingml/2006/main" xmlns:r="http://schemas.openxmlformats.org/officeDocument/2006/relationships" xmlns:mc="http://schemas.openxmlformats.org/markup-compatibility/2006" xmlns:mv="urn:schemas-microsoft-com:mac:vml" xmlns:p="http://schemas.openxmlformats.org/presentationml/2006/main" xmlns:c="http://schemas.openxmlformats.org/drawingml/2006/chart" xmlns:dgm="http://schemas.openxmlformats.org/drawingml/2006/diagram" xmlns:o="urn:schemas-microsoft-com:office:office" xmlns:v="urn:schemas-microsoft-com:vml" xmlns:pvml="urn:schemas-microsoft-com:office:powerpoint" xmlns:com="http://schemas.openxmlformats.org/drawingml/2006/compatibility" xmlns:p14="http://schemas.microsoft.com/office/powerpoint/2010/main" xmlns:p15="http://schemas.microsoft.com/office/powerpoint/2012/main" matchingName="Title and body" type="tx">
+<p:sldLayout xmlns:a="http://schemas.openxmlformats.org/drawingml/2006/main" xmlns:r="http://schemas.openxmlformats.org/officeDocument/2006/relationships" xmlns:p="http://schemas.openxmlformats.org/presentationml/2006/main" matchingName="Title and body" type="tx">
   <p:cSld name="TITLE_AND_BODY">
     <p:spTree>
       <p:nvGrpSpPr>
-        <p:cNvPr id="21" name="Shape 21"/>
+        <p:cNvPr id="1" name="Shape 21"/>
         <p:cNvGrpSpPr/>
         <p:nvPr/>
       </p:nvGrpSpPr>
@@ -3862,14 +4200,14 @@
             <a:avLst/>
           </a:prstGeom>
           <a:noFill/>
-          <a:ln cap="flat" cmpd="sng" w="38100">
+          <a:ln w="38100" cap="flat" cmpd="sng">
             <a:solidFill>
               <a:schemeClr val="dk2"/>
             </a:solidFill>
             <a:prstDash val="solid"/>
             <a:round/>
-            <a:headEnd len="sm" w="sm" type="none"/>
-            <a:tailEnd len="sm" w="sm" type="none"/>
+            <a:headEnd type="none" w="sm" len="sm"/>
+            <a:tailEnd type="none" w="sm" len="sm"/>
           </a:ln>
         </p:spPr>
       </p:cxnSp>
@@ -3888,14 +4226,14 @@
             <a:avLst/>
           </a:prstGeom>
           <a:noFill/>
-          <a:ln cap="flat" cmpd="sng" w="19050">
+          <a:ln w="19050" cap="flat" cmpd="sng">
             <a:solidFill>
               <a:schemeClr val="dk2"/>
             </a:solidFill>
             <a:prstDash val="solid"/>
             <a:round/>
-            <a:headEnd len="sm" w="sm" type="none"/>
-            <a:tailEnd len="sm" w="sm" type="none"/>
+            <a:headEnd type="none" w="sm" len="sm"/>
+            <a:tailEnd type="none" w="sm" len="sm"/>
           </a:ln>
         </p:spPr>
       </p:cxnSp>
@@ -3914,21 +4252,23 @@
             <a:avLst/>
           </a:prstGeom>
           <a:noFill/>
-          <a:ln cap="flat" cmpd="sng" w="19050">
+          <a:ln w="19050" cap="flat" cmpd="sng">
             <a:solidFill>
               <a:schemeClr val="dk2"/>
             </a:solidFill>
             <a:prstDash val="solid"/>
             <a:round/>
-            <a:headEnd len="sm" w="sm" type="none"/>
-            <a:tailEnd len="sm" w="sm" type="none"/>
+            <a:headEnd type="none" w="sm" len="sm"/>
+            <a:tailEnd type="none" w="sm" len="sm"/>
           </a:ln>
         </p:spPr>
       </p:cxnSp>
       <p:sp>
         <p:nvSpPr>
           <p:cNvPr id="25" name="Google Shape;25;p4"/>
-          <p:cNvSpPr txBox="1"/>
+          <p:cNvSpPr txBox="1">
+            <a:spLocks noGrp="1"/>
+          </p:cNvSpPr>
           <p:nvPr>
             <p:ph type="title"/>
           </p:nvPr>
@@ -3943,7 +4283,7 @@
           </a:prstGeom>
         </p:spPr>
         <p:txBody>
-          <a:bodyPr anchorCtr="0" anchor="t" bIns="91425" lIns="91425" spcFirstLastPara="1" rIns="91425" wrap="square" tIns="91425">
+          <a:bodyPr spcFirstLastPara="1" wrap="square" lIns="91425" tIns="91425" rIns="91425" bIns="91425" anchor="t" anchorCtr="0">
             <a:noAutofit/>
           </a:bodyPr>
           <a:lstStyle>
@@ -4047,15 +4387,19 @@
               <a:defRPr/>
             </a:lvl9pPr>
           </a:lstStyle>
-          <a:p/>
+          <a:p>
+            <a:endParaRPr/>
+          </a:p>
         </p:txBody>
       </p:sp>
       <p:sp>
         <p:nvSpPr>
           <p:cNvPr id="26" name="Google Shape;26;p4"/>
-          <p:cNvSpPr txBox="1"/>
+          <p:cNvSpPr txBox="1">
+            <a:spLocks noGrp="1"/>
+          </p:cNvSpPr>
           <p:nvPr>
-            <p:ph idx="1" type="body"/>
+            <p:ph type="body" idx="1"/>
           </p:nvPr>
         </p:nvSpPr>
         <p:spPr>
@@ -4068,11 +4412,11 @@
           </a:prstGeom>
         </p:spPr>
         <p:txBody>
-          <a:bodyPr anchorCtr="0" anchor="t" bIns="91425" lIns="91425" spcFirstLastPara="1" rIns="91425" wrap="square" tIns="91425">
+          <a:bodyPr spcFirstLastPara="1" wrap="square" lIns="91425" tIns="91425" rIns="91425" bIns="91425" anchor="t" anchorCtr="0">
             <a:noAutofit/>
           </a:bodyPr>
           <a:lstStyle>
-            <a:lvl1pPr indent="-342900" lvl="0" marL="457200" rtl="0">
+            <a:lvl1pPr marL="457200" lvl="0" indent="-342900" rtl="0">
               <a:spcBef>
                 <a:spcPts val="0"/>
               </a:spcBef>
@@ -4083,7 +4427,7 @@
               <a:buChar char="●"/>
               <a:defRPr/>
             </a:lvl1pPr>
-            <a:lvl2pPr indent="-317500" lvl="1" marL="914400" rtl="0">
+            <a:lvl2pPr marL="914400" lvl="1" indent="-317500" rtl="0">
               <a:spcBef>
                 <a:spcPts val="1600"/>
               </a:spcBef>
@@ -4094,7 +4438,7 @@
               <a:buChar char="○"/>
               <a:defRPr/>
             </a:lvl2pPr>
-            <a:lvl3pPr indent="-317500" lvl="2" marL="1371600" rtl="0">
+            <a:lvl3pPr marL="1371600" lvl="2" indent="-317500" rtl="0">
               <a:spcBef>
                 <a:spcPts val="1600"/>
               </a:spcBef>
@@ -4105,7 +4449,7 @@
               <a:buChar char="■"/>
               <a:defRPr/>
             </a:lvl3pPr>
-            <a:lvl4pPr indent="-317500" lvl="3" marL="1828800" rtl="0">
+            <a:lvl4pPr marL="1828800" lvl="3" indent="-317500" rtl="0">
               <a:spcBef>
                 <a:spcPts val="1600"/>
               </a:spcBef>
@@ -4116,7 +4460,7 @@
               <a:buChar char="●"/>
               <a:defRPr/>
             </a:lvl4pPr>
-            <a:lvl5pPr indent="-317500" lvl="4" marL="2286000" rtl="0">
+            <a:lvl5pPr marL="2286000" lvl="4" indent="-317500" rtl="0">
               <a:spcBef>
                 <a:spcPts val="1600"/>
               </a:spcBef>
@@ -4127,7 +4471,7 @@
               <a:buChar char="○"/>
               <a:defRPr/>
             </a:lvl5pPr>
-            <a:lvl6pPr indent="-317500" lvl="5" marL="2743200" rtl="0">
+            <a:lvl6pPr marL="2743200" lvl="5" indent="-317500" rtl="0">
               <a:spcBef>
                 <a:spcPts val="1600"/>
               </a:spcBef>
@@ -4138,7 +4482,7 @@
               <a:buChar char="■"/>
               <a:defRPr/>
             </a:lvl6pPr>
-            <a:lvl7pPr indent="-317500" lvl="6" marL="3200400" rtl="0">
+            <a:lvl7pPr marL="3200400" lvl="6" indent="-317500" rtl="0">
               <a:spcBef>
                 <a:spcPts val="1600"/>
               </a:spcBef>
@@ -4149,7 +4493,7 @@
               <a:buChar char="●"/>
               <a:defRPr/>
             </a:lvl7pPr>
-            <a:lvl8pPr indent="-317500" lvl="7" marL="3657600" rtl="0">
+            <a:lvl8pPr marL="3657600" lvl="7" indent="-317500" rtl="0">
               <a:spcBef>
                 <a:spcPts val="1600"/>
               </a:spcBef>
@@ -4160,7 +4504,7 @@
               <a:buChar char="○"/>
               <a:defRPr/>
             </a:lvl8pPr>
-            <a:lvl9pPr indent="-317500" lvl="8" marL="4114800" rtl="0">
+            <a:lvl9pPr marL="4114800" lvl="8" indent="-317500" rtl="0">
               <a:spcBef>
                 <a:spcPts val="1600"/>
               </a:spcBef>
@@ -4172,15 +4516,19 @@
               <a:defRPr/>
             </a:lvl9pPr>
           </a:lstStyle>
-          <a:p/>
+          <a:p>
+            <a:endParaRPr/>
+          </a:p>
         </p:txBody>
       </p:sp>
       <p:sp>
         <p:nvSpPr>
           <p:cNvPr id="27" name="Google Shape;27;p4"/>
-          <p:cNvSpPr txBox="1"/>
+          <p:cNvSpPr txBox="1">
+            <a:spLocks noGrp="1"/>
+          </p:cNvSpPr>
           <p:nvPr>
-            <p:ph idx="12" type="sldNum"/>
+            <p:ph type="sldNum" idx="12"/>
           </p:nvPr>
         </p:nvSpPr>
         <p:spPr>
@@ -4193,7 +4541,7 @@
           </a:prstGeom>
         </p:spPr>
         <p:txBody>
-          <a:bodyPr anchorCtr="0" anchor="ctr" bIns="91425" lIns="91425" spcFirstLastPara="1" rIns="91425" wrap="square" tIns="91425">
+          <a:bodyPr spcFirstLastPara="1" wrap="square" lIns="91425" tIns="91425" rIns="91425" bIns="91425" anchor="ctr" anchorCtr="0">
             <a:noAutofit/>
           </a:bodyPr>
           <a:lstStyle>
@@ -4235,7 +4583,7 @@
             </a:lvl9pPr>
           </a:lstStyle>
           <a:p>
-            <a:pPr indent="0" lvl="0" marL="0" rtl="0" algn="r">
+            <a:pPr marL="0" lvl="0" indent="0" algn="r" rtl="0">
               <a:spcBef>
                 <a:spcPts val="0"/>
               </a:spcBef>
@@ -4261,11 +4609,11 @@
 </file>
 
 <file path=ppt/slideLayouts/slideLayout4.xml><?xml version="1.0" encoding="utf-8"?>
-<p:sldLayout xmlns:a="http://schemas.openxmlformats.org/drawingml/2006/main" xmlns:r="http://schemas.openxmlformats.org/officeDocument/2006/relationships" xmlns:mc="http://schemas.openxmlformats.org/markup-compatibility/2006" xmlns:mv="urn:schemas-microsoft-com:mac:vml" xmlns:p="http://schemas.openxmlformats.org/presentationml/2006/main" xmlns:c="http://schemas.openxmlformats.org/drawingml/2006/chart" xmlns:dgm="http://schemas.openxmlformats.org/drawingml/2006/diagram" xmlns:o="urn:schemas-microsoft-com:office:office" xmlns:v="urn:schemas-microsoft-com:vml" xmlns:pvml="urn:schemas-microsoft-com:office:powerpoint" xmlns:com="http://schemas.openxmlformats.org/drawingml/2006/compatibility" xmlns:p14="http://schemas.microsoft.com/office/powerpoint/2010/main" xmlns:p15="http://schemas.microsoft.com/office/powerpoint/2012/main" matchingName="Title and two columns" type="twoColTx">
+<p:sldLayout xmlns:a="http://schemas.openxmlformats.org/drawingml/2006/main" xmlns:r="http://schemas.openxmlformats.org/officeDocument/2006/relationships" xmlns:p="http://schemas.openxmlformats.org/presentationml/2006/main" matchingName="Title and two columns" type="twoColTx">
   <p:cSld name="TITLE_AND_TWO_COLUMNS">
     <p:spTree>
       <p:nvGrpSpPr>
-        <p:cNvPr id="28" name="Shape 28"/>
+        <p:cNvPr id="1" name="Shape 28"/>
         <p:cNvGrpSpPr/>
         <p:nvPr/>
       </p:nvGrpSpPr>
@@ -4292,14 +4640,14 @@
             <a:avLst/>
           </a:prstGeom>
           <a:noFill/>
-          <a:ln cap="flat" cmpd="sng" w="38100">
+          <a:ln w="38100" cap="flat" cmpd="sng">
             <a:solidFill>
               <a:schemeClr val="dk2"/>
             </a:solidFill>
             <a:prstDash val="solid"/>
             <a:round/>
-            <a:headEnd len="sm" w="sm" type="none"/>
-            <a:tailEnd len="sm" w="sm" type="none"/>
+            <a:headEnd type="none" w="sm" len="sm"/>
+            <a:tailEnd type="none" w="sm" len="sm"/>
           </a:ln>
         </p:spPr>
       </p:cxnSp>
@@ -4318,14 +4666,14 @@
             <a:avLst/>
           </a:prstGeom>
           <a:noFill/>
-          <a:ln cap="flat" cmpd="sng" w="19050">
+          <a:ln w="19050" cap="flat" cmpd="sng">
             <a:solidFill>
               <a:schemeClr val="dk2"/>
             </a:solidFill>
             <a:prstDash val="solid"/>
             <a:round/>
-            <a:headEnd len="sm" w="sm" type="none"/>
-            <a:tailEnd len="sm" w="sm" type="none"/>
+            <a:headEnd type="none" w="sm" len="sm"/>
+            <a:tailEnd type="none" w="sm" len="sm"/>
           </a:ln>
         </p:spPr>
       </p:cxnSp>
@@ -4344,21 +4692,23 @@
             <a:avLst/>
           </a:prstGeom>
           <a:noFill/>
-          <a:ln cap="flat" cmpd="sng" w="19050">
+          <a:ln w="19050" cap="flat" cmpd="sng">
             <a:solidFill>
               <a:schemeClr val="dk2"/>
             </a:solidFill>
             <a:prstDash val="solid"/>
             <a:round/>
-            <a:headEnd len="sm" w="sm" type="none"/>
-            <a:tailEnd len="sm" w="sm" type="none"/>
+            <a:headEnd type="none" w="sm" len="sm"/>
+            <a:tailEnd type="none" w="sm" len="sm"/>
           </a:ln>
         </p:spPr>
       </p:cxnSp>
       <p:sp>
         <p:nvSpPr>
           <p:cNvPr id="32" name="Google Shape;32;p5"/>
-          <p:cNvSpPr txBox="1"/>
+          <p:cNvSpPr txBox="1">
+            <a:spLocks noGrp="1"/>
+          </p:cNvSpPr>
           <p:nvPr>
             <p:ph type="title"/>
           </p:nvPr>
@@ -4373,7 +4723,7 @@
           </a:prstGeom>
         </p:spPr>
         <p:txBody>
-          <a:bodyPr anchorCtr="0" anchor="t" bIns="91425" lIns="91425" spcFirstLastPara="1" rIns="91425" wrap="square" tIns="91425">
+          <a:bodyPr spcFirstLastPara="1" wrap="square" lIns="91425" tIns="91425" rIns="91425" bIns="91425" anchor="t" anchorCtr="0">
             <a:noAutofit/>
           </a:bodyPr>
           <a:lstStyle>
@@ -4477,15 +4827,19 @@
               <a:defRPr/>
             </a:lvl9pPr>
           </a:lstStyle>
-          <a:p/>
+          <a:p>
+            <a:endParaRPr/>
+          </a:p>
         </p:txBody>
       </p:sp>
       <p:sp>
         <p:nvSpPr>
           <p:cNvPr id="33" name="Google Shape;33;p5"/>
-          <p:cNvSpPr txBox="1"/>
+          <p:cNvSpPr txBox="1">
+            <a:spLocks noGrp="1"/>
+          </p:cNvSpPr>
           <p:nvPr>
-            <p:ph idx="1" type="body"/>
+            <p:ph type="body" idx="1"/>
           </p:nvPr>
         </p:nvSpPr>
         <p:spPr>
@@ -4498,11 +4852,11 @@
           </a:prstGeom>
         </p:spPr>
         <p:txBody>
-          <a:bodyPr anchorCtr="0" anchor="t" bIns="91425" lIns="91425" spcFirstLastPara="1" rIns="91425" wrap="square" tIns="91425">
+          <a:bodyPr spcFirstLastPara="1" wrap="square" lIns="91425" tIns="91425" rIns="91425" bIns="91425" anchor="t" anchorCtr="0">
             <a:noAutofit/>
           </a:bodyPr>
           <a:lstStyle>
-            <a:lvl1pPr indent="-317500" lvl="0" marL="457200" rtl="0">
+            <a:lvl1pPr marL="457200" lvl="0" indent="-317500" rtl="0">
               <a:spcBef>
                 <a:spcPts val="0"/>
               </a:spcBef>
@@ -4513,7 +4867,7 @@
               <a:buChar char="●"/>
               <a:defRPr sz="1400"/>
             </a:lvl1pPr>
-            <a:lvl2pPr indent="-304800" lvl="1" marL="914400" rtl="0">
+            <a:lvl2pPr marL="914400" lvl="1" indent="-304800" rtl="0">
               <a:spcBef>
                 <a:spcPts val="1600"/>
               </a:spcBef>
@@ -4524,7 +4878,7 @@
               <a:buChar char="○"/>
               <a:defRPr sz="1200"/>
             </a:lvl2pPr>
-            <a:lvl3pPr indent="-304800" lvl="2" marL="1371600" rtl="0">
+            <a:lvl3pPr marL="1371600" lvl="2" indent="-304800" rtl="0">
               <a:spcBef>
                 <a:spcPts val="1600"/>
               </a:spcBef>
@@ -4535,7 +4889,7 @@
               <a:buChar char="■"/>
               <a:defRPr sz="1200"/>
             </a:lvl3pPr>
-            <a:lvl4pPr indent="-304800" lvl="3" marL="1828800" rtl="0">
+            <a:lvl4pPr marL="1828800" lvl="3" indent="-304800" rtl="0">
               <a:spcBef>
                 <a:spcPts val="1600"/>
               </a:spcBef>
@@ -4546,7 +4900,7 @@
               <a:buChar char="●"/>
               <a:defRPr sz="1200"/>
             </a:lvl4pPr>
-            <a:lvl5pPr indent="-304800" lvl="4" marL="2286000" rtl="0">
+            <a:lvl5pPr marL="2286000" lvl="4" indent="-304800" rtl="0">
               <a:spcBef>
                 <a:spcPts val="1600"/>
               </a:spcBef>
@@ -4557,7 +4911,7 @@
               <a:buChar char="○"/>
               <a:defRPr sz="1200"/>
             </a:lvl5pPr>
-            <a:lvl6pPr indent="-304800" lvl="5" marL="2743200" rtl="0">
+            <a:lvl6pPr marL="2743200" lvl="5" indent="-304800" rtl="0">
               <a:spcBef>
                 <a:spcPts val="1600"/>
               </a:spcBef>
@@ -4568,7 +4922,7 @@
               <a:buChar char="■"/>
               <a:defRPr sz="1200"/>
             </a:lvl6pPr>
-            <a:lvl7pPr indent="-304800" lvl="6" marL="3200400" rtl="0">
+            <a:lvl7pPr marL="3200400" lvl="6" indent="-304800" rtl="0">
               <a:spcBef>
                 <a:spcPts val="1600"/>
               </a:spcBef>
@@ -4579,7 +4933,7 @@
               <a:buChar char="●"/>
               <a:defRPr sz="1200"/>
             </a:lvl7pPr>
-            <a:lvl8pPr indent="-304800" lvl="7" marL="3657600" rtl="0">
+            <a:lvl8pPr marL="3657600" lvl="7" indent="-304800" rtl="0">
               <a:spcBef>
                 <a:spcPts val="1600"/>
               </a:spcBef>
@@ -4590,7 +4944,7 @@
               <a:buChar char="○"/>
               <a:defRPr sz="1200"/>
             </a:lvl8pPr>
-            <a:lvl9pPr indent="-304800" lvl="8" marL="4114800" rtl="0">
+            <a:lvl9pPr marL="4114800" lvl="8" indent="-304800" rtl="0">
               <a:spcBef>
                 <a:spcPts val="1600"/>
               </a:spcBef>
@@ -4602,15 +4956,19 @@
               <a:defRPr sz="1200"/>
             </a:lvl9pPr>
           </a:lstStyle>
-          <a:p/>
+          <a:p>
+            <a:endParaRPr/>
+          </a:p>
         </p:txBody>
       </p:sp>
       <p:sp>
         <p:nvSpPr>
           <p:cNvPr id="34" name="Google Shape;34;p5"/>
-          <p:cNvSpPr txBox="1"/>
+          <p:cNvSpPr txBox="1">
+            <a:spLocks noGrp="1"/>
+          </p:cNvSpPr>
           <p:nvPr>
-            <p:ph idx="2" type="body"/>
+            <p:ph type="body" idx="2"/>
           </p:nvPr>
         </p:nvSpPr>
         <p:spPr>
@@ -4623,11 +4981,11 @@
           </a:prstGeom>
         </p:spPr>
         <p:txBody>
-          <a:bodyPr anchorCtr="0" anchor="t" bIns="91425" lIns="91425" spcFirstLastPara="1" rIns="91425" wrap="square" tIns="91425">
+          <a:bodyPr spcFirstLastPara="1" wrap="square" lIns="91425" tIns="91425" rIns="91425" bIns="91425" anchor="t" anchorCtr="0">
             <a:noAutofit/>
           </a:bodyPr>
           <a:lstStyle>
-            <a:lvl1pPr indent="-317500" lvl="0" marL="457200" rtl="0">
+            <a:lvl1pPr marL="457200" lvl="0" indent="-317500" rtl="0">
               <a:spcBef>
                 <a:spcPts val="0"/>
               </a:spcBef>
@@ -4638,7 +4996,7 @@
               <a:buChar char="●"/>
               <a:defRPr sz="1400"/>
             </a:lvl1pPr>
-            <a:lvl2pPr indent="-304800" lvl="1" marL="914400" rtl="0">
+            <a:lvl2pPr marL="914400" lvl="1" indent="-304800" rtl="0">
               <a:spcBef>
                 <a:spcPts val="1600"/>
               </a:spcBef>
@@ -4649,7 +5007,7 @@
               <a:buChar char="○"/>
               <a:defRPr sz="1200"/>
             </a:lvl2pPr>
-            <a:lvl3pPr indent="-304800" lvl="2" marL="1371600" rtl="0">
+            <a:lvl3pPr marL="1371600" lvl="2" indent="-304800" rtl="0">
               <a:spcBef>
                 <a:spcPts val="1600"/>
               </a:spcBef>
@@ -4660,7 +5018,7 @@
               <a:buChar char="■"/>
               <a:defRPr sz="1200"/>
             </a:lvl3pPr>
-            <a:lvl4pPr indent="-304800" lvl="3" marL="1828800" rtl="0">
+            <a:lvl4pPr marL="1828800" lvl="3" indent="-304800" rtl="0">
               <a:spcBef>
                 <a:spcPts val="1600"/>
               </a:spcBef>
@@ -4671,7 +5029,7 @@
               <a:buChar char="●"/>
               <a:defRPr sz="1200"/>
             </a:lvl4pPr>
-            <a:lvl5pPr indent="-304800" lvl="4" marL="2286000" rtl="0">
+            <a:lvl5pPr marL="2286000" lvl="4" indent="-304800" rtl="0">
               <a:spcBef>
                 <a:spcPts val="1600"/>
               </a:spcBef>
@@ -4682,7 +5040,7 @@
               <a:buChar char="○"/>
               <a:defRPr sz="1200"/>
             </a:lvl5pPr>
-            <a:lvl6pPr indent="-304800" lvl="5" marL="2743200" rtl="0">
+            <a:lvl6pPr marL="2743200" lvl="5" indent="-304800" rtl="0">
               <a:spcBef>
                 <a:spcPts val="1600"/>
               </a:spcBef>
@@ -4693,7 +5051,7 @@
               <a:buChar char="■"/>
               <a:defRPr sz="1200"/>
             </a:lvl6pPr>
-            <a:lvl7pPr indent="-304800" lvl="6" marL="3200400" rtl="0">
+            <a:lvl7pPr marL="3200400" lvl="6" indent="-304800" rtl="0">
               <a:spcBef>
                 <a:spcPts val="1600"/>
               </a:spcBef>
@@ -4704,7 +5062,7 @@
               <a:buChar char="●"/>
               <a:defRPr sz="1200"/>
             </a:lvl7pPr>
-            <a:lvl8pPr indent="-304800" lvl="7" marL="3657600" rtl="0">
+            <a:lvl8pPr marL="3657600" lvl="7" indent="-304800" rtl="0">
               <a:spcBef>
                 <a:spcPts val="1600"/>
               </a:spcBef>
@@ -4715,7 +5073,7 @@
               <a:buChar char="○"/>
               <a:defRPr sz="1200"/>
             </a:lvl8pPr>
-            <a:lvl9pPr indent="-304800" lvl="8" marL="4114800" rtl="0">
+            <a:lvl9pPr marL="4114800" lvl="8" indent="-304800" rtl="0">
               <a:spcBef>
                 <a:spcPts val="1600"/>
               </a:spcBef>
@@ -4727,15 +5085,19 @@
               <a:defRPr sz="1200"/>
             </a:lvl9pPr>
           </a:lstStyle>
-          <a:p/>
+          <a:p>
+            <a:endParaRPr/>
+          </a:p>
         </p:txBody>
       </p:sp>
       <p:sp>
         <p:nvSpPr>
           <p:cNvPr id="35" name="Google Shape;35;p5"/>
-          <p:cNvSpPr txBox="1"/>
+          <p:cNvSpPr txBox="1">
+            <a:spLocks noGrp="1"/>
+          </p:cNvSpPr>
           <p:nvPr>
-            <p:ph idx="12" type="sldNum"/>
+            <p:ph type="sldNum" idx="12"/>
           </p:nvPr>
         </p:nvSpPr>
         <p:spPr>
@@ -4748,7 +5110,7 @@
           </a:prstGeom>
         </p:spPr>
         <p:txBody>
-          <a:bodyPr anchorCtr="0" anchor="ctr" bIns="91425" lIns="91425" spcFirstLastPara="1" rIns="91425" wrap="square" tIns="91425">
+          <a:bodyPr spcFirstLastPara="1" wrap="square" lIns="91425" tIns="91425" rIns="91425" bIns="91425" anchor="ctr" anchorCtr="0">
             <a:noAutofit/>
           </a:bodyPr>
           <a:lstStyle>
@@ -4790,7 +5152,7 @@
             </a:lvl9pPr>
           </a:lstStyle>
           <a:p>
-            <a:pPr indent="0" lvl="0" marL="0" rtl="0" algn="r">
+            <a:pPr marL="0" lvl="0" indent="0" algn="r" rtl="0">
               <a:spcBef>
                 <a:spcPts val="0"/>
               </a:spcBef>
@@ -4816,11 +5178,11 @@
 </file>
 
 <file path=ppt/slideLayouts/slideLayout5.xml><?xml version="1.0" encoding="utf-8"?>
-<p:sldLayout xmlns:a="http://schemas.openxmlformats.org/drawingml/2006/main" xmlns:r="http://schemas.openxmlformats.org/officeDocument/2006/relationships" xmlns:mc="http://schemas.openxmlformats.org/markup-compatibility/2006" xmlns:mv="urn:schemas-microsoft-com:mac:vml" xmlns:p="http://schemas.openxmlformats.org/presentationml/2006/main" xmlns:c="http://schemas.openxmlformats.org/drawingml/2006/chart" xmlns:dgm="http://schemas.openxmlformats.org/drawingml/2006/diagram" xmlns:o="urn:schemas-microsoft-com:office:office" xmlns:v="urn:schemas-microsoft-com:vml" xmlns:pvml="urn:schemas-microsoft-com:office:powerpoint" xmlns:com="http://schemas.openxmlformats.org/drawingml/2006/compatibility" xmlns:p14="http://schemas.microsoft.com/office/powerpoint/2010/main" xmlns:p15="http://schemas.microsoft.com/office/powerpoint/2012/main" matchingName="Title only" type="titleOnly">
+<p:sldLayout xmlns:a="http://schemas.openxmlformats.org/drawingml/2006/main" xmlns:r="http://schemas.openxmlformats.org/officeDocument/2006/relationships" xmlns:p="http://schemas.openxmlformats.org/presentationml/2006/main" matchingName="Title only" type="titleOnly">
   <p:cSld name="TITLE_ONLY">
     <p:spTree>
       <p:nvGrpSpPr>
-        <p:cNvPr id="36" name="Shape 36"/>
+        <p:cNvPr id="1" name="Shape 36"/>
         <p:cNvGrpSpPr/>
         <p:nvPr/>
       </p:nvGrpSpPr>
@@ -4835,7 +5197,9 @@
       <p:sp>
         <p:nvSpPr>
           <p:cNvPr id="37" name="Google Shape;37;p6"/>
-          <p:cNvSpPr txBox="1"/>
+          <p:cNvSpPr txBox="1">
+            <a:spLocks noGrp="1"/>
+          </p:cNvSpPr>
           <p:nvPr>
             <p:ph type="title"/>
           </p:nvPr>
@@ -4850,7 +5214,7 @@
           </a:prstGeom>
         </p:spPr>
         <p:txBody>
-          <a:bodyPr anchorCtr="0" anchor="t" bIns="91425" lIns="91425" spcFirstLastPara="1" rIns="91425" wrap="square" tIns="91425">
+          <a:bodyPr spcFirstLastPara="1" wrap="square" lIns="91425" tIns="91425" rIns="91425" bIns="91425" anchor="t" anchorCtr="0">
             <a:noAutofit/>
           </a:bodyPr>
           <a:lstStyle>
@@ -4954,15 +5318,19 @@
               <a:defRPr/>
             </a:lvl9pPr>
           </a:lstStyle>
-          <a:p/>
+          <a:p>
+            <a:endParaRPr/>
+          </a:p>
         </p:txBody>
       </p:sp>
       <p:sp>
         <p:nvSpPr>
           <p:cNvPr id="38" name="Google Shape;38;p6"/>
-          <p:cNvSpPr txBox="1"/>
+          <p:cNvSpPr txBox="1">
+            <a:spLocks noGrp="1"/>
+          </p:cNvSpPr>
           <p:nvPr>
-            <p:ph idx="12" type="sldNum"/>
+            <p:ph type="sldNum" idx="12"/>
           </p:nvPr>
         </p:nvSpPr>
         <p:spPr>
@@ -4975,7 +5343,7 @@
           </a:prstGeom>
         </p:spPr>
         <p:txBody>
-          <a:bodyPr anchorCtr="0" anchor="ctr" bIns="91425" lIns="91425" spcFirstLastPara="1" rIns="91425" wrap="square" tIns="91425">
+          <a:bodyPr spcFirstLastPara="1" wrap="square" lIns="91425" tIns="91425" rIns="91425" bIns="91425" anchor="ctr" anchorCtr="0">
             <a:noAutofit/>
           </a:bodyPr>
           <a:lstStyle>
@@ -5017,7 +5385,7 @@
             </a:lvl9pPr>
           </a:lstStyle>
           <a:p>
-            <a:pPr indent="0" lvl="0" marL="0" rtl="0" algn="r">
+            <a:pPr marL="0" lvl="0" indent="0" algn="r" rtl="0">
               <a:spcBef>
                 <a:spcPts val="0"/>
               </a:spcBef>
@@ -5043,11 +5411,11 @@
 </file>
 
 <file path=ppt/slideLayouts/slideLayout6.xml><?xml version="1.0" encoding="utf-8"?>
-<p:sldLayout xmlns:a="http://schemas.openxmlformats.org/drawingml/2006/main" xmlns:r="http://schemas.openxmlformats.org/officeDocument/2006/relationships" xmlns:mc="http://schemas.openxmlformats.org/markup-compatibility/2006" xmlns:mv="urn:schemas-microsoft-com:mac:vml" xmlns:p="http://schemas.openxmlformats.org/presentationml/2006/main" xmlns:c="http://schemas.openxmlformats.org/drawingml/2006/chart" xmlns:dgm="http://schemas.openxmlformats.org/drawingml/2006/diagram" xmlns:o="urn:schemas-microsoft-com:office:office" xmlns:v="urn:schemas-microsoft-com:vml" xmlns:pvml="urn:schemas-microsoft-com:office:powerpoint" xmlns:com="http://schemas.openxmlformats.org/drawingml/2006/compatibility" xmlns:p14="http://schemas.microsoft.com/office/powerpoint/2010/main" xmlns:p15="http://schemas.microsoft.com/office/powerpoint/2012/main" matchingName="One column text">
+<p:sldLayout xmlns:a="http://schemas.openxmlformats.org/drawingml/2006/main" xmlns:r="http://schemas.openxmlformats.org/officeDocument/2006/relationships" xmlns:p="http://schemas.openxmlformats.org/presentationml/2006/main" matchingName="One column text">
   <p:cSld name="ONE_COLUMN_TEXT">
     <p:spTree>
       <p:nvGrpSpPr>
-        <p:cNvPr id="39" name="Shape 39"/>
+        <p:cNvPr id="1" name="Shape 39"/>
         <p:cNvGrpSpPr/>
         <p:nvPr/>
       </p:nvGrpSpPr>
@@ -5074,21 +5442,23 @@
             <a:avLst/>
           </a:prstGeom>
           <a:noFill/>
-          <a:ln cap="flat" cmpd="sng" w="19050">
+          <a:ln w="19050" cap="flat" cmpd="sng">
             <a:solidFill>
               <a:schemeClr val="dk2"/>
             </a:solidFill>
             <a:prstDash val="solid"/>
             <a:round/>
-            <a:headEnd len="sm" w="sm" type="none"/>
-            <a:tailEnd len="sm" w="sm" type="none"/>
+            <a:headEnd type="none" w="sm" len="sm"/>
+            <a:tailEnd type="none" w="sm" len="sm"/>
           </a:ln>
         </p:spPr>
       </p:cxnSp>
       <p:sp>
         <p:nvSpPr>
           <p:cNvPr id="41" name="Google Shape;41;p7"/>
-          <p:cNvSpPr txBox="1"/>
+          <p:cNvSpPr txBox="1">
+            <a:spLocks noGrp="1"/>
+          </p:cNvSpPr>
           <p:nvPr>
             <p:ph type="title"/>
           </p:nvPr>
@@ -5103,7 +5473,7 @@
           </a:prstGeom>
         </p:spPr>
         <p:txBody>
-          <a:bodyPr anchorCtr="0" anchor="b" bIns="91425" lIns="91425" spcFirstLastPara="1" rIns="91425" wrap="square" tIns="91425">
+          <a:bodyPr spcFirstLastPara="1" wrap="square" lIns="91425" tIns="91425" rIns="91425" bIns="91425" anchor="b" anchorCtr="0">
             <a:noAutofit/>
           </a:bodyPr>
           <a:lstStyle>
@@ -5207,15 +5577,19 @@
               <a:defRPr sz="2400"/>
             </a:lvl9pPr>
           </a:lstStyle>
-          <a:p/>
+          <a:p>
+            <a:endParaRPr/>
+          </a:p>
         </p:txBody>
       </p:sp>
       <p:sp>
         <p:nvSpPr>
           <p:cNvPr id="42" name="Google Shape;42;p7"/>
-          <p:cNvSpPr txBox="1"/>
+          <p:cNvSpPr txBox="1">
+            <a:spLocks noGrp="1"/>
+          </p:cNvSpPr>
           <p:nvPr>
-            <p:ph idx="1" type="body"/>
+            <p:ph type="body" idx="1"/>
           </p:nvPr>
         </p:nvSpPr>
         <p:spPr>
@@ -5228,11 +5602,11 @@
           </a:prstGeom>
         </p:spPr>
         <p:txBody>
-          <a:bodyPr anchorCtr="0" anchor="t" bIns="91425" lIns="91425" spcFirstLastPara="1" rIns="91425" wrap="square" tIns="91425">
+          <a:bodyPr spcFirstLastPara="1" wrap="square" lIns="91425" tIns="91425" rIns="91425" bIns="91425" anchor="t" anchorCtr="0">
             <a:noAutofit/>
           </a:bodyPr>
           <a:lstStyle>
-            <a:lvl1pPr indent="-304800" lvl="0" marL="457200" rtl="0">
+            <a:lvl1pPr marL="457200" lvl="0" indent="-304800" rtl="0">
               <a:spcBef>
                 <a:spcPts val="0"/>
               </a:spcBef>
@@ -5243,7 +5617,7 @@
               <a:buChar char="●"/>
               <a:defRPr sz="1200"/>
             </a:lvl1pPr>
-            <a:lvl2pPr indent="-304800" lvl="1" marL="914400" rtl="0">
+            <a:lvl2pPr marL="914400" lvl="1" indent="-304800" rtl="0">
               <a:spcBef>
                 <a:spcPts val="1600"/>
               </a:spcBef>
@@ -5254,7 +5628,7 @@
               <a:buChar char="○"/>
               <a:defRPr sz="1200"/>
             </a:lvl2pPr>
-            <a:lvl3pPr indent="-304800" lvl="2" marL="1371600" rtl="0">
+            <a:lvl3pPr marL="1371600" lvl="2" indent="-304800" rtl="0">
               <a:spcBef>
                 <a:spcPts val="1600"/>
               </a:spcBef>
@@ -5265,7 +5639,7 @@
               <a:buChar char="■"/>
               <a:defRPr sz="1200"/>
             </a:lvl3pPr>
-            <a:lvl4pPr indent="-304800" lvl="3" marL="1828800" rtl="0">
+            <a:lvl4pPr marL="1828800" lvl="3" indent="-304800" rtl="0">
               <a:spcBef>
                 <a:spcPts val="1600"/>
               </a:spcBef>
@@ -5276,7 +5650,7 @@
               <a:buChar char="●"/>
               <a:defRPr sz="1200"/>
             </a:lvl4pPr>
-            <a:lvl5pPr indent="-304800" lvl="4" marL="2286000" rtl="0">
+            <a:lvl5pPr marL="2286000" lvl="4" indent="-304800" rtl="0">
               <a:spcBef>
                 <a:spcPts val="1600"/>
               </a:spcBef>
@@ -5287,7 +5661,7 @@
               <a:buChar char="○"/>
               <a:defRPr sz="1200"/>
             </a:lvl5pPr>
-            <a:lvl6pPr indent="-304800" lvl="5" marL="2743200" rtl="0">
+            <a:lvl6pPr marL="2743200" lvl="5" indent="-304800" rtl="0">
               <a:spcBef>
                 <a:spcPts val="1600"/>
               </a:spcBef>
@@ -5298,7 +5672,7 @@
               <a:buChar char="■"/>
               <a:defRPr sz="1200"/>
             </a:lvl6pPr>
-            <a:lvl7pPr indent="-304800" lvl="6" marL="3200400" rtl="0">
+            <a:lvl7pPr marL="3200400" lvl="6" indent="-304800" rtl="0">
               <a:spcBef>
                 <a:spcPts val="1600"/>
               </a:spcBef>
@@ -5309,7 +5683,7 @@
               <a:buChar char="●"/>
               <a:defRPr sz="1200"/>
             </a:lvl7pPr>
-            <a:lvl8pPr indent="-304800" lvl="7" marL="3657600" rtl="0">
+            <a:lvl8pPr marL="3657600" lvl="7" indent="-304800" rtl="0">
               <a:spcBef>
                 <a:spcPts val="1600"/>
               </a:spcBef>
@@ -5320,7 +5694,7 @@
               <a:buChar char="○"/>
               <a:defRPr sz="1200"/>
             </a:lvl8pPr>
-            <a:lvl9pPr indent="-304800" lvl="8" marL="4114800" rtl="0">
+            <a:lvl9pPr marL="4114800" lvl="8" indent="-304800" rtl="0">
               <a:spcBef>
                 <a:spcPts val="1600"/>
               </a:spcBef>
@@ -5332,15 +5706,19 @@
               <a:defRPr sz="1200"/>
             </a:lvl9pPr>
           </a:lstStyle>
-          <a:p/>
+          <a:p>
+            <a:endParaRPr/>
+          </a:p>
         </p:txBody>
       </p:sp>
       <p:sp>
         <p:nvSpPr>
           <p:cNvPr id="43" name="Google Shape;43;p7"/>
-          <p:cNvSpPr txBox="1"/>
+          <p:cNvSpPr txBox="1">
+            <a:spLocks noGrp="1"/>
+          </p:cNvSpPr>
           <p:nvPr>
-            <p:ph idx="12" type="sldNum"/>
+            <p:ph type="sldNum" idx="12"/>
           </p:nvPr>
         </p:nvSpPr>
         <p:spPr>
@@ -5353,7 +5731,7 @@
           </a:prstGeom>
         </p:spPr>
         <p:txBody>
-          <a:bodyPr anchorCtr="0" anchor="ctr" bIns="91425" lIns="91425" spcFirstLastPara="1" rIns="91425" wrap="square" tIns="91425">
+          <a:bodyPr spcFirstLastPara="1" wrap="square" lIns="91425" tIns="91425" rIns="91425" bIns="91425" anchor="ctr" anchorCtr="0">
             <a:noAutofit/>
           </a:bodyPr>
           <a:lstStyle>
@@ -5395,7 +5773,7 @@
             </a:lvl9pPr>
           </a:lstStyle>
           <a:p>
-            <a:pPr indent="0" lvl="0" marL="0" rtl="0" algn="r">
+            <a:pPr marL="0" lvl="0" indent="0" algn="r" rtl="0">
               <a:spcBef>
                 <a:spcPts val="0"/>
               </a:spcBef>
@@ -5421,18 +5799,19 @@
 </file>
 
 <file path=ppt/slideLayouts/slideLayout7.xml><?xml version="1.0" encoding="utf-8"?>
-<p:sldLayout xmlns:a="http://schemas.openxmlformats.org/drawingml/2006/main" xmlns:r="http://schemas.openxmlformats.org/officeDocument/2006/relationships" xmlns:mc="http://schemas.openxmlformats.org/markup-compatibility/2006" xmlns:mv="urn:schemas-microsoft-com:mac:vml" xmlns:p="http://schemas.openxmlformats.org/presentationml/2006/main" xmlns:c="http://schemas.openxmlformats.org/drawingml/2006/chart" xmlns:dgm="http://schemas.openxmlformats.org/drawingml/2006/diagram" xmlns:o="urn:schemas-microsoft-com:office:office" xmlns:v="urn:schemas-microsoft-com:vml" xmlns:pvml="urn:schemas-microsoft-com:office:powerpoint" xmlns:com="http://schemas.openxmlformats.org/drawingml/2006/compatibility" xmlns:p14="http://schemas.microsoft.com/office/powerpoint/2010/main" xmlns:p15="http://schemas.microsoft.com/office/powerpoint/2012/main" matchingName="Main point">
+<p:sldLayout xmlns:a="http://schemas.openxmlformats.org/drawingml/2006/main" xmlns:r="http://schemas.openxmlformats.org/officeDocument/2006/relationships" xmlns:p="http://schemas.openxmlformats.org/presentationml/2006/main" matchingName="Main point">
   <p:cSld name="MAIN_POINT">
     <p:bg>
       <p:bgPr>
         <a:solidFill>
           <a:srgbClr val="353535"/>
         </a:solidFill>
+        <a:effectLst/>
       </p:bgPr>
     </p:bg>
     <p:spTree>
       <p:nvGrpSpPr>
-        <p:cNvPr id="44" name="Shape 44"/>
+        <p:cNvPr id="1" name="Shape 44"/>
         <p:cNvGrpSpPr/>
         <p:nvPr/>
       </p:nvGrpSpPr>
@@ -5459,21 +5838,23 @@
             <a:avLst/>
           </a:prstGeom>
           <a:noFill/>
-          <a:ln cap="flat" cmpd="sng" w="19050">
+          <a:ln w="19050" cap="flat" cmpd="sng">
             <a:solidFill>
               <a:schemeClr val="lt1"/>
             </a:solidFill>
             <a:prstDash val="solid"/>
             <a:round/>
-            <a:headEnd len="sm" w="sm" type="none"/>
-            <a:tailEnd len="sm" w="sm" type="none"/>
+            <a:headEnd type="none" w="sm" len="sm"/>
+            <a:tailEnd type="none" w="sm" len="sm"/>
           </a:ln>
         </p:spPr>
       </p:cxnSp>
       <p:sp>
         <p:nvSpPr>
           <p:cNvPr id="46" name="Google Shape;46;p8"/>
-          <p:cNvSpPr txBox="1"/>
+          <p:cNvSpPr txBox="1">
+            <a:spLocks noGrp="1"/>
+          </p:cNvSpPr>
           <p:nvPr>
             <p:ph type="title"/>
           </p:nvPr>
@@ -5488,7 +5869,7 @@
           </a:prstGeom>
         </p:spPr>
         <p:txBody>
-          <a:bodyPr anchorCtr="0" anchor="ctr" bIns="91425" lIns="91425" spcFirstLastPara="1" rIns="91425" wrap="square" tIns="91425">
+          <a:bodyPr spcFirstLastPara="1" wrap="square" lIns="91425" tIns="91425" rIns="91425" bIns="91425" anchor="ctr" anchorCtr="0">
             <a:noAutofit/>
           </a:bodyPr>
           <a:lstStyle>
@@ -5655,15 +6036,19 @@
               </a:defRPr>
             </a:lvl9pPr>
           </a:lstStyle>
-          <a:p/>
+          <a:p>
+            <a:endParaRPr/>
+          </a:p>
         </p:txBody>
       </p:sp>
       <p:sp>
         <p:nvSpPr>
           <p:cNvPr id="47" name="Google Shape;47;p8"/>
-          <p:cNvSpPr txBox="1"/>
+          <p:cNvSpPr txBox="1">
+            <a:spLocks noGrp="1"/>
+          </p:cNvSpPr>
           <p:nvPr>
-            <p:ph idx="12" type="sldNum"/>
+            <p:ph type="sldNum" idx="12"/>
           </p:nvPr>
         </p:nvSpPr>
         <p:spPr>
@@ -5676,7 +6061,7 @@
           </a:prstGeom>
         </p:spPr>
         <p:txBody>
-          <a:bodyPr anchorCtr="0" anchor="ctr" bIns="91425" lIns="91425" spcFirstLastPara="1" rIns="91425" wrap="square" tIns="91425">
+          <a:bodyPr spcFirstLastPara="1" wrap="square" lIns="91425" tIns="91425" rIns="91425" bIns="91425" anchor="ctr" anchorCtr="0">
             <a:noAutofit/>
           </a:bodyPr>
           <a:lstStyle>
@@ -5754,7 +6139,7 @@
             </a:lvl9pPr>
           </a:lstStyle>
           <a:p>
-            <a:pPr indent="0" lvl="0" marL="0" rtl="0" algn="r">
+            <a:pPr marL="0" lvl="0" indent="0" algn="r" rtl="0">
               <a:spcBef>
                 <a:spcPts val="0"/>
               </a:spcBef>
@@ -5780,11 +6165,11 @@
 </file>
 
 <file path=ppt/slideLayouts/slideLayout8.xml><?xml version="1.0" encoding="utf-8"?>
-<p:sldLayout xmlns:a="http://schemas.openxmlformats.org/drawingml/2006/main" xmlns:r="http://schemas.openxmlformats.org/officeDocument/2006/relationships" xmlns:mc="http://schemas.openxmlformats.org/markup-compatibility/2006" xmlns:mv="urn:schemas-microsoft-com:mac:vml" xmlns:p="http://schemas.openxmlformats.org/presentationml/2006/main" xmlns:c="http://schemas.openxmlformats.org/drawingml/2006/chart" xmlns:dgm="http://schemas.openxmlformats.org/drawingml/2006/diagram" xmlns:o="urn:schemas-microsoft-com:office:office" xmlns:v="urn:schemas-microsoft-com:vml" xmlns:pvml="urn:schemas-microsoft-com:office:powerpoint" xmlns:com="http://schemas.openxmlformats.org/drawingml/2006/compatibility" xmlns:p14="http://schemas.microsoft.com/office/powerpoint/2010/main" xmlns:p15="http://schemas.microsoft.com/office/powerpoint/2012/main" matchingName="Section title and description">
+<p:sldLayout xmlns:a="http://schemas.openxmlformats.org/drawingml/2006/main" xmlns:r="http://schemas.openxmlformats.org/officeDocument/2006/relationships" xmlns:p="http://schemas.openxmlformats.org/presentationml/2006/main" matchingName="Section title and description">
   <p:cSld name="SECTION_TITLE_AND_DESCRIPTION">
     <p:spTree>
       <p:nvGrpSpPr>
-        <p:cNvPr id="48" name="Shape 48"/>
+        <p:cNvPr id="1" name="Shape 48"/>
         <p:cNvGrpSpPr/>
         <p:nvPr/>
       </p:nvGrpSpPr>
@@ -5818,12 +6203,12 @@
           </a:ln>
         </p:spPr>
         <p:txBody>
-          <a:bodyPr anchorCtr="0" anchor="ctr" bIns="91425" lIns="91425" spcFirstLastPara="1" rIns="91425" wrap="square" tIns="91425">
+          <a:bodyPr spcFirstLastPara="1" wrap="square" lIns="91425" tIns="91425" rIns="91425" bIns="91425" anchor="ctr" anchorCtr="0">
             <a:noAutofit/>
           </a:bodyPr>
           <a:lstStyle/>
           <a:p>
-            <a:pPr indent="0" lvl="0" marL="0" rtl="0" algn="l">
+            <a:pPr marL="0" lvl="0" indent="0" algn="l" rtl="0">
               <a:spcBef>
                 <a:spcPts val="0"/>
               </a:spcBef>
@@ -5832,9 +6217,6 @@
               </a:spcAft>
               <a:buNone/>
             </a:pPr>
-            <a:r>
-              <a:t/>
-            </a:r>
             <a:endParaRPr/>
           </a:p>
         </p:txBody>
@@ -5854,21 +6236,23 @@
             <a:avLst/>
           </a:prstGeom>
           <a:noFill/>
-          <a:ln cap="flat" cmpd="sng" w="19050">
+          <a:ln w="19050" cap="flat" cmpd="sng">
             <a:solidFill>
               <a:schemeClr val="lt1"/>
             </a:solidFill>
             <a:prstDash val="solid"/>
             <a:round/>
-            <a:headEnd len="sm" w="sm" type="none"/>
-            <a:tailEnd len="sm" w="sm" type="none"/>
+            <a:headEnd type="none" w="sm" len="sm"/>
+            <a:tailEnd type="none" w="sm" len="sm"/>
           </a:ln>
         </p:spPr>
       </p:cxnSp>
       <p:sp>
         <p:nvSpPr>
           <p:cNvPr id="51" name="Google Shape;51;p9"/>
-          <p:cNvSpPr txBox="1"/>
+          <p:cNvSpPr txBox="1">
+            <a:spLocks noGrp="1"/>
+          </p:cNvSpPr>
           <p:nvPr>
             <p:ph type="title"/>
           </p:nvPr>
@@ -5883,11 +6267,11 @@
           </a:prstGeom>
         </p:spPr>
         <p:txBody>
-          <a:bodyPr anchorCtr="0" anchor="b" bIns="91425" lIns="91425" spcFirstLastPara="1" rIns="91425" wrap="square" tIns="91425">
+          <a:bodyPr spcFirstLastPara="1" wrap="square" lIns="91425" tIns="91425" rIns="91425" bIns="91425" anchor="b" anchorCtr="0">
             <a:noAutofit/>
           </a:bodyPr>
           <a:lstStyle>
-            <a:lvl1pPr lvl="0" rtl="0" algn="ctr">
+            <a:lvl1pPr lvl="0" algn="ctr" rtl="0">
               <a:spcBef>
                 <a:spcPts val="0"/>
               </a:spcBef>
@@ -5905,7 +6289,7 @@
                 </a:solidFill>
               </a:defRPr>
             </a:lvl1pPr>
-            <a:lvl2pPr lvl="1" rtl="0" algn="ctr">
+            <a:lvl2pPr lvl="1" algn="ctr" rtl="0">
               <a:spcBef>
                 <a:spcPts val="0"/>
               </a:spcBef>
@@ -5923,7 +6307,7 @@
                 </a:solidFill>
               </a:defRPr>
             </a:lvl2pPr>
-            <a:lvl3pPr lvl="2" rtl="0" algn="ctr">
+            <a:lvl3pPr lvl="2" algn="ctr" rtl="0">
               <a:spcBef>
                 <a:spcPts val="0"/>
               </a:spcBef>
@@ -5941,7 +6325,7 @@
                 </a:solidFill>
               </a:defRPr>
             </a:lvl3pPr>
-            <a:lvl4pPr lvl="3" rtl="0" algn="ctr">
+            <a:lvl4pPr lvl="3" algn="ctr" rtl="0">
               <a:spcBef>
                 <a:spcPts val="0"/>
               </a:spcBef>
@@ -5959,7 +6343,7 @@
                 </a:solidFill>
               </a:defRPr>
             </a:lvl4pPr>
-            <a:lvl5pPr lvl="4" rtl="0" algn="ctr">
+            <a:lvl5pPr lvl="4" algn="ctr" rtl="0">
               <a:spcBef>
                 <a:spcPts val="0"/>
               </a:spcBef>
@@ -5977,7 +6361,7 @@
                 </a:solidFill>
               </a:defRPr>
             </a:lvl5pPr>
-            <a:lvl6pPr lvl="5" rtl="0" algn="ctr">
+            <a:lvl6pPr lvl="5" algn="ctr" rtl="0">
               <a:spcBef>
                 <a:spcPts val="0"/>
               </a:spcBef>
@@ -5995,7 +6379,7 @@
                 </a:solidFill>
               </a:defRPr>
             </a:lvl6pPr>
-            <a:lvl7pPr lvl="6" rtl="0" algn="ctr">
+            <a:lvl7pPr lvl="6" algn="ctr" rtl="0">
               <a:spcBef>
                 <a:spcPts val="0"/>
               </a:spcBef>
@@ -6013,7 +6397,7 @@
                 </a:solidFill>
               </a:defRPr>
             </a:lvl7pPr>
-            <a:lvl8pPr lvl="7" rtl="0" algn="ctr">
+            <a:lvl8pPr lvl="7" algn="ctr" rtl="0">
               <a:spcBef>
                 <a:spcPts val="0"/>
               </a:spcBef>
@@ -6031,7 +6415,7 @@
                 </a:solidFill>
               </a:defRPr>
             </a:lvl8pPr>
-            <a:lvl9pPr lvl="8" rtl="0" algn="ctr">
+            <a:lvl9pPr lvl="8" algn="ctr" rtl="0">
               <a:spcBef>
                 <a:spcPts val="0"/>
               </a:spcBef>
@@ -6050,15 +6434,19 @@
               </a:defRPr>
             </a:lvl9pPr>
           </a:lstStyle>
-          <a:p/>
+          <a:p>
+            <a:endParaRPr/>
+          </a:p>
         </p:txBody>
       </p:sp>
       <p:sp>
         <p:nvSpPr>
           <p:cNvPr id="52" name="Google Shape;52;p9"/>
-          <p:cNvSpPr txBox="1"/>
+          <p:cNvSpPr txBox="1">
+            <a:spLocks noGrp="1"/>
+          </p:cNvSpPr>
           <p:nvPr>
-            <p:ph idx="1" type="subTitle"/>
+            <p:ph type="subTitle" idx="1"/>
           </p:nvPr>
         </p:nvSpPr>
         <p:spPr>
@@ -6071,11 +6459,11 @@
           </a:prstGeom>
         </p:spPr>
         <p:txBody>
-          <a:bodyPr anchorCtr="0" anchor="t" bIns="91425" lIns="91425" spcFirstLastPara="1" rIns="91425" wrap="square" tIns="91425">
+          <a:bodyPr spcFirstLastPara="1" wrap="square" lIns="91425" tIns="91425" rIns="91425" bIns="91425" anchor="t" anchorCtr="0">
             <a:noAutofit/>
           </a:bodyPr>
           <a:lstStyle>
-            <a:lvl1pPr lvl="0" rtl="0" algn="ctr">
+            <a:lvl1pPr lvl="0" algn="ctr" rtl="0">
               <a:lnSpc>
                 <a:spcPct val="100000"/>
               </a:lnSpc>
@@ -6089,7 +6477,7 @@
               <a:buNone/>
               <a:defRPr sz="2100"/>
             </a:lvl1pPr>
-            <a:lvl2pPr lvl="1" rtl="0" algn="ctr">
+            <a:lvl2pPr lvl="1" algn="ctr" rtl="0">
               <a:lnSpc>
                 <a:spcPct val="100000"/>
               </a:lnSpc>
@@ -6103,7 +6491,7 @@
               <a:buNone/>
               <a:defRPr sz="2100"/>
             </a:lvl2pPr>
-            <a:lvl3pPr lvl="2" rtl="0" algn="ctr">
+            <a:lvl3pPr lvl="2" algn="ctr" rtl="0">
               <a:lnSpc>
                 <a:spcPct val="100000"/>
               </a:lnSpc>
@@ -6117,7 +6505,7 @@
               <a:buNone/>
               <a:defRPr sz="2100"/>
             </a:lvl3pPr>
-            <a:lvl4pPr lvl="3" rtl="0" algn="ctr">
+            <a:lvl4pPr lvl="3" algn="ctr" rtl="0">
               <a:lnSpc>
                 <a:spcPct val="100000"/>
               </a:lnSpc>
@@ -6131,7 +6519,7 @@
               <a:buNone/>
               <a:defRPr sz="2100"/>
             </a:lvl4pPr>
-            <a:lvl5pPr lvl="4" rtl="0" algn="ctr">
+            <a:lvl5pPr lvl="4" algn="ctr" rtl="0">
               <a:lnSpc>
                 <a:spcPct val="100000"/>
               </a:lnSpc>
@@ -6145,7 +6533,7 @@
               <a:buNone/>
               <a:defRPr sz="2100"/>
             </a:lvl5pPr>
-            <a:lvl6pPr lvl="5" rtl="0" algn="ctr">
+            <a:lvl6pPr lvl="5" algn="ctr" rtl="0">
               <a:lnSpc>
                 <a:spcPct val="100000"/>
               </a:lnSpc>
@@ -6159,7 +6547,7 @@
               <a:buNone/>
               <a:defRPr sz="2100"/>
             </a:lvl6pPr>
-            <a:lvl7pPr lvl="6" rtl="0" algn="ctr">
+            <a:lvl7pPr lvl="6" algn="ctr" rtl="0">
               <a:lnSpc>
                 <a:spcPct val="100000"/>
               </a:lnSpc>
@@ -6173,7 +6561,7 @@
               <a:buNone/>
               <a:defRPr sz="2100"/>
             </a:lvl7pPr>
-            <a:lvl8pPr lvl="7" rtl="0" algn="ctr">
+            <a:lvl8pPr lvl="7" algn="ctr" rtl="0">
               <a:lnSpc>
                 <a:spcPct val="100000"/>
               </a:lnSpc>
@@ -6187,7 +6575,7 @@
               <a:buNone/>
               <a:defRPr sz="2100"/>
             </a:lvl8pPr>
-            <a:lvl9pPr lvl="8" rtl="0" algn="ctr">
+            <a:lvl9pPr lvl="8" algn="ctr" rtl="0">
               <a:lnSpc>
                 <a:spcPct val="100000"/>
               </a:lnSpc>
@@ -6202,15 +6590,19 @@
               <a:defRPr sz="2100"/>
             </a:lvl9pPr>
           </a:lstStyle>
-          <a:p/>
+          <a:p>
+            <a:endParaRPr/>
+          </a:p>
         </p:txBody>
       </p:sp>
       <p:sp>
         <p:nvSpPr>
           <p:cNvPr id="53" name="Google Shape;53;p9"/>
-          <p:cNvSpPr txBox="1"/>
+          <p:cNvSpPr txBox="1">
+            <a:spLocks noGrp="1"/>
+          </p:cNvSpPr>
           <p:nvPr>
-            <p:ph idx="2" type="body"/>
+            <p:ph type="body" idx="2"/>
           </p:nvPr>
         </p:nvSpPr>
         <p:spPr>
@@ -6223,11 +6615,11 @@
           </a:prstGeom>
         </p:spPr>
         <p:txBody>
-          <a:bodyPr anchorCtr="0" anchor="ctr" bIns="91425" lIns="91425" spcFirstLastPara="1" rIns="91425" wrap="square" tIns="91425">
+          <a:bodyPr spcFirstLastPara="1" wrap="square" lIns="91425" tIns="91425" rIns="91425" bIns="91425" anchor="ctr" anchorCtr="0">
             <a:noAutofit/>
           </a:bodyPr>
           <a:lstStyle>
-            <a:lvl1pPr indent="-342900" lvl="0" marL="457200" rtl="0">
+            <a:lvl1pPr marL="457200" lvl="0" indent="-342900" rtl="0">
               <a:spcBef>
                 <a:spcPts val="0"/>
               </a:spcBef>
@@ -6245,7 +6637,7 @@
                 </a:solidFill>
               </a:defRPr>
             </a:lvl1pPr>
-            <a:lvl2pPr indent="-317500" lvl="1" marL="914400" rtl="0">
+            <a:lvl2pPr marL="914400" lvl="1" indent="-317500" rtl="0">
               <a:spcBef>
                 <a:spcPts val="1600"/>
               </a:spcBef>
@@ -6263,7 +6655,7 @@
                 </a:solidFill>
               </a:defRPr>
             </a:lvl2pPr>
-            <a:lvl3pPr indent="-317500" lvl="2" marL="1371600" rtl="0">
+            <a:lvl3pPr marL="1371600" lvl="2" indent="-317500" rtl="0">
               <a:spcBef>
                 <a:spcPts val="1600"/>
               </a:spcBef>
@@ -6281,7 +6673,7 @@
                 </a:solidFill>
               </a:defRPr>
             </a:lvl3pPr>
-            <a:lvl4pPr indent="-317500" lvl="3" marL="1828800" rtl="0">
+            <a:lvl4pPr marL="1828800" lvl="3" indent="-317500" rtl="0">
               <a:spcBef>
                 <a:spcPts val="1600"/>
               </a:spcBef>
@@ -6299,7 +6691,7 @@
                 </a:solidFill>
               </a:defRPr>
             </a:lvl4pPr>
-            <a:lvl5pPr indent="-317500" lvl="4" marL="2286000" rtl="0">
+            <a:lvl5pPr marL="2286000" lvl="4" indent="-317500" rtl="0">
               <a:spcBef>
                 <a:spcPts val="1600"/>
               </a:spcBef>
@@ -6317,7 +6709,7 @@
                 </a:solidFill>
               </a:defRPr>
             </a:lvl5pPr>
-            <a:lvl6pPr indent="-317500" lvl="5" marL="2743200" rtl="0">
+            <a:lvl6pPr marL="2743200" lvl="5" indent="-317500" rtl="0">
               <a:spcBef>
                 <a:spcPts val="1600"/>
               </a:spcBef>
@@ -6335,7 +6727,7 @@
                 </a:solidFill>
               </a:defRPr>
             </a:lvl6pPr>
-            <a:lvl7pPr indent="-317500" lvl="6" marL="3200400" rtl="0">
+            <a:lvl7pPr marL="3200400" lvl="6" indent="-317500" rtl="0">
               <a:spcBef>
                 <a:spcPts val="1600"/>
               </a:spcBef>
@@ -6353,7 +6745,7 @@
                 </a:solidFill>
               </a:defRPr>
             </a:lvl7pPr>
-            <a:lvl8pPr indent="-317500" lvl="7" marL="3657600" rtl="0">
+            <a:lvl8pPr marL="3657600" lvl="7" indent="-317500" rtl="0">
               <a:spcBef>
                 <a:spcPts val="1600"/>
               </a:spcBef>
@@ -6371,7 +6763,7 @@
                 </a:solidFill>
               </a:defRPr>
             </a:lvl8pPr>
-            <a:lvl9pPr indent="-317500" lvl="8" marL="4114800" rtl="0">
+            <a:lvl9pPr marL="4114800" lvl="8" indent="-317500" rtl="0">
               <a:spcBef>
                 <a:spcPts val="1600"/>
               </a:spcBef>
@@ -6390,15 +6782,19 @@
               </a:defRPr>
             </a:lvl9pPr>
           </a:lstStyle>
-          <a:p/>
+          <a:p>
+            <a:endParaRPr/>
+          </a:p>
         </p:txBody>
       </p:sp>
       <p:sp>
         <p:nvSpPr>
           <p:cNvPr id="54" name="Google Shape;54;p9"/>
-          <p:cNvSpPr txBox="1"/>
+          <p:cNvSpPr txBox="1">
+            <a:spLocks noGrp="1"/>
+          </p:cNvSpPr>
           <p:nvPr>
-            <p:ph idx="12" type="sldNum"/>
+            <p:ph type="sldNum" idx="12"/>
           </p:nvPr>
         </p:nvSpPr>
         <p:spPr>
@@ -6411,7 +6807,7 @@
           </a:prstGeom>
         </p:spPr>
         <p:txBody>
-          <a:bodyPr anchorCtr="0" anchor="ctr" bIns="91425" lIns="91425" spcFirstLastPara="1" rIns="91425" wrap="square" tIns="91425">
+          <a:bodyPr spcFirstLastPara="1" wrap="square" lIns="91425" tIns="91425" rIns="91425" bIns="91425" anchor="ctr" anchorCtr="0">
             <a:noAutofit/>
           </a:bodyPr>
           <a:lstStyle>
@@ -6489,7 +6885,7 @@
             </a:lvl9pPr>
           </a:lstStyle>
           <a:p>
-            <a:pPr indent="0" lvl="0" marL="0" rtl="0" algn="r">
+            <a:pPr marL="0" lvl="0" indent="0" algn="r" rtl="0">
               <a:spcBef>
                 <a:spcPts val="0"/>
               </a:spcBef>
@@ -6515,11 +6911,11 @@
 </file>
 
 <file path=ppt/slideLayouts/slideLayout9.xml><?xml version="1.0" encoding="utf-8"?>
-<p:sldLayout xmlns:a="http://schemas.openxmlformats.org/drawingml/2006/main" xmlns:r="http://schemas.openxmlformats.org/officeDocument/2006/relationships" xmlns:mc="http://schemas.openxmlformats.org/markup-compatibility/2006" xmlns:mv="urn:schemas-microsoft-com:mac:vml" xmlns:p="http://schemas.openxmlformats.org/presentationml/2006/main" xmlns:c="http://schemas.openxmlformats.org/drawingml/2006/chart" xmlns:dgm="http://schemas.openxmlformats.org/drawingml/2006/diagram" xmlns:o="urn:schemas-microsoft-com:office:office" xmlns:v="urn:schemas-microsoft-com:vml" xmlns:pvml="urn:schemas-microsoft-com:office:powerpoint" xmlns:com="http://schemas.openxmlformats.org/drawingml/2006/compatibility" xmlns:p14="http://schemas.microsoft.com/office/powerpoint/2010/main" xmlns:p15="http://schemas.microsoft.com/office/powerpoint/2012/main" matchingName="Caption">
+<p:sldLayout xmlns:a="http://schemas.openxmlformats.org/drawingml/2006/main" xmlns:r="http://schemas.openxmlformats.org/officeDocument/2006/relationships" xmlns:p="http://schemas.openxmlformats.org/presentationml/2006/main" matchingName="Caption">
   <p:cSld name="CAPTION_ONLY">
     <p:spTree>
       <p:nvGrpSpPr>
-        <p:cNvPr id="55" name="Shape 55"/>
+        <p:cNvPr id="1" name="Shape 55"/>
         <p:cNvGrpSpPr/>
         <p:nvPr/>
       </p:nvGrpSpPr>
@@ -6546,14 +6942,14 @@
             <a:avLst/>
           </a:prstGeom>
           <a:noFill/>
-          <a:ln cap="flat" cmpd="sng" w="19050">
+          <a:ln w="19050" cap="flat" cmpd="sng">
             <a:solidFill>
               <a:schemeClr val="dk2"/>
             </a:solidFill>
             <a:prstDash val="solid"/>
             <a:round/>
-            <a:headEnd len="sm" w="sm" type="none"/>
-            <a:tailEnd len="sm" w="sm" type="none"/>
+            <a:headEnd type="none" w="sm" len="sm"/>
+            <a:tailEnd type="none" w="sm" len="sm"/>
           </a:ln>
         </p:spPr>
       </p:cxnSp>
@@ -6572,23 +6968,25 @@
             <a:avLst/>
           </a:prstGeom>
           <a:noFill/>
-          <a:ln cap="flat" cmpd="sng" w="19050">
+          <a:ln w="19050" cap="flat" cmpd="sng">
             <a:solidFill>
               <a:schemeClr val="dk2"/>
             </a:solidFill>
             <a:prstDash val="solid"/>
             <a:round/>
-            <a:headEnd len="sm" w="sm" type="none"/>
-            <a:tailEnd len="sm" w="sm" type="none"/>
+            <a:headEnd type="none" w="sm" len="sm"/>
+            <a:tailEnd type="none" w="sm" len="sm"/>
           </a:ln>
         </p:spPr>
       </p:cxnSp>
       <p:sp>
         <p:nvSpPr>
           <p:cNvPr id="58" name="Google Shape;58;p10"/>
-          <p:cNvSpPr txBox="1"/>
+          <p:cNvSpPr txBox="1">
+            <a:spLocks noGrp="1"/>
+          </p:cNvSpPr>
           <p:nvPr>
-            <p:ph idx="1" type="body"/>
+            <p:ph type="body" idx="1"/>
           </p:nvPr>
         </p:nvSpPr>
         <p:spPr>
@@ -6601,11 +6999,11 @@
           </a:prstGeom>
         </p:spPr>
         <p:txBody>
-          <a:bodyPr anchorCtr="0" anchor="ctr" bIns="91425" lIns="91425" spcFirstLastPara="1" rIns="91425" wrap="square" tIns="91425">
+          <a:bodyPr spcFirstLastPara="1" wrap="square" lIns="91425" tIns="91425" rIns="91425" bIns="91425" anchor="ctr" anchorCtr="0">
             <a:noAutofit/>
           </a:bodyPr>
           <a:lstStyle>
-            <a:lvl1pPr indent="-228600" lvl="0" marL="457200" rtl="0">
+            <a:lvl1pPr marL="457200" lvl="0" indent="-228600" rtl="0">
               <a:lnSpc>
                 <a:spcPct val="100000"/>
               </a:lnSpc>
@@ -6620,15 +7018,19 @@
               <a:defRPr/>
             </a:lvl1pPr>
           </a:lstStyle>
-          <a:p/>
+          <a:p>
+            <a:endParaRPr/>
+          </a:p>
         </p:txBody>
       </p:sp>
       <p:sp>
         <p:nvSpPr>
           <p:cNvPr id="59" name="Google Shape;59;p10"/>
-          <p:cNvSpPr txBox="1"/>
+          <p:cNvSpPr txBox="1">
+            <a:spLocks noGrp="1"/>
+          </p:cNvSpPr>
           <p:nvPr>
-            <p:ph idx="12" type="sldNum"/>
+            <p:ph type="sldNum" idx="12"/>
           </p:nvPr>
         </p:nvSpPr>
         <p:spPr>
@@ -6641,7 +7043,7 @@
           </a:prstGeom>
         </p:spPr>
         <p:txBody>
-          <a:bodyPr anchorCtr="0" anchor="ctr" bIns="91425" lIns="91425" spcFirstLastPara="1" rIns="91425" wrap="square" tIns="91425">
+          <a:bodyPr spcFirstLastPara="1" wrap="square" lIns="91425" tIns="91425" rIns="91425" bIns="91425" anchor="ctr" anchorCtr="0">
             <a:noAutofit/>
           </a:bodyPr>
           <a:lstStyle>
@@ -6683,7 +7085,7 @@
             </a:lvl9pPr>
           </a:lstStyle>
           <a:p>
-            <a:pPr indent="0" lvl="0" marL="0" rtl="0" algn="r">
+            <a:pPr marL="0" lvl="0" indent="0" algn="r" rtl="0">
               <a:spcBef>
                 <a:spcPts val="0"/>
               </a:spcBef>
@@ -6709,18 +7111,19 @@
 </file>
 
 <file path=ppt/slideMasters/slideMaster1.xml><?xml version="1.0" encoding="utf-8"?>
-<p:sldMaster xmlns:a="http://schemas.openxmlformats.org/drawingml/2006/main" xmlns:r="http://schemas.openxmlformats.org/officeDocument/2006/relationships" xmlns:mc="http://schemas.openxmlformats.org/markup-compatibility/2006" xmlns:mv="urn:schemas-microsoft-com:mac:vml" xmlns:p="http://schemas.openxmlformats.org/presentationml/2006/main" xmlns:c="http://schemas.openxmlformats.org/drawingml/2006/chart" xmlns:dgm="http://schemas.openxmlformats.org/drawingml/2006/diagram" xmlns:o="urn:schemas-microsoft-com:office:office" xmlns:v="urn:schemas-microsoft-com:vml" xmlns:pvml="urn:schemas-microsoft-com:office:powerpoint" xmlns:com="http://schemas.openxmlformats.org/drawingml/2006/compatibility" xmlns:p14="http://schemas.microsoft.com/office/powerpoint/2010/main" xmlns:p15="http://schemas.microsoft.com/office/powerpoint/2012/main">
+<p:sldMaster xmlns:a="http://schemas.openxmlformats.org/drawingml/2006/main" xmlns:r="http://schemas.openxmlformats.org/officeDocument/2006/relationships" xmlns:p="http://schemas.openxmlformats.org/presentationml/2006/main">
   <p:cSld name="swiss-2">
     <p:bg>
       <p:bgPr>
         <a:solidFill>
           <a:schemeClr val="lt1"/>
         </a:solidFill>
+        <a:effectLst/>
       </p:bgPr>
     </p:bg>
     <p:spTree>
       <p:nvGrpSpPr>
-        <p:cNvPr id="5" name="Shape 5"/>
+        <p:cNvPr id="1" name="Shape 5"/>
         <p:cNvGrpSpPr/>
         <p:nvPr/>
       </p:nvGrpSpPr>
@@ -6735,7 +7138,9 @@
       <p:sp>
         <p:nvSpPr>
           <p:cNvPr id="6" name="Google Shape;6;p1"/>
-          <p:cNvSpPr txBox="1"/>
+          <p:cNvSpPr txBox="1">
+            <a:spLocks noGrp="1"/>
+          </p:cNvSpPr>
           <p:nvPr>
             <p:ph type="title"/>
           </p:nvPr>
@@ -6754,7 +7159,7 @@
           </a:ln>
         </p:spPr>
         <p:txBody>
-          <a:bodyPr anchorCtr="0" anchor="t" bIns="91425" lIns="91425" spcFirstLastPara="1" rIns="91425" wrap="square" tIns="91425">
+          <a:bodyPr spcFirstLastPara="1" wrap="square" lIns="91425" tIns="91425" rIns="91425" bIns="91425" anchor="t" anchorCtr="0">
             <a:noAutofit/>
           </a:bodyPr>
           <a:lstStyle>
@@ -6771,7 +7176,7 @@
               <a:buSzPts val="3000"/>
               <a:buFont typeface="Raleway"/>
               <a:buNone/>
-              <a:defRPr b="1" sz="3000">
+              <a:defRPr sz="3000" b="1">
                 <a:solidFill>
                   <a:schemeClr val="dk2"/>
                 </a:solidFill>
@@ -6794,7 +7199,7 @@
               <a:buSzPts val="3000"/>
               <a:buFont typeface="Raleway"/>
               <a:buNone/>
-              <a:defRPr b="1" sz="3000">
+              <a:defRPr sz="3000" b="1">
                 <a:solidFill>
                   <a:schemeClr val="dk2"/>
                 </a:solidFill>
@@ -6817,7 +7222,7 @@
               <a:buSzPts val="3000"/>
               <a:buFont typeface="Raleway"/>
               <a:buNone/>
-              <a:defRPr b="1" sz="3000">
+              <a:defRPr sz="3000" b="1">
                 <a:solidFill>
                   <a:schemeClr val="dk2"/>
                 </a:solidFill>
@@ -6840,7 +7245,7 @@
               <a:buSzPts val="3000"/>
               <a:buFont typeface="Raleway"/>
               <a:buNone/>
-              <a:defRPr b="1" sz="3000">
+              <a:defRPr sz="3000" b="1">
                 <a:solidFill>
                   <a:schemeClr val="dk2"/>
                 </a:solidFill>
@@ -6863,7 +7268,7 @@
               <a:buSzPts val="3000"/>
               <a:buFont typeface="Raleway"/>
               <a:buNone/>
-              <a:defRPr b="1" sz="3000">
+              <a:defRPr sz="3000" b="1">
                 <a:solidFill>
                   <a:schemeClr val="dk2"/>
                 </a:solidFill>
@@ -6886,7 +7291,7 @@
               <a:buSzPts val="3000"/>
               <a:buFont typeface="Raleway"/>
               <a:buNone/>
-              <a:defRPr b="1" sz="3000">
+              <a:defRPr sz="3000" b="1">
                 <a:solidFill>
                   <a:schemeClr val="dk2"/>
                 </a:solidFill>
@@ -6909,7 +7314,7 @@
               <a:buSzPts val="3000"/>
               <a:buFont typeface="Raleway"/>
               <a:buNone/>
-              <a:defRPr b="1" sz="3000">
+              <a:defRPr sz="3000" b="1">
                 <a:solidFill>
                   <a:schemeClr val="dk2"/>
                 </a:solidFill>
@@ -6932,7 +7337,7 @@
               <a:buSzPts val="3000"/>
               <a:buFont typeface="Raleway"/>
               <a:buNone/>
-              <a:defRPr b="1" sz="3000">
+              <a:defRPr sz="3000" b="1">
                 <a:solidFill>
                   <a:schemeClr val="dk2"/>
                 </a:solidFill>
@@ -6955,7 +7360,7 @@
               <a:buSzPts val="3000"/>
               <a:buFont typeface="Raleway"/>
               <a:buNone/>
-              <a:defRPr b="1" sz="3000">
+              <a:defRPr sz="3000" b="1">
                 <a:solidFill>
                   <a:schemeClr val="dk2"/>
                 </a:solidFill>
@@ -6966,15 +7371,19 @@
               </a:defRPr>
             </a:lvl9pPr>
           </a:lstStyle>
-          <a:p/>
+          <a:p>
+            <a:endParaRPr/>
+          </a:p>
         </p:txBody>
       </p:sp>
       <p:sp>
         <p:nvSpPr>
           <p:cNvPr id="7" name="Google Shape;7;p1"/>
-          <p:cNvSpPr txBox="1"/>
+          <p:cNvSpPr txBox="1">
+            <a:spLocks noGrp="1"/>
+          </p:cNvSpPr>
           <p:nvPr>
-            <p:ph idx="1" type="body"/>
+            <p:ph type="body" idx="1"/>
           </p:nvPr>
         </p:nvSpPr>
         <p:spPr>
@@ -6991,11 +7400,11 @@
           </a:ln>
         </p:spPr>
         <p:txBody>
-          <a:bodyPr anchorCtr="0" anchor="t" bIns="91425" lIns="91425" spcFirstLastPara="1" rIns="91425" wrap="square" tIns="91425">
+          <a:bodyPr spcFirstLastPara="1" wrap="square" lIns="91425" tIns="91425" rIns="91425" bIns="91425" anchor="t" anchorCtr="0">
             <a:noAutofit/>
           </a:bodyPr>
           <a:lstStyle>
-            <a:lvl1pPr indent="-342900" lvl="0" marL="457200" rtl="0">
+            <a:lvl1pPr marL="457200" lvl="0" indent="-342900" rtl="0">
               <a:lnSpc>
                 <a:spcPct val="115000"/>
               </a:lnSpc>
@@ -7021,7 +7430,7 @@
                 <a:sym typeface="Lato"/>
               </a:defRPr>
             </a:lvl1pPr>
-            <a:lvl2pPr indent="-317500" lvl="1" marL="914400" rtl="0">
+            <a:lvl2pPr marL="914400" lvl="1" indent="-317500" rtl="0">
               <a:lnSpc>
                 <a:spcPct val="115000"/>
               </a:lnSpc>
@@ -7047,7 +7456,7 @@
                 <a:sym typeface="Lato"/>
               </a:defRPr>
             </a:lvl2pPr>
-            <a:lvl3pPr indent="-317500" lvl="2" marL="1371600" rtl="0">
+            <a:lvl3pPr marL="1371600" lvl="2" indent="-317500" rtl="0">
               <a:lnSpc>
                 <a:spcPct val="115000"/>
               </a:lnSpc>
@@ -7073,7 +7482,7 @@
                 <a:sym typeface="Lato"/>
               </a:defRPr>
             </a:lvl3pPr>
-            <a:lvl4pPr indent="-317500" lvl="3" marL="1828800" rtl="0">
+            <a:lvl4pPr marL="1828800" lvl="3" indent="-317500" rtl="0">
               <a:lnSpc>
                 <a:spcPct val="115000"/>
               </a:lnSpc>
@@ -7099,7 +7508,7 @@
                 <a:sym typeface="Lato"/>
               </a:defRPr>
             </a:lvl4pPr>
-            <a:lvl5pPr indent="-317500" lvl="4" marL="2286000" rtl="0">
+            <a:lvl5pPr marL="2286000" lvl="4" indent="-317500" rtl="0">
               <a:lnSpc>
                 <a:spcPct val="115000"/>
               </a:lnSpc>
@@ -7125,7 +7534,7 @@
                 <a:sym typeface="Lato"/>
               </a:defRPr>
             </a:lvl5pPr>
-            <a:lvl6pPr indent="-317500" lvl="5" marL="2743200" rtl="0">
+            <a:lvl6pPr marL="2743200" lvl="5" indent="-317500" rtl="0">
               <a:lnSpc>
                 <a:spcPct val="115000"/>
               </a:lnSpc>
@@ -7151,7 +7560,7 @@
                 <a:sym typeface="Lato"/>
               </a:defRPr>
             </a:lvl6pPr>
-            <a:lvl7pPr indent="-317500" lvl="6" marL="3200400" rtl="0">
+            <a:lvl7pPr marL="3200400" lvl="6" indent="-317500" rtl="0">
               <a:lnSpc>
                 <a:spcPct val="115000"/>
               </a:lnSpc>
@@ -7177,7 +7586,7 @@
                 <a:sym typeface="Lato"/>
               </a:defRPr>
             </a:lvl7pPr>
-            <a:lvl8pPr indent="-317500" lvl="7" marL="3657600" rtl="0">
+            <a:lvl8pPr marL="3657600" lvl="7" indent="-317500" rtl="0">
               <a:lnSpc>
                 <a:spcPct val="115000"/>
               </a:lnSpc>
@@ -7203,7 +7612,7 @@
                 <a:sym typeface="Lato"/>
               </a:defRPr>
             </a:lvl8pPr>
-            <a:lvl9pPr indent="-317500" lvl="8" marL="4114800" rtl="0">
+            <a:lvl9pPr marL="4114800" lvl="8" indent="-317500" rtl="0">
               <a:lnSpc>
                 <a:spcPct val="115000"/>
               </a:lnSpc>
@@ -7230,15 +7639,19 @@
               </a:defRPr>
             </a:lvl9pPr>
           </a:lstStyle>
-          <a:p/>
+          <a:p>
+            <a:endParaRPr/>
+          </a:p>
         </p:txBody>
       </p:sp>
       <p:sp>
         <p:nvSpPr>
           <p:cNvPr id="8" name="Google Shape;8;p1"/>
-          <p:cNvSpPr txBox="1"/>
+          <p:cNvSpPr txBox="1">
+            <a:spLocks noGrp="1"/>
+          </p:cNvSpPr>
           <p:nvPr>
-            <p:ph idx="12" type="sldNum"/>
+            <p:ph type="sldNum" idx="12"/>
           </p:nvPr>
         </p:nvSpPr>
         <p:spPr>
@@ -7255,11 +7668,11 @@
           </a:ln>
         </p:spPr>
         <p:txBody>
-          <a:bodyPr anchorCtr="0" anchor="ctr" bIns="91425" lIns="91425" spcFirstLastPara="1" rIns="91425" wrap="square" tIns="91425">
+          <a:bodyPr spcFirstLastPara="1" wrap="square" lIns="91425" tIns="91425" rIns="91425" bIns="91425" anchor="ctr" anchorCtr="0">
             <a:noAutofit/>
           </a:bodyPr>
           <a:lstStyle>
-            <a:lvl1pPr lvl="0" rtl="0" algn="r">
+            <a:lvl1pPr lvl="0" algn="r" rtl="0">
               <a:buNone/>
               <a:defRPr sz="1000">
                 <a:solidFill>
@@ -7271,7 +7684,7 @@
                 <a:sym typeface="Lato"/>
               </a:defRPr>
             </a:lvl1pPr>
-            <a:lvl2pPr lvl="1" rtl="0" algn="r">
+            <a:lvl2pPr lvl="1" algn="r" rtl="0">
               <a:buNone/>
               <a:defRPr sz="1000">
                 <a:solidFill>
@@ -7283,7 +7696,7 @@
                 <a:sym typeface="Lato"/>
               </a:defRPr>
             </a:lvl2pPr>
-            <a:lvl3pPr lvl="2" rtl="0" algn="r">
+            <a:lvl3pPr lvl="2" algn="r" rtl="0">
               <a:buNone/>
               <a:defRPr sz="1000">
                 <a:solidFill>
@@ -7295,7 +7708,7 @@
                 <a:sym typeface="Lato"/>
               </a:defRPr>
             </a:lvl3pPr>
-            <a:lvl4pPr lvl="3" rtl="0" algn="r">
+            <a:lvl4pPr lvl="3" algn="r" rtl="0">
               <a:buNone/>
               <a:defRPr sz="1000">
                 <a:solidFill>
@@ -7307,7 +7720,7 @@
                 <a:sym typeface="Lato"/>
               </a:defRPr>
             </a:lvl4pPr>
-            <a:lvl5pPr lvl="4" rtl="0" algn="r">
+            <a:lvl5pPr lvl="4" algn="r" rtl="0">
               <a:buNone/>
               <a:defRPr sz="1000">
                 <a:solidFill>
@@ -7319,7 +7732,7 @@
                 <a:sym typeface="Lato"/>
               </a:defRPr>
             </a:lvl5pPr>
-            <a:lvl6pPr lvl="5" rtl="0" algn="r">
+            <a:lvl6pPr lvl="5" algn="r" rtl="0">
               <a:buNone/>
               <a:defRPr sz="1000">
                 <a:solidFill>
@@ -7331,7 +7744,7 @@
                 <a:sym typeface="Lato"/>
               </a:defRPr>
             </a:lvl6pPr>
-            <a:lvl7pPr lvl="6" rtl="0" algn="r">
+            <a:lvl7pPr lvl="6" algn="r" rtl="0">
               <a:buNone/>
               <a:defRPr sz="1000">
                 <a:solidFill>
@@ -7343,7 +7756,7 @@
                 <a:sym typeface="Lato"/>
               </a:defRPr>
             </a:lvl7pPr>
-            <a:lvl8pPr lvl="7" rtl="0" algn="r">
+            <a:lvl8pPr lvl="7" algn="r" rtl="0">
               <a:buNone/>
               <a:defRPr sz="1000">
                 <a:solidFill>
@@ -7355,7 +7768,7 @@
                 <a:sym typeface="Lato"/>
               </a:defRPr>
             </a:lvl8pPr>
-            <a:lvl9pPr lvl="8" rtl="0" algn="r">
+            <a:lvl9pPr lvl="8" algn="r" rtl="0">
               <a:buNone/>
               <a:defRPr sz="1000">
                 <a:solidFill>
@@ -7369,7 +7782,7 @@
             </a:lvl9pPr>
           </a:lstStyle>
           <a:p>
-            <a:pPr indent="0" lvl="0" marL="0" rtl="0" algn="r">
+            <a:pPr marL="0" lvl="0" indent="0" algn="r" rtl="0">
               <a:spcBef>
                 <a:spcPts val="0"/>
               </a:spcBef>
@@ -7388,7 +7801,7 @@
       </p:sp>
     </p:spTree>
   </p:cSld>
-  <p:clrMap accent1="accent1" accent2="accent2" accent3="accent3" accent4="accent4" accent5="accent5" accent6="accent6" bg1="lt1" bg2="dk2" tx1="dk1" tx2="lt2" folHlink="folHlink" hlink="hlink"/>
+  <p:clrMap bg1="lt1" tx1="dk1" bg2="dk2" tx2="lt2" accent1="accent1" accent2="accent2" accent3="accent3" accent4="accent4" accent5="accent5" accent6="accent6" hlink="hlink" folHlink="folHlink"/>
   <p:sldLayoutIdLst>
     <p:sldLayoutId id="2147483648" r:id="rId1"/>
     <p:sldLayoutId id="2147483649" r:id="rId2"/>
@@ -7402,10 +7815,10 @@
     <p:sldLayoutId id="2147483657" r:id="rId10"/>
     <p:sldLayoutId id="2147483658" r:id="rId11"/>
   </p:sldLayoutIdLst>
-  <p:hf dt="0" ftr="0" hdr="0" sldNum="0"/>
+  <p:hf sldNum="0" hdr="0" ftr="0" dt="0"/>
   <p:txStyles>
     <p:titleStyle>
-      <a:defPPr lvl="0" marR="0" rtl="0" algn="l">
+      <a:defPPr marR="0" lvl="0" algn="l" rtl="0">
         <a:lnSpc>
           <a:spcPct val="100000"/>
         </a:lnSpc>
@@ -7416,7 +7829,7 @@
           <a:spcPts val="0"/>
         </a:spcAft>
       </a:defPPr>
-      <a:lvl1pPr lvl="0" marR="0" rtl="0" algn="l">
+      <a:lvl1pPr marR="0" lvl="0" algn="l" rtl="0">
         <a:lnSpc>
           <a:spcPct val="100000"/>
         </a:lnSpc>
@@ -7430,7 +7843,7 @@
           <a:srgbClr val="000000"/>
         </a:buClr>
         <a:buFont typeface="Arial"/>
-        <a:defRPr b="0" i="0" sz="1400" u="none" cap="none" strike="noStrike">
+        <a:defRPr sz="1400" b="0" i="0" u="none" strike="noStrike" cap="none">
           <a:solidFill>
             <a:srgbClr val="000000"/>
           </a:solidFill>
@@ -7440,7 +7853,7 @@
           <a:sym typeface="Arial"/>
         </a:defRPr>
       </a:lvl1pPr>
-      <a:lvl2pPr lvl="1" marR="0" rtl="0" algn="l">
+      <a:lvl2pPr marR="0" lvl="1" algn="l" rtl="0">
         <a:lnSpc>
           <a:spcPct val="100000"/>
         </a:lnSpc>
@@ -7454,7 +7867,7 @@
           <a:srgbClr val="000000"/>
         </a:buClr>
         <a:buFont typeface="Arial"/>
-        <a:defRPr b="0" i="0" sz="1400" u="none" cap="none" strike="noStrike">
+        <a:defRPr sz="1400" b="0" i="0" u="none" strike="noStrike" cap="none">
           <a:solidFill>
             <a:srgbClr val="000000"/>
           </a:solidFill>
@@ -7464,7 +7877,7 @@
           <a:sym typeface="Arial"/>
         </a:defRPr>
       </a:lvl2pPr>
-      <a:lvl3pPr lvl="2" marR="0" rtl="0" algn="l">
+      <a:lvl3pPr marR="0" lvl="2" algn="l" rtl="0">
         <a:lnSpc>
           <a:spcPct val="100000"/>
         </a:lnSpc>
@@ -7478,7 +7891,7 @@
           <a:srgbClr val="000000"/>
         </a:buClr>
         <a:buFont typeface="Arial"/>
-        <a:defRPr b="0" i="0" sz="1400" u="none" cap="none" strike="noStrike">
+        <a:defRPr sz="1400" b="0" i="0" u="none" strike="noStrike" cap="none">
           <a:solidFill>
             <a:srgbClr val="000000"/>
           </a:solidFill>
@@ -7488,7 +7901,7 @@
           <a:sym typeface="Arial"/>
         </a:defRPr>
       </a:lvl3pPr>
-      <a:lvl4pPr lvl="3" marR="0" rtl="0" algn="l">
+      <a:lvl4pPr marR="0" lvl="3" algn="l" rtl="0">
         <a:lnSpc>
           <a:spcPct val="100000"/>
         </a:lnSpc>
@@ -7502,7 +7915,7 @@
           <a:srgbClr val="000000"/>
         </a:buClr>
         <a:buFont typeface="Arial"/>
-        <a:defRPr b="0" i="0" sz="1400" u="none" cap="none" strike="noStrike">
+        <a:defRPr sz="1400" b="0" i="0" u="none" strike="noStrike" cap="none">
           <a:solidFill>
             <a:srgbClr val="000000"/>
           </a:solidFill>
@@ -7512,7 +7925,7 @@
           <a:sym typeface="Arial"/>
         </a:defRPr>
       </a:lvl4pPr>
-      <a:lvl5pPr lvl="4" marR="0" rtl="0" algn="l">
+      <a:lvl5pPr marR="0" lvl="4" algn="l" rtl="0">
         <a:lnSpc>
           <a:spcPct val="100000"/>
         </a:lnSpc>
@@ -7526,7 +7939,7 @@
           <a:srgbClr val="000000"/>
         </a:buClr>
         <a:buFont typeface="Arial"/>
-        <a:defRPr b="0" i="0" sz="1400" u="none" cap="none" strike="noStrike">
+        <a:defRPr sz="1400" b="0" i="0" u="none" strike="noStrike" cap="none">
           <a:solidFill>
             <a:srgbClr val="000000"/>
           </a:solidFill>
@@ -7536,7 +7949,7 @@
           <a:sym typeface="Arial"/>
         </a:defRPr>
       </a:lvl5pPr>
-      <a:lvl6pPr lvl="5" marR="0" rtl="0" algn="l">
+      <a:lvl6pPr marR="0" lvl="5" algn="l" rtl="0">
         <a:lnSpc>
           <a:spcPct val="100000"/>
         </a:lnSpc>
@@ -7550,7 +7963,7 @@
           <a:srgbClr val="000000"/>
         </a:buClr>
         <a:buFont typeface="Arial"/>
-        <a:defRPr b="0" i="0" sz="1400" u="none" cap="none" strike="noStrike">
+        <a:defRPr sz="1400" b="0" i="0" u="none" strike="noStrike" cap="none">
           <a:solidFill>
             <a:srgbClr val="000000"/>
           </a:solidFill>
@@ -7560,7 +7973,7 @@
           <a:sym typeface="Arial"/>
         </a:defRPr>
       </a:lvl6pPr>
-      <a:lvl7pPr lvl="6" marR="0" rtl="0" algn="l">
+      <a:lvl7pPr marR="0" lvl="6" algn="l" rtl="0">
         <a:lnSpc>
           <a:spcPct val="100000"/>
         </a:lnSpc>
@@ -7574,7 +7987,7 @@
           <a:srgbClr val="000000"/>
         </a:buClr>
         <a:buFont typeface="Arial"/>
-        <a:defRPr b="0" i="0" sz="1400" u="none" cap="none" strike="noStrike">
+        <a:defRPr sz="1400" b="0" i="0" u="none" strike="noStrike" cap="none">
           <a:solidFill>
             <a:srgbClr val="000000"/>
           </a:solidFill>
@@ -7584,7 +7997,7 @@
           <a:sym typeface="Arial"/>
         </a:defRPr>
       </a:lvl7pPr>
-      <a:lvl8pPr lvl="7" marR="0" rtl="0" algn="l">
+      <a:lvl8pPr marR="0" lvl="7" algn="l" rtl="0">
         <a:lnSpc>
           <a:spcPct val="100000"/>
         </a:lnSpc>
@@ -7598,7 +8011,7 @@
           <a:srgbClr val="000000"/>
         </a:buClr>
         <a:buFont typeface="Arial"/>
-        <a:defRPr b="0" i="0" sz="1400" u="none" cap="none" strike="noStrike">
+        <a:defRPr sz="1400" b="0" i="0" u="none" strike="noStrike" cap="none">
           <a:solidFill>
             <a:srgbClr val="000000"/>
           </a:solidFill>
@@ -7608,7 +8021,7 @@
           <a:sym typeface="Arial"/>
         </a:defRPr>
       </a:lvl8pPr>
-      <a:lvl9pPr lvl="8" marR="0" rtl="0" algn="l">
+      <a:lvl9pPr marR="0" lvl="8" algn="l" rtl="0">
         <a:lnSpc>
           <a:spcPct val="100000"/>
         </a:lnSpc>
@@ -7622,7 +8035,7 @@
           <a:srgbClr val="000000"/>
         </a:buClr>
         <a:buFont typeface="Arial"/>
-        <a:defRPr b="0" i="0" sz="1400" u="none" cap="none" strike="noStrike">
+        <a:defRPr sz="1400" b="0" i="0" u="none" strike="noStrike" cap="none">
           <a:solidFill>
             <a:srgbClr val="000000"/>
           </a:solidFill>
@@ -7634,7 +8047,7 @@
       </a:lvl9pPr>
     </p:titleStyle>
     <p:bodyStyle>
-      <a:defPPr lvl="0" marR="0" rtl="0" algn="l">
+      <a:defPPr marR="0" lvl="0" algn="l" rtl="0">
         <a:lnSpc>
           <a:spcPct val="100000"/>
         </a:lnSpc>
@@ -7645,7 +8058,7 @@
           <a:spcPts val="0"/>
         </a:spcAft>
       </a:defPPr>
-      <a:lvl1pPr lvl="0" marR="0" rtl="0" algn="l">
+      <a:lvl1pPr marR="0" lvl="0" algn="l" rtl="0">
         <a:lnSpc>
           <a:spcPct val="100000"/>
         </a:lnSpc>
@@ -7659,7 +8072,7 @@
           <a:srgbClr val="000000"/>
         </a:buClr>
         <a:buFont typeface="Arial"/>
-        <a:defRPr b="0" i="0" sz="1400" u="none" cap="none" strike="noStrike">
+        <a:defRPr sz="1400" b="0" i="0" u="none" strike="noStrike" cap="none">
           <a:solidFill>
             <a:srgbClr val="000000"/>
           </a:solidFill>
@@ -7669,7 +8082,7 @@
           <a:sym typeface="Arial"/>
         </a:defRPr>
       </a:lvl1pPr>
-      <a:lvl2pPr lvl="1" marR="0" rtl="0" algn="l">
+      <a:lvl2pPr marR="0" lvl="1" algn="l" rtl="0">
         <a:lnSpc>
           <a:spcPct val="100000"/>
         </a:lnSpc>
@@ -7683,7 +8096,7 @@
           <a:srgbClr val="000000"/>
         </a:buClr>
         <a:buFont typeface="Arial"/>
-        <a:defRPr b="0" i="0" sz="1400" u="none" cap="none" strike="noStrike">
+        <a:defRPr sz="1400" b="0" i="0" u="none" strike="noStrike" cap="none">
           <a:solidFill>
             <a:srgbClr val="000000"/>
           </a:solidFill>
@@ -7693,7 +8106,7 @@
           <a:sym typeface="Arial"/>
         </a:defRPr>
       </a:lvl2pPr>
-      <a:lvl3pPr lvl="2" marR="0" rtl="0" algn="l">
+      <a:lvl3pPr marR="0" lvl="2" algn="l" rtl="0">
         <a:lnSpc>
           <a:spcPct val="100000"/>
         </a:lnSpc>
@@ -7707,7 +8120,7 @@
           <a:srgbClr val="000000"/>
         </a:buClr>
         <a:buFont typeface="Arial"/>
-        <a:defRPr b="0" i="0" sz="1400" u="none" cap="none" strike="noStrike">
+        <a:defRPr sz="1400" b="0" i="0" u="none" strike="noStrike" cap="none">
           <a:solidFill>
             <a:srgbClr val="000000"/>
           </a:solidFill>
@@ -7717,7 +8130,7 @@
           <a:sym typeface="Arial"/>
         </a:defRPr>
       </a:lvl3pPr>
-      <a:lvl4pPr lvl="3" marR="0" rtl="0" algn="l">
+      <a:lvl4pPr marR="0" lvl="3" algn="l" rtl="0">
         <a:lnSpc>
           <a:spcPct val="100000"/>
         </a:lnSpc>
@@ -7731,7 +8144,7 @@
           <a:srgbClr val="000000"/>
         </a:buClr>
         <a:buFont typeface="Arial"/>
-        <a:defRPr b="0" i="0" sz="1400" u="none" cap="none" strike="noStrike">
+        <a:defRPr sz="1400" b="0" i="0" u="none" strike="noStrike" cap="none">
           <a:solidFill>
             <a:srgbClr val="000000"/>
           </a:solidFill>
@@ -7741,7 +8154,7 @@
           <a:sym typeface="Arial"/>
         </a:defRPr>
       </a:lvl4pPr>
-      <a:lvl5pPr lvl="4" marR="0" rtl="0" algn="l">
+      <a:lvl5pPr marR="0" lvl="4" algn="l" rtl="0">
         <a:lnSpc>
           <a:spcPct val="100000"/>
         </a:lnSpc>
@@ -7755,7 +8168,7 @@
           <a:srgbClr val="000000"/>
         </a:buClr>
         <a:buFont typeface="Arial"/>
-        <a:defRPr b="0" i="0" sz="1400" u="none" cap="none" strike="noStrike">
+        <a:defRPr sz="1400" b="0" i="0" u="none" strike="noStrike" cap="none">
           <a:solidFill>
             <a:srgbClr val="000000"/>
           </a:solidFill>
@@ -7765,7 +8178,7 @@
           <a:sym typeface="Arial"/>
         </a:defRPr>
       </a:lvl5pPr>
-      <a:lvl6pPr lvl="5" marR="0" rtl="0" algn="l">
+      <a:lvl6pPr marR="0" lvl="5" algn="l" rtl="0">
         <a:lnSpc>
           <a:spcPct val="100000"/>
         </a:lnSpc>
@@ -7779,7 +8192,7 @@
           <a:srgbClr val="000000"/>
         </a:buClr>
         <a:buFont typeface="Arial"/>
-        <a:defRPr b="0" i="0" sz="1400" u="none" cap="none" strike="noStrike">
+        <a:defRPr sz="1400" b="0" i="0" u="none" strike="noStrike" cap="none">
           <a:solidFill>
             <a:srgbClr val="000000"/>
           </a:solidFill>
@@ -7789,7 +8202,7 @@
           <a:sym typeface="Arial"/>
         </a:defRPr>
       </a:lvl6pPr>
-      <a:lvl7pPr lvl="6" marR="0" rtl="0" algn="l">
+      <a:lvl7pPr marR="0" lvl="6" algn="l" rtl="0">
         <a:lnSpc>
           <a:spcPct val="100000"/>
         </a:lnSpc>
@@ -7803,7 +8216,7 @@
           <a:srgbClr val="000000"/>
         </a:buClr>
         <a:buFont typeface="Arial"/>
-        <a:defRPr b="0" i="0" sz="1400" u="none" cap="none" strike="noStrike">
+        <a:defRPr sz="1400" b="0" i="0" u="none" strike="noStrike" cap="none">
           <a:solidFill>
             <a:srgbClr val="000000"/>
           </a:solidFill>
@@ -7813,7 +8226,7 @@
           <a:sym typeface="Arial"/>
         </a:defRPr>
       </a:lvl7pPr>
-      <a:lvl8pPr lvl="7" marR="0" rtl="0" algn="l">
+      <a:lvl8pPr marR="0" lvl="7" algn="l" rtl="0">
         <a:lnSpc>
           <a:spcPct val="100000"/>
         </a:lnSpc>
@@ -7827,7 +8240,7 @@
           <a:srgbClr val="000000"/>
         </a:buClr>
         <a:buFont typeface="Arial"/>
-        <a:defRPr b="0" i="0" sz="1400" u="none" cap="none" strike="noStrike">
+        <a:defRPr sz="1400" b="0" i="0" u="none" strike="noStrike" cap="none">
           <a:solidFill>
             <a:srgbClr val="000000"/>
           </a:solidFill>
@@ -7837,7 +8250,7 @@
           <a:sym typeface="Arial"/>
         </a:defRPr>
       </a:lvl8pPr>
-      <a:lvl9pPr lvl="8" marR="0" rtl="0" algn="l">
+      <a:lvl9pPr marR="0" lvl="8" algn="l" rtl="0">
         <a:lnSpc>
           <a:spcPct val="100000"/>
         </a:lnSpc>
@@ -7851,7 +8264,7 @@
           <a:srgbClr val="000000"/>
         </a:buClr>
         <a:buFont typeface="Arial"/>
-        <a:defRPr b="0" i="0" sz="1400" u="none" cap="none" strike="noStrike">
+        <a:defRPr sz="1400" b="0" i="0" u="none" strike="noStrike" cap="none">
           <a:solidFill>
             <a:srgbClr val="000000"/>
           </a:solidFill>
@@ -7863,7 +8276,7 @@
       </a:lvl9pPr>
     </p:bodyStyle>
     <p:otherStyle>
-      <a:defPPr lvl="0" marR="0" rtl="0" algn="l">
+      <a:defPPr marR="0" lvl="0" algn="l" rtl="0">
         <a:lnSpc>
           <a:spcPct val="100000"/>
         </a:lnSpc>
@@ -7874,7 +8287,7 @@
           <a:spcPts val="0"/>
         </a:spcAft>
       </a:defPPr>
-      <a:lvl1pPr lvl="0" marR="0" rtl="0" algn="l">
+      <a:lvl1pPr marR="0" lvl="0" algn="l" rtl="0">
         <a:lnSpc>
           <a:spcPct val="100000"/>
         </a:lnSpc>
@@ -7888,7 +8301,7 @@
           <a:srgbClr val="000000"/>
         </a:buClr>
         <a:buFont typeface="Arial"/>
-        <a:defRPr b="0" i="0" sz="1400" u="none" cap="none" strike="noStrike">
+        <a:defRPr sz="1400" b="0" i="0" u="none" strike="noStrike" cap="none">
           <a:solidFill>
             <a:srgbClr val="000000"/>
           </a:solidFill>
@@ -7898,7 +8311,7 @@
           <a:sym typeface="Arial"/>
         </a:defRPr>
       </a:lvl1pPr>
-      <a:lvl2pPr lvl="1" marR="0" rtl="0" algn="l">
+      <a:lvl2pPr marR="0" lvl="1" algn="l" rtl="0">
         <a:lnSpc>
           <a:spcPct val="100000"/>
         </a:lnSpc>
@@ -7912,7 +8325,7 @@
           <a:srgbClr val="000000"/>
         </a:buClr>
         <a:buFont typeface="Arial"/>
-        <a:defRPr b="0" i="0" sz="1400" u="none" cap="none" strike="noStrike">
+        <a:defRPr sz="1400" b="0" i="0" u="none" strike="noStrike" cap="none">
           <a:solidFill>
             <a:srgbClr val="000000"/>
           </a:solidFill>
@@ -7922,7 +8335,7 @@
           <a:sym typeface="Arial"/>
         </a:defRPr>
       </a:lvl2pPr>
-      <a:lvl3pPr lvl="2" marR="0" rtl="0" algn="l">
+      <a:lvl3pPr marR="0" lvl="2" algn="l" rtl="0">
         <a:lnSpc>
           <a:spcPct val="100000"/>
         </a:lnSpc>
@@ -7936,7 +8349,7 @@
           <a:srgbClr val="000000"/>
         </a:buClr>
         <a:buFont typeface="Arial"/>
-        <a:defRPr b="0" i="0" sz="1400" u="none" cap="none" strike="noStrike">
+        <a:defRPr sz="1400" b="0" i="0" u="none" strike="noStrike" cap="none">
           <a:solidFill>
             <a:srgbClr val="000000"/>
           </a:solidFill>
@@ -7946,7 +8359,7 @@
           <a:sym typeface="Arial"/>
         </a:defRPr>
       </a:lvl3pPr>
-      <a:lvl4pPr lvl="3" marR="0" rtl="0" algn="l">
+      <a:lvl4pPr marR="0" lvl="3" algn="l" rtl="0">
         <a:lnSpc>
           <a:spcPct val="100000"/>
         </a:lnSpc>
@@ -7960,7 +8373,7 @@
           <a:srgbClr val="000000"/>
         </a:buClr>
         <a:buFont typeface="Arial"/>
-        <a:defRPr b="0" i="0" sz="1400" u="none" cap="none" strike="noStrike">
+        <a:defRPr sz="1400" b="0" i="0" u="none" strike="noStrike" cap="none">
           <a:solidFill>
             <a:srgbClr val="000000"/>
           </a:solidFill>
@@ -7970,7 +8383,7 @@
           <a:sym typeface="Arial"/>
         </a:defRPr>
       </a:lvl4pPr>
-      <a:lvl5pPr lvl="4" marR="0" rtl="0" algn="l">
+      <a:lvl5pPr marR="0" lvl="4" algn="l" rtl="0">
         <a:lnSpc>
           <a:spcPct val="100000"/>
         </a:lnSpc>
@@ -7984,7 +8397,7 @@
           <a:srgbClr val="000000"/>
         </a:buClr>
         <a:buFont typeface="Arial"/>
-        <a:defRPr b="0" i="0" sz="1400" u="none" cap="none" strike="noStrike">
+        <a:defRPr sz="1400" b="0" i="0" u="none" strike="noStrike" cap="none">
           <a:solidFill>
             <a:srgbClr val="000000"/>
           </a:solidFill>
@@ -7994,7 +8407,7 @@
           <a:sym typeface="Arial"/>
         </a:defRPr>
       </a:lvl5pPr>
-      <a:lvl6pPr lvl="5" marR="0" rtl="0" algn="l">
+      <a:lvl6pPr marR="0" lvl="5" algn="l" rtl="0">
         <a:lnSpc>
           <a:spcPct val="100000"/>
         </a:lnSpc>
@@ -8008,7 +8421,7 @@
           <a:srgbClr val="000000"/>
         </a:buClr>
         <a:buFont typeface="Arial"/>
-        <a:defRPr b="0" i="0" sz="1400" u="none" cap="none" strike="noStrike">
+        <a:defRPr sz="1400" b="0" i="0" u="none" strike="noStrike" cap="none">
           <a:solidFill>
             <a:srgbClr val="000000"/>
           </a:solidFill>
@@ -8018,7 +8431,7 @@
           <a:sym typeface="Arial"/>
         </a:defRPr>
       </a:lvl6pPr>
-      <a:lvl7pPr lvl="6" marR="0" rtl="0" algn="l">
+      <a:lvl7pPr marR="0" lvl="6" algn="l" rtl="0">
         <a:lnSpc>
           <a:spcPct val="100000"/>
         </a:lnSpc>
@@ -8032,7 +8445,7 @@
           <a:srgbClr val="000000"/>
         </a:buClr>
         <a:buFont typeface="Arial"/>
-        <a:defRPr b="0" i="0" sz="1400" u="none" cap="none" strike="noStrike">
+        <a:defRPr sz="1400" b="0" i="0" u="none" strike="noStrike" cap="none">
           <a:solidFill>
             <a:srgbClr val="000000"/>
           </a:solidFill>
@@ -8042,7 +8455,7 @@
           <a:sym typeface="Arial"/>
         </a:defRPr>
       </a:lvl7pPr>
-      <a:lvl8pPr lvl="7" marR="0" rtl="0" algn="l">
+      <a:lvl8pPr marR="0" lvl="7" algn="l" rtl="0">
         <a:lnSpc>
           <a:spcPct val="100000"/>
         </a:lnSpc>
@@ -8056,7 +8469,7 @@
           <a:srgbClr val="000000"/>
         </a:buClr>
         <a:buFont typeface="Arial"/>
-        <a:defRPr b="0" i="0" sz="1400" u="none" cap="none" strike="noStrike">
+        <a:defRPr sz="1400" b="0" i="0" u="none" strike="noStrike" cap="none">
           <a:solidFill>
             <a:srgbClr val="000000"/>
           </a:solidFill>
@@ -8066,7 +8479,7 @@
           <a:sym typeface="Arial"/>
         </a:defRPr>
       </a:lvl8pPr>
-      <a:lvl9pPr lvl="8" marR="0" rtl="0" algn="l">
+      <a:lvl9pPr marR="0" lvl="8" algn="l" rtl="0">
         <a:lnSpc>
           <a:spcPct val="100000"/>
         </a:lnSpc>
@@ -8080,7 +8493,7 @@
           <a:srgbClr val="000000"/>
         </a:buClr>
         <a:buFont typeface="Arial"/>
-        <a:defRPr b="0" i="0" sz="1400" u="none" cap="none" strike="noStrike">
+        <a:defRPr sz="1400" b="0" i="0" u="none" strike="noStrike" cap="none">
           <a:solidFill>
             <a:srgbClr val="000000"/>
           </a:solidFill>
@@ -8096,11 +8509,11 @@
 </file>
 
 <file path=ppt/slides/slide1.xml><?xml version="1.0" encoding="utf-8"?>
-<p:sld xmlns:a="http://schemas.openxmlformats.org/drawingml/2006/main" xmlns:r="http://schemas.openxmlformats.org/officeDocument/2006/relationships" xmlns:mc="http://schemas.openxmlformats.org/markup-compatibility/2006" xmlns:mv="urn:schemas-microsoft-com:mac:vml" xmlns:p="http://schemas.openxmlformats.org/presentationml/2006/main" xmlns:c="http://schemas.openxmlformats.org/drawingml/2006/chart" xmlns:dgm="http://schemas.openxmlformats.org/drawingml/2006/diagram" xmlns:o="urn:schemas-microsoft-com:office:office" xmlns:v="urn:schemas-microsoft-com:vml" xmlns:pvml="urn:schemas-microsoft-com:office:powerpoint" xmlns:com="http://schemas.openxmlformats.org/drawingml/2006/compatibility" xmlns:p14="http://schemas.microsoft.com/office/powerpoint/2010/main" xmlns:p15="http://schemas.microsoft.com/office/powerpoint/2012/main">
+<p:sld xmlns:a="http://schemas.openxmlformats.org/drawingml/2006/main" xmlns:r="http://schemas.openxmlformats.org/officeDocument/2006/relationships" xmlns:p="http://schemas.openxmlformats.org/presentationml/2006/main">
   <p:cSld>
     <p:spTree>
       <p:nvGrpSpPr>
-        <p:cNvPr id="71" name="Shape 71"/>
+        <p:cNvPr id="1" name="Shape 71"/>
         <p:cNvGrpSpPr/>
         <p:nvPr/>
       </p:nvGrpSpPr>
@@ -8115,7 +8528,9 @@
       <p:sp>
         <p:nvSpPr>
           <p:cNvPr id="72" name="Google Shape;72;p13"/>
-          <p:cNvSpPr txBox="1"/>
+          <p:cNvSpPr txBox="1">
+            <a:spLocks noGrp="1"/>
+          </p:cNvSpPr>
           <p:nvPr>
             <p:ph type="ctrTitle"/>
           </p:nvPr>
@@ -8130,12 +8545,12 @@
           </a:prstGeom>
         </p:spPr>
         <p:txBody>
-          <a:bodyPr anchorCtr="0" anchor="t" bIns="91425" lIns="91425" spcFirstLastPara="1" rIns="91425" wrap="square" tIns="91425">
+          <a:bodyPr spcFirstLastPara="1" wrap="square" lIns="91425" tIns="91425" rIns="91425" bIns="91425" anchor="t" anchorCtr="0">
             <a:noAutofit/>
           </a:bodyPr>
           <a:lstStyle/>
           <a:p>
-            <a:pPr indent="0" lvl="0" marL="0" rtl="0" algn="l">
+            <a:pPr marL="0" lvl="0" indent="0" algn="l" rtl="0">
               <a:spcBef>
                 <a:spcPts val="0"/>
               </a:spcBef>
@@ -8151,7 +8566,7 @@
             <a:endParaRPr/>
           </a:p>
           <a:p>
-            <a:pPr indent="0" lvl="0" marL="0" rtl="0" algn="l">
+            <a:pPr marL="0" lvl="0" indent="0" algn="l" rtl="0">
               <a:spcBef>
                 <a:spcPts val="0"/>
               </a:spcBef>
@@ -8160,9 +8575,6 @@
               </a:spcAft>
               <a:buNone/>
             </a:pPr>
-            <a:r>
-              <a:t/>
-            </a:r>
             <a:endParaRPr/>
           </a:p>
         </p:txBody>
@@ -8170,9 +8582,11 @@
       <p:sp>
         <p:nvSpPr>
           <p:cNvPr id="73" name="Google Shape;73;p13"/>
-          <p:cNvSpPr txBox="1"/>
+          <p:cNvSpPr txBox="1">
+            <a:spLocks noGrp="1"/>
+          </p:cNvSpPr>
           <p:nvPr>
-            <p:ph idx="1" type="subTitle"/>
+            <p:ph type="subTitle" idx="1"/>
           </p:nvPr>
         </p:nvSpPr>
         <p:spPr>
@@ -8185,12 +8599,12 @@
           </a:prstGeom>
         </p:spPr>
         <p:txBody>
-          <a:bodyPr anchorCtr="0" anchor="b" bIns="91425" lIns="91425" spcFirstLastPara="1" rIns="91425" wrap="square" tIns="91425">
+          <a:bodyPr spcFirstLastPara="1" wrap="square" lIns="91425" tIns="91425" rIns="91425" bIns="91425" anchor="b" anchorCtr="0">
             <a:noAutofit/>
           </a:bodyPr>
           <a:lstStyle/>
           <a:p>
-            <a:pPr indent="0" lvl="0" marL="0" rtl="0" algn="l">
+            <a:pPr marL="0" lvl="0" indent="0" algn="l" rtl="0">
               <a:spcBef>
                 <a:spcPts val="0"/>
               </a:spcBef>
@@ -8201,13 +8615,9 @@
             </a:pPr>
             <a:r>
               <a:rPr lang="en" sz="2400"/>
-              <a:t>Ho Man Leung, Drazen Zack </a:t>
+              <a:t>Ho Man Leung, Drazen Zack &amp; Arthur Bertrand</a:t>
             </a:r>
-            <a:r>
-              <a:rPr lang="en" sz="2400"/>
-              <a:t>&amp; Arthur Bertrand</a:t>
-            </a:r>
-            <a:endParaRPr b="1" sz="2400"/>
+            <a:endParaRPr sz="2400" b="1"/>
           </a:p>
         </p:txBody>
       </p:sp>
@@ -8220,11 +8630,11 @@
 </file>
 
 <file path=ppt/slides/slide10.xml><?xml version="1.0" encoding="utf-8"?>
-<p:sld xmlns:a="http://schemas.openxmlformats.org/drawingml/2006/main" xmlns:r="http://schemas.openxmlformats.org/officeDocument/2006/relationships" xmlns:mc="http://schemas.openxmlformats.org/markup-compatibility/2006" xmlns:mv="urn:schemas-microsoft-com:mac:vml" xmlns:p="http://schemas.openxmlformats.org/presentationml/2006/main" xmlns:c="http://schemas.openxmlformats.org/drawingml/2006/chart" xmlns:dgm="http://schemas.openxmlformats.org/drawingml/2006/diagram" xmlns:o="urn:schemas-microsoft-com:office:office" xmlns:v="urn:schemas-microsoft-com:vml" xmlns:pvml="urn:schemas-microsoft-com:office:powerpoint" xmlns:com="http://schemas.openxmlformats.org/drawingml/2006/compatibility" xmlns:p14="http://schemas.microsoft.com/office/powerpoint/2010/main" xmlns:p15="http://schemas.microsoft.com/office/powerpoint/2012/main">
+<p:sld xmlns:a="http://schemas.openxmlformats.org/drawingml/2006/main" xmlns:r="http://schemas.openxmlformats.org/officeDocument/2006/relationships" xmlns:p="http://schemas.openxmlformats.org/presentationml/2006/main">
   <p:cSld>
     <p:spTree>
       <p:nvGrpSpPr>
-        <p:cNvPr id="127" name="Shape 127"/>
+        <p:cNvPr id="1" name="Shape 127"/>
         <p:cNvGrpSpPr/>
         <p:nvPr/>
       </p:nvGrpSpPr>
@@ -8239,7 +8649,9 @@
       <p:sp>
         <p:nvSpPr>
           <p:cNvPr id="128" name="Google Shape;128;p22"/>
-          <p:cNvSpPr txBox="1"/>
+          <p:cNvSpPr txBox="1">
+            <a:spLocks noGrp="1"/>
+          </p:cNvSpPr>
           <p:nvPr>
             <p:ph type="title"/>
           </p:nvPr>
@@ -8254,12 +8666,12 @@
           </a:prstGeom>
         </p:spPr>
         <p:txBody>
-          <a:bodyPr anchorCtr="0" anchor="t" bIns="91425" lIns="91425" spcFirstLastPara="1" rIns="91425" wrap="square" tIns="91425">
+          <a:bodyPr spcFirstLastPara="1" wrap="square" lIns="91425" tIns="91425" rIns="91425" bIns="91425" anchor="t" anchorCtr="0">
             <a:noAutofit/>
           </a:bodyPr>
           <a:lstStyle/>
           <a:p>
-            <a:pPr indent="0" lvl="0" marL="0" rtl="0" algn="l">
+            <a:pPr marL="0" lvl="0" indent="0" algn="l" rtl="0">
               <a:spcBef>
                 <a:spcPts val="0"/>
               </a:spcBef>
@@ -8288,30 +8700,32 @@
       </p:sp>
       <p:pic>
         <p:nvPicPr>
-          <p:cNvPr id="129" name="Google Shape;129;p22"/>
-          <p:cNvPicPr preferRelativeResize="0"/>
+          <p:cNvPr id="3" name="Picture 2">
+            <a:extLst>
+              <a:ext uri="{FF2B5EF4-FFF2-40B4-BE49-F238E27FC236}">
+                <a16:creationId xmlns:a16="http://schemas.microsoft.com/office/drawing/2014/main" id="{0AC8686F-EEAE-1F4C-B2E2-28E01D7E2C41}"/>
+              </a:ext>
+            </a:extLst>
+          </p:cNvPr>
+          <p:cNvPicPr>
+            <a:picLocks noChangeAspect="1"/>
+          </p:cNvPicPr>
           <p:nvPr/>
         </p:nvPicPr>
         <p:blipFill>
-          <a:blip r:embed="rId3">
-            <a:alphaModFix/>
-          </a:blip>
+          <a:blip r:embed="rId3"/>
           <a:stretch>
             <a:fillRect/>
           </a:stretch>
         </p:blipFill>
         <p:spPr>
           <a:xfrm>
-            <a:off x="666675" y="1366251"/>
-            <a:ext cx="8055250" cy="3175300"/>
+            <a:off x="1379025" y="1268709"/>
+            <a:ext cx="5703700" cy="2757514"/>
           </a:xfrm>
           <a:prstGeom prst="rect">
             <a:avLst/>
           </a:prstGeom>
-          <a:noFill/>
-          <a:ln>
-            <a:noFill/>
-          </a:ln>
         </p:spPr>
       </p:pic>
     </p:spTree>
@@ -8323,11 +8737,11 @@
 </file>
 
 <file path=ppt/slides/slide11.xml><?xml version="1.0" encoding="utf-8"?>
-<p:sld xmlns:a="http://schemas.openxmlformats.org/drawingml/2006/main" xmlns:r="http://schemas.openxmlformats.org/officeDocument/2006/relationships" xmlns:mc="http://schemas.openxmlformats.org/markup-compatibility/2006" xmlns:mv="urn:schemas-microsoft-com:mac:vml" xmlns:p="http://schemas.openxmlformats.org/presentationml/2006/main" xmlns:c="http://schemas.openxmlformats.org/drawingml/2006/chart" xmlns:dgm="http://schemas.openxmlformats.org/drawingml/2006/diagram" xmlns:o="urn:schemas-microsoft-com:office:office" xmlns:v="urn:schemas-microsoft-com:vml" xmlns:pvml="urn:schemas-microsoft-com:office:powerpoint" xmlns:com="http://schemas.openxmlformats.org/drawingml/2006/compatibility" xmlns:p14="http://schemas.microsoft.com/office/powerpoint/2010/main" xmlns:p15="http://schemas.microsoft.com/office/powerpoint/2012/main">
+<p:sld xmlns:a="http://schemas.openxmlformats.org/drawingml/2006/main" xmlns:r="http://schemas.openxmlformats.org/officeDocument/2006/relationships" xmlns:p="http://schemas.openxmlformats.org/presentationml/2006/main">
   <p:cSld>
     <p:spTree>
       <p:nvGrpSpPr>
-        <p:cNvPr id="133" name="Shape 133"/>
+        <p:cNvPr id="1" name="Shape 133"/>
         <p:cNvGrpSpPr/>
         <p:nvPr/>
       </p:nvGrpSpPr>
@@ -8342,7 +8756,9 @@
       <p:sp>
         <p:nvSpPr>
           <p:cNvPr id="134" name="Google Shape;134;p23"/>
-          <p:cNvSpPr txBox="1"/>
+          <p:cNvSpPr txBox="1">
+            <a:spLocks noGrp="1"/>
+          </p:cNvSpPr>
           <p:nvPr>
             <p:ph type="title"/>
           </p:nvPr>
@@ -8357,12 +8773,12 @@
           </a:prstGeom>
         </p:spPr>
         <p:txBody>
-          <a:bodyPr anchorCtr="0" anchor="t" bIns="91425" lIns="91425" spcFirstLastPara="1" rIns="91425" wrap="square" tIns="91425">
+          <a:bodyPr spcFirstLastPara="1" wrap="square" lIns="91425" tIns="91425" rIns="91425" bIns="91425" anchor="t" anchorCtr="0">
             <a:noAutofit/>
           </a:bodyPr>
           <a:lstStyle/>
           <a:p>
-            <a:pPr indent="0" lvl="0" marL="0" rtl="0" algn="l">
+            <a:pPr marL="0" lvl="0" indent="0" algn="l" rtl="0">
               <a:spcBef>
                 <a:spcPts val="0"/>
               </a:spcBef>
@@ -8391,30 +8807,32 @@
       </p:sp>
       <p:pic>
         <p:nvPicPr>
-          <p:cNvPr id="135" name="Google Shape;135;p23"/>
-          <p:cNvPicPr preferRelativeResize="0"/>
+          <p:cNvPr id="3" name="Picture 2">
+            <a:extLst>
+              <a:ext uri="{FF2B5EF4-FFF2-40B4-BE49-F238E27FC236}">
+                <a16:creationId xmlns:a16="http://schemas.microsoft.com/office/drawing/2014/main" id="{E9BD5604-4E24-4B44-A17B-BE3D9A2367D0}"/>
+              </a:ext>
+            </a:extLst>
+          </p:cNvPr>
+          <p:cNvPicPr>
+            <a:picLocks noChangeAspect="1"/>
+          </p:cNvPicPr>
           <p:nvPr/>
         </p:nvPicPr>
         <p:blipFill>
-          <a:blip r:embed="rId3">
-            <a:alphaModFix/>
-          </a:blip>
+          <a:blip r:embed="rId3"/>
           <a:stretch>
             <a:fillRect/>
           </a:stretch>
         </p:blipFill>
         <p:spPr>
           <a:xfrm>
-            <a:off x="138138" y="1211350"/>
-            <a:ext cx="8867724" cy="3389176"/>
+            <a:off x="2106262" y="1050531"/>
+            <a:ext cx="4991962" cy="3501150"/>
           </a:xfrm>
           <a:prstGeom prst="rect">
             <a:avLst/>
           </a:prstGeom>
-          <a:noFill/>
-          <a:ln>
-            <a:noFill/>
-          </a:ln>
         </p:spPr>
       </p:pic>
     </p:spTree>
@@ -8426,11 +8844,11 @@
 </file>
 
 <file path=ppt/slides/slide12.xml><?xml version="1.0" encoding="utf-8"?>
-<p:sld xmlns:a="http://schemas.openxmlformats.org/drawingml/2006/main" xmlns:r="http://schemas.openxmlformats.org/officeDocument/2006/relationships" xmlns:mc="http://schemas.openxmlformats.org/markup-compatibility/2006" xmlns:mv="urn:schemas-microsoft-com:mac:vml" xmlns:p="http://schemas.openxmlformats.org/presentationml/2006/main" xmlns:c="http://schemas.openxmlformats.org/drawingml/2006/chart" xmlns:dgm="http://schemas.openxmlformats.org/drawingml/2006/diagram" xmlns:o="urn:schemas-microsoft-com:office:office" xmlns:v="urn:schemas-microsoft-com:vml" xmlns:pvml="urn:schemas-microsoft-com:office:powerpoint" xmlns:com="http://schemas.openxmlformats.org/drawingml/2006/compatibility" xmlns:p14="http://schemas.microsoft.com/office/powerpoint/2010/main" xmlns:p15="http://schemas.microsoft.com/office/powerpoint/2012/main">
+<p:sld xmlns:a="http://schemas.openxmlformats.org/drawingml/2006/main" xmlns:r="http://schemas.openxmlformats.org/officeDocument/2006/relationships" xmlns:p="http://schemas.openxmlformats.org/presentationml/2006/main">
   <p:cSld>
     <p:spTree>
       <p:nvGrpSpPr>
-        <p:cNvPr id="139" name="Shape 139"/>
+        <p:cNvPr id="1" name="Shape 139"/>
         <p:cNvGrpSpPr/>
         <p:nvPr/>
       </p:nvGrpSpPr>
@@ -8445,7 +8863,9 @@
       <p:sp>
         <p:nvSpPr>
           <p:cNvPr id="140" name="Google Shape;140;p24"/>
-          <p:cNvSpPr txBox="1"/>
+          <p:cNvSpPr txBox="1">
+            <a:spLocks noGrp="1"/>
+          </p:cNvSpPr>
           <p:nvPr>
             <p:ph type="title"/>
           </p:nvPr>
@@ -8460,12 +8880,12 @@
           </a:prstGeom>
         </p:spPr>
         <p:txBody>
-          <a:bodyPr anchorCtr="0" anchor="t" bIns="91425" lIns="91425" spcFirstLastPara="1" rIns="91425" wrap="square" tIns="91425">
+          <a:bodyPr spcFirstLastPara="1" wrap="square" lIns="91425" tIns="91425" rIns="91425" bIns="91425" anchor="t" anchorCtr="0">
             <a:noAutofit/>
           </a:bodyPr>
           <a:lstStyle/>
           <a:p>
-            <a:pPr indent="0" lvl="0" marL="0" rtl="0" algn="l">
+            <a:pPr marL="0" lvl="0" indent="0" algn="l" rtl="0">
               <a:spcBef>
                 <a:spcPts val="0"/>
               </a:spcBef>
@@ -8494,30 +8914,32 @@
       </p:sp>
       <p:pic>
         <p:nvPicPr>
-          <p:cNvPr id="141" name="Google Shape;141;p24"/>
-          <p:cNvPicPr preferRelativeResize="0"/>
+          <p:cNvPr id="3" name="Picture 2">
+            <a:extLst>
+              <a:ext uri="{FF2B5EF4-FFF2-40B4-BE49-F238E27FC236}">
+                <a16:creationId xmlns:a16="http://schemas.microsoft.com/office/drawing/2014/main" id="{4C53A70A-2BDB-374B-B85B-16C1002F120B}"/>
+              </a:ext>
+            </a:extLst>
+          </p:cNvPr>
+          <p:cNvPicPr>
+            <a:picLocks noChangeAspect="1"/>
+          </p:cNvPicPr>
           <p:nvPr/>
         </p:nvPicPr>
         <p:blipFill>
-          <a:blip r:embed="rId3">
-            <a:alphaModFix/>
-          </a:blip>
+          <a:blip r:embed="rId3"/>
           <a:stretch>
             <a:fillRect/>
           </a:stretch>
         </p:blipFill>
         <p:spPr>
           <a:xfrm>
-            <a:off x="234400" y="1486980"/>
-            <a:ext cx="8721799" cy="2814745"/>
+            <a:off x="1806198" y="1211350"/>
+            <a:ext cx="5562600" cy="3060700"/>
           </a:xfrm>
           <a:prstGeom prst="rect">
             <a:avLst/>
           </a:prstGeom>
-          <a:noFill/>
-          <a:ln>
-            <a:noFill/>
-          </a:ln>
         </p:spPr>
       </p:pic>
     </p:spTree>
@@ -8529,11 +8951,235 @@
 </file>
 
 <file path=ppt/slides/slide13.xml><?xml version="1.0" encoding="utf-8"?>
-<p:sld xmlns:a="http://schemas.openxmlformats.org/drawingml/2006/main" xmlns:r="http://schemas.openxmlformats.org/officeDocument/2006/relationships" xmlns:mc="http://schemas.openxmlformats.org/markup-compatibility/2006" xmlns:mv="urn:schemas-microsoft-com:mac:vml" xmlns:p="http://schemas.openxmlformats.org/presentationml/2006/main" xmlns:c="http://schemas.openxmlformats.org/drawingml/2006/chart" xmlns:dgm="http://schemas.openxmlformats.org/drawingml/2006/diagram" xmlns:o="urn:schemas-microsoft-com:office:office" xmlns:v="urn:schemas-microsoft-com:vml" xmlns:pvml="urn:schemas-microsoft-com:office:powerpoint" xmlns:com="http://schemas.openxmlformats.org/drawingml/2006/compatibility" xmlns:p14="http://schemas.microsoft.com/office/powerpoint/2010/main" xmlns:p15="http://schemas.microsoft.com/office/powerpoint/2012/main">
+<p:sld xmlns:a="http://schemas.openxmlformats.org/drawingml/2006/main" xmlns:r="http://schemas.openxmlformats.org/officeDocument/2006/relationships" xmlns:p="http://schemas.openxmlformats.org/presentationml/2006/main">
   <p:cSld>
     <p:spTree>
       <p:nvGrpSpPr>
-        <p:cNvPr id="145" name="Shape 145"/>
+        <p:cNvPr id="1" name="Shape 139"/>
+        <p:cNvGrpSpPr/>
+        <p:nvPr/>
+      </p:nvGrpSpPr>
+      <p:grpSpPr>
+        <a:xfrm>
+          <a:off x="0" y="0"/>
+          <a:ext cx="0" cy="0"/>
+          <a:chOff x="0" y="0"/>
+          <a:chExt cx="0" cy="0"/>
+        </a:xfrm>
+      </p:grpSpPr>
+      <p:sp>
+        <p:nvSpPr>
+          <p:cNvPr id="140" name="Google Shape;140;p24"/>
+          <p:cNvSpPr txBox="1">
+            <a:spLocks noGrp="1"/>
+          </p:cNvSpPr>
+          <p:nvPr>
+            <p:ph type="title"/>
+          </p:nvPr>
+        </p:nvSpPr>
+        <p:spPr>
+          <a:xfrm>
+            <a:off x="897425" y="575950"/>
+            <a:ext cx="7824300" cy="635400"/>
+          </a:xfrm>
+          <a:prstGeom prst="rect">
+            <a:avLst/>
+          </a:prstGeom>
+        </p:spPr>
+        <p:txBody>
+          <a:bodyPr spcFirstLastPara="1" wrap="square" lIns="91425" tIns="91425" rIns="91425" bIns="91425" anchor="t" anchorCtr="0">
+            <a:noAutofit/>
+          </a:bodyPr>
+          <a:lstStyle/>
+          <a:p>
+            <a:pPr marL="0" lvl="0" indent="0" algn="l" rtl="0">
+              <a:spcBef>
+                <a:spcPts val="0"/>
+              </a:spcBef>
+              <a:spcAft>
+                <a:spcPts val="0"/>
+              </a:spcAft>
+              <a:buNone/>
+            </a:pPr>
+            <a:r>
+              <a:rPr lang="en" sz="2000" dirty="0">
+                <a:latin typeface="Lato"/>
+                <a:ea typeface="Lato"/>
+                <a:cs typeface="Lato"/>
+                <a:sym typeface="Lato"/>
+              </a:rPr>
+              <a:t>F.	Split data into Train, Validation, Test</a:t>
+            </a:r>
+            <a:endParaRPr sz="2000" dirty="0">
+              <a:latin typeface="Lato"/>
+              <a:ea typeface="Lato"/>
+              <a:cs typeface="Lato"/>
+              <a:sym typeface="Lato"/>
+            </a:endParaRPr>
+          </a:p>
+        </p:txBody>
+      </p:sp>
+      <p:pic>
+        <p:nvPicPr>
+          <p:cNvPr id="4" name="Picture 3">
+            <a:extLst>
+              <a:ext uri="{FF2B5EF4-FFF2-40B4-BE49-F238E27FC236}">
+                <a16:creationId xmlns:a16="http://schemas.microsoft.com/office/drawing/2014/main" id="{67F19F80-EF37-7340-8646-21BF5DD02B4B}"/>
+              </a:ext>
+            </a:extLst>
+          </p:cNvPr>
+          <p:cNvPicPr>
+            <a:picLocks noChangeAspect="1"/>
+          </p:cNvPicPr>
+          <p:nvPr/>
+        </p:nvPicPr>
+        <p:blipFill>
+          <a:blip r:embed="rId3"/>
+          <a:stretch>
+            <a:fillRect/>
+          </a:stretch>
+        </p:blipFill>
+        <p:spPr>
+          <a:xfrm>
+            <a:off x="2271900" y="1211350"/>
+            <a:ext cx="4584700" cy="3073400"/>
+          </a:xfrm>
+          <a:prstGeom prst="rect">
+            <a:avLst/>
+          </a:prstGeom>
+        </p:spPr>
+      </p:pic>
+    </p:spTree>
+    <p:extLst>
+      <p:ext uri="{BB962C8B-B14F-4D97-AF65-F5344CB8AC3E}">
+        <p14:creationId xmlns:p14="http://schemas.microsoft.com/office/powerpoint/2010/main" val="1255645379"/>
+      </p:ext>
+    </p:extLst>
+  </p:cSld>
+  <p:clrMapOvr>
+    <a:masterClrMapping/>
+  </p:clrMapOvr>
+</p:sld>
+</file>
+
+<file path=ppt/slides/slide14.xml><?xml version="1.0" encoding="utf-8"?>
+<p:sld xmlns:a="http://schemas.openxmlformats.org/drawingml/2006/main" xmlns:r="http://schemas.openxmlformats.org/officeDocument/2006/relationships" xmlns:p="http://schemas.openxmlformats.org/presentationml/2006/main">
+  <p:cSld>
+    <p:spTree>
+      <p:nvGrpSpPr>
+        <p:cNvPr id="1" name="Shape 139"/>
+        <p:cNvGrpSpPr/>
+        <p:nvPr/>
+      </p:nvGrpSpPr>
+      <p:grpSpPr>
+        <a:xfrm>
+          <a:off x="0" y="0"/>
+          <a:ext cx="0" cy="0"/>
+          <a:chOff x="0" y="0"/>
+          <a:chExt cx="0" cy="0"/>
+        </a:xfrm>
+      </p:grpSpPr>
+      <p:sp>
+        <p:nvSpPr>
+          <p:cNvPr id="140" name="Google Shape;140;p24"/>
+          <p:cNvSpPr txBox="1">
+            <a:spLocks noGrp="1"/>
+          </p:cNvSpPr>
+          <p:nvPr>
+            <p:ph type="title"/>
+          </p:nvPr>
+        </p:nvSpPr>
+        <p:spPr>
+          <a:xfrm>
+            <a:off x="897425" y="575950"/>
+            <a:ext cx="7824300" cy="635400"/>
+          </a:xfrm>
+          <a:prstGeom prst="rect">
+            <a:avLst/>
+          </a:prstGeom>
+        </p:spPr>
+        <p:txBody>
+          <a:bodyPr spcFirstLastPara="1" wrap="square" lIns="91425" tIns="91425" rIns="91425" bIns="91425" anchor="t" anchorCtr="0">
+            <a:noAutofit/>
+          </a:bodyPr>
+          <a:lstStyle/>
+          <a:p>
+            <a:pPr marL="0" lvl="0" indent="0" algn="l" rtl="0">
+              <a:spcBef>
+                <a:spcPts val="0"/>
+              </a:spcBef>
+              <a:spcAft>
+                <a:spcPts val="0"/>
+              </a:spcAft>
+              <a:buNone/>
+            </a:pPr>
+            <a:r>
+              <a:rPr lang="en" sz="2000" dirty="0">
+                <a:latin typeface="Lato"/>
+                <a:ea typeface="Lato"/>
+                <a:cs typeface="Lato"/>
+                <a:sym typeface="Lato"/>
+              </a:rPr>
+              <a:t>F.	Export Train, Validation, Test</a:t>
+            </a:r>
+            <a:endParaRPr sz="2000" dirty="0">
+              <a:latin typeface="Lato"/>
+              <a:ea typeface="Lato"/>
+              <a:cs typeface="Lato"/>
+              <a:sym typeface="Lato"/>
+            </a:endParaRPr>
+          </a:p>
+        </p:txBody>
+      </p:sp>
+      <p:pic>
+        <p:nvPicPr>
+          <p:cNvPr id="3" name="Picture 2">
+            <a:extLst>
+              <a:ext uri="{FF2B5EF4-FFF2-40B4-BE49-F238E27FC236}">
+                <a16:creationId xmlns:a16="http://schemas.microsoft.com/office/drawing/2014/main" id="{23920987-CE8A-9B41-94A8-6DA317CB4EAF}"/>
+              </a:ext>
+            </a:extLst>
+          </p:cNvPr>
+          <p:cNvPicPr>
+            <a:picLocks noChangeAspect="1"/>
+          </p:cNvPicPr>
+          <p:nvPr/>
+        </p:nvPicPr>
+        <p:blipFill>
+          <a:blip r:embed="rId3"/>
+          <a:stretch>
+            <a:fillRect/>
+          </a:stretch>
+        </p:blipFill>
+        <p:spPr>
+          <a:xfrm>
+            <a:off x="2034905" y="1567811"/>
+            <a:ext cx="5240225" cy="2217650"/>
+          </a:xfrm>
+          <a:prstGeom prst="rect">
+            <a:avLst/>
+          </a:prstGeom>
+        </p:spPr>
+      </p:pic>
+    </p:spTree>
+    <p:extLst>
+      <p:ext uri="{BB962C8B-B14F-4D97-AF65-F5344CB8AC3E}">
+        <p14:creationId xmlns:p14="http://schemas.microsoft.com/office/powerpoint/2010/main" val="3371012972"/>
+      </p:ext>
+    </p:extLst>
+  </p:cSld>
+  <p:clrMapOvr>
+    <a:masterClrMapping/>
+  </p:clrMapOvr>
+</p:sld>
+</file>
+
+<file path=ppt/slides/slide15.xml><?xml version="1.0" encoding="utf-8"?>
+<p:sld xmlns:a="http://schemas.openxmlformats.org/drawingml/2006/main" xmlns:r="http://schemas.openxmlformats.org/officeDocument/2006/relationships" xmlns:p="http://schemas.openxmlformats.org/presentationml/2006/main">
+  <p:cSld>
+    <p:spTree>
+      <p:nvGrpSpPr>
+        <p:cNvPr id="1" name="Shape 145"/>
         <p:cNvGrpSpPr/>
         <p:nvPr/>
       </p:nvGrpSpPr>
@@ -8548,7 +9194,9 @@
       <p:sp>
         <p:nvSpPr>
           <p:cNvPr id="146" name="Google Shape;146;p25"/>
-          <p:cNvSpPr txBox="1"/>
+          <p:cNvSpPr txBox="1">
+            <a:spLocks noGrp="1"/>
+          </p:cNvSpPr>
           <p:nvPr>
             <p:ph type="title"/>
           </p:nvPr>
@@ -8563,12 +9211,12 @@
           </a:prstGeom>
         </p:spPr>
         <p:txBody>
-          <a:bodyPr anchorCtr="0" anchor="t" bIns="91425" lIns="91425" spcFirstLastPara="1" rIns="91425" wrap="square" tIns="91425">
+          <a:bodyPr spcFirstLastPara="1" wrap="square" lIns="91425" tIns="91425" rIns="91425" bIns="91425" anchor="t" anchorCtr="0">
             <a:noAutofit/>
           </a:bodyPr>
           <a:lstStyle/>
           <a:p>
-            <a:pPr indent="0" lvl="0" marL="0" rtl="0" algn="l">
+            <a:pPr marL="0" lvl="0" indent="0" algn="l" rtl="0">
               <a:spcBef>
                 <a:spcPts val="0"/>
               </a:spcBef>
@@ -8596,9 +9244,11 @@
       <p:sp>
         <p:nvSpPr>
           <p:cNvPr id="147" name="Google Shape;147;p25"/>
-          <p:cNvSpPr txBox="1"/>
+          <p:cNvSpPr txBox="1">
+            <a:spLocks noGrp="1"/>
+          </p:cNvSpPr>
           <p:nvPr>
-            <p:ph idx="1" type="body"/>
+            <p:ph type="body" idx="1"/>
           </p:nvPr>
         </p:nvSpPr>
         <p:spPr>
@@ -8611,12 +9261,12 @@
           </a:prstGeom>
         </p:spPr>
         <p:txBody>
-          <a:bodyPr anchorCtr="0" anchor="t" bIns="91425" lIns="91425" spcFirstLastPara="1" rIns="91425" wrap="square" tIns="91425">
+          <a:bodyPr spcFirstLastPara="1" wrap="square" lIns="91425" tIns="91425" rIns="91425" bIns="91425" anchor="t" anchorCtr="0">
             <a:noAutofit/>
           </a:bodyPr>
           <a:lstStyle/>
           <a:p>
-            <a:pPr indent="0" lvl="0" marL="0" rtl="0" algn="l">
+            <a:pPr marL="0" lvl="0" indent="0" algn="l" rtl="0">
               <a:spcBef>
                 <a:spcPts val="0"/>
               </a:spcBef>
@@ -8625,9 +9275,6 @@
               </a:spcAft>
               <a:buNone/>
             </a:pPr>
-            <a:r>
-              <a:t/>
-            </a:r>
             <a:endParaRPr/>
           </a:p>
         </p:txBody>
@@ -8640,12 +9287,12 @@
 </p:sld>
 </file>
 
-<file path=ppt/slides/slide14.xml><?xml version="1.0" encoding="utf-8"?>
-<p:sld xmlns:a="http://schemas.openxmlformats.org/drawingml/2006/main" xmlns:r="http://schemas.openxmlformats.org/officeDocument/2006/relationships" xmlns:mc="http://schemas.openxmlformats.org/markup-compatibility/2006" xmlns:mv="urn:schemas-microsoft-com:mac:vml" xmlns:p="http://schemas.openxmlformats.org/presentationml/2006/main" xmlns:c="http://schemas.openxmlformats.org/drawingml/2006/chart" xmlns:dgm="http://schemas.openxmlformats.org/drawingml/2006/diagram" xmlns:o="urn:schemas-microsoft-com:office:office" xmlns:v="urn:schemas-microsoft-com:vml" xmlns:pvml="urn:schemas-microsoft-com:office:powerpoint" xmlns:com="http://schemas.openxmlformats.org/drawingml/2006/compatibility" xmlns:p14="http://schemas.microsoft.com/office/powerpoint/2010/main" xmlns:p15="http://schemas.microsoft.com/office/powerpoint/2012/main">
+<file path=ppt/slides/slide16.xml><?xml version="1.0" encoding="utf-8"?>
+<p:sld xmlns:a="http://schemas.openxmlformats.org/drawingml/2006/main" xmlns:r="http://schemas.openxmlformats.org/officeDocument/2006/relationships" xmlns:p="http://schemas.openxmlformats.org/presentationml/2006/main">
   <p:cSld>
     <p:spTree>
       <p:nvGrpSpPr>
-        <p:cNvPr id="151" name="Shape 151"/>
+        <p:cNvPr id="1" name="Shape 151"/>
         <p:cNvGrpSpPr/>
         <p:nvPr/>
       </p:nvGrpSpPr>
@@ -8660,7 +9307,9 @@
       <p:sp>
         <p:nvSpPr>
           <p:cNvPr id="152" name="Google Shape;152;p26"/>
-          <p:cNvSpPr txBox="1"/>
+          <p:cNvSpPr txBox="1">
+            <a:spLocks noGrp="1"/>
+          </p:cNvSpPr>
           <p:nvPr>
             <p:ph type="title"/>
           </p:nvPr>
@@ -8675,12 +9324,12 @@
           </a:prstGeom>
         </p:spPr>
         <p:txBody>
-          <a:bodyPr anchorCtr="0" anchor="t" bIns="91425" lIns="91425" spcFirstLastPara="1" rIns="91425" wrap="square" tIns="91425">
+          <a:bodyPr spcFirstLastPara="1" wrap="square" lIns="91425" tIns="91425" rIns="91425" bIns="91425" anchor="t" anchorCtr="0">
             <a:noAutofit/>
           </a:bodyPr>
           <a:lstStyle/>
           <a:p>
-            <a:pPr indent="0" lvl="0" marL="0" rtl="0" algn="l">
+            <a:pPr marL="0" lvl="0" indent="0" algn="l" rtl="0">
               <a:spcBef>
                 <a:spcPts val="0"/>
               </a:spcBef>
@@ -8708,9 +9357,11 @@
       <p:sp>
         <p:nvSpPr>
           <p:cNvPr id="153" name="Google Shape;153;p26"/>
-          <p:cNvSpPr txBox="1"/>
+          <p:cNvSpPr txBox="1">
+            <a:spLocks noGrp="1"/>
+          </p:cNvSpPr>
           <p:nvPr>
-            <p:ph idx="1" type="body"/>
+            <p:ph type="body" idx="1"/>
           </p:nvPr>
         </p:nvSpPr>
         <p:spPr>
@@ -8723,12 +9374,12 @@
           </a:prstGeom>
         </p:spPr>
         <p:txBody>
-          <a:bodyPr anchorCtr="0" anchor="t" bIns="91425" lIns="91425" spcFirstLastPara="1" rIns="91425" wrap="square" tIns="91425">
+          <a:bodyPr spcFirstLastPara="1" wrap="square" lIns="91425" tIns="91425" rIns="91425" bIns="91425" anchor="t" anchorCtr="0">
             <a:noAutofit/>
           </a:bodyPr>
           <a:lstStyle/>
           <a:p>
-            <a:pPr indent="0" lvl="0" marL="0" rtl="0" algn="l">
+            <a:pPr marL="0" lvl="0" indent="0" algn="l" rtl="0">
               <a:spcBef>
                 <a:spcPts val="0"/>
               </a:spcBef>
@@ -8737,9 +9388,6 @@
               </a:spcAft>
               <a:buNone/>
             </a:pPr>
-            <a:r>
-              <a:t/>
-            </a:r>
             <a:endParaRPr/>
           </a:p>
         </p:txBody>
@@ -8752,12 +9400,12 @@
 </p:sld>
 </file>
 
-<file path=ppt/slides/slide15.xml><?xml version="1.0" encoding="utf-8"?>
-<p:sld xmlns:a="http://schemas.openxmlformats.org/drawingml/2006/main" xmlns:r="http://schemas.openxmlformats.org/officeDocument/2006/relationships" xmlns:mc="http://schemas.openxmlformats.org/markup-compatibility/2006" xmlns:mv="urn:schemas-microsoft-com:mac:vml" xmlns:p="http://schemas.openxmlformats.org/presentationml/2006/main" xmlns:c="http://schemas.openxmlformats.org/drawingml/2006/chart" xmlns:dgm="http://schemas.openxmlformats.org/drawingml/2006/diagram" xmlns:o="urn:schemas-microsoft-com:office:office" xmlns:v="urn:schemas-microsoft-com:vml" xmlns:pvml="urn:schemas-microsoft-com:office:powerpoint" xmlns:com="http://schemas.openxmlformats.org/drawingml/2006/compatibility" xmlns:p14="http://schemas.microsoft.com/office/powerpoint/2010/main" xmlns:p15="http://schemas.microsoft.com/office/powerpoint/2012/main">
+<file path=ppt/slides/slide17.xml><?xml version="1.0" encoding="utf-8"?>
+<p:sld xmlns:a="http://schemas.openxmlformats.org/drawingml/2006/main" xmlns:r="http://schemas.openxmlformats.org/officeDocument/2006/relationships" xmlns:p="http://schemas.openxmlformats.org/presentationml/2006/main">
   <p:cSld>
     <p:spTree>
       <p:nvGrpSpPr>
-        <p:cNvPr id="157" name="Shape 157"/>
+        <p:cNvPr id="1" name="Shape 157"/>
         <p:cNvGrpSpPr/>
         <p:nvPr/>
       </p:nvGrpSpPr>
@@ -8772,7 +9420,9 @@
       <p:sp>
         <p:nvSpPr>
           <p:cNvPr id="158" name="Google Shape;158;p27"/>
-          <p:cNvSpPr txBox="1"/>
+          <p:cNvSpPr txBox="1">
+            <a:spLocks noGrp="1"/>
+          </p:cNvSpPr>
           <p:nvPr>
             <p:ph type="title"/>
           </p:nvPr>
@@ -8787,12 +9437,12 @@
           </a:prstGeom>
         </p:spPr>
         <p:txBody>
-          <a:bodyPr anchorCtr="0" anchor="t" bIns="91425" lIns="91425" spcFirstLastPara="1" rIns="91425" wrap="square" tIns="91425">
+          <a:bodyPr spcFirstLastPara="1" wrap="square" lIns="91425" tIns="91425" rIns="91425" bIns="91425" anchor="t" anchorCtr="0">
             <a:noAutofit/>
           </a:bodyPr>
           <a:lstStyle/>
           <a:p>
-            <a:pPr indent="0" lvl="0" marL="0" rtl="0" algn="l">
+            <a:pPr marL="0" lvl="0" indent="0" algn="l" rtl="0">
               <a:spcBef>
                 <a:spcPts val="0"/>
               </a:spcBef>
@@ -8820,9 +9470,11 @@
       <p:sp>
         <p:nvSpPr>
           <p:cNvPr id="159" name="Google Shape;159;p27"/>
-          <p:cNvSpPr txBox="1"/>
+          <p:cNvSpPr txBox="1">
+            <a:spLocks noGrp="1"/>
+          </p:cNvSpPr>
           <p:nvPr>
-            <p:ph idx="1" type="body"/>
+            <p:ph type="body" idx="1"/>
           </p:nvPr>
         </p:nvSpPr>
         <p:spPr>
@@ -8835,12 +9487,12 @@
           </a:prstGeom>
         </p:spPr>
         <p:txBody>
-          <a:bodyPr anchorCtr="0" anchor="t" bIns="91425" lIns="91425" spcFirstLastPara="1" rIns="91425" wrap="square" tIns="91425">
+          <a:bodyPr spcFirstLastPara="1" wrap="square" lIns="91425" tIns="91425" rIns="91425" bIns="91425" anchor="t" anchorCtr="0">
             <a:noAutofit/>
           </a:bodyPr>
           <a:lstStyle/>
           <a:p>
-            <a:pPr indent="0" lvl="0" marL="0" rtl="0" algn="l">
+            <a:pPr marL="0" lvl="0" indent="0" algn="l" rtl="0">
               <a:spcBef>
                 <a:spcPts val="0"/>
               </a:spcBef>
@@ -8849,9 +9501,6 @@
               </a:spcAft>
               <a:buNone/>
             </a:pPr>
-            <a:r>
-              <a:t/>
-            </a:r>
             <a:endParaRPr/>
           </a:p>
         </p:txBody>
@@ -8865,11 +9514,11 @@
 </file>
 
 <file path=ppt/slides/slide2.xml><?xml version="1.0" encoding="utf-8"?>
-<p:sld xmlns:a="http://schemas.openxmlformats.org/drawingml/2006/main" xmlns:r="http://schemas.openxmlformats.org/officeDocument/2006/relationships" xmlns:mc="http://schemas.openxmlformats.org/markup-compatibility/2006" xmlns:mv="urn:schemas-microsoft-com:mac:vml" xmlns:p="http://schemas.openxmlformats.org/presentationml/2006/main" xmlns:c="http://schemas.openxmlformats.org/drawingml/2006/chart" xmlns:dgm="http://schemas.openxmlformats.org/drawingml/2006/diagram" xmlns:o="urn:schemas-microsoft-com:office:office" xmlns:v="urn:schemas-microsoft-com:vml" xmlns:pvml="urn:schemas-microsoft-com:office:powerpoint" xmlns:com="http://schemas.openxmlformats.org/drawingml/2006/compatibility" xmlns:p14="http://schemas.microsoft.com/office/powerpoint/2010/main" xmlns:p15="http://schemas.microsoft.com/office/powerpoint/2012/main">
+<p:sld xmlns:a="http://schemas.openxmlformats.org/drawingml/2006/main" xmlns:r="http://schemas.openxmlformats.org/officeDocument/2006/relationships" xmlns:p="http://schemas.openxmlformats.org/presentationml/2006/main">
   <p:cSld>
     <p:spTree>
       <p:nvGrpSpPr>
-        <p:cNvPr id="77" name="Shape 77"/>
+        <p:cNvPr id="1" name="Shape 77"/>
         <p:cNvGrpSpPr/>
         <p:nvPr/>
       </p:nvGrpSpPr>
@@ -8884,9 +9533,11 @@
       <p:sp>
         <p:nvSpPr>
           <p:cNvPr id="78" name="Google Shape;78;p14"/>
-          <p:cNvSpPr txBox="1"/>
+          <p:cNvSpPr txBox="1">
+            <a:spLocks noGrp="1"/>
+          </p:cNvSpPr>
           <p:nvPr>
-            <p:ph idx="4294967295" type="title"/>
+            <p:ph type="title" idx="4294967295"/>
           </p:nvPr>
         </p:nvSpPr>
         <p:spPr>
@@ -8899,12 +9550,12 @@
           </a:prstGeom>
         </p:spPr>
         <p:txBody>
-          <a:bodyPr anchorCtr="0" anchor="t" bIns="91425" lIns="91425" spcFirstLastPara="1" rIns="91425" wrap="square" tIns="91425">
+          <a:bodyPr spcFirstLastPara="1" wrap="square" lIns="91425" tIns="91425" rIns="91425" bIns="91425" anchor="t" anchorCtr="0">
             <a:noAutofit/>
           </a:bodyPr>
           <a:lstStyle/>
           <a:p>
-            <a:pPr indent="0" lvl="0" marL="0" rtl="0" algn="l">
+            <a:pPr marL="0" lvl="0" indent="0" algn="l" rtl="0">
               <a:spcBef>
                 <a:spcPts val="0"/>
               </a:spcBef>
@@ -8924,9 +9575,11 @@
       <p:sp>
         <p:nvSpPr>
           <p:cNvPr id="79" name="Google Shape;79;p14"/>
-          <p:cNvSpPr txBox="1"/>
+          <p:cNvSpPr txBox="1">
+            <a:spLocks noGrp="1"/>
+          </p:cNvSpPr>
           <p:nvPr>
-            <p:ph idx="4294967295" type="title"/>
+            <p:ph type="title" idx="4294967295"/>
           </p:nvPr>
         </p:nvSpPr>
         <p:spPr>
@@ -8939,12 +9592,12 @@
           </a:prstGeom>
         </p:spPr>
         <p:txBody>
-          <a:bodyPr anchorCtr="0" anchor="t" bIns="91425" lIns="91425" spcFirstLastPara="1" rIns="91425" wrap="square" tIns="91425">
+          <a:bodyPr spcFirstLastPara="1" wrap="square" lIns="91425" tIns="91425" rIns="91425" bIns="91425" anchor="t" anchorCtr="0">
             <a:noAutofit/>
           </a:bodyPr>
           <a:lstStyle/>
           <a:p>
-            <a:pPr indent="-381000" lvl="0" marL="457200" rtl="0" algn="l">
+            <a:pPr marL="457200" lvl="0" indent="-381000" algn="l" rtl="0">
               <a:lnSpc>
                 <a:spcPct val="115000"/>
               </a:lnSpc>
@@ -8962,7 +9615,7 @@
               <a:buAutoNum type="arabicPeriod"/>
             </a:pPr>
             <a:r>
-              <a:rPr b="0" lang="en" sz="2400">
+              <a:rPr lang="en" sz="2400" b="0">
                 <a:solidFill>
                   <a:srgbClr val="24292E"/>
                 </a:solidFill>
@@ -8973,7 +9626,7 @@
               </a:rPr>
               <a:t>Exploratory Data Analysis (EDA)</a:t>
             </a:r>
-            <a:endParaRPr b="0" sz="2400">
+            <a:endParaRPr sz="2400" b="0">
               <a:solidFill>
                 <a:srgbClr val="24292E"/>
               </a:solidFill>
@@ -8984,7 +9637,7 @@
             </a:endParaRPr>
           </a:p>
           <a:p>
-            <a:pPr indent="-381000" lvl="0" marL="457200" rtl="0" algn="l">
+            <a:pPr marL="457200" lvl="0" indent="-381000" algn="l" rtl="0">
               <a:lnSpc>
                 <a:spcPct val="115000"/>
               </a:lnSpc>
@@ -9002,7 +9655,7 @@
               <a:buAutoNum type="arabicPeriod"/>
             </a:pPr>
             <a:r>
-              <a:rPr b="0" lang="en" sz="2400">
+              <a:rPr lang="en" sz="2400" b="0">
                 <a:solidFill>
                   <a:srgbClr val="24292E"/>
                 </a:solidFill>
@@ -9013,7 +9666,7 @@
               </a:rPr>
               <a:t>Data Processing</a:t>
             </a:r>
-            <a:endParaRPr b="0" sz="2400">
+            <a:endParaRPr sz="2400" b="0">
               <a:solidFill>
                 <a:srgbClr val="24292E"/>
               </a:solidFill>
@@ -9024,7 +9677,7 @@
             </a:endParaRPr>
           </a:p>
           <a:p>
-            <a:pPr indent="-381000" lvl="0" marL="457200" rtl="0" algn="l">
+            <a:pPr marL="457200" lvl="0" indent="-381000" algn="l" rtl="0">
               <a:lnSpc>
                 <a:spcPct val="115000"/>
               </a:lnSpc>
@@ -9042,7 +9695,7 @@
               <a:buAutoNum type="arabicPeriod"/>
             </a:pPr>
             <a:r>
-              <a:rPr b="0" lang="en" sz="2400">
+              <a:rPr lang="en" sz="2400" b="0">
                 <a:solidFill>
                   <a:srgbClr val="24292E"/>
                 </a:solidFill>
@@ -9053,7 +9706,7 @@
               </a:rPr>
               <a:t>Implementing Algorithms</a:t>
             </a:r>
-            <a:endParaRPr b="0" sz="2400">
+            <a:endParaRPr sz="2400" b="0">
               <a:solidFill>
                 <a:srgbClr val="24292E"/>
               </a:solidFill>
@@ -9064,7 +9717,7 @@
             </a:endParaRPr>
           </a:p>
           <a:p>
-            <a:pPr indent="-381000" lvl="0" marL="457200" rtl="0" algn="l">
+            <a:pPr marL="457200" lvl="0" indent="-381000" algn="l" rtl="0">
               <a:lnSpc>
                 <a:spcPct val="115000"/>
               </a:lnSpc>
@@ -9082,7 +9735,7 @@
               <a:buAutoNum type="arabicPeriod"/>
             </a:pPr>
             <a:r>
-              <a:rPr b="0" lang="en" sz="2400">
+              <a:rPr lang="en" sz="2400" b="0">
                 <a:solidFill>
                   <a:srgbClr val="24292E"/>
                 </a:solidFill>
@@ -9093,7 +9746,7 @@
               </a:rPr>
               <a:t>Validation</a:t>
             </a:r>
-            <a:endParaRPr b="0" sz="2400">
+            <a:endParaRPr sz="2400" b="0">
               <a:solidFill>
                 <a:srgbClr val="24292E"/>
               </a:solidFill>
@@ -9104,7 +9757,7 @@
             </a:endParaRPr>
           </a:p>
           <a:p>
-            <a:pPr indent="-381000" lvl="0" marL="457200" rtl="0" algn="l">
+            <a:pPr marL="457200" lvl="0" indent="-381000" algn="l" rtl="0">
               <a:lnSpc>
                 <a:spcPct val="115000"/>
               </a:lnSpc>
@@ -9122,7 +9775,7 @@
               <a:buAutoNum type="arabicPeriod"/>
             </a:pPr>
             <a:r>
-              <a:rPr b="0" lang="en" sz="2400">
+              <a:rPr lang="en" sz="2400" b="0">
                 <a:solidFill>
                   <a:srgbClr val="24292E"/>
                 </a:solidFill>
@@ -9133,7 +9786,7 @@
               </a:rPr>
               <a:t>Testing your Model</a:t>
             </a:r>
-            <a:endParaRPr b="0" sz="2400">
+            <a:endParaRPr sz="2400" b="0">
               <a:solidFill>
                 <a:srgbClr val="24292E"/>
               </a:solidFill>
@@ -9144,7 +9797,7 @@
             </a:endParaRPr>
           </a:p>
           <a:p>
-            <a:pPr indent="0" lvl="0" marL="0" rtl="0" algn="l">
+            <a:pPr marL="0" lvl="0" indent="0" algn="l" rtl="0">
               <a:lnSpc>
                 <a:spcPct val="115000"/>
               </a:lnSpc>
@@ -9156,9 +9809,6 @@
               </a:spcAft>
               <a:buNone/>
             </a:pPr>
-            <a:r>
-              <a:t/>
-            </a:r>
             <a:endParaRPr sz="3600">
               <a:solidFill>
                 <a:schemeClr val="dk1"/>
@@ -9176,11 +9826,11 @@
 </file>
 
 <file path=ppt/slides/slide3.xml><?xml version="1.0" encoding="utf-8"?>
-<p:sld xmlns:a="http://schemas.openxmlformats.org/drawingml/2006/main" xmlns:r="http://schemas.openxmlformats.org/officeDocument/2006/relationships" xmlns:mc="http://schemas.openxmlformats.org/markup-compatibility/2006" xmlns:mv="urn:schemas-microsoft-com:mac:vml" xmlns:p="http://schemas.openxmlformats.org/presentationml/2006/main" xmlns:c="http://schemas.openxmlformats.org/drawingml/2006/chart" xmlns:dgm="http://schemas.openxmlformats.org/drawingml/2006/diagram" xmlns:o="urn:schemas-microsoft-com:office:office" xmlns:v="urn:schemas-microsoft-com:vml" xmlns:pvml="urn:schemas-microsoft-com:office:powerpoint" xmlns:com="http://schemas.openxmlformats.org/drawingml/2006/compatibility" xmlns:p14="http://schemas.microsoft.com/office/powerpoint/2010/main" xmlns:p15="http://schemas.microsoft.com/office/powerpoint/2012/main">
+<p:sld xmlns:a="http://schemas.openxmlformats.org/drawingml/2006/main" xmlns:r="http://schemas.openxmlformats.org/officeDocument/2006/relationships" xmlns:p="http://schemas.openxmlformats.org/presentationml/2006/main">
   <p:cSld>
     <p:spTree>
       <p:nvGrpSpPr>
-        <p:cNvPr id="83" name="Shape 83"/>
+        <p:cNvPr id="1" name="Shape 83"/>
         <p:cNvGrpSpPr/>
         <p:nvPr/>
       </p:nvGrpSpPr>
@@ -9195,7 +9845,9 @@
       <p:sp>
         <p:nvSpPr>
           <p:cNvPr id="84" name="Google Shape;84;p15"/>
-          <p:cNvSpPr txBox="1"/>
+          <p:cNvSpPr txBox="1">
+            <a:spLocks noGrp="1"/>
+          </p:cNvSpPr>
           <p:nvPr>
             <p:ph type="title"/>
           </p:nvPr>
@@ -9210,12 +9862,12 @@
           </a:prstGeom>
         </p:spPr>
         <p:txBody>
-          <a:bodyPr anchorCtr="0" anchor="t" bIns="91425" lIns="91425" spcFirstLastPara="1" rIns="91425" wrap="square" tIns="91425">
+          <a:bodyPr spcFirstLastPara="1" wrap="square" lIns="91425" tIns="91425" rIns="91425" bIns="91425" anchor="t" anchorCtr="0">
             <a:noAutofit/>
           </a:bodyPr>
           <a:lstStyle/>
           <a:p>
-            <a:pPr indent="-393700" lvl="0" marL="457200" rtl="0" algn="l">
+            <a:pPr marL="457200" lvl="0" indent="-393700" algn="l" rtl="0">
               <a:lnSpc>
                 <a:spcPct val="115000"/>
               </a:lnSpc>
@@ -9247,7 +9899,7 @@
             </a:endParaRPr>
           </a:p>
           <a:p>
-            <a:pPr indent="0" lvl="0" marL="0" rtl="0" algn="l">
+            <a:pPr marL="0" lvl="0" indent="0" algn="l" rtl="0">
               <a:spcBef>
                 <a:spcPts val="1200"/>
               </a:spcBef>
@@ -9256,9 +9908,6 @@
               </a:spcAft>
               <a:buNone/>
             </a:pPr>
-            <a:r>
-              <a:t/>
-            </a:r>
             <a:endParaRPr/>
           </a:p>
         </p:txBody>
@@ -9266,9 +9915,11 @@
       <p:sp>
         <p:nvSpPr>
           <p:cNvPr id="85" name="Google Shape;85;p15"/>
-          <p:cNvSpPr txBox="1"/>
+          <p:cNvSpPr txBox="1">
+            <a:spLocks noGrp="1"/>
+          </p:cNvSpPr>
           <p:nvPr>
-            <p:ph idx="1" type="body"/>
+            <p:ph type="body" idx="1"/>
           </p:nvPr>
         </p:nvSpPr>
         <p:spPr>
@@ -9281,12 +9932,12 @@
           </a:prstGeom>
         </p:spPr>
         <p:txBody>
-          <a:bodyPr anchorCtr="0" anchor="t" bIns="91425" lIns="91425" spcFirstLastPara="1" rIns="91425" wrap="square" tIns="91425">
+          <a:bodyPr spcFirstLastPara="1" wrap="square" lIns="91425" tIns="91425" rIns="91425" bIns="91425" anchor="t" anchorCtr="0">
             <a:noAutofit/>
           </a:bodyPr>
           <a:lstStyle/>
           <a:p>
-            <a:pPr indent="-355600" lvl="0" marL="457200" rtl="0" algn="l">
+            <a:pPr marL="457200" lvl="0" indent="-355600" algn="l" rtl="0">
               <a:spcBef>
                 <a:spcPts val="0"/>
               </a:spcBef>
@@ -9297,10 +9948,10 @@
               <a:buAutoNum type="alphaUcPeriod"/>
             </a:pPr>
             <a:r>
-              <a:rPr b="1" lang="en" sz="2000"/>
+              <a:rPr lang="en" sz="2000" b="1"/>
               <a:t>Overall Representation of the Data</a:t>
             </a:r>
-            <a:endParaRPr b="1" sz="2000"/>
+            <a:endParaRPr sz="2000" b="1"/>
           </a:p>
         </p:txBody>
       </p:sp>
@@ -9341,11 +9992,11 @@
 </file>
 
 <file path=ppt/slides/slide4.xml><?xml version="1.0" encoding="utf-8"?>
-<p:sld xmlns:a="http://schemas.openxmlformats.org/drawingml/2006/main" xmlns:r="http://schemas.openxmlformats.org/officeDocument/2006/relationships" xmlns:mc="http://schemas.openxmlformats.org/markup-compatibility/2006" xmlns:mv="urn:schemas-microsoft-com:mac:vml" xmlns:p="http://schemas.openxmlformats.org/presentationml/2006/main" xmlns:c="http://schemas.openxmlformats.org/drawingml/2006/chart" xmlns:dgm="http://schemas.openxmlformats.org/drawingml/2006/diagram" xmlns:o="urn:schemas-microsoft-com:office:office" xmlns:v="urn:schemas-microsoft-com:vml" xmlns:pvml="urn:schemas-microsoft-com:office:powerpoint" xmlns:com="http://schemas.openxmlformats.org/drawingml/2006/compatibility" xmlns:p14="http://schemas.microsoft.com/office/powerpoint/2010/main" xmlns:p15="http://schemas.microsoft.com/office/powerpoint/2012/main">
+<p:sld xmlns:a="http://schemas.openxmlformats.org/drawingml/2006/main" xmlns:r="http://schemas.openxmlformats.org/officeDocument/2006/relationships" xmlns:p="http://schemas.openxmlformats.org/presentationml/2006/main">
   <p:cSld>
     <p:spTree>
       <p:nvGrpSpPr>
-        <p:cNvPr id="90" name="Shape 90"/>
+        <p:cNvPr id="1" name="Shape 90"/>
         <p:cNvGrpSpPr/>
         <p:nvPr/>
       </p:nvGrpSpPr>
@@ -9367,7 +10018,7 @@
           <a:blip r:embed="rId3">
             <a:alphaModFix/>
           </a:blip>
-          <a:srcRect b="22666" l="0" r="0" t="0"/>
+          <a:srcRect b="22666"/>
           <a:stretch/>
         </p:blipFill>
         <p:spPr>
@@ -9404,12 +10055,12 @@
           </a:ln>
         </p:spPr>
         <p:txBody>
-          <a:bodyPr anchorCtr="0" anchor="t" bIns="91425" lIns="91425" spcFirstLastPara="1" rIns="91425" wrap="square" tIns="91425">
+          <a:bodyPr spcFirstLastPara="1" wrap="square" lIns="91425" tIns="91425" rIns="91425" bIns="91425" anchor="t" anchorCtr="0">
             <a:noAutofit/>
           </a:bodyPr>
           <a:lstStyle/>
           <a:p>
-            <a:pPr indent="0" lvl="0" marL="0" rtl="0" algn="l">
+            <a:pPr marL="0" lvl="0" indent="0" algn="l" rtl="0">
               <a:spcBef>
                 <a:spcPts val="0"/>
               </a:spcBef>
@@ -9419,7 +10070,7 @@
               <a:buNone/>
             </a:pPr>
             <a:r>
-              <a:rPr b="1" lang="en" sz="2000">
+              <a:rPr lang="en" sz="2000" b="1">
                 <a:latin typeface="Lato"/>
                 <a:ea typeface="Lato"/>
                 <a:cs typeface="Lato"/>
@@ -9427,7 +10078,7 @@
               </a:rPr>
               <a:t>B. 	Categorize the Length of the Data</a:t>
             </a:r>
-            <a:endParaRPr b="1" sz="2000">
+            <a:endParaRPr sz="2000" b="1">
               <a:latin typeface="Lato"/>
               <a:ea typeface="Lato"/>
               <a:cs typeface="Lato"/>
@@ -9445,11 +10096,11 @@
 </file>
 
 <file path=ppt/slides/slide5.xml><?xml version="1.0" encoding="utf-8"?>
-<p:sld xmlns:a="http://schemas.openxmlformats.org/drawingml/2006/main" xmlns:r="http://schemas.openxmlformats.org/officeDocument/2006/relationships" xmlns:mc="http://schemas.openxmlformats.org/markup-compatibility/2006" xmlns:mv="urn:schemas-microsoft-com:mac:vml" xmlns:p="http://schemas.openxmlformats.org/presentationml/2006/main" xmlns:c="http://schemas.openxmlformats.org/drawingml/2006/chart" xmlns:dgm="http://schemas.openxmlformats.org/drawingml/2006/diagram" xmlns:o="urn:schemas-microsoft-com:office:office" xmlns:v="urn:schemas-microsoft-com:vml" xmlns:pvml="urn:schemas-microsoft-com:office:powerpoint" xmlns:com="http://schemas.openxmlformats.org/drawingml/2006/compatibility" xmlns:p14="http://schemas.microsoft.com/office/powerpoint/2010/main" xmlns:p15="http://schemas.microsoft.com/office/powerpoint/2012/main">
+<p:sld xmlns:a="http://schemas.openxmlformats.org/drawingml/2006/main" xmlns:r="http://schemas.openxmlformats.org/officeDocument/2006/relationships" xmlns:p="http://schemas.openxmlformats.org/presentationml/2006/main">
   <p:cSld>
     <p:spTree>
       <p:nvGrpSpPr>
-        <p:cNvPr id="96" name="Shape 96"/>
+        <p:cNvPr id="1" name="Shape 96"/>
         <p:cNvGrpSpPr/>
         <p:nvPr/>
       </p:nvGrpSpPr>
@@ -9509,12 +10160,12 @@
           </a:ln>
         </p:spPr>
         <p:txBody>
-          <a:bodyPr anchorCtr="0" anchor="t" bIns="91425" lIns="91425" spcFirstLastPara="1" rIns="91425" wrap="square" tIns="91425">
+          <a:bodyPr spcFirstLastPara="1" wrap="square" lIns="91425" tIns="91425" rIns="91425" bIns="91425" anchor="t" anchorCtr="0">
             <a:noAutofit/>
           </a:bodyPr>
           <a:lstStyle/>
           <a:p>
-            <a:pPr indent="0" lvl="0" marL="0" rtl="0" algn="l">
+            <a:pPr marL="0" lvl="0" indent="0" algn="l" rtl="0">
               <a:spcBef>
                 <a:spcPts val="0"/>
               </a:spcBef>
@@ -9524,7 +10175,7 @@
               <a:buNone/>
             </a:pPr>
             <a:r>
-              <a:rPr b="1" lang="en" sz="2000">
+              <a:rPr lang="en" sz="2000" b="1">
                 <a:latin typeface="Lato"/>
                 <a:ea typeface="Lato"/>
                 <a:cs typeface="Lato"/>
@@ -9532,7 +10183,7 @@
               </a:rPr>
               <a:t>B.	Length of the Data -- Results</a:t>
             </a:r>
-            <a:endParaRPr b="1" sz="2000">
+            <a:endParaRPr sz="2000" b="1">
               <a:latin typeface="Lato"/>
               <a:ea typeface="Lato"/>
               <a:cs typeface="Lato"/>
@@ -9550,18 +10201,19 @@
 </file>
 
 <file path=ppt/slides/slide6.xml><?xml version="1.0" encoding="utf-8"?>
-<p:sld xmlns:a="http://schemas.openxmlformats.org/drawingml/2006/main" xmlns:r="http://schemas.openxmlformats.org/officeDocument/2006/relationships" xmlns:mc="http://schemas.openxmlformats.org/markup-compatibility/2006" xmlns:mv="urn:schemas-microsoft-com:mac:vml" xmlns:p="http://schemas.openxmlformats.org/presentationml/2006/main" xmlns:c="http://schemas.openxmlformats.org/drawingml/2006/chart" xmlns:dgm="http://schemas.openxmlformats.org/drawingml/2006/diagram" xmlns:o="urn:schemas-microsoft-com:office:office" xmlns:v="urn:schemas-microsoft-com:vml" xmlns:pvml="urn:schemas-microsoft-com:office:powerpoint" xmlns:com="http://schemas.openxmlformats.org/drawingml/2006/compatibility" xmlns:p14="http://schemas.microsoft.com/office/powerpoint/2010/main" xmlns:p15="http://schemas.microsoft.com/office/powerpoint/2012/main">
+<p:sld xmlns:a="http://schemas.openxmlformats.org/drawingml/2006/main" xmlns:r="http://schemas.openxmlformats.org/officeDocument/2006/relationships" xmlns:p="http://schemas.openxmlformats.org/presentationml/2006/main">
   <p:cSld>
     <p:bg>
       <p:bgPr>
         <a:solidFill>
           <a:srgbClr val="FFFFFF"/>
         </a:solidFill>
+        <a:effectLst/>
       </p:bgPr>
     </p:bg>
     <p:spTree>
       <p:nvGrpSpPr>
-        <p:cNvPr id="102" name="Shape 102"/>
+        <p:cNvPr id="1" name="Shape 102"/>
         <p:cNvGrpSpPr/>
         <p:nvPr/>
       </p:nvGrpSpPr>
@@ -9604,9 +10256,11 @@
       <p:sp>
         <p:nvSpPr>
           <p:cNvPr id="104" name="Google Shape;104;p18"/>
-          <p:cNvSpPr txBox="1"/>
+          <p:cNvSpPr txBox="1">
+            <a:spLocks noGrp="1"/>
+          </p:cNvSpPr>
           <p:nvPr>
-            <p:ph idx="1" type="body"/>
+            <p:ph type="body" idx="1"/>
           </p:nvPr>
         </p:nvSpPr>
         <p:spPr>
@@ -9619,12 +10273,12 @@
           </a:prstGeom>
         </p:spPr>
         <p:txBody>
-          <a:bodyPr anchorCtr="0" anchor="t" bIns="91425" lIns="91425" spcFirstLastPara="1" rIns="91425" wrap="square" tIns="91425">
+          <a:bodyPr spcFirstLastPara="1" wrap="square" lIns="91425" tIns="91425" rIns="91425" bIns="91425" anchor="t" anchorCtr="0">
             <a:noAutofit/>
           </a:bodyPr>
           <a:lstStyle/>
           <a:p>
-            <a:pPr indent="0" lvl="0" marL="0" rtl="0" algn="l">
+            <a:pPr marL="0" lvl="0" indent="0" algn="l" rtl="0">
               <a:spcBef>
                 <a:spcPts val="0"/>
               </a:spcBef>
@@ -9634,10 +10288,10 @@
               <a:buNone/>
             </a:pPr>
             <a:r>
-              <a:rPr b="1" lang="en" sz="2000"/>
+              <a:rPr lang="en" sz="2000" b="1"/>
               <a:t>C.	Most Common Words in the Data Set</a:t>
             </a:r>
-            <a:endParaRPr b="1" sz="2000"/>
+            <a:endParaRPr sz="2000" b="1"/>
           </a:p>
         </p:txBody>
       </p:sp>
@@ -9650,18 +10304,19 @@
 </file>
 
 <file path=ppt/slides/slide7.xml><?xml version="1.0" encoding="utf-8"?>
-<p:sld xmlns:a="http://schemas.openxmlformats.org/drawingml/2006/main" xmlns:r="http://schemas.openxmlformats.org/officeDocument/2006/relationships" xmlns:mc="http://schemas.openxmlformats.org/markup-compatibility/2006" xmlns:mv="urn:schemas-microsoft-com:mac:vml" xmlns:p="http://schemas.openxmlformats.org/presentationml/2006/main" xmlns:c="http://schemas.openxmlformats.org/drawingml/2006/chart" xmlns:dgm="http://schemas.openxmlformats.org/drawingml/2006/diagram" xmlns:o="urn:schemas-microsoft-com:office:office" xmlns:v="urn:schemas-microsoft-com:vml" xmlns:pvml="urn:schemas-microsoft-com:office:powerpoint" xmlns:com="http://schemas.openxmlformats.org/drawingml/2006/compatibility" xmlns:p14="http://schemas.microsoft.com/office/powerpoint/2010/main" xmlns:p15="http://schemas.microsoft.com/office/powerpoint/2012/main">
+<p:sld xmlns:a="http://schemas.openxmlformats.org/drawingml/2006/main" xmlns:r="http://schemas.openxmlformats.org/officeDocument/2006/relationships" xmlns:p="http://schemas.openxmlformats.org/presentationml/2006/main">
   <p:cSld>
     <p:bg>
       <p:bgPr>
         <a:solidFill>
           <a:schemeClr val="lt1"/>
         </a:solidFill>
+        <a:effectLst/>
       </p:bgPr>
     </p:bg>
     <p:spTree>
       <p:nvGrpSpPr>
-        <p:cNvPr id="108" name="Shape 108"/>
+        <p:cNvPr id="1" name="Shape 108"/>
         <p:cNvGrpSpPr/>
         <p:nvPr/>
       </p:nvGrpSpPr>
@@ -9676,7 +10331,9 @@
       <p:sp>
         <p:nvSpPr>
           <p:cNvPr id="109" name="Google Shape;109;p19"/>
-          <p:cNvSpPr txBox="1"/>
+          <p:cNvSpPr txBox="1">
+            <a:spLocks noGrp="1"/>
+          </p:cNvSpPr>
           <p:nvPr>
             <p:ph type="title"/>
           </p:nvPr>
@@ -9691,12 +10348,12 @@
           </a:prstGeom>
         </p:spPr>
         <p:txBody>
-          <a:bodyPr anchorCtr="0" anchor="t" bIns="91425" lIns="91425" spcFirstLastPara="1" rIns="91425" wrap="square" tIns="91425">
+          <a:bodyPr spcFirstLastPara="1" wrap="square" lIns="91425" tIns="91425" rIns="91425" bIns="91425" anchor="t" anchorCtr="0">
             <a:noAutofit/>
           </a:bodyPr>
           <a:lstStyle/>
           <a:p>
-            <a:pPr indent="0" lvl="0" marL="0" rtl="0" algn="l">
+            <a:pPr marL="0" lvl="0" indent="0" algn="l" rtl="0">
               <a:lnSpc>
                 <a:spcPct val="125000"/>
               </a:lnSpc>
@@ -9728,7 +10385,7 @@
             </a:endParaRPr>
           </a:p>
           <a:p>
-            <a:pPr indent="0" lvl="0" marL="0" rtl="0" algn="l">
+            <a:pPr marL="0" lvl="0" indent="0" algn="l" rtl="0">
               <a:spcBef>
                 <a:spcPts val="1200"/>
               </a:spcBef>
@@ -9737,9 +10394,6 @@
               </a:spcAft>
               <a:buNone/>
             </a:pPr>
-            <a:r>
-              <a:t/>
-            </a:r>
             <a:endParaRPr/>
           </a:p>
         </p:txBody>
@@ -9764,12 +10418,12 @@
           </a:ln>
         </p:spPr>
         <p:txBody>
-          <a:bodyPr anchorCtr="0" anchor="t" bIns="91425" lIns="91425" spcFirstLastPara="1" rIns="91425" wrap="square" tIns="91425">
+          <a:bodyPr spcFirstLastPara="1" wrap="square" lIns="91425" tIns="91425" rIns="91425" bIns="91425" anchor="t" anchorCtr="0">
             <a:noAutofit/>
           </a:bodyPr>
           <a:lstStyle/>
           <a:p>
-            <a:pPr indent="0" lvl="0" marL="0" rtl="0" algn="l">
+            <a:pPr marL="0" lvl="0" indent="0" algn="l" rtl="0">
               <a:lnSpc>
                 <a:spcPct val="115000"/>
               </a:lnSpc>
@@ -9782,7 +10436,7 @@
               <a:buNone/>
             </a:pPr>
             <a:r>
-              <a:rPr b="1" lang="en" sz="2000">
+              <a:rPr lang="en" sz="2000" b="1">
                 <a:solidFill>
                   <a:srgbClr val="212121"/>
                 </a:solidFill>
@@ -9796,7 +10450,7 @@
               </a:rPr>
               <a:t>A &amp; B. 	Remove Punctuations &amp; Special Characters &amp; Lowercase Words</a:t>
             </a:r>
-            <a:endParaRPr b="1" sz="2000">
+            <a:endParaRPr sz="2000" b="1">
               <a:solidFill>
                 <a:srgbClr val="212121"/>
               </a:solidFill>
@@ -9810,7 +10464,7 @@
             </a:endParaRPr>
           </a:p>
           <a:p>
-            <a:pPr indent="0" lvl="0" marL="457200" rtl="0" algn="l">
+            <a:pPr marL="457200" lvl="0" indent="0" algn="l" rtl="0">
               <a:spcBef>
                 <a:spcPts val="700"/>
               </a:spcBef>
@@ -9819,10 +10473,7 @@
               </a:spcAft>
               <a:buNone/>
             </a:pPr>
-            <a:r>
-              <a:t/>
-            </a:r>
-            <a:endParaRPr b="1" sz="2000">
+            <a:endParaRPr sz="2000" b="1">
               <a:latin typeface="Lato"/>
               <a:ea typeface="Lato"/>
               <a:cs typeface="Lato"/>
@@ -9868,18 +10519,19 @@
 </file>
 
 <file path=ppt/slides/slide8.xml><?xml version="1.0" encoding="utf-8"?>
-<p:sld xmlns:a="http://schemas.openxmlformats.org/drawingml/2006/main" xmlns:r="http://schemas.openxmlformats.org/officeDocument/2006/relationships" xmlns:mc="http://schemas.openxmlformats.org/markup-compatibility/2006" xmlns:mv="urn:schemas-microsoft-com:mac:vml" xmlns:p="http://schemas.openxmlformats.org/presentationml/2006/main" xmlns:c="http://schemas.openxmlformats.org/drawingml/2006/chart" xmlns:dgm="http://schemas.openxmlformats.org/drawingml/2006/diagram" xmlns:o="urn:schemas-microsoft-com:office:office" xmlns:v="urn:schemas-microsoft-com:vml" xmlns:pvml="urn:schemas-microsoft-com:office:powerpoint" xmlns:com="http://schemas.openxmlformats.org/drawingml/2006/compatibility" xmlns:p14="http://schemas.microsoft.com/office/powerpoint/2010/main" xmlns:p15="http://schemas.microsoft.com/office/powerpoint/2012/main">
+<p:sld xmlns:a="http://schemas.openxmlformats.org/drawingml/2006/main" xmlns:r="http://schemas.openxmlformats.org/officeDocument/2006/relationships" xmlns:p="http://schemas.openxmlformats.org/presentationml/2006/main">
   <p:cSld>
     <p:bg>
       <p:bgPr>
         <a:solidFill>
           <a:schemeClr val="lt1"/>
         </a:solidFill>
+        <a:effectLst/>
       </p:bgPr>
     </p:bg>
     <p:spTree>
       <p:nvGrpSpPr>
-        <p:cNvPr id="115" name="Shape 115"/>
+        <p:cNvPr id="1" name="Shape 115"/>
         <p:cNvGrpSpPr/>
         <p:nvPr/>
       </p:nvGrpSpPr>
@@ -9891,34 +10543,6 @@
           <a:chExt cx="0" cy="0"/>
         </a:xfrm>
       </p:grpSpPr>
-      <p:pic>
-        <p:nvPicPr>
-          <p:cNvPr id="116" name="Google Shape;116;p20"/>
-          <p:cNvPicPr preferRelativeResize="0"/>
-          <p:nvPr/>
-        </p:nvPicPr>
-        <p:blipFill>
-          <a:blip r:embed="rId3">
-            <a:alphaModFix/>
-          </a:blip>
-          <a:stretch>
-            <a:fillRect/>
-          </a:stretch>
-        </p:blipFill>
-        <p:spPr>
-          <a:xfrm>
-            <a:off x="951025" y="1031400"/>
-            <a:ext cx="7206252" cy="3663099"/>
-          </a:xfrm>
-          <a:prstGeom prst="rect">
-            <a:avLst/>
-          </a:prstGeom>
-          <a:noFill/>
-          <a:ln>
-            <a:noFill/>
-          </a:ln>
-        </p:spPr>
-      </p:pic>
       <p:sp>
         <p:nvSpPr>
           <p:cNvPr id="117" name="Google Shape;117;p20"/>
@@ -9939,12 +10563,12 @@
           </a:ln>
         </p:spPr>
         <p:txBody>
-          <a:bodyPr anchorCtr="0" anchor="t" bIns="91425" lIns="91425" spcFirstLastPara="1" rIns="91425" wrap="square" tIns="91425">
+          <a:bodyPr spcFirstLastPara="1" wrap="square" lIns="91425" tIns="91425" rIns="91425" bIns="91425" anchor="t" anchorCtr="0">
             <a:noAutofit/>
           </a:bodyPr>
           <a:lstStyle/>
           <a:p>
-            <a:pPr indent="0" lvl="0" marL="0" rtl="0" algn="l">
+            <a:pPr marL="0" lvl="0" indent="0" algn="l" rtl="0">
               <a:spcBef>
                 <a:spcPts val="0"/>
               </a:spcBef>
@@ -9954,7 +10578,7 @@
               <a:buNone/>
             </a:pPr>
             <a:r>
-              <a:rPr b="1" lang="en" sz="2000">
+              <a:rPr lang="en" sz="2000" b="1">
                 <a:latin typeface="Lato"/>
                 <a:ea typeface="Lato"/>
                 <a:cs typeface="Lato"/>
@@ -9962,7 +10586,7 @@
               </a:rPr>
               <a:t>A &amp; B.	Results</a:t>
             </a:r>
-            <a:endParaRPr b="1" sz="2000">
+            <a:endParaRPr sz="2000" b="1">
               <a:latin typeface="Lato"/>
               <a:ea typeface="Lato"/>
               <a:cs typeface="Lato"/>
@@ -9971,6 +10595,36 @@
           </a:p>
         </p:txBody>
       </p:sp>
+      <p:pic>
+        <p:nvPicPr>
+          <p:cNvPr id="3" name="Picture 2">
+            <a:extLst>
+              <a:ext uri="{FF2B5EF4-FFF2-40B4-BE49-F238E27FC236}">
+                <a16:creationId xmlns:a16="http://schemas.microsoft.com/office/drawing/2014/main" id="{50AFE9C2-5C88-6B45-8CB4-A9ADEC7A1F75}"/>
+              </a:ext>
+            </a:extLst>
+          </p:cNvPr>
+          <p:cNvPicPr>
+            <a:picLocks noChangeAspect="1"/>
+          </p:cNvPicPr>
+          <p:nvPr/>
+        </p:nvPicPr>
+        <p:blipFill>
+          <a:blip r:embed="rId3"/>
+          <a:stretch>
+            <a:fillRect/>
+          </a:stretch>
+        </p:blipFill>
+        <p:spPr>
+          <a:xfrm>
+            <a:off x="2183323" y="910900"/>
+            <a:ext cx="4883903" cy="3627226"/>
+          </a:xfrm>
+          <a:prstGeom prst="rect">
+            <a:avLst/>
+          </a:prstGeom>
+        </p:spPr>
+      </p:pic>
     </p:spTree>
   </p:cSld>
   <p:clrMapOvr>
@@ -9980,11 +10634,11 @@
 </file>
 
 <file path=ppt/slides/slide9.xml><?xml version="1.0" encoding="utf-8"?>
-<p:sld xmlns:a="http://schemas.openxmlformats.org/drawingml/2006/main" xmlns:r="http://schemas.openxmlformats.org/officeDocument/2006/relationships" xmlns:mc="http://schemas.openxmlformats.org/markup-compatibility/2006" xmlns:mv="urn:schemas-microsoft-com:mac:vml" xmlns:p="http://schemas.openxmlformats.org/presentationml/2006/main" xmlns:c="http://schemas.openxmlformats.org/drawingml/2006/chart" xmlns:dgm="http://schemas.openxmlformats.org/drawingml/2006/diagram" xmlns:o="urn:schemas-microsoft-com:office:office" xmlns:v="urn:schemas-microsoft-com:vml" xmlns:pvml="urn:schemas-microsoft-com:office:powerpoint" xmlns:com="http://schemas.openxmlformats.org/drawingml/2006/compatibility" xmlns:p14="http://schemas.microsoft.com/office/powerpoint/2010/main" xmlns:p15="http://schemas.microsoft.com/office/powerpoint/2012/main">
+<p:sld xmlns:a="http://schemas.openxmlformats.org/drawingml/2006/main" xmlns:r="http://schemas.openxmlformats.org/officeDocument/2006/relationships" xmlns:p="http://schemas.openxmlformats.org/presentationml/2006/main">
   <p:cSld>
     <p:spTree>
       <p:nvGrpSpPr>
-        <p:cNvPr id="121" name="Shape 121"/>
+        <p:cNvPr id="1" name="Shape 121"/>
         <p:cNvGrpSpPr/>
         <p:nvPr/>
       </p:nvGrpSpPr>
@@ -9999,7 +10653,9 @@
       <p:sp>
         <p:nvSpPr>
           <p:cNvPr id="122" name="Google Shape;122;p21"/>
-          <p:cNvSpPr txBox="1"/>
+          <p:cNvSpPr txBox="1">
+            <a:spLocks noGrp="1"/>
+          </p:cNvSpPr>
           <p:nvPr>
             <p:ph type="title"/>
           </p:nvPr>
@@ -10014,12 +10670,12 @@
           </a:prstGeom>
         </p:spPr>
         <p:txBody>
-          <a:bodyPr anchorCtr="0" anchor="t" bIns="91425" lIns="91425" spcFirstLastPara="1" rIns="91425" wrap="square" tIns="91425">
+          <a:bodyPr spcFirstLastPara="1" wrap="square" lIns="91425" tIns="91425" rIns="91425" bIns="91425" anchor="t" anchorCtr="0">
             <a:noAutofit/>
           </a:bodyPr>
           <a:lstStyle/>
           <a:p>
-            <a:pPr indent="0" lvl="0" marL="0" rtl="0" algn="l">
+            <a:pPr marL="0" lvl="0" indent="0" algn="l" rtl="0">
               <a:spcBef>
                 <a:spcPts val="0"/>
               </a:spcBef>
@@ -10048,30 +10704,32 @@
       </p:sp>
       <p:pic>
         <p:nvPicPr>
-          <p:cNvPr id="123" name="Google Shape;123;p21"/>
-          <p:cNvPicPr preferRelativeResize="0"/>
+          <p:cNvPr id="3" name="Picture 2">
+            <a:extLst>
+              <a:ext uri="{FF2B5EF4-FFF2-40B4-BE49-F238E27FC236}">
+                <a16:creationId xmlns:a16="http://schemas.microsoft.com/office/drawing/2014/main" id="{5776BF2A-454B-5B47-A079-0C770BE62E1B}"/>
+              </a:ext>
+            </a:extLst>
+          </p:cNvPr>
+          <p:cNvPicPr>
+            <a:picLocks noChangeAspect="1"/>
+          </p:cNvPicPr>
           <p:nvPr/>
         </p:nvPicPr>
         <p:blipFill>
-          <a:blip r:embed="rId3">
-            <a:alphaModFix/>
-          </a:blip>
+          <a:blip r:embed="rId3"/>
           <a:stretch>
             <a:fillRect/>
           </a:stretch>
         </p:blipFill>
         <p:spPr>
           <a:xfrm>
-            <a:off x="1441525" y="1211350"/>
-            <a:ext cx="6461249" cy="3666151"/>
+            <a:off x="2470150" y="1204317"/>
+            <a:ext cx="4387850" cy="3234548"/>
           </a:xfrm>
           <a:prstGeom prst="rect">
             <a:avLst/>
           </a:prstGeom>
-          <a:noFill/>
-          <a:ln>
-            <a:noFill/>
-          </a:ln>
         </p:spPr>
       </p:pic>
     </p:spTree>
@@ -10083,7 +10741,288 @@
 </file>
 
 <file path=ppt/theme/theme1.xml><?xml version="1.0" encoding="utf-8"?>
-<a:theme xmlns:a="http://schemas.openxmlformats.org/drawingml/2006/main" xmlns:r="http://schemas.openxmlformats.org/officeDocument/2006/relationships">
+<a:theme xmlns:a="http://schemas.openxmlformats.org/drawingml/2006/main" name="Swiss">
+  <a:themeElements>
+    <a:clrScheme name="Swiss">
+      <a:dk1>
+        <a:srgbClr val="F46524"/>
+      </a:dk1>
+      <a:lt1>
+        <a:srgbClr val="FFFFFF"/>
+      </a:lt1>
+      <a:dk2>
+        <a:srgbClr val="000000"/>
+      </a:dk2>
+      <a:lt2>
+        <a:srgbClr val="757575"/>
+      </a:lt2>
+      <a:accent1>
+        <a:srgbClr val="01579B"/>
+      </a:accent1>
+      <a:accent2>
+        <a:srgbClr val="27C7BD"/>
+      </a:accent2>
+      <a:accent3>
+        <a:srgbClr val="0099E8"/>
+      </a:accent3>
+      <a:accent4>
+        <a:srgbClr val="51B9A3"/>
+      </a:accent4>
+      <a:accent5>
+        <a:srgbClr val="FB8C00"/>
+      </a:accent5>
+      <a:accent6>
+        <a:srgbClr val="FFAE88"/>
+      </a:accent6>
+      <a:hlink>
+        <a:srgbClr val="0277BD"/>
+      </a:hlink>
+      <a:folHlink>
+        <a:srgbClr val="0277BD"/>
+      </a:folHlink>
+    </a:clrScheme>
+    <a:fontScheme name="Office">
+      <a:majorFont>
+        <a:latin typeface="Arial"/>
+        <a:ea typeface=""/>
+        <a:cs typeface=""/>
+        <a:font script="Jpan" typeface="ＭＳ Ｐゴシック"/>
+        <a:font script="Hang" typeface="맑은 고딕"/>
+        <a:font script="Hans" typeface="宋体"/>
+        <a:font script="Hant" typeface="新細明體"/>
+        <a:font script="Arab" typeface="Times New Roman"/>
+        <a:font script="Hebr" typeface="Times New Roman"/>
+        <a:font script="Thai" typeface="Angsana New"/>
+        <a:font script="Ethi" typeface="Nyala"/>
+        <a:font script="Beng" typeface="Vrinda"/>
+        <a:font script="Gujr" typeface="Shruti"/>
+        <a:font script="Khmr" typeface="MoolBoran"/>
+        <a:font script="Knda" typeface="Tunga"/>
+        <a:font script="Guru" typeface="Raavi"/>
+        <a:font script="Cans" typeface="Euphemia"/>
+        <a:font script="Cher" typeface="Plantagenet Cherokee"/>
+        <a:font script="Yiii" typeface="Microsoft Yi Baiti"/>
+        <a:font script="Tibt" typeface="Microsoft Himalaya"/>
+        <a:font script="Thaa" typeface="MV Boli"/>
+        <a:font script="Deva" typeface="Mangal"/>
+        <a:font script="Telu" typeface="Gautami"/>
+        <a:font script="Taml" typeface="Latha"/>
+        <a:font script="Syrc" typeface="Estrangelo Edessa"/>
+        <a:font script="Orya" typeface="Kalinga"/>
+        <a:font script="Mlym" typeface="Kartika"/>
+        <a:font script="Laoo" typeface="DokChampa"/>
+        <a:font script="Sinh" typeface="Iskoola Pota"/>
+        <a:font script="Mong" typeface="Mongolian Baiti"/>
+        <a:font script="Viet" typeface="Times New Roman"/>
+        <a:font script="Uigh" typeface="Microsoft Uighur"/>
+        <a:font script="Geor" typeface="Sylfaen"/>
+      </a:majorFont>
+      <a:minorFont>
+        <a:latin typeface="Arial"/>
+        <a:ea typeface=""/>
+        <a:cs typeface=""/>
+        <a:font script="Jpan" typeface="ＭＳ Ｐゴシック"/>
+        <a:font script="Hang" typeface="맑은 고딕"/>
+        <a:font script="Hans" typeface="宋体"/>
+        <a:font script="Hant" typeface="新細明體"/>
+        <a:font script="Arab" typeface="Arial"/>
+        <a:font script="Hebr" typeface="Arial"/>
+        <a:font script="Thai" typeface="Cordia New"/>
+        <a:font script="Ethi" typeface="Nyala"/>
+        <a:font script="Beng" typeface="Vrinda"/>
+        <a:font script="Gujr" typeface="Shruti"/>
+        <a:font script="Khmr" typeface="DaunPenh"/>
+        <a:font script="Knda" typeface="Tunga"/>
+        <a:font script="Guru" typeface="Raavi"/>
+        <a:font script="Cans" typeface="Euphemia"/>
+        <a:font script="Cher" typeface="Plantagenet Cherokee"/>
+        <a:font script="Yiii" typeface="Microsoft Yi Baiti"/>
+        <a:font script="Tibt" typeface="Microsoft Himalaya"/>
+        <a:font script="Thaa" typeface="MV Boli"/>
+        <a:font script="Deva" typeface="Mangal"/>
+        <a:font script="Telu" typeface="Gautami"/>
+        <a:font script="Taml" typeface="Latha"/>
+        <a:font script="Syrc" typeface="Estrangelo Edessa"/>
+        <a:font script="Orya" typeface="Kalinga"/>
+        <a:font script="Mlym" typeface="Kartika"/>
+        <a:font script="Laoo" typeface="DokChampa"/>
+        <a:font script="Sinh" typeface="Iskoola Pota"/>
+        <a:font script="Mong" typeface="Mongolian Baiti"/>
+        <a:font script="Viet" typeface="Arial"/>
+        <a:font script="Uigh" typeface="Microsoft Uighur"/>
+        <a:font script="Geor" typeface="Sylfaen"/>
+      </a:minorFont>
+    </a:fontScheme>
+    <a:fmtScheme name="Office">
+      <a:fillStyleLst>
+        <a:solidFill>
+          <a:schemeClr val="phClr"/>
+        </a:solidFill>
+        <a:gradFill rotWithShape="1">
+          <a:gsLst>
+            <a:gs pos="0">
+              <a:schemeClr val="phClr">
+                <a:tint val="50000"/>
+                <a:satMod val="300000"/>
+              </a:schemeClr>
+            </a:gs>
+            <a:gs pos="35000">
+              <a:schemeClr val="phClr">
+                <a:tint val="37000"/>
+                <a:satMod val="300000"/>
+              </a:schemeClr>
+            </a:gs>
+            <a:gs pos="100000">
+              <a:schemeClr val="phClr">
+                <a:tint val="15000"/>
+                <a:satMod val="350000"/>
+              </a:schemeClr>
+            </a:gs>
+          </a:gsLst>
+          <a:lin ang="16200000" scaled="1"/>
+        </a:gradFill>
+        <a:gradFill rotWithShape="1">
+          <a:gsLst>
+            <a:gs pos="0">
+              <a:schemeClr val="phClr">
+                <a:tint val="100000"/>
+                <a:shade val="100000"/>
+                <a:satMod val="130000"/>
+              </a:schemeClr>
+            </a:gs>
+            <a:gs pos="100000">
+              <a:schemeClr val="phClr">
+                <a:tint val="50000"/>
+                <a:shade val="100000"/>
+                <a:satMod val="350000"/>
+              </a:schemeClr>
+            </a:gs>
+          </a:gsLst>
+          <a:lin ang="16200000" scaled="0"/>
+        </a:gradFill>
+      </a:fillStyleLst>
+      <a:lnStyleLst>
+        <a:ln w="9525" cap="flat" cmpd="sng" algn="ctr">
+          <a:solidFill>
+            <a:schemeClr val="phClr">
+              <a:shade val="95000"/>
+              <a:satMod val="105000"/>
+            </a:schemeClr>
+          </a:solidFill>
+          <a:prstDash val="solid"/>
+        </a:ln>
+        <a:ln w="25400" cap="flat" cmpd="sng" algn="ctr">
+          <a:solidFill>
+            <a:schemeClr val="phClr"/>
+          </a:solidFill>
+          <a:prstDash val="solid"/>
+        </a:ln>
+        <a:ln w="38100" cap="flat" cmpd="sng" algn="ctr">
+          <a:solidFill>
+            <a:schemeClr val="phClr"/>
+          </a:solidFill>
+          <a:prstDash val="solid"/>
+        </a:ln>
+      </a:lnStyleLst>
+      <a:effectStyleLst>
+        <a:effectStyle>
+          <a:effectLst>
+            <a:outerShdw blurRad="40000" dist="20000" dir="5400000" rotWithShape="0">
+              <a:srgbClr val="000000">
+                <a:alpha val="38000"/>
+              </a:srgbClr>
+            </a:outerShdw>
+          </a:effectLst>
+        </a:effectStyle>
+        <a:effectStyle>
+          <a:effectLst>
+            <a:outerShdw blurRad="40000" dist="23000" dir="5400000" rotWithShape="0">
+              <a:srgbClr val="000000">
+                <a:alpha val="35000"/>
+              </a:srgbClr>
+            </a:outerShdw>
+          </a:effectLst>
+        </a:effectStyle>
+        <a:effectStyle>
+          <a:effectLst>
+            <a:outerShdw blurRad="40000" dist="23000" dir="5400000" rotWithShape="0">
+              <a:srgbClr val="000000">
+                <a:alpha val="35000"/>
+              </a:srgbClr>
+            </a:outerShdw>
+          </a:effectLst>
+          <a:scene3d>
+            <a:camera prst="orthographicFront">
+              <a:rot lat="0" lon="0" rev="0"/>
+            </a:camera>
+            <a:lightRig rig="threePt" dir="t">
+              <a:rot lat="0" lon="0" rev="1200000"/>
+            </a:lightRig>
+          </a:scene3d>
+          <a:sp3d>
+            <a:bevelT w="63500" h="25400"/>
+          </a:sp3d>
+        </a:effectStyle>
+      </a:effectStyleLst>
+      <a:bgFillStyleLst>
+        <a:solidFill>
+          <a:schemeClr val="phClr"/>
+        </a:solidFill>
+        <a:gradFill rotWithShape="1">
+          <a:gsLst>
+            <a:gs pos="0">
+              <a:schemeClr val="phClr">
+                <a:tint val="40000"/>
+                <a:satMod val="350000"/>
+              </a:schemeClr>
+            </a:gs>
+            <a:gs pos="40000">
+              <a:schemeClr val="phClr">
+                <a:tint val="45000"/>
+                <a:shade val="99000"/>
+                <a:satMod val="350000"/>
+              </a:schemeClr>
+            </a:gs>
+            <a:gs pos="100000">
+              <a:schemeClr val="phClr">
+                <a:shade val="20000"/>
+                <a:satMod val="255000"/>
+              </a:schemeClr>
+            </a:gs>
+          </a:gsLst>
+          <a:path path="circle">
+            <a:fillToRect l="50000" t="-80000" r="50000" b="180000"/>
+          </a:path>
+        </a:gradFill>
+        <a:gradFill rotWithShape="1">
+          <a:gsLst>
+            <a:gs pos="0">
+              <a:schemeClr val="phClr">
+                <a:tint val="80000"/>
+                <a:satMod val="300000"/>
+              </a:schemeClr>
+            </a:gs>
+            <a:gs pos="100000">
+              <a:schemeClr val="phClr">
+                <a:shade val="30000"/>
+                <a:satMod val="200000"/>
+              </a:schemeClr>
+            </a:gs>
+          </a:gsLst>
+          <a:path path="circle">
+            <a:fillToRect l="50000" t="50000" r="50000" b="50000"/>
+          </a:path>
+        </a:gradFill>
+      </a:bgFillStyleLst>
+    </a:fmtScheme>
+  </a:themeElements>
+  <a:objectDefaults/>
+  <a:extraClrSchemeLst/>
+</a:theme>
+</file>
+
+<file path=ppt/theme/theme2.xml><?xml version="1.0" encoding="utf-8"?>
+<a:theme xmlns:a="http://schemas.openxmlformats.org/drawingml/2006/main">
   <a:themeElements>
     <a:clrScheme name="Default">
       <a:dk1>
@@ -10358,284 +11297,7 @@
       </a:bgFillStyleLst>
     </a:fmtScheme>
   </a:themeElements>
-</a:theme>
-</file>
-
-<file path=ppt/theme/theme2.xml><?xml version="1.0" encoding="utf-8"?>
-<a:theme xmlns:a="http://schemas.openxmlformats.org/drawingml/2006/main" xmlns:r="http://schemas.openxmlformats.org/officeDocument/2006/relationships" name="Swiss">
-  <a:themeElements>
-    <a:clrScheme name="Swiss">
-      <a:dk1>
-        <a:srgbClr val="F46524"/>
-      </a:dk1>
-      <a:lt1>
-        <a:srgbClr val="FFFFFF"/>
-      </a:lt1>
-      <a:dk2>
-        <a:srgbClr val="000000"/>
-      </a:dk2>
-      <a:lt2>
-        <a:srgbClr val="757575"/>
-      </a:lt2>
-      <a:accent1>
-        <a:srgbClr val="01579B"/>
-      </a:accent1>
-      <a:accent2>
-        <a:srgbClr val="27C7BD"/>
-      </a:accent2>
-      <a:accent3>
-        <a:srgbClr val="0099E8"/>
-      </a:accent3>
-      <a:accent4>
-        <a:srgbClr val="51B9A3"/>
-      </a:accent4>
-      <a:accent5>
-        <a:srgbClr val="FB8C00"/>
-      </a:accent5>
-      <a:accent6>
-        <a:srgbClr val="FFAE88"/>
-      </a:accent6>
-      <a:hlink>
-        <a:srgbClr val="0277BD"/>
-      </a:hlink>
-      <a:folHlink>
-        <a:srgbClr val="0277BD"/>
-      </a:folHlink>
-    </a:clrScheme>
-    <a:fontScheme name="Office">
-      <a:majorFont>
-        <a:latin typeface="Arial"/>
-        <a:ea typeface=""/>
-        <a:cs typeface=""/>
-        <a:font script="Jpan" typeface="ＭＳ Ｐゴシック"/>
-        <a:font script="Hang" typeface="맑은 고딕"/>
-        <a:font script="Hans" typeface="宋体"/>
-        <a:font script="Hant" typeface="新細明體"/>
-        <a:font script="Arab" typeface="Times New Roman"/>
-        <a:font script="Hebr" typeface="Times New Roman"/>
-        <a:font script="Thai" typeface="Angsana New"/>
-        <a:font script="Ethi" typeface="Nyala"/>
-        <a:font script="Beng" typeface="Vrinda"/>
-        <a:font script="Gujr" typeface="Shruti"/>
-        <a:font script="Khmr" typeface="MoolBoran"/>
-        <a:font script="Knda" typeface="Tunga"/>
-        <a:font script="Guru" typeface="Raavi"/>
-        <a:font script="Cans" typeface="Euphemia"/>
-        <a:font script="Cher" typeface="Plantagenet Cherokee"/>
-        <a:font script="Yiii" typeface="Microsoft Yi Baiti"/>
-        <a:font script="Tibt" typeface="Microsoft Himalaya"/>
-        <a:font script="Thaa" typeface="MV Boli"/>
-        <a:font script="Deva" typeface="Mangal"/>
-        <a:font script="Telu" typeface="Gautami"/>
-        <a:font script="Taml" typeface="Latha"/>
-        <a:font script="Syrc" typeface="Estrangelo Edessa"/>
-        <a:font script="Orya" typeface="Kalinga"/>
-        <a:font script="Mlym" typeface="Kartika"/>
-        <a:font script="Laoo" typeface="DokChampa"/>
-        <a:font script="Sinh" typeface="Iskoola Pota"/>
-        <a:font script="Mong" typeface="Mongolian Baiti"/>
-        <a:font script="Viet" typeface="Times New Roman"/>
-        <a:font script="Uigh" typeface="Microsoft Uighur"/>
-        <a:font script="Geor" typeface="Sylfaen"/>
-      </a:majorFont>
-      <a:minorFont>
-        <a:latin typeface="Arial"/>
-        <a:ea typeface=""/>
-        <a:cs typeface=""/>
-        <a:font script="Jpan" typeface="ＭＳ Ｐゴシック"/>
-        <a:font script="Hang" typeface="맑은 고딕"/>
-        <a:font script="Hans" typeface="宋体"/>
-        <a:font script="Hant" typeface="新細明體"/>
-        <a:font script="Arab" typeface="Arial"/>
-        <a:font script="Hebr" typeface="Arial"/>
-        <a:font script="Thai" typeface="Cordia New"/>
-        <a:font script="Ethi" typeface="Nyala"/>
-        <a:font script="Beng" typeface="Vrinda"/>
-        <a:font script="Gujr" typeface="Shruti"/>
-        <a:font script="Khmr" typeface="DaunPenh"/>
-        <a:font script="Knda" typeface="Tunga"/>
-        <a:font script="Guru" typeface="Raavi"/>
-        <a:font script="Cans" typeface="Euphemia"/>
-        <a:font script="Cher" typeface="Plantagenet Cherokee"/>
-        <a:font script="Yiii" typeface="Microsoft Yi Baiti"/>
-        <a:font script="Tibt" typeface="Microsoft Himalaya"/>
-        <a:font script="Thaa" typeface="MV Boli"/>
-        <a:font script="Deva" typeface="Mangal"/>
-        <a:font script="Telu" typeface="Gautami"/>
-        <a:font script="Taml" typeface="Latha"/>
-        <a:font script="Syrc" typeface="Estrangelo Edessa"/>
-        <a:font script="Orya" typeface="Kalinga"/>
-        <a:font script="Mlym" typeface="Kartika"/>
-        <a:font script="Laoo" typeface="DokChampa"/>
-        <a:font script="Sinh" typeface="Iskoola Pota"/>
-        <a:font script="Mong" typeface="Mongolian Baiti"/>
-        <a:font script="Viet" typeface="Arial"/>
-        <a:font script="Uigh" typeface="Microsoft Uighur"/>
-        <a:font script="Geor" typeface="Sylfaen"/>
-      </a:minorFont>
-    </a:fontScheme>
-    <a:fmtScheme name="Office">
-      <a:fillStyleLst>
-        <a:solidFill>
-          <a:schemeClr val="phClr"/>
-        </a:solidFill>
-        <a:gradFill rotWithShape="1">
-          <a:gsLst>
-            <a:gs pos="0">
-              <a:schemeClr val="phClr">
-                <a:tint val="50000"/>
-                <a:satMod val="300000"/>
-              </a:schemeClr>
-            </a:gs>
-            <a:gs pos="35000">
-              <a:schemeClr val="phClr">
-                <a:tint val="37000"/>
-                <a:satMod val="300000"/>
-              </a:schemeClr>
-            </a:gs>
-            <a:gs pos="100000">
-              <a:schemeClr val="phClr">
-                <a:tint val="15000"/>
-                <a:satMod val="350000"/>
-              </a:schemeClr>
-            </a:gs>
-          </a:gsLst>
-          <a:lin ang="16200000" scaled="1"/>
-        </a:gradFill>
-        <a:gradFill rotWithShape="1">
-          <a:gsLst>
-            <a:gs pos="0">
-              <a:schemeClr val="phClr">
-                <a:tint val="100000"/>
-                <a:shade val="100000"/>
-                <a:satMod val="130000"/>
-              </a:schemeClr>
-            </a:gs>
-            <a:gs pos="100000">
-              <a:schemeClr val="phClr">
-                <a:tint val="50000"/>
-                <a:shade val="100000"/>
-                <a:satMod val="350000"/>
-              </a:schemeClr>
-            </a:gs>
-          </a:gsLst>
-          <a:lin ang="16200000" scaled="0"/>
-        </a:gradFill>
-      </a:fillStyleLst>
-      <a:lnStyleLst>
-        <a:ln w="9525" cap="flat" cmpd="sng" algn="ctr">
-          <a:solidFill>
-            <a:schemeClr val="phClr">
-              <a:shade val="95000"/>
-              <a:satMod val="105000"/>
-            </a:schemeClr>
-          </a:solidFill>
-          <a:prstDash val="solid"/>
-        </a:ln>
-        <a:ln w="25400" cap="flat" cmpd="sng" algn="ctr">
-          <a:solidFill>
-            <a:schemeClr val="phClr"/>
-          </a:solidFill>
-          <a:prstDash val="solid"/>
-        </a:ln>
-        <a:ln w="38100" cap="flat" cmpd="sng" algn="ctr">
-          <a:solidFill>
-            <a:schemeClr val="phClr"/>
-          </a:solidFill>
-          <a:prstDash val="solid"/>
-        </a:ln>
-      </a:lnStyleLst>
-      <a:effectStyleLst>
-        <a:effectStyle>
-          <a:effectLst>
-            <a:outerShdw blurRad="40000" dist="20000" dir="5400000" rotWithShape="0">
-              <a:srgbClr val="000000">
-                <a:alpha val="38000"/>
-              </a:srgbClr>
-            </a:outerShdw>
-          </a:effectLst>
-        </a:effectStyle>
-        <a:effectStyle>
-          <a:effectLst>
-            <a:outerShdw blurRad="40000" dist="23000" dir="5400000" rotWithShape="0">
-              <a:srgbClr val="000000">
-                <a:alpha val="35000"/>
-              </a:srgbClr>
-            </a:outerShdw>
-          </a:effectLst>
-        </a:effectStyle>
-        <a:effectStyle>
-          <a:effectLst>
-            <a:outerShdw blurRad="40000" dist="23000" dir="5400000" rotWithShape="0">
-              <a:srgbClr val="000000">
-                <a:alpha val="35000"/>
-              </a:srgbClr>
-            </a:outerShdw>
-          </a:effectLst>
-          <a:scene3d>
-            <a:camera prst="orthographicFront">
-              <a:rot lat="0" lon="0" rev="0"/>
-            </a:camera>
-            <a:lightRig rig="threePt" dir="t">
-              <a:rot lat="0" lon="0" rev="1200000"/>
-            </a:lightRig>
-          </a:scene3d>
-          <a:sp3d>
-            <a:bevelT w="63500" h="25400"/>
-          </a:sp3d>
-        </a:effectStyle>
-      </a:effectStyleLst>
-      <a:bgFillStyleLst>
-        <a:solidFill>
-          <a:schemeClr val="phClr"/>
-        </a:solidFill>
-        <a:gradFill rotWithShape="1">
-          <a:gsLst>
-            <a:gs pos="0">
-              <a:schemeClr val="phClr">
-                <a:tint val="40000"/>
-                <a:satMod val="350000"/>
-              </a:schemeClr>
-            </a:gs>
-            <a:gs pos="40000">
-              <a:schemeClr val="phClr">
-                <a:tint val="45000"/>
-                <a:shade val="99000"/>
-                <a:satMod val="350000"/>
-              </a:schemeClr>
-            </a:gs>
-            <a:gs pos="100000">
-              <a:schemeClr val="phClr">
-                <a:shade val="20000"/>
-                <a:satMod val="255000"/>
-              </a:schemeClr>
-            </a:gs>
-          </a:gsLst>
-          <a:path path="circle">
-            <a:fillToRect l="50000" t="-80000" r="50000" b="180000"/>
-          </a:path>
-        </a:gradFill>
-        <a:gradFill rotWithShape="1">
-          <a:gsLst>
-            <a:gs pos="0">
-              <a:schemeClr val="phClr">
-                <a:tint val="80000"/>
-                <a:satMod val="300000"/>
-              </a:schemeClr>
-            </a:gs>
-            <a:gs pos="100000">
-              <a:schemeClr val="phClr">
-                <a:shade val="30000"/>
-                <a:satMod val="200000"/>
-              </a:schemeClr>
-            </a:gs>
-          </a:gsLst>
-          <a:path path="circle">
-            <a:fillToRect l="50000" t="50000" r="50000" b="50000"/>
-          </a:path>
-        </a:gradFill>
-      </a:bgFillStyleLst>
-    </a:fmtScheme>
-  </a:themeElements>
+  <a:objectDefaults/>
+  <a:extraClrSchemeLst/>
 </a:theme>
 </file>
--- a/Final Project DS610.pptx
+++ b/Final Project DS610.pptx
@@ -5,7 +5,7 @@
     <p:sldMasterId id="2147483659" r:id="rId1"/>
   </p:sldMasterIdLst>
   <p:notesMasterIdLst>
-    <p:notesMasterId r:id="rId19"/>
+    <p:notesMasterId r:id="rId28"/>
   </p:notesMasterIdLst>
   <p:sldIdLst>
     <p:sldId id="256" r:id="rId2"/>
@@ -23,25 +23,34 @@
     <p:sldId id="272" r:id="rId14"/>
     <p:sldId id="273" r:id="rId15"/>
     <p:sldId id="268" r:id="rId16"/>
-    <p:sldId id="269" r:id="rId17"/>
-    <p:sldId id="270" r:id="rId18"/>
+    <p:sldId id="274" r:id="rId17"/>
+    <p:sldId id="275" r:id="rId18"/>
+    <p:sldId id="276" r:id="rId19"/>
+    <p:sldId id="277" r:id="rId20"/>
+    <p:sldId id="278" r:id="rId21"/>
+    <p:sldId id="269" r:id="rId22"/>
+    <p:sldId id="279" r:id="rId23"/>
+    <p:sldId id="280" r:id="rId24"/>
+    <p:sldId id="270" r:id="rId25"/>
+    <p:sldId id="281" r:id="rId26"/>
+    <p:sldId id="282" r:id="rId27"/>
   </p:sldIdLst>
   <p:sldSz cx="9144000" cy="5143500" type="screen16x9"/>
   <p:notesSz cx="6858000" cy="9144000"/>
   <p:embeddedFontLst>
     <p:embeddedFont>
-      <p:font typeface="Lato" panose="020F0502020204030203" pitchFamily="34" charset="77"/>
-      <p:regular r:id="rId20"/>
-      <p:bold r:id="rId21"/>
-      <p:italic r:id="rId22"/>
-      <p:boldItalic r:id="rId23"/>
+      <p:font typeface="Raleway" panose="020B0604020202020204" charset="0"/>
+      <p:regular r:id="rId29"/>
+      <p:bold r:id="rId30"/>
+      <p:italic r:id="rId31"/>
+      <p:boldItalic r:id="rId32"/>
     </p:embeddedFont>
     <p:embeddedFont>
-      <p:font typeface="Raleway" panose="020B0603030101060003" pitchFamily="34" charset="77"/>
-      <p:regular r:id="rId24"/>
-      <p:bold r:id="rId25"/>
-      <p:italic r:id="rId26"/>
-      <p:boldItalic r:id="rId27"/>
+      <p:font typeface="Lato" panose="020B0604020202020204" charset="0"/>
+      <p:regular r:id="rId33"/>
+      <p:bold r:id="rId34"/>
+      <p:italic r:id="rId35"/>
+      <p:boldItalic r:id="rId36"/>
     </p:embeddedFont>
   </p:embeddedFontLst>
   <p:defaultTextStyle>
@@ -499,6 +508,11 @@
         </p:txBody>
       </p:sp>
     </p:spTree>
+    <p:extLst>
+      <p:ext uri="{BB962C8B-B14F-4D97-AF65-F5344CB8AC3E}">
+        <p14:creationId xmlns:p14="http://schemas.microsoft.com/office/powerpoint/2010/main" val="787548567"/>
+      </p:ext>
+    </p:extLst>
   </p:cSld>
   <p:clrMap bg1="lt1" tx1="dk1" bg2="dk2" tx2="lt2" accent1="accent1" accent2="accent2" accent3="accent3" accent4="accent4" accent5="accent5" accent6="accent6" hlink="hlink" folHlink="folHlink"/>
   <p:notesStyle>
@@ -762,7 +776,7 @@
         </p:nvSpPr>
         <p:spPr>
           <a:xfrm>
-            <a:off x="381300" y="685800"/>
+            <a:off x="381000" y="685800"/>
             <a:ext cx="6096000" cy="3429000"/>
           </a:xfrm>
           <a:custGeom>
@@ -830,6 +844,11 @@
         </p:txBody>
       </p:sp>
     </p:spTree>
+    <p:extLst>
+      <p:ext uri="{BB962C8B-B14F-4D97-AF65-F5344CB8AC3E}">
+        <p14:creationId xmlns:p14="http://schemas.microsoft.com/office/powerpoint/2010/main" val="1780795446"/>
+      </p:ext>
+    </p:extLst>
   </p:cSld>
   <p:clrMapOvr>
     <a:masterClrMapping/>
@@ -934,6 +953,11 @@
         </p:txBody>
       </p:sp>
     </p:spTree>
+    <p:extLst>
+      <p:ext uri="{BB962C8B-B14F-4D97-AF65-F5344CB8AC3E}">
+        <p14:creationId xmlns:p14="http://schemas.microsoft.com/office/powerpoint/2010/main" val="3138329279"/>
+      </p:ext>
+    </p:extLst>
   </p:cSld>
   <p:clrMapOvr>
     <a:masterClrMapping/>
@@ -1038,6 +1062,11 @@
         </p:txBody>
       </p:sp>
     </p:spTree>
+    <p:extLst>
+      <p:ext uri="{BB962C8B-B14F-4D97-AF65-F5344CB8AC3E}">
+        <p14:creationId xmlns:p14="http://schemas.microsoft.com/office/powerpoint/2010/main" val="1192490368"/>
+      </p:ext>
+    </p:extLst>
   </p:cSld>
   <p:clrMapOvr>
     <a:masterClrMapping/>
@@ -1142,6 +1171,11 @@
         </p:txBody>
       </p:sp>
     </p:spTree>
+    <p:extLst>
+      <p:ext uri="{BB962C8B-B14F-4D97-AF65-F5344CB8AC3E}">
+        <p14:creationId xmlns:p14="http://schemas.microsoft.com/office/powerpoint/2010/main" val="904340212"/>
+      </p:ext>
+    </p:extLst>
   </p:cSld>
   <p:clrMapOvr>
     <a:masterClrMapping/>
@@ -1396,7 +1430,7 @@
         </p:nvSpPr>
         <p:spPr>
           <a:xfrm>
-            <a:off x="381300" y="685800"/>
+            <a:off x="381000" y="685800"/>
             <a:ext cx="6096000" cy="3429000"/>
           </a:xfrm>
           <a:custGeom>
@@ -1464,6 +1498,11 @@
         </p:txBody>
       </p:sp>
     </p:spTree>
+    <p:extLst>
+      <p:ext uri="{BB962C8B-B14F-4D97-AF65-F5344CB8AC3E}">
+        <p14:creationId xmlns:p14="http://schemas.microsoft.com/office/powerpoint/2010/main" val="2356346759"/>
+      </p:ext>
+    </p:extLst>
   </p:cSld>
   <p:clrMapOvr>
     <a:masterClrMapping/>
@@ -1500,7 +1539,7 @@
         </p:nvSpPr>
         <p:spPr>
           <a:xfrm>
-            <a:off x="381300" y="685800"/>
+            <a:off x="381000" y="685800"/>
             <a:ext cx="6096000" cy="3429000"/>
           </a:xfrm>
           <a:custGeom>
@@ -1568,6 +1607,11 @@
         </p:txBody>
       </p:sp>
     </p:spTree>
+    <p:extLst>
+      <p:ext uri="{BB962C8B-B14F-4D97-AF65-F5344CB8AC3E}">
+        <p14:creationId xmlns:p14="http://schemas.microsoft.com/office/powerpoint/2010/main" val="909673077"/>
+      </p:ext>
+    </p:extLst>
   </p:cSld>
   <p:clrMapOvr>
     <a:masterClrMapping/>
@@ -1576,6 +1620,224 @@
 </file>
 
 <file path=ppt/notesSlides/notesSlide17.xml><?xml version="1.0" encoding="utf-8"?>
+<p:notes xmlns:a="http://schemas.openxmlformats.org/drawingml/2006/main" xmlns:r="http://schemas.openxmlformats.org/officeDocument/2006/relationships" xmlns:p="http://schemas.openxmlformats.org/presentationml/2006/main" showMasterSp="0" showMasterPhAnim="0">
+  <p:cSld>
+    <p:spTree>
+      <p:nvGrpSpPr>
+        <p:cNvPr id="1" name="Shape 148"/>
+        <p:cNvGrpSpPr/>
+        <p:nvPr/>
+      </p:nvGrpSpPr>
+      <p:grpSpPr>
+        <a:xfrm>
+          <a:off x="0" y="0"/>
+          <a:ext cx="0" cy="0"/>
+          <a:chOff x="0" y="0"/>
+          <a:chExt cx="0" cy="0"/>
+        </a:xfrm>
+      </p:grpSpPr>
+      <p:sp>
+        <p:nvSpPr>
+          <p:cNvPr id="149" name="Google Shape;149;g6f1032757d_0_52:notes"/>
+          <p:cNvSpPr>
+            <a:spLocks noGrp="1" noRot="1" noChangeAspect="1"/>
+          </p:cNvSpPr>
+          <p:nvPr>
+            <p:ph type="sldImg" idx="2"/>
+          </p:nvPr>
+        </p:nvSpPr>
+        <p:spPr>
+          <a:xfrm>
+            <a:off x="381000" y="685800"/>
+            <a:ext cx="6096000" cy="3429000"/>
+          </a:xfrm>
+          <a:custGeom>
+            <a:avLst/>
+            <a:gdLst/>
+            <a:ahLst/>
+            <a:cxnLst/>
+            <a:rect l="l" t="t" r="r" b="b"/>
+            <a:pathLst>
+              <a:path w="120000" h="120000" extrusionOk="0">
+                <a:moveTo>
+                  <a:pt x="0" y="0"/>
+                </a:moveTo>
+                <a:lnTo>
+                  <a:pt x="120000" y="0"/>
+                </a:lnTo>
+                <a:lnTo>
+                  <a:pt x="120000" y="120000"/>
+                </a:lnTo>
+                <a:lnTo>
+                  <a:pt x="0" y="120000"/>
+                </a:lnTo>
+                <a:close/>
+              </a:path>
+            </a:pathLst>
+          </a:custGeom>
+        </p:spPr>
+      </p:sp>
+      <p:sp>
+        <p:nvSpPr>
+          <p:cNvPr id="150" name="Google Shape;150;g6f1032757d_0_52:notes"/>
+          <p:cNvSpPr txBox="1">
+            <a:spLocks noGrp="1"/>
+          </p:cNvSpPr>
+          <p:nvPr>
+            <p:ph type="body" idx="1"/>
+          </p:nvPr>
+        </p:nvSpPr>
+        <p:spPr>
+          <a:xfrm>
+            <a:off x="685800" y="4343400"/>
+            <a:ext cx="5486400" cy="4114800"/>
+          </a:xfrm>
+          <a:prstGeom prst="rect">
+            <a:avLst/>
+          </a:prstGeom>
+        </p:spPr>
+        <p:txBody>
+          <a:bodyPr spcFirstLastPara="1" wrap="square" lIns="91425" tIns="91425" rIns="91425" bIns="91425" anchor="t" anchorCtr="0">
+            <a:noAutofit/>
+          </a:bodyPr>
+          <a:lstStyle/>
+          <a:p>
+            <a:pPr marL="0" lvl="0" indent="0" algn="l" rtl="0">
+              <a:spcBef>
+                <a:spcPts val="0"/>
+              </a:spcBef>
+              <a:spcAft>
+                <a:spcPts val="0"/>
+              </a:spcAft>
+              <a:buNone/>
+            </a:pPr>
+            <a:endParaRPr/>
+          </a:p>
+        </p:txBody>
+      </p:sp>
+    </p:spTree>
+    <p:extLst>
+      <p:ext uri="{BB962C8B-B14F-4D97-AF65-F5344CB8AC3E}">
+        <p14:creationId xmlns:p14="http://schemas.microsoft.com/office/powerpoint/2010/main" val="984021666"/>
+      </p:ext>
+    </p:extLst>
+  </p:cSld>
+  <p:clrMapOvr>
+    <a:masterClrMapping/>
+  </p:clrMapOvr>
+</p:notes>
+</file>
+
+<file path=ppt/notesSlides/notesSlide18.xml><?xml version="1.0" encoding="utf-8"?>
+<p:notes xmlns:a="http://schemas.openxmlformats.org/drawingml/2006/main" xmlns:r="http://schemas.openxmlformats.org/officeDocument/2006/relationships" xmlns:p="http://schemas.openxmlformats.org/presentationml/2006/main" showMasterSp="0" showMasterPhAnim="0">
+  <p:cSld>
+    <p:spTree>
+      <p:nvGrpSpPr>
+        <p:cNvPr id="1" name="Shape 148"/>
+        <p:cNvGrpSpPr/>
+        <p:nvPr/>
+      </p:nvGrpSpPr>
+      <p:grpSpPr>
+        <a:xfrm>
+          <a:off x="0" y="0"/>
+          <a:ext cx="0" cy="0"/>
+          <a:chOff x="0" y="0"/>
+          <a:chExt cx="0" cy="0"/>
+        </a:xfrm>
+      </p:grpSpPr>
+      <p:sp>
+        <p:nvSpPr>
+          <p:cNvPr id="149" name="Google Shape;149;g6f1032757d_0_52:notes"/>
+          <p:cNvSpPr>
+            <a:spLocks noGrp="1" noRot="1" noChangeAspect="1"/>
+          </p:cNvSpPr>
+          <p:nvPr>
+            <p:ph type="sldImg" idx="2"/>
+          </p:nvPr>
+        </p:nvSpPr>
+        <p:spPr>
+          <a:xfrm>
+            <a:off x="381000" y="685800"/>
+            <a:ext cx="6096000" cy="3429000"/>
+          </a:xfrm>
+          <a:custGeom>
+            <a:avLst/>
+            <a:gdLst/>
+            <a:ahLst/>
+            <a:cxnLst/>
+            <a:rect l="l" t="t" r="r" b="b"/>
+            <a:pathLst>
+              <a:path w="120000" h="120000" extrusionOk="0">
+                <a:moveTo>
+                  <a:pt x="0" y="0"/>
+                </a:moveTo>
+                <a:lnTo>
+                  <a:pt x="120000" y="0"/>
+                </a:lnTo>
+                <a:lnTo>
+                  <a:pt x="120000" y="120000"/>
+                </a:lnTo>
+                <a:lnTo>
+                  <a:pt x="0" y="120000"/>
+                </a:lnTo>
+                <a:close/>
+              </a:path>
+            </a:pathLst>
+          </a:custGeom>
+        </p:spPr>
+      </p:sp>
+      <p:sp>
+        <p:nvSpPr>
+          <p:cNvPr id="150" name="Google Shape;150;g6f1032757d_0_52:notes"/>
+          <p:cNvSpPr txBox="1">
+            <a:spLocks noGrp="1"/>
+          </p:cNvSpPr>
+          <p:nvPr>
+            <p:ph type="body" idx="1"/>
+          </p:nvPr>
+        </p:nvSpPr>
+        <p:spPr>
+          <a:xfrm>
+            <a:off x="685800" y="4343400"/>
+            <a:ext cx="5486400" cy="4114800"/>
+          </a:xfrm>
+          <a:prstGeom prst="rect">
+            <a:avLst/>
+          </a:prstGeom>
+        </p:spPr>
+        <p:txBody>
+          <a:bodyPr spcFirstLastPara="1" wrap="square" lIns="91425" tIns="91425" rIns="91425" bIns="91425" anchor="t" anchorCtr="0">
+            <a:noAutofit/>
+          </a:bodyPr>
+          <a:lstStyle/>
+          <a:p>
+            <a:pPr marL="0" lvl="0" indent="0" algn="l" rtl="0">
+              <a:spcBef>
+                <a:spcPts val="0"/>
+              </a:spcBef>
+              <a:spcAft>
+                <a:spcPts val="0"/>
+              </a:spcAft>
+              <a:buNone/>
+            </a:pPr>
+            <a:endParaRPr/>
+          </a:p>
+        </p:txBody>
+      </p:sp>
+    </p:spTree>
+    <p:extLst>
+      <p:ext uri="{BB962C8B-B14F-4D97-AF65-F5344CB8AC3E}">
+        <p14:creationId xmlns:p14="http://schemas.microsoft.com/office/powerpoint/2010/main" val="913639501"/>
+      </p:ext>
+    </p:extLst>
+  </p:cSld>
+  <p:clrMapOvr>
+    <a:masterClrMapping/>
+  </p:clrMapOvr>
+</p:notes>
+</file>
+
+<file path=ppt/notesSlides/notesSlide19.xml><?xml version="1.0" encoding="utf-8"?>
 <p:notes xmlns:a="http://schemas.openxmlformats.org/drawingml/2006/main" xmlns:r="http://schemas.openxmlformats.org/officeDocument/2006/relationships" xmlns:p="http://schemas.openxmlformats.org/presentationml/2006/main" showMasterSp="0" showMasterPhAnim="0">
   <p:cSld>
     <p:spTree>
@@ -1604,7 +1866,7 @@
         </p:nvSpPr>
         <p:spPr>
           <a:xfrm>
-            <a:off x="381300" y="685800"/>
+            <a:off x="381000" y="685800"/>
             <a:ext cx="6096000" cy="3429000"/>
           </a:xfrm>
           <a:custGeom>
@@ -1672,6 +1934,11 @@
         </p:txBody>
       </p:sp>
     </p:spTree>
+    <p:extLst>
+      <p:ext uri="{BB962C8B-B14F-4D97-AF65-F5344CB8AC3E}">
+        <p14:creationId xmlns:p14="http://schemas.microsoft.com/office/powerpoint/2010/main" val="2377485656"/>
+      </p:ext>
+    </p:extLst>
   </p:cSld>
   <p:clrMapOvr>
     <a:masterClrMapping/>
@@ -1708,7 +1975,7 @@
         </p:nvSpPr>
         <p:spPr>
           <a:xfrm>
-            <a:off x="381300" y="685800"/>
+            <a:off x="381000" y="685800"/>
             <a:ext cx="6096000" cy="3429000"/>
           </a:xfrm>
           <a:custGeom>
@@ -1776,6 +2043,229 @@
         </p:txBody>
       </p:sp>
     </p:spTree>
+    <p:extLst>
+      <p:ext uri="{BB962C8B-B14F-4D97-AF65-F5344CB8AC3E}">
+        <p14:creationId xmlns:p14="http://schemas.microsoft.com/office/powerpoint/2010/main" val="2294606249"/>
+      </p:ext>
+    </p:extLst>
+  </p:cSld>
+  <p:clrMapOvr>
+    <a:masterClrMapping/>
+  </p:clrMapOvr>
+</p:notes>
+</file>
+
+<file path=ppt/notesSlides/notesSlide20.xml><?xml version="1.0" encoding="utf-8"?>
+<p:notes xmlns:a="http://schemas.openxmlformats.org/drawingml/2006/main" xmlns:r="http://schemas.openxmlformats.org/officeDocument/2006/relationships" xmlns:p="http://schemas.openxmlformats.org/presentationml/2006/main" showMasterSp="0" showMasterPhAnim="0">
+  <p:cSld>
+    <p:spTree>
+      <p:nvGrpSpPr>
+        <p:cNvPr id="1" name="Shape 154"/>
+        <p:cNvGrpSpPr/>
+        <p:nvPr/>
+      </p:nvGrpSpPr>
+      <p:grpSpPr>
+        <a:xfrm>
+          <a:off x="0" y="0"/>
+          <a:ext cx="0" cy="0"/>
+          <a:chOff x="0" y="0"/>
+          <a:chExt cx="0" cy="0"/>
+        </a:xfrm>
+      </p:grpSpPr>
+      <p:sp>
+        <p:nvSpPr>
+          <p:cNvPr id="155" name="Google Shape;155;g6f1032757d_0_57:notes"/>
+          <p:cNvSpPr>
+            <a:spLocks noGrp="1" noRot="1" noChangeAspect="1"/>
+          </p:cNvSpPr>
+          <p:nvPr>
+            <p:ph type="sldImg" idx="2"/>
+          </p:nvPr>
+        </p:nvSpPr>
+        <p:spPr>
+          <a:xfrm>
+            <a:off x="381000" y="685800"/>
+            <a:ext cx="6096000" cy="3429000"/>
+          </a:xfrm>
+          <a:custGeom>
+            <a:avLst/>
+            <a:gdLst/>
+            <a:ahLst/>
+            <a:cxnLst/>
+            <a:rect l="l" t="t" r="r" b="b"/>
+            <a:pathLst>
+              <a:path w="120000" h="120000" extrusionOk="0">
+                <a:moveTo>
+                  <a:pt x="0" y="0"/>
+                </a:moveTo>
+                <a:lnTo>
+                  <a:pt x="120000" y="0"/>
+                </a:lnTo>
+                <a:lnTo>
+                  <a:pt x="120000" y="120000"/>
+                </a:lnTo>
+                <a:lnTo>
+                  <a:pt x="0" y="120000"/>
+                </a:lnTo>
+                <a:close/>
+              </a:path>
+            </a:pathLst>
+          </a:custGeom>
+        </p:spPr>
+      </p:sp>
+      <p:sp>
+        <p:nvSpPr>
+          <p:cNvPr id="156" name="Google Shape;156;g6f1032757d_0_57:notes"/>
+          <p:cNvSpPr txBox="1">
+            <a:spLocks noGrp="1"/>
+          </p:cNvSpPr>
+          <p:nvPr>
+            <p:ph type="body" idx="1"/>
+          </p:nvPr>
+        </p:nvSpPr>
+        <p:spPr>
+          <a:xfrm>
+            <a:off x="685800" y="4343400"/>
+            <a:ext cx="5486400" cy="4114800"/>
+          </a:xfrm>
+          <a:prstGeom prst="rect">
+            <a:avLst/>
+          </a:prstGeom>
+        </p:spPr>
+        <p:txBody>
+          <a:bodyPr spcFirstLastPara="1" wrap="square" lIns="91425" tIns="91425" rIns="91425" bIns="91425" anchor="t" anchorCtr="0">
+            <a:noAutofit/>
+          </a:bodyPr>
+          <a:lstStyle/>
+          <a:p>
+            <a:pPr marL="0" lvl="0" indent="0" algn="l" rtl="0">
+              <a:spcBef>
+                <a:spcPts val="0"/>
+              </a:spcBef>
+              <a:spcAft>
+                <a:spcPts val="0"/>
+              </a:spcAft>
+              <a:buNone/>
+            </a:pPr>
+            <a:endParaRPr/>
+          </a:p>
+        </p:txBody>
+      </p:sp>
+    </p:spTree>
+    <p:extLst>
+      <p:ext uri="{BB962C8B-B14F-4D97-AF65-F5344CB8AC3E}">
+        <p14:creationId xmlns:p14="http://schemas.microsoft.com/office/powerpoint/2010/main" val="3847920080"/>
+      </p:ext>
+    </p:extLst>
+  </p:cSld>
+  <p:clrMapOvr>
+    <a:masterClrMapping/>
+  </p:clrMapOvr>
+</p:notes>
+</file>
+
+<file path=ppt/notesSlides/notesSlide21.xml><?xml version="1.0" encoding="utf-8"?>
+<p:notes xmlns:a="http://schemas.openxmlformats.org/drawingml/2006/main" xmlns:r="http://schemas.openxmlformats.org/officeDocument/2006/relationships" xmlns:p="http://schemas.openxmlformats.org/presentationml/2006/main" showMasterSp="0" showMasterPhAnim="0">
+  <p:cSld>
+    <p:spTree>
+      <p:nvGrpSpPr>
+        <p:cNvPr id="1" name="Shape 68"/>
+        <p:cNvGrpSpPr/>
+        <p:nvPr/>
+      </p:nvGrpSpPr>
+      <p:grpSpPr>
+        <a:xfrm>
+          <a:off x="0" y="0"/>
+          <a:ext cx="0" cy="0"/>
+          <a:chOff x="0" y="0"/>
+          <a:chExt cx="0" cy="0"/>
+        </a:xfrm>
+      </p:grpSpPr>
+      <p:sp>
+        <p:nvSpPr>
+          <p:cNvPr id="69" name="Google Shape;69;gcb9a0b074_1_0:notes"/>
+          <p:cNvSpPr>
+            <a:spLocks noGrp="1" noRot="1" noChangeAspect="1"/>
+          </p:cNvSpPr>
+          <p:nvPr>
+            <p:ph type="sldImg" idx="2"/>
+          </p:nvPr>
+        </p:nvSpPr>
+        <p:spPr>
+          <a:xfrm>
+            <a:off x="381000" y="685800"/>
+            <a:ext cx="6096000" cy="3429000"/>
+          </a:xfrm>
+          <a:custGeom>
+            <a:avLst/>
+            <a:gdLst/>
+            <a:ahLst/>
+            <a:cxnLst/>
+            <a:rect l="l" t="t" r="r" b="b"/>
+            <a:pathLst>
+              <a:path w="120000" h="120000" extrusionOk="0">
+                <a:moveTo>
+                  <a:pt x="0" y="0"/>
+                </a:moveTo>
+                <a:lnTo>
+                  <a:pt x="120000" y="0"/>
+                </a:lnTo>
+                <a:lnTo>
+                  <a:pt x="120000" y="120000"/>
+                </a:lnTo>
+                <a:lnTo>
+                  <a:pt x="0" y="120000"/>
+                </a:lnTo>
+                <a:close/>
+              </a:path>
+            </a:pathLst>
+          </a:custGeom>
+        </p:spPr>
+      </p:sp>
+      <p:sp>
+        <p:nvSpPr>
+          <p:cNvPr id="70" name="Google Shape;70;gcb9a0b074_1_0:notes"/>
+          <p:cNvSpPr txBox="1">
+            <a:spLocks noGrp="1"/>
+          </p:cNvSpPr>
+          <p:nvPr>
+            <p:ph type="body" idx="1"/>
+          </p:nvPr>
+        </p:nvSpPr>
+        <p:spPr>
+          <a:xfrm>
+            <a:off x="685800" y="4343400"/>
+            <a:ext cx="5486400" cy="4114800"/>
+          </a:xfrm>
+          <a:prstGeom prst="rect">
+            <a:avLst/>
+          </a:prstGeom>
+        </p:spPr>
+        <p:txBody>
+          <a:bodyPr spcFirstLastPara="1" wrap="square" lIns="91425" tIns="91425" rIns="91425" bIns="91425" anchor="t" anchorCtr="0">
+            <a:noAutofit/>
+          </a:bodyPr>
+          <a:lstStyle/>
+          <a:p>
+            <a:pPr marL="0" lvl="0" indent="0" algn="l" rtl="0">
+              <a:spcBef>
+                <a:spcPts val="0"/>
+              </a:spcBef>
+              <a:spcAft>
+                <a:spcPts val="0"/>
+              </a:spcAft>
+              <a:buNone/>
+            </a:pPr>
+            <a:endParaRPr/>
+          </a:p>
+        </p:txBody>
+      </p:sp>
+    </p:spTree>
+    <p:extLst>
+      <p:ext uri="{BB962C8B-B14F-4D97-AF65-F5344CB8AC3E}">
+        <p14:creationId xmlns:p14="http://schemas.microsoft.com/office/powerpoint/2010/main" val="4216554243"/>
+      </p:ext>
+    </p:extLst>
   </p:cSld>
   <p:clrMapOvr>
     <a:masterClrMapping/>
@@ -1812,7 +2302,7 @@
         </p:nvSpPr>
         <p:spPr>
           <a:xfrm>
-            <a:off x="381300" y="685800"/>
+            <a:off x="381000" y="685800"/>
             <a:ext cx="6096000" cy="3429000"/>
           </a:xfrm>
           <a:custGeom>
@@ -1880,6 +2370,11 @@
         </p:txBody>
       </p:sp>
     </p:spTree>
+    <p:extLst>
+      <p:ext uri="{BB962C8B-B14F-4D97-AF65-F5344CB8AC3E}">
+        <p14:creationId xmlns:p14="http://schemas.microsoft.com/office/powerpoint/2010/main" val="3462242798"/>
+      </p:ext>
+    </p:extLst>
   </p:cSld>
   <p:clrMapOvr>
     <a:masterClrMapping/>
@@ -1916,7 +2411,7 @@
         </p:nvSpPr>
         <p:spPr>
           <a:xfrm>
-            <a:off x="381300" y="685800"/>
+            <a:off x="381000" y="685800"/>
             <a:ext cx="6096000" cy="3429000"/>
           </a:xfrm>
           <a:custGeom>
@@ -1984,6 +2479,11 @@
         </p:txBody>
       </p:sp>
     </p:spTree>
+    <p:extLst>
+      <p:ext uri="{BB962C8B-B14F-4D97-AF65-F5344CB8AC3E}">
+        <p14:creationId xmlns:p14="http://schemas.microsoft.com/office/powerpoint/2010/main" val="628989664"/>
+      </p:ext>
+    </p:extLst>
   </p:cSld>
   <p:clrMapOvr>
     <a:masterClrMapping/>
@@ -2020,7 +2520,7 @@
         </p:nvSpPr>
         <p:spPr>
           <a:xfrm>
-            <a:off x="381300" y="685800"/>
+            <a:off x="381000" y="685800"/>
             <a:ext cx="6096000" cy="3429000"/>
           </a:xfrm>
           <a:custGeom>
@@ -2088,6 +2588,11 @@
         </p:txBody>
       </p:sp>
     </p:spTree>
+    <p:extLst>
+      <p:ext uri="{BB962C8B-B14F-4D97-AF65-F5344CB8AC3E}">
+        <p14:creationId xmlns:p14="http://schemas.microsoft.com/office/powerpoint/2010/main" val="3481877"/>
+      </p:ext>
+    </p:extLst>
   </p:cSld>
   <p:clrMapOvr>
     <a:masterClrMapping/>
@@ -2124,7 +2629,7 @@
         </p:nvSpPr>
         <p:spPr>
           <a:xfrm>
-            <a:off x="381300" y="685800"/>
+            <a:off x="381000" y="685800"/>
             <a:ext cx="6096000" cy="3429000"/>
           </a:xfrm>
           <a:custGeom>
@@ -2192,6 +2697,11 @@
         </p:txBody>
       </p:sp>
     </p:spTree>
+    <p:extLst>
+      <p:ext uri="{BB962C8B-B14F-4D97-AF65-F5344CB8AC3E}">
+        <p14:creationId xmlns:p14="http://schemas.microsoft.com/office/powerpoint/2010/main" val="795275658"/>
+      </p:ext>
+    </p:extLst>
   </p:cSld>
   <p:clrMapOvr>
     <a:masterClrMapping/>
@@ -2228,8 +2738,8 @@
         </p:nvSpPr>
         <p:spPr>
           <a:xfrm>
-            <a:off x="381188" y="685800"/>
-            <a:ext cx="6096300" cy="3429000"/>
+            <a:off x="381000" y="685800"/>
+            <a:ext cx="6096000" cy="3429000"/>
           </a:xfrm>
           <a:custGeom>
             <a:avLst/>
@@ -2296,6 +2806,11 @@
         </p:txBody>
       </p:sp>
     </p:spTree>
+    <p:extLst>
+      <p:ext uri="{BB962C8B-B14F-4D97-AF65-F5344CB8AC3E}">
+        <p14:creationId xmlns:p14="http://schemas.microsoft.com/office/powerpoint/2010/main" val="760089619"/>
+      </p:ext>
+    </p:extLst>
   </p:cSld>
   <p:clrMapOvr>
     <a:masterClrMapping/>
@@ -2400,6 +2915,11 @@
         </p:txBody>
       </p:sp>
     </p:spTree>
+    <p:extLst>
+      <p:ext uri="{BB962C8B-B14F-4D97-AF65-F5344CB8AC3E}">
+        <p14:creationId xmlns:p14="http://schemas.microsoft.com/office/powerpoint/2010/main" val="250652999"/>
+      </p:ext>
+    </p:extLst>
   </p:cSld>
   <p:clrMapOvr>
     <a:masterClrMapping/>
@@ -2504,6 +3024,11 @@
         </p:txBody>
       </p:sp>
     </p:spTree>
+    <p:extLst>
+      <p:ext uri="{BB962C8B-B14F-4D97-AF65-F5344CB8AC3E}">
+        <p14:creationId xmlns:p14="http://schemas.microsoft.com/office/powerpoint/2010/main" val="4062530684"/>
+      </p:ext>
+    </p:extLst>
   </p:cSld>
   <p:clrMapOvr>
     <a:masterClrMapping/>
@@ -8703,7 +9228,7 @@
           <p:cNvPr id="3" name="Picture 2">
             <a:extLst>
               <a:ext uri="{FF2B5EF4-FFF2-40B4-BE49-F238E27FC236}">
-                <a16:creationId xmlns:a16="http://schemas.microsoft.com/office/drawing/2014/main" id="{0AC8686F-EEAE-1F4C-B2E2-28E01D7E2C41}"/>
+                <a16:creationId xmlns:a16="http://schemas.microsoft.com/office/drawing/2014/main" xmlns="" id="{0AC8686F-EEAE-1F4C-B2E2-28E01D7E2C41}"/>
               </a:ext>
             </a:extLst>
           </p:cNvPr>
@@ -8810,7 +9335,7 @@
           <p:cNvPr id="3" name="Picture 2">
             <a:extLst>
               <a:ext uri="{FF2B5EF4-FFF2-40B4-BE49-F238E27FC236}">
-                <a16:creationId xmlns:a16="http://schemas.microsoft.com/office/drawing/2014/main" id="{E9BD5604-4E24-4B44-A17B-BE3D9A2367D0}"/>
+                <a16:creationId xmlns:a16="http://schemas.microsoft.com/office/drawing/2014/main" xmlns="" id="{E9BD5604-4E24-4B44-A17B-BE3D9A2367D0}"/>
               </a:ext>
             </a:extLst>
           </p:cNvPr>
@@ -8917,7 +9442,7 @@
           <p:cNvPr id="3" name="Picture 2">
             <a:extLst>
               <a:ext uri="{FF2B5EF4-FFF2-40B4-BE49-F238E27FC236}">
-                <a16:creationId xmlns:a16="http://schemas.microsoft.com/office/drawing/2014/main" id="{4C53A70A-2BDB-374B-B85B-16C1002F120B}"/>
+                <a16:creationId xmlns:a16="http://schemas.microsoft.com/office/drawing/2014/main" xmlns="" id="{4C53A70A-2BDB-374B-B85B-16C1002F120B}"/>
               </a:ext>
             </a:extLst>
           </p:cNvPr>
@@ -9024,7 +9549,7 @@
           <p:cNvPr id="4" name="Picture 3">
             <a:extLst>
               <a:ext uri="{FF2B5EF4-FFF2-40B4-BE49-F238E27FC236}">
-                <a16:creationId xmlns:a16="http://schemas.microsoft.com/office/drawing/2014/main" id="{67F19F80-EF37-7340-8646-21BF5DD02B4B}"/>
+                <a16:creationId xmlns:a16="http://schemas.microsoft.com/office/drawing/2014/main" xmlns="" id="{67F19F80-EF37-7340-8646-21BF5DD02B4B}"/>
               </a:ext>
             </a:extLst>
           </p:cNvPr>
@@ -9136,7 +9661,7 @@
           <p:cNvPr id="3" name="Picture 2">
             <a:extLst>
               <a:ext uri="{FF2B5EF4-FFF2-40B4-BE49-F238E27FC236}">
-                <a16:creationId xmlns:a16="http://schemas.microsoft.com/office/drawing/2014/main" id="{23920987-CE8A-9B41-94A8-6DA317CB4EAF}"/>
+                <a16:creationId xmlns:a16="http://schemas.microsoft.com/office/drawing/2014/main" xmlns="" id="{23920987-CE8A-9B41-94A8-6DA317CB4EAF}"/>
               </a:ext>
             </a:extLst>
           </p:cNvPr>
@@ -9226,14 +9751,14 @@
               <a:buNone/>
             </a:pPr>
             <a:r>
-              <a:rPr lang="en" sz="2600">
+              <a:rPr lang="en" sz="2600" dirty="0">
                 <a:solidFill>
                   <a:schemeClr val="dk1"/>
                 </a:solidFill>
               </a:rPr>
               <a:t>3. Machine Learning</a:t>
             </a:r>
-            <a:endParaRPr sz="2600">
+            <a:endParaRPr sz="2600" dirty="0">
               <a:solidFill>
                 <a:schemeClr val="dk1"/>
               </a:solidFill>
@@ -9241,24 +9766,48 @@
           </a:p>
         </p:txBody>
       </p:sp>
+      <p:pic>
+        <p:nvPicPr>
+          <p:cNvPr id="2" name="圖片 1"/>
+          <p:cNvPicPr>
+            <a:picLocks noChangeAspect="1"/>
+          </p:cNvPicPr>
+          <p:nvPr/>
+        </p:nvPicPr>
+        <p:blipFill>
+          <a:blip r:embed="rId3"/>
+          <a:stretch>
+            <a:fillRect/>
+          </a:stretch>
+        </p:blipFill>
+        <p:spPr>
+          <a:xfrm>
+            <a:off x="619125" y="1471612"/>
+            <a:ext cx="7905750" cy="2200275"/>
+          </a:xfrm>
+          <a:prstGeom prst="rect">
+            <a:avLst/>
+          </a:prstGeom>
+        </p:spPr>
+      </p:pic>
       <p:sp>
         <p:nvSpPr>
-          <p:cNvPr id="147" name="Google Shape;147;p25"/>
-          <p:cNvSpPr txBox="1">
-            <a:spLocks noGrp="1"/>
-          </p:cNvSpPr>
-          <p:nvPr>
-            <p:ph type="body" idx="1"/>
-          </p:nvPr>
+          <p:cNvPr id="4" name="Google Shape;110;p19"/>
+          <p:cNvSpPr txBox="1"/>
+          <p:nvPr/>
         </p:nvSpPr>
         <p:spPr>
           <a:xfrm>
-            <a:off x="2410112" y="1595776"/>
-            <a:ext cx="6321600" cy="3002400"/>
+            <a:off x="1178725" y="983625"/>
+            <a:ext cx="7434000" cy="388500"/>
           </a:xfrm>
           <a:prstGeom prst="rect">
             <a:avLst/>
           </a:prstGeom>
+          <a:noFill/>
+          <a:ln>
+            <a:noFill/>
+          </a:ln>
         </p:spPr>
         <p:txBody>
           <a:bodyPr spcFirstLastPara="1" wrap="square" lIns="91425" tIns="91425" rIns="91425" bIns="91425" anchor="t" anchorCtr="0">
@@ -9266,16 +9815,30 @@
           </a:bodyPr>
           <a:lstStyle/>
           <a:p>
-            <a:pPr marL="0" lvl="0" indent="0" algn="l" rtl="0">
-              <a:spcBef>
-                <a:spcPts val="0"/>
-              </a:spcBef>
-              <a:spcAft>
-                <a:spcPts val="1600"/>
+            <a:pPr marL="457200" lvl="0" indent="0" algn="l" rtl="0">
+              <a:spcBef>
+                <a:spcPts val="700"/>
+              </a:spcBef>
+              <a:spcAft>
+                <a:spcPts val="0"/>
               </a:spcAft>
               <a:buNone/>
             </a:pPr>
-            <a:endParaRPr/>
+            <a:r>
+              <a:rPr lang="en-US" altLang="zh-TW" sz="2000" b="1" dirty="0" smtClean="0">
+                <a:latin typeface="Lato"/>
+                <a:ea typeface="Lato"/>
+                <a:cs typeface="Lato"/>
+                <a:sym typeface="Lato"/>
+              </a:rPr>
+              <a:t>A. Creating Pipeline</a:t>
+            </a:r>
+            <a:endParaRPr sz="2000" b="1" dirty="0">
+              <a:latin typeface="Lato"/>
+              <a:ea typeface="Lato"/>
+              <a:cs typeface="Lato"/>
+              <a:sym typeface="Lato"/>
+            </a:endParaRPr>
           </a:p>
         </p:txBody>
       </p:sp>
@@ -9292,7 +9855,7 @@
   <p:cSld>
     <p:spTree>
       <p:nvGrpSpPr>
-        <p:cNvPr id="1" name="Shape 151"/>
+        <p:cNvPr id="1" name=""/>
         <p:cNvGrpSpPr/>
         <p:nvPr/>
       </p:nvGrpSpPr>
@@ -9306,7 +9869,7 @@
       </p:grpSpPr>
       <p:sp>
         <p:nvSpPr>
-          <p:cNvPr id="152" name="Google Shape;152;p26"/>
+          <p:cNvPr id="4" name="Google Shape;146;p25"/>
           <p:cNvSpPr txBox="1">
             <a:spLocks noGrp="1"/>
           </p:cNvSpPr>
@@ -9339,14 +9902,14 @@
               <a:buNone/>
             </a:pPr>
             <a:r>
-              <a:rPr lang="en" sz="2600">
+              <a:rPr lang="en" sz="2600" dirty="0">
                 <a:solidFill>
                   <a:schemeClr val="dk1"/>
                 </a:solidFill>
               </a:rPr>
-              <a:t>4. Validation</a:t>
+              <a:t>3. Machine Learning</a:t>
             </a:r>
-            <a:endParaRPr sz="2600">
+            <a:endParaRPr sz="2600" dirty="0">
               <a:solidFill>
                 <a:schemeClr val="dk1"/>
               </a:solidFill>
@@ -9356,22 +9919,22 @@
       </p:sp>
       <p:sp>
         <p:nvSpPr>
-          <p:cNvPr id="153" name="Google Shape;153;p26"/>
-          <p:cNvSpPr txBox="1">
-            <a:spLocks noGrp="1"/>
-          </p:cNvSpPr>
-          <p:nvPr>
-            <p:ph type="body" idx="1"/>
-          </p:nvPr>
+          <p:cNvPr id="5" name="Google Shape;110;p19"/>
+          <p:cNvSpPr txBox="1"/>
+          <p:nvPr/>
         </p:nvSpPr>
         <p:spPr>
           <a:xfrm>
-            <a:off x="2410112" y="1595776"/>
-            <a:ext cx="6321600" cy="3002400"/>
+            <a:off x="1178725" y="983625"/>
+            <a:ext cx="7434000" cy="388500"/>
           </a:xfrm>
           <a:prstGeom prst="rect">
             <a:avLst/>
           </a:prstGeom>
+          <a:noFill/>
+          <a:ln>
+            <a:noFill/>
+          </a:ln>
         </p:spPr>
         <p:txBody>
           <a:bodyPr spcFirstLastPara="1" wrap="square" lIns="91425" tIns="91425" rIns="91425" bIns="91425" anchor="t" anchorCtr="0">
@@ -9379,20 +9942,63 @@
           </a:bodyPr>
           <a:lstStyle/>
           <a:p>
-            <a:pPr marL="0" lvl="0" indent="0" algn="l" rtl="0">
-              <a:spcBef>
-                <a:spcPts val="0"/>
-              </a:spcBef>
-              <a:spcAft>
-                <a:spcPts val="1600"/>
+            <a:pPr marL="457200" lvl="0" indent="0" algn="l" rtl="0">
+              <a:spcBef>
+                <a:spcPts val="700"/>
+              </a:spcBef>
+              <a:spcAft>
+                <a:spcPts val="0"/>
               </a:spcAft>
               <a:buNone/>
             </a:pPr>
-            <a:endParaRPr/>
+            <a:r>
+              <a:rPr lang="en-US" altLang="zh-TW" sz="2000" b="1" dirty="0" smtClean="0">
+                <a:latin typeface="Lato"/>
+                <a:ea typeface="Lato"/>
+                <a:cs typeface="Lato"/>
+                <a:sym typeface="Lato"/>
+              </a:rPr>
+              <a:t>A. Creating Pipeline</a:t>
+            </a:r>
+            <a:endParaRPr sz="2000" b="1" dirty="0">
+              <a:latin typeface="Lato"/>
+              <a:ea typeface="Lato"/>
+              <a:cs typeface="Lato"/>
+              <a:sym typeface="Lato"/>
+            </a:endParaRPr>
           </a:p>
         </p:txBody>
       </p:sp>
+      <p:pic>
+        <p:nvPicPr>
+          <p:cNvPr id="6" name="圖片 5"/>
+          <p:cNvPicPr>
+            <a:picLocks noChangeAspect="1"/>
+          </p:cNvPicPr>
+          <p:nvPr/>
+        </p:nvPicPr>
+        <p:blipFill>
+          <a:blip r:embed="rId2"/>
+          <a:stretch>
+            <a:fillRect/>
+          </a:stretch>
+        </p:blipFill>
+        <p:spPr>
+          <a:xfrm>
+            <a:off x="1100471" y="1502115"/>
+            <a:ext cx="6266099" cy="3213452"/>
+          </a:xfrm>
+          <a:prstGeom prst="rect">
+            <a:avLst/>
+          </a:prstGeom>
+        </p:spPr>
+      </p:pic>
     </p:spTree>
+    <p:extLst>
+      <p:ext uri="{BB962C8B-B14F-4D97-AF65-F5344CB8AC3E}">
+        <p14:creationId xmlns:p14="http://schemas.microsoft.com/office/powerpoint/2010/main" val="642650444"/>
+      </p:ext>
+    </p:extLst>
   </p:cSld>
   <p:clrMapOvr>
     <a:masterClrMapping/>
@@ -9405,7 +10011,7 @@
   <p:cSld>
     <p:spTree>
       <p:nvGrpSpPr>
-        <p:cNvPr id="1" name="Shape 157"/>
+        <p:cNvPr id="1" name=""/>
         <p:cNvGrpSpPr/>
         <p:nvPr/>
       </p:nvGrpSpPr>
@@ -9419,7 +10025,7 @@
       </p:grpSpPr>
       <p:sp>
         <p:nvSpPr>
-          <p:cNvPr id="158" name="Google Shape;158;p27"/>
+          <p:cNvPr id="4" name="Google Shape;146;p25"/>
           <p:cNvSpPr txBox="1">
             <a:spLocks noGrp="1"/>
           </p:cNvSpPr>
@@ -9429,8 +10035,8 @@
         </p:nvSpPr>
         <p:spPr>
           <a:xfrm>
-            <a:off x="455425" y="575950"/>
-            <a:ext cx="8266500" cy="635400"/>
+            <a:off x="468800" y="575950"/>
+            <a:ext cx="8253000" cy="635400"/>
           </a:xfrm>
           <a:prstGeom prst="rect">
             <a:avLst/>
@@ -9452,14 +10058,14 @@
               <a:buNone/>
             </a:pPr>
             <a:r>
-              <a:rPr lang="en" sz="2600">
+              <a:rPr lang="en" sz="2600" dirty="0">
                 <a:solidFill>
                   <a:schemeClr val="dk1"/>
                 </a:solidFill>
               </a:rPr>
-              <a:t>5.	Testing</a:t>
+              <a:t>3. Machine Learning</a:t>
             </a:r>
-            <a:endParaRPr sz="2600">
+            <a:endParaRPr sz="2600" dirty="0">
               <a:solidFill>
                 <a:schemeClr val="dk1"/>
               </a:solidFill>
@@ -9469,18 +10075,133 @@
       </p:sp>
       <p:sp>
         <p:nvSpPr>
-          <p:cNvPr id="159" name="Google Shape;159;p27"/>
+          <p:cNvPr id="5" name="Google Shape;110;p19"/>
+          <p:cNvSpPr txBox="1"/>
+          <p:nvPr/>
+        </p:nvSpPr>
+        <p:spPr>
+          <a:xfrm>
+            <a:off x="1178725" y="983625"/>
+            <a:ext cx="7434000" cy="388500"/>
+          </a:xfrm>
+          <a:prstGeom prst="rect">
+            <a:avLst/>
+          </a:prstGeom>
+          <a:noFill/>
+          <a:ln>
+            <a:noFill/>
+          </a:ln>
+        </p:spPr>
+        <p:txBody>
+          <a:bodyPr spcFirstLastPara="1" wrap="square" lIns="91425" tIns="91425" rIns="91425" bIns="91425" anchor="t" anchorCtr="0">
+            <a:noAutofit/>
+          </a:bodyPr>
+          <a:lstStyle/>
+          <a:p>
+            <a:pPr marL="457200" lvl="0" indent="0" algn="l" rtl="0">
+              <a:spcBef>
+                <a:spcPts val="700"/>
+              </a:spcBef>
+              <a:spcAft>
+                <a:spcPts val="0"/>
+              </a:spcAft>
+              <a:buNone/>
+            </a:pPr>
+            <a:r>
+              <a:rPr lang="en-US" altLang="zh-TW" sz="2000" b="1" dirty="0">
+                <a:latin typeface="Lato"/>
+                <a:ea typeface="Lato"/>
+                <a:cs typeface="Lato"/>
+                <a:sym typeface="Lato"/>
+              </a:rPr>
+              <a:t>B</a:t>
+            </a:r>
+            <a:r>
+              <a:rPr lang="en-US" altLang="zh-TW" sz="2000" b="1" dirty="0" smtClean="0">
+                <a:latin typeface="Lato"/>
+                <a:ea typeface="Lato"/>
+                <a:cs typeface="Lato"/>
+                <a:sym typeface="Lato"/>
+              </a:rPr>
+              <a:t>. Building Model and ROC curve</a:t>
+            </a:r>
+            <a:endParaRPr sz="2000" b="1" dirty="0">
+              <a:latin typeface="Lato"/>
+              <a:ea typeface="Lato"/>
+              <a:cs typeface="Lato"/>
+              <a:sym typeface="Lato"/>
+            </a:endParaRPr>
+          </a:p>
+        </p:txBody>
+      </p:sp>
+      <p:pic>
+        <p:nvPicPr>
+          <p:cNvPr id="2" name="圖片 1"/>
+          <p:cNvPicPr>
+            <a:picLocks noChangeAspect="1"/>
+          </p:cNvPicPr>
+          <p:nvPr/>
+        </p:nvPicPr>
+        <p:blipFill>
+          <a:blip r:embed="rId2"/>
+          <a:stretch>
+            <a:fillRect/>
+          </a:stretch>
+        </p:blipFill>
+        <p:spPr>
+          <a:xfrm>
+            <a:off x="931577" y="1475826"/>
+            <a:ext cx="7277475" cy="3109018"/>
+          </a:xfrm>
+          <a:prstGeom prst="rect">
+            <a:avLst/>
+          </a:prstGeom>
+        </p:spPr>
+      </p:pic>
+    </p:spTree>
+    <p:extLst>
+      <p:ext uri="{BB962C8B-B14F-4D97-AF65-F5344CB8AC3E}">
+        <p14:creationId xmlns:p14="http://schemas.microsoft.com/office/powerpoint/2010/main" val="858184616"/>
+      </p:ext>
+    </p:extLst>
+  </p:cSld>
+  <p:clrMapOvr>
+    <a:masterClrMapping/>
+  </p:clrMapOvr>
+</p:sld>
+</file>
+
+<file path=ppt/slides/slide18.xml><?xml version="1.0" encoding="utf-8"?>
+<p:sld xmlns:a="http://schemas.openxmlformats.org/drawingml/2006/main" xmlns:r="http://schemas.openxmlformats.org/officeDocument/2006/relationships" xmlns:p="http://schemas.openxmlformats.org/presentationml/2006/main">
+  <p:cSld>
+    <p:spTree>
+      <p:nvGrpSpPr>
+        <p:cNvPr id="1" name=""/>
+        <p:cNvGrpSpPr/>
+        <p:nvPr/>
+      </p:nvGrpSpPr>
+      <p:grpSpPr>
+        <a:xfrm>
+          <a:off x="0" y="0"/>
+          <a:ext cx="0" cy="0"/>
+          <a:chOff x="0" y="0"/>
+          <a:chExt cx="0" cy="0"/>
+        </a:xfrm>
+      </p:grpSpPr>
+      <p:sp>
+        <p:nvSpPr>
+          <p:cNvPr id="4" name="Google Shape;146;p25"/>
           <p:cNvSpPr txBox="1">
             <a:spLocks noGrp="1"/>
           </p:cNvSpPr>
           <p:nvPr>
-            <p:ph type="body" idx="1"/>
+            <p:ph type="title"/>
           </p:nvPr>
         </p:nvSpPr>
         <p:spPr>
           <a:xfrm>
-            <a:off x="2410112" y="1595776"/>
-            <a:ext cx="6321600" cy="3002400"/>
+            <a:off x="468800" y="575950"/>
+            <a:ext cx="8253000" cy="635400"/>
           </a:xfrm>
           <a:prstGeom prst="rect">
             <a:avLst/>
@@ -9497,15 +10218,273 @@
                 <a:spcPts val="0"/>
               </a:spcBef>
               <a:spcAft>
-                <a:spcPts val="1600"/>
+                <a:spcPts val="0"/>
               </a:spcAft>
               <a:buNone/>
             </a:pPr>
-            <a:endParaRPr/>
+            <a:r>
+              <a:rPr lang="en" sz="2600" dirty="0">
+                <a:solidFill>
+                  <a:schemeClr val="dk1"/>
+                </a:solidFill>
+              </a:rPr>
+              <a:t>3. Machine Learning</a:t>
+            </a:r>
+            <a:endParaRPr sz="2600" dirty="0">
+              <a:solidFill>
+                <a:schemeClr val="dk1"/>
+              </a:solidFill>
+            </a:endParaRPr>
           </a:p>
         </p:txBody>
       </p:sp>
+      <p:sp>
+        <p:nvSpPr>
+          <p:cNvPr id="5" name="Google Shape;110;p19"/>
+          <p:cNvSpPr txBox="1"/>
+          <p:nvPr/>
+        </p:nvSpPr>
+        <p:spPr>
+          <a:xfrm>
+            <a:off x="1178725" y="983625"/>
+            <a:ext cx="7434000" cy="388500"/>
+          </a:xfrm>
+          <a:prstGeom prst="rect">
+            <a:avLst/>
+          </a:prstGeom>
+          <a:noFill/>
+          <a:ln>
+            <a:noFill/>
+          </a:ln>
+        </p:spPr>
+        <p:txBody>
+          <a:bodyPr spcFirstLastPara="1" wrap="square" lIns="91425" tIns="91425" rIns="91425" bIns="91425" anchor="t" anchorCtr="0">
+            <a:noAutofit/>
+          </a:bodyPr>
+          <a:lstStyle/>
+          <a:p>
+            <a:pPr marL="457200" lvl="0" indent="0" algn="l" rtl="0">
+              <a:spcBef>
+                <a:spcPts val="700"/>
+              </a:spcBef>
+              <a:spcAft>
+                <a:spcPts val="0"/>
+              </a:spcAft>
+              <a:buNone/>
+            </a:pPr>
+            <a:r>
+              <a:rPr lang="en-US" altLang="zh-TW" sz="2000" b="1" dirty="0">
+                <a:latin typeface="Lato"/>
+                <a:ea typeface="Lato"/>
+                <a:cs typeface="Lato"/>
+                <a:sym typeface="Lato"/>
+              </a:rPr>
+              <a:t>B</a:t>
+            </a:r>
+            <a:r>
+              <a:rPr lang="en-US" altLang="zh-TW" sz="2000" b="1" dirty="0" smtClean="0">
+                <a:latin typeface="Lato"/>
+                <a:ea typeface="Lato"/>
+                <a:cs typeface="Lato"/>
+                <a:sym typeface="Lato"/>
+              </a:rPr>
+              <a:t>. Building Model and ROC curve</a:t>
+            </a:r>
+            <a:endParaRPr sz="2000" b="1" dirty="0">
+              <a:latin typeface="Lato"/>
+              <a:ea typeface="Lato"/>
+              <a:cs typeface="Lato"/>
+              <a:sym typeface="Lato"/>
+            </a:endParaRPr>
+          </a:p>
+        </p:txBody>
+      </p:sp>
+      <p:pic>
+        <p:nvPicPr>
+          <p:cNvPr id="6" name="圖片 5"/>
+          <p:cNvPicPr>
+            <a:picLocks noChangeAspect="1"/>
+          </p:cNvPicPr>
+          <p:nvPr/>
+        </p:nvPicPr>
+        <p:blipFill>
+          <a:blip r:embed="rId2"/>
+          <a:stretch>
+            <a:fillRect/>
+          </a:stretch>
+        </p:blipFill>
+        <p:spPr>
+          <a:xfrm>
+            <a:off x="877690" y="1619025"/>
+            <a:ext cx="6848475" cy="2953208"/>
+          </a:xfrm>
+          <a:prstGeom prst="rect">
+            <a:avLst/>
+          </a:prstGeom>
+        </p:spPr>
+      </p:pic>
     </p:spTree>
+    <p:extLst>
+      <p:ext uri="{BB962C8B-B14F-4D97-AF65-F5344CB8AC3E}">
+        <p14:creationId xmlns:p14="http://schemas.microsoft.com/office/powerpoint/2010/main" val="3910245805"/>
+      </p:ext>
+    </p:extLst>
+  </p:cSld>
+  <p:clrMapOvr>
+    <a:masterClrMapping/>
+  </p:clrMapOvr>
+</p:sld>
+</file>
+
+<file path=ppt/slides/slide19.xml><?xml version="1.0" encoding="utf-8"?>
+<p:sld xmlns:a="http://schemas.openxmlformats.org/drawingml/2006/main" xmlns:r="http://schemas.openxmlformats.org/officeDocument/2006/relationships" xmlns:p="http://schemas.openxmlformats.org/presentationml/2006/main">
+  <p:cSld>
+    <p:spTree>
+      <p:nvGrpSpPr>
+        <p:cNvPr id="1" name=""/>
+        <p:cNvGrpSpPr/>
+        <p:nvPr/>
+      </p:nvGrpSpPr>
+      <p:grpSpPr>
+        <a:xfrm>
+          <a:off x="0" y="0"/>
+          <a:ext cx="0" cy="0"/>
+          <a:chOff x="0" y="0"/>
+          <a:chExt cx="0" cy="0"/>
+        </a:xfrm>
+      </p:grpSpPr>
+      <p:sp>
+        <p:nvSpPr>
+          <p:cNvPr id="4" name="Google Shape;146;p25"/>
+          <p:cNvSpPr txBox="1">
+            <a:spLocks noGrp="1"/>
+          </p:cNvSpPr>
+          <p:nvPr>
+            <p:ph type="title"/>
+          </p:nvPr>
+        </p:nvSpPr>
+        <p:spPr>
+          <a:xfrm>
+            <a:off x="468800" y="575950"/>
+            <a:ext cx="8253000" cy="635400"/>
+          </a:xfrm>
+          <a:prstGeom prst="rect">
+            <a:avLst/>
+          </a:prstGeom>
+        </p:spPr>
+        <p:txBody>
+          <a:bodyPr spcFirstLastPara="1" wrap="square" lIns="91425" tIns="91425" rIns="91425" bIns="91425" anchor="t" anchorCtr="0">
+            <a:noAutofit/>
+          </a:bodyPr>
+          <a:lstStyle/>
+          <a:p>
+            <a:pPr marL="0" lvl="0" indent="0" algn="l" rtl="0">
+              <a:spcBef>
+                <a:spcPts val="0"/>
+              </a:spcBef>
+              <a:spcAft>
+                <a:spcPts val="0"/>
+              </a:spcAft>
+              <a:buNone/>
+            </a:pPr>
+            <a:r>
+              <a:rPr lang="en" sz="2600" dirty="0">
+                <a:solidFill>
+                  <a:schemeClr val="dk1"/>
+                </a:solidFill>
+              </a:rPr>
+              <a:t>3. Machine Learning</a:t>
+            </a:r>
+            <a:endParaRPr sz="2600" dirty="0">
+              <a:solidFill>
+                <a:schemeClr val="dk1"/>
+              </a:solidFill>
+            </a:endParaRPr>
+          </a:p>
+        </p:txBody>
+      </p:sp>
+      <p:sp>
+        <p:nvSpPr>
+          <p:cNvPr id="5" name="Google Shape;110;p19"/>
+          <p:cNvSpPr txBox="1"/>
+          <p:nvPr/>
+        </p:nvSpPr>
+        <p:spPr>
+          <a:xfrm>
+            <a:off x="1178725" y="983625"/>
+            <a:ext cx="7434000" cy="388500"/>
+          </a:xfrm>
+          <a:prstGeom prst="rect">
+            <a:avLst/>
+          </a:prstGeom>
+          <a:noFill/>
+          <a:ln>
+            <a:noFill/>
+          </a:ln>
+        </p:spPr>
+        <p:txBody>
+          <a:bodyPr spcFirstLastPara="1" wrap="square" lIns="91425" tIns="91425" rIns="91425" bIns="91425" anchor="t" anchorCtr="0">
+            <a:noAutofit/>
+          </a:bodyPr>
+          <a:lstStyle/>
+          <a:p>
+            <a:pPr marL="457200" lvl="0" indent="0" algn="l" rtl="0">
+              <a:spcBef>
+                <a:spcPts val="700"/>
+              </a:spcBef>
+              <a:spcAft>
+                <a:spcPts val="0"/>
+              </a:spcAft>
+              <a:buNone/>
+            </a:pPr>
+            <a:r>
+              <a:rPr lang="en-US" altLang="zh-TW" sz="2000" b="1" dirty="0" smtClean="0">
+                <a:latin typeface="Lato"/>
+                <a:ea typeface="Lato"/>
+                <a:cs typeface="Lato"/>
+                <a:sym typeface="Lato"/>
+              </a:rPr>
+              <a:t>C. Test on training data</a:t>
+            </a:r>
+            <a:endParaRPr sz="2000" b="1" dirty="0">
+              <a:latin typeface="Lato"/>
+              <a:ea typeface="Lato"/>
+              <a:cs typeface="Lato"/>
+              <a:sym typeface="Lato"/>
+            </a:endParaRPr>
+          </a:p>
+        </p:txBody>
+      </p:sp>
+      <p:pic>
+        <p:nvPicPr>
+          <p:cNvPr id="2" name="圖片 1"/>
+          <p:cNvPicPr>
+            <a:picLocks noChangeAspect="1"/>
+          </p:cNvPicPr>
+          <p:nvPr/>
+        </p:nvPicPr>
+        <p:blipFill>
+          <a:blip r:embed="rId2"/>
+          <a:stretch>
+            <a:fillRect/>
+          </a:stretch>
+        </p:blipFill>
+        <p:spPr>
+          <a:xfrm>
+            <a:off x="468800" y="1485257"/>
+            <a:ext cx="8172450" cy="3200400"/>
+          </a:xfrm>
+          <a:prstGeom prst="rect">
+            <a:avLst/>
+          </a:prstGeom>
+        </p:spPr>
+      </p:pic>
+    </p:spTree>
+    <p:extLst>
+      <p:ext uri="{BB962C8B-B14F-4D97-AF65-F5344CB8AC3E}">
+        <p14:creationId xmlns:p14="http://schemas.microsoft.com/office/powerpoint/2010/main" val="878775202"/>
+      </p:ext>
+    </p:extLst>
   </p:cSld>
   <p:clrMapOvr>
     <a:masterClrMapping/>
@@ -9818,6 +10797,1273 @@
         </p:txBody>
       </p:sp>
     </p:spTree>
+  </p:cSld>
+  <p:clrMapOvr>
+    <a:masterClrMapping/>
+  </p:clrMapOvr>
+</p:sld>
+</file>
+
+<file path=ppt/slides/slide20.xml><?xml version="1.0" encoding="utf-8"?>
+<p:sld xmlns:a="http://schemas.openxmlformats.org/drawingml/2006/main" xmlns:r="http://schemas.openxmlformats.org/officeDocument/2006/relationships" xmlns:p="http://schemas.openxmlformats.org/presentationml/2006/main">
+  <p:cSld>
+    <p:spTree>
+      <p:nvGrpSpPr>
+        <p:cNvPr id="1" name=""/>
+        <p:cNvGrpSpPr/>
+        <p:nvPr/>
+      </p:nvGrpSpPr>
+      <p:grpSpPr>
+        <a:xfrm>
+          <a:off x="0" y="0"/>
+          <a:ext cx="0" cy="0"/>
+          <a:chOff x="0" y="0"/>
+          <a:chExt cx="0" cy="0"/>
+        </a:xfrm>
+      </p:grpSpPr>
+      <p:sp>
+        <p:nvSpPr>
+          <p:cNvPr id="4" name="Google Shape;146;p25"/>
+          <p:cNvSpPr txBox="1">
+            <a:spLocks noGrp="1"/>
+          </p:cNvSpPr>
+          <p:nvPr>
+            <p:ph type="title"/>
+          </p:nvPr>
+        </p:nvSpPr>
+        <p:spPr>
+          <a:xfrm>
+            <a:off x="468800" y="575950"/>
+            <a:ext cx="8253000" cy="635400"/>
+          </a:xfrm>
+          <a:prstGeom prst="rect">
+            <a:avLst/>
+          </a:prstGeom>
+        </p:spPr>
+        <p:txBody>
+          <a:bodyPr spcFirstLastPara="1" wrap="square" lIns="91425" tIns="91425" rIns="91425" bIns="91425" anchor="t" anchorCtr="0">
+            <a:noAutofit/>
+          </a:bodyPr>
+          <a:lstStyle/>
+          <a:p>
+            <a:pPr marL="0" lvl="0" indent="0" algn="l" rtl="0">
+              <a:spcBef>
+                <a:spcPts val="0"/>
+              </a:spcBef>
+              <a:spcAft>
+                <a:spcPts val="0"/>
+              </a:spcAft>
+              <a:buNone/>
+            </a:pPr>
+            <a:r>
+              <a:rPr lang="en" sz="2600" dirty="0">
+                <a:solidFill>
+                  <a:schemeClr val="dk1"/>
+                </a:solidFill>
+              </a:rPr>
+              <a:t>3. Machine Learning</a:t>
+            </a:r>
+            <a:endParaRPr sz="2600" dirty="0">
+              <a:solidFill>
+                <a:schemeClr val="dk1"/>
+              </a:solidFill>
+            </a:endParaRPr>
+          </a:p>
+        </p:txBody>
+      </p:sp>
+      <p:sp>
+        <p:nvSpPr>
+          <p:cNvPr id="5" name="Google Shape;110;p19"/>
+          <p:cNvSpPr txBox="1"/>
+          <p:nvPr/>
+        </p:nvSpPr>
+        <p:spPr>
+          <a:xfrm>
+            <a:off x="1178725" y="983625"/>
+            <a:ext cx="7434000" cy="388500"/>
+          </a:xfrm>
+          <a:prstGeom prst="rect">
+            <a:avLst/>
+          </a:prstGeom>
+          <a:noFill/>
+          <a:ln>
+            <a:noFill/>
+          </a:ln>
+        </p:spPr>
+        <p:txBody>
+          <a:bodyPr spcFirstLastPara="1" wrap="square" lIns="91425" tIns="91425" rIns="91425" bIns="91425" anchor="t" anchorCtr="0">
+            <a:noAutofit/>
+          </a:bodyPr>
+          <a:lstStyle/>
+          <a:p>
+            <a:pPr marL="457200" lvl="0" indent="0" algn="l" rtl="0">
+              <a:spcBef>
+                <a:spcPts val="700"/>
+              </a:spcBef>
+              <a:spcAft>
+                <a:spcPts val="0"/>
+              </a:spcAft>
+              <a:buNone/>
+            </a:pPr>
+            <a:r>
+              <a:rPr lang="en-US" altLang="zh-TW" sz="2000" b="1" dirty="0">
+                <a:latin typeface="Lato"/>
+                <a:ea typeface="Lato"/>
+                <a:cs typeface="Lato"/>
+                <a:sym typeface="Lato"/>
+              </a:rPr>
+              <a:t>D</a:t>
+            </a:r>
+            <a:r>
+              <a:rPr lang="en-US" altLang="zh-TW" sz="2000" b="1" dirty="0" smtClean="0">
+                <a:latin typeface="Lato"/>
+                <a:ea typeface="Lato"/>
+                <a:cs typeface="Lato"/>
+                <a:sym typeface="Lato"/>
+              </a:rPr>
+              <a:t>. Evaluate Model</a:t>
+            </a:r>
+            <a:endParaRPr sz="2000" b="1" dirty="0">
+              <a:latin typeface="Lato"/>
+              <a:ea typeface="Lato"/>
+              <a:cs typeface="Lato"/>
+              <a:sym typeface="Lato"/>
+            </a:endParaRPr>
+          </a:p>
+        </p:txBody>
+      </p:sp>
+      <p:pic>
+        <p:nvPicPr>
+          <p:cNvPr id="3" name="圖片 2"/>
+          <p:cNvPicPr>
+            <a:picLocks noChangeAspect="1"/>
+          </p:cNvPicPr>
+          <p:nvPr/>
+        </p:nvPicPr>
+        <p:blipFill>
+          <a:blip r:embed="rId2"/>
+          <a:stretch>
+            <a:fillRect/>
+          </a:stretch>
+        </p:blipFill>
+        <p:spPr>
+          <a:xfrm>
+            <a:off x="878709" y="1491465"/>
+            <a:ext cx="7433084" cy="3140199"/>
+          </a:xfrm>
+          <a:prstGeom prst="rect">
+            <a:avLst/>
+          </a:prstGeom>
+        </p:spPr>
+      </p:pic>
+    </p:spTree>
+    <p:extLst>
+      <p:ext uri="{BB962C8B-B14F-4D97-AF65-F5344CB8AC3E}">
+        <p14:creationId xmlns:p14="http://schemas.microsoft.com/office/powerpoint/2010/main" val="1230475124"/>
+      </p:ext>
+    </p:extLst>
+  </p:cSld>
+  <p:clrMapOvr>
+    <a:masterClrMapping/>
+  </p:clrMapOvr>
+</p:sld>
+</file>
+
+<file path=ppt/slides/slide21.xml><?xml version="1.0" encoding="utf-8"?>
+<p:sld xmlns:a="http://schemas.openxmlformats.org/drawingml/2006/main" xmlns:r="http://schemas.openxmlformats.org/officeDocument/2006/relationships" xmlns:p="http://schemas.openxmlformats.org/presentationml/2006/main">
+  <p:cSld>
+    <p:spTree>
+      <p:nvGrpSpPr>
+        <p:cNvPr id="1" name="Shape 151"/>
+        <p:cNvGrpSpPr/>
+        <p:nvPr/>
+      </p:nvGrpSpPr>
+      <p:grpSpPr>
+        <a:xfrm>
+          <a:off x="0" y="0"/>
+          <a:ext cx="0" cy="0"/>
+          <a:chOff x="0" y="0"/>
+          <a:chExt cx="0" cy="0"/>
+        </a:xfrm>
+      </p:grpSpPr>
+      <p:sp>
+        <p:nvSpPr>
+          <p:cNvPr id="152" name="Google Shape;152;p26"/>
+          <p:cNvSpPr txBox="1">
+            <a:spLocks noGrp="1"/>
+          </p:cNvSpPr>
+          <p:nvPr>
+            <p:ph type="title"/>
+          </p:nvPr>
+        </p:nvSpPr>
+        <p:spPr>
+          <a:xfrm>
+            <a:off x="468800" y="575950"/>
+            <a:ext cx="8253000" cy="635400"/>
+          </a:xfrm>
+          <a:prstGeom prst="rect">
+            <a:avLst/>
+          </a:prstGeom>
+        </p:spPr>
+        <p:txBody>
+          <a:bodyPr spcFirstLastPara="1" wrap="square" lIns="91425" tIns="91425" rIns="91425" bIns="91425" anchor="t" anchorCtr="0">
+            <a:noAutofit/>
+          </a:bodyPr>
+          <a:lstStyle/>
+          <a:p>
+            <a:pPr marL="0" lvl="0" indent="0" algn="l" rtl="0">
+              <a:spcBef>
+                <a:spcPts val="0"/>
+              </a:spcBef>
+              <a:spcAft>
+                <a:spcPts val="0"/>
+              </a:spcAft>
+              <a:buNone/>
+            </a:pPr>
+            <a:r>
+              <a:rPr lang="en" sz="2600">
+                <a:solidFill>
+                  <a:schemeClr val="dk1"/>
+                </a:solidFill>
+              </a:rPr>
+              <a:t>4. Validation</a:t>
+            </a:r>
+            <a:endParaRPr sz="2600">
+              <a:solidFill>
+                <a:schemeClr val="dk1"/>
+              </a:solidFill>
+            </a:endParaRPr>
+          </a:p>
+        </p:txBody>
+      </p:sp>
+      <p:sp>
+        <p:nvSpPr>
+          <p:cNvPr id="153" name="Google Shape;153;p26"/>
+          <p:cNvSpPr txBox="1">
+            <a:spLocks noGrp="1"/>
+          </p:cNvSpPr>
+          <p:nvPr>
+            <p:ph type="body" idx="1"/>
+          </p:nvPr>
+        </p:nvSpPr>
+        <p:spPr>
+          <a:xfrm>
+            <a:off x="2410112" y="1595776"/>
+            <a:ext cx="6321600" cy="3002400"/>
+          </a:xfrm>
+          <a:prstGeom prst="rect">
+            <a:avLst/>
+          </a:prstGeom>
+        </p:spPr>
+        <p:txBody>
+          <a:bodyPr spcFirstLastPara="1" wrap="square" lIns="91425" tIns="91425" rIns="91425" bIns="91425" anchor="t" anchorCtr="0">
+            <a:noAutofit/>
+          </a:bodyPr>
+          <a:lstStyle/>
+          <a:p>
+            <a:pPr marL="0" lvl="0" indent="0" algn="l" rtl="0">
+              <a:spcBef>
+                <a:spcPts val="0"/>
+              </a:spcBef>
+              <a:spcAft>
+                <a:spcPts val="1600"/>
+              </a:spcAft>
+              <a:buNone/>
+            </a:pPr>
+            <a:endParaRPr/>
+          </a:p>
+        </p:txBody>
+      </p:sp>
+      <p:sp>
+        <p:nvSpPr>
+          <p:cNvPr id="4" name="Google Shape;110;p19"/>
+          <p:cNvSpPr txBox="1"/>
+          <p:nvPr/>
+        </p:nvSpPr>
+        <p:spPr>
+          <a:xfrm>
+            <a:off x="1178725" y="983625"/>
+            <a:ext cx="7434000" cy="388500"/>
+          </a:xfrm>
+          <a:prstGeom prst="rect">
+            <a:avLst/>
+          </a:prstGeom>
+          <a:noFill/>
+          <a:ln>
+            <a:noFill/>
+          </a:ln>
+        </p:spPr>
+        <p:txBody>
+          <a:bodyPr spcFirstLastPara="1" wrap="square" lIns="91425" tIns="91425" rIns="91425" bIns="91425" anchor="t" anchorCtr="0">
+            <a:noAutofit/>
+          </a:bodyPr>
+          <a:lstStyle/>
+          <a:p>
+            <a:pPr marL="457200" lvl="0" indent="0" algn="l" rtl="0">
+              <a:spcBef>
+                <a:spcPts val="700"/>
+              </a:spcBef>
+              <a:spcAft>
+                <a:spcPts val="0"/>
+              </a:spcAft>
+              <a:buNone/>
+            </a:pPr>
+            <a:r>
+              <a:rPr lang="en-US" altLang="zh-TW" sz="2000" b="1" dirty="0" smtClean="0">
+                <a:latin typeface="Lato"/>
+                <a:ea typeface="Lato"/>
+                <a:cs typeface="Lato"/>
+                <a:sym typeface="Lato"/>
+              </a:rPr>
+              <a:t>A. Predict with validation data</a:t>
+            </a:r>
+            <a:endParaRPr sz="2000" b="1" dirty="0">
+              <a:latin typeface="Lato"/>
+              <a:ea typeface="Lato"/>
+              <a:cs typeface="Lato"/>
+              <a:sym typeface="Lato"/>
+            </a:endParaRPr>
+          </a:p>
+        </p:txBody>
+      </p:sp>
+      <p:pic>
+        <p:nvPicPr>
+          <p:cNvPr id="2" name="圖片 1"/>
+          <p:cNvPicPr>
+            <a:picLocks noChangeAspect="1"/>
+          </p:cNvPicPr>
+          <p:nvPr/>
+        </p:nvPicPr>
+        <p:blipFill>
+          <a:blip r:embed="rId3"/>
+          <a:stretch>
+            <a:fillRect/>
+          </a:stretch>
+        </p:blipFill>
+        <p:spPr>
+          <a:xfrm>
+            <a:off x="468800" y="1701563"/>
+            <a:ext cx="8239125" cy="2790825"/>
+          </a:xfrm>
+          <a:prstGeom prst="rect">
+            <a:avLst/>
+          </a:prstGeom>
+        </p:spPr>
+      </p:pic>
+    </p:spTree>
+  </p:cSld>
+  <p:clrMapOvr>
+    <a:masterClrMapping/>
+  </p:clrMapOvr>
+</p:sld>
+</file>
+
+<file path=ppt/slides/slide22.xml><?xml version="1.0" encoding="utf-8"?>
+<p:sld xmlns:a="http://schemas.openxmlformats.org/drawingml/2006/main" xmlns:r="http://schemas.openxmlformats.org/officeDocument/2006/relationships" xmlns:p="http://schemas.openxmlformats.org/presentationml/2006/main">
+  <p:cSld>
+    <p:spTree>
+      <p:nvGrpSpPr>
+        <p:cNvPr id="1" name="Shape 151"/>
+        <p:cNvGrpSpPr/>
+        <p:nvPr/>
+      </p:nvGrpSpPr>
+      <p:grpSpPr>
+        <a:xfrm>
+          <a:off x="0" y="0"/>
+          <a:ext cx="0" cy="0"/>
+          <a:chOff x="0" y="0"/>
+          <a:chExt cx="0" cy="0"/>
+        </a:xfrm>
+      </p:grpSpPr>
+      <p:sp>
+        <p:nvSpPr>
+          <p:cNvPr id="152" name="Google Shape;152;p26"/>
+          <p:cNvSpPr txBox="1">
+            <a:spLocks noGrp="1"/>
+          </p:cNvSpPr>
+          <p:nvPr>
+            <p:ph type="title"/>
+          </p:nvPr>
+        </p:nvSpPr>
+        <p:spPr>
+          <a:xfrm>
+            <a:off x="468800" y="575950"/>
+            <a:ext cx="8253000" cy="635400"/>
+          </a:xfrm>
+          <a:prstGeom prst="rect">
+            <a:avLst/>
+          </a:prstGeom>
+        </p:spPr>
+        <p:txBody>
+          <a:bodyPr spcFirstLastPara="1" wrap="square" lIns="91425" tIns="91425" rIns="91425" bIns="91425" anchor="t" anchorCtr="0">
+            <a:noAutofit/>
+          </a:bodyPr>
+          <a:lstStyle/>
+          <a:p>
+            <a:pPr marL="0" lvl="0" indent="0" algn="l" rtl="0">
+              <a:spcBef>
+                <a:spcPts val="0"/>
+              </a:spcBef>
+              <a:spcAft>
+                <a:spcPts val="0"/>
+              </a:spcAft>
+              <a:buNone/>
+            </a:pPr>
+            <a:r>
+              <a:rPr lang="en" sz="2600">
+                <a:solidFill>
+                  <a:schemeClr val="dk1"/>
+                </a:solidFill>
+              </a:rPr>
+              <a:t>4. Validation</a:t>
+            </a:r>
+            <a:endParaRPr sz="2600">
+              <a:solidFill>
+                <a:schemeClr val="dk1"/>
+              </a:solidFill>
+            </a:endParaRPr>
+          </a:p>
+        </p:txBody>
+      </p:sp>
+      <p:sp>
+        <p:nvSpPr>
+          <p:cNvPr id="153" name="Google Shape;153;p26"/>
+          <p:cNvSpPr txBox="1">
+            <a:spLocks noGrp="1"/>
+          </p:cNvSpPr>
+          <p:nvPr>
+            <p:ph type="body" idx="1"/>
+          </p:nvPr>
+        </p:nvSpPr>
+        <p:spPr>
+          <a:xfrm>
+            <a:off x="2410112" y="1595776"/>
+            <a:ext cx="6321600" cy="3002400"/>
+          </a:xfrm>
+          <a:prstGeom prst="rect">
+            <a:avLst/>
+          </a:prstGeom>
+        </p:spPr>
+        <p:txBody>
+          <a:bodyPr spcFirstLastPara="1" wrap="square" lIns="91425" tIns="91425" rIns="91425" bIns="91425" anchor="t" anchorCtr="0">
+            <a:noAutofit/>
+          </a:bodyPr>
+          <a:lstStyle/>
+          <a:p>
+            <a:pPr marL="0" lvl="0" indent="0" algn="l" rtl="0">
+              <a:spcBef>
+                <a:spcPts val="0"/>
+              </a:spcBef>
+              <a:spcAft>
+                <a:spcPts val="1600"/>
+              </a:spcAft>
+              <a:buNone/>
+            </a:pPr>
+            <a:endParaRPr/>
+          </a:p>
+        </p:txBody>
+      </p:sp>
+      <p:sp>
+        <p:nvSpPr>
+          <p:cNvPr id="4" name="Google Shape;110;p19"/>
+          <p:cNvSpPr txBox="1"/>
+          <p:nvPr/>
+        </p:nvSpPr>
+        <p:spPr>
+          <a:xfrm>
+            <a:off x="1178725" y="983625"/>
+            <a:ext cx="7434000" cy="388500"/>
+          </a:xfrm>
+          <a:prstGeom prst="rect">
+            <a:avLst/>
+          </a:prstGeom>
+          <a:noFill/>
+          <a:ln>
+            <a:noFill/>
+          </a:ln>
+        </p:spPr>
+        <p:txBody>
+          <a:bodyPr spcFirstLastPara="1" wrap="square" lIns="91425" tIns="91425" rIns="91425" bIns="91425" anchor="t" anchorCtr="0">
+            <a:noAutofit/>
+          </a:bodyPr>
+          <a:lstStyle/>
+          <a:p>
+            <a:pPr marL="457200" lvl="0" indent="0" algn="l" rtl="0">
+              <a:spcBef>
+                <a:spcPts val="700"/>
+              </a:spcBef>
+              <a:spcAft>
+                <a:spcPts val="0"/>
+              </a:spcAft>
+              <a:buNone/>
+            </a:pPr>
+            <a:r>
+              <a:rPr lang="en-US" altLang="zh-TW" sz="2000" b="1" dirty="0">
+                <a:latin typeface="Lato"/>
+                <a:ea typeface="Lato"/>
+                <a:cs typeface="Lato"/>
+                <a:sym typeface="Lato"/>
+              </a:rPr>
+              <a:t>B</a:t>
+            </a:r>
+            <a:r>
+              <a:rPr lang="en-US" altLang="zh-TW" sz="2000" b="1" dirty="0" smtClean="0">
+                <a:latin typeface="Lato"/>
+                <a:ea typeface="Lato"/>
+                <a:cs typeface="Lato"/>
+                <a:sym typeface="Lato"/>
+              </a:rPr>
+              <a:t>. Metrics</a:t>
+            </a:r>
+            <a:endParaRPr sz="2000" b="1" dirty="0">
+              <a:latin typeface="Lato"/>
+              <a:ea typeface="Lato"/>
+              <a:cs typeface="Lato"/>
+              <a:sym typeface="Lato"/>
+            </a:endParaRPr>
+          </a:p>
+        </p:txBody>
+      </p:sp>
+      <p:pic>
+        <p:nvPicPr>
+          <p:cNvPr id="3" name="圖片 2"/>
+          <p:cNvPicPr>
+            <a:picLocks noChangeAspect="1"/>
+          </p:cNvPicPr>
+          <p:nvPr/>
+        </p:nvPicPr>
+        <p:blipFill>
+          <a:blip r:embed="rId3"/>
+          <a:stretch>
+            <a:fillRect/>
+          </a:stretch>
+        </p:blipFill>
+        <p:spPr>
+          <a:xfrm>
+            <a:off x="558875" y="1672988"/>
+            <a:ext cx="8162925" cy="2847975"/>
+          </a:xfrm>
+          <a:prstGeom prst="rect">
+            <a:avLst/>
+          </a:prstGeom>
+        </p:spPr>
+      </p:pic>
+    </p:spTree>
+    <p:extLst>
+      <p:ext uri="{BB962C8B-B14F-4D97-AF65-F5344CB8AC3E}">
+        <p14:creationId xmlns:p14="http://schemas.microsoft.com/office/powerpoint/2010/main" val="3572433763"/>
+      </p:ext>
+    </p:extLst>
+  </p:cSld>
+  <p:clrMapOvr>
+    <a:masterClrMapping/>
+  </p:clrMapOvr>
+</p:sld>
+</file>
+
+<file path=ppt/slides/slide23.xml><?xml version="1.0" encoding="utf-8"?>
+<p:sld xmlns:a="http://schemas.openxmlformats.org/drawingml/2006/main" xmlns:r="http://schemas.openxmlformats.org/officeDocument/2006/relationships" xmlns:p="http://schemas.openxmlformats.org/presentationml/2006/main">
+  <p:cSld>
+    <p:spTree>
+      <p:nvGrpSpPr>
+        <p:cNvPr id="1" name="Shape 151"/>
+        <p:cNvGrpSpPr/>
+        <p:nvPr/>
+      </p:nvGrpSpPr>
+      <p:grpSpPr>
+        <a:xfrm>
+          <a:off x="0" y="0"/>
+          <a:ext cx="0" cy="0"/>
+          <a:chOff x="0" y="0"/>
+          <a:chExt cx="0" cy="0"/>
+        </a:xfrm>
+      </p:grpSpPr>
+      <p:sp>
+        <p:nvSpPr>
+          <p:cNvPr id="152" name="Google Shape;152;p26"/>
+          <p:cNvSpPr txBox="1">
+            <a:spLocks noGrp="1"/>
+          </p:cNvSpPr>
+          <p:nvPr>
+            <p:ph type="title"/>
+          </p:nvPr>
+        </p:nvSpPr>
+        <p:spPr>
+          <a:xfrm>
+            <a:off x="468800" y="575950"/>
+            <a:ext cx="8253000" cy="635400"/>
+          </a:xfrm>
+          <a:prstGeom prst="rect">
+            <a:avLst/>
+          </a:prstGeom>
+        </p:spPr>
+        <p:txBody>
+          <a:bodyPr spcFirstLastPara="1" wrap="square" lIns="91425" tIns="91425" rIns="91425" bIns="91425" anchor="t" anchorCtr="0">
+            <a:noAutofit/>
+          </a:bodyPr>
+          <a:lstStyle/>
+          <a:p>
+            <a:pPr marL="0" lvl="0" indent="0" algn="l" rtl="0">
+              <a:spcBef>
+                <a:spcPts val="0"/>
+              </a:spcBef>
+              <a:spcAft>
+                <a:spcPts val="0"/>
+              </a:spcAft>
+              <a:buNone/>
+            </a:pPr>
+            <a:r>
+              <a:rPr lang="en" sz="2600">
+                <a:solidFill>
+                  <a:schemeClr val="dk1"/>
+                </a:solidFill>
+              </a:rPr>
+              <a:t>4. Validation</a:t>
+            </a:r>
+            <a:endParaRPr sz="2600">
+              <a:solidFill>
+                <a:schemeClr val="dk1"/>
+              </a:solidFill>
+            </a:endParaRPr>
+          </a:p>
+        </p:txBody>
+      </p:sp>
+      <p:sp>
+        <p:nvSpPr>
+          <p:cNvPr id="153" name="Google Shape;153;p26"/>
+          <p:cNvSpPr txBox="1">
+            <a:spLocks noGrp="1"/>
+          </p:cNvSpPr>
+          <p:nvPr>
+            <p:ph type="body" idx="1"/>
+          </p:nvPr>
+        </p:nvSpPr>
+        <p:spPr>
+          <a:xfrm>
+            <a:off x="2410112" y="1595776"/>
+            <a:ext cx="6321600" cy="3002400"/>
+          </a:xfrm>
+          <a:prstGeom prst="rect">
+            <a:avLst/>
+          </a:prstGeom>
+        </p:spPr>
+        <p:txBody>
+          <a:bodyPr spcFirstLastPara="1" wrap="square" lIns="91425" tIns="91425" rIns="91425" bIns="91425" anchor="t" anchorCtr="0">
+            <a:noAutofit/>
+          </a:bodyPr>
+          <a:lstStyle/>
+          <a:p>
+            <a:pPr marL="0" lvl="0" indent="0" algn="l" rtl="0">
+              <a:spcBef>
+                <a:spcPts val="0"/>
+              </a:spcBef>
+              <a:spcAft>
+                <a:spcPts val="1600"/>
+              </a:spcAft>
+              <a:buNone/>
+            </a:pPr>
+            <a:endParaRPr/>
+          </a:p>
+        </p:txBody>
+      </p:sp>
+      <p:sp>
+        <p:nvSpPr>
+          <p:cNvPr id="4" name="Google Shape;110;p19"/>
+          <p:cNvSpPr txBox="1"/>
+          <p:nvPr/>
+        </p:nvSpPr>
+        <p:spPr>
+          <a:xfrm>
+            <a:off x="1178725" y="983625"/>
+            <a:ext cx="7434000" cy="388500"/>
+          </a:xfrm>
+          <a:prstGeom prst="rect">
+            <a:avLst/>
+          </a:prstGeom>
+          <a:noFill/>
+          <a:ln>
+            <a:noFill/>
+          </a:ln>
+        </p:spPr>
+        <p:txBody>
+          <a:bodyPr spcFirstLastPara="1" wrap="square" lIns="91425" tIns="91425" rIns="91425" bIns="91425" anchor="t" anchorCtr="0">
+            <a:noAutofit/>
+          </a:bodyPr>
+          <a:lstStyle/>
+          <a:p>
+            <a:pPr marL="457200" lvl="0">
+              <a:spcBef>
+                <a:spcPts val="700"/>
+              </a:spcBef>
+            </a:pPr>
+            <a:r>
+              <a:rPr lang="en-US" altLang="zh-TW" sz="2000" b="1" dirty="0" smtClean="0">
+                <a:latin typeface="Lato"/>
+                <a:ea typeface="Lato"/>
+                <a:cs typeface="Lato"/>
+                <a:sym typeface="Lato"/>
+              </a:rPr>
+              <a:t>C</a:t>
+            </a:r>
+            <a:r>
+              <a:rPr lang="en-US" altLang="zh-TW" sz="2000" b="1" dirty="0">
+                <a:latin typeface="Lato"/>
+                <a:ea typeface="Lato"/>
+                <a:cs typeface="Lato"/>
+                <a:sym typeface="Lato"/>
+              </a:rPr>
+              <a:t>. Recall , Precision, F1 score</a:t>
+            </a:r>
+            <a:endParaRPr sz="2000" b="1" dirty="0">
+              <a:latin typeface="Lato"/>
+              <a:ea typeface="Lato"/>
+              <a:cs typeface="Lato"/>
+              <a:sym typeface="Lato"/>
+            </a:endParaRPr>
+          </a:p>
+        </p:txBody>
+      </p:sp>
+      <p:pic>
+        <p:nvPicPr>
+          <p:cNvPr id="2" name="圖片 1"/>
+          <p:cNvPicPr>
+            <a:picLocks noChangeAspect="1"/>
+          </p:cNvPicPr>
+          <p:nvPr/>
+        </p:nvPicPr>
+        <p:blipFill>
+          <a:blip r:embed="rId3"/>
+          <a:stretch>
+            <a:fillRect/>
+          </a:stretch>
+        </p:blipFill>
+        <p:spPr>
+          <a:xfrm>
+            <a:off x="468800" y="1619025"/>
+            <a:ext cx="8286750" cy="2695575"/>
+          </a:xfrm>
+          <a:prstGeom prst="rect">
+            <a:avLst/>
+          </a:prstGeom>
+        </p:spPr>
+      </p:pic>
+    </p:spTree>
+    <p:extLst>
+      <p:ext uri="{BB962C8B-B14F-4D97-AF65-F5344CB8AC3E}">
+        <p14:creationId xmlns:p14="http://schemas.microsoft.com/office/powerpoint/2010/main" val="1576476671"/>
+      </p:ext>
+    </p:extLst>
+  </p:cSld>
+  <p:clrMapOvr>
+    <a:masterClrMapping/>
+  </p:clrMapOvr>
+</p:sld>
+</file>
+
+<file path=ppt/slides/slide24.xml><?xml version="1.0" encoding="utf-8"?>
+<p:sld xmlns:a="http://schemas.openxmlformats.org/drawingml/2006/main" xmlns:r="http://schemas.openxmlformats.org/officeDocument/2006/relationships" xmlns:p="http://schemas.openxmlformats.org/presentationml/2006/main">
+  <p:cSld>
+    <p:spTree>
+      <p:nvGrpSpPr>
+        <p:cNvPr id="1" name="Shape 157"/>
+        <p:cNvGrpSpPr/>
+        <p:nvPr/>
+      </p:nvGrpSpPr>
+      <p:grpSpPr>
+        <a:xfrm>
+          <a:off x="0" y="0"/>
+          <a:ext cx="0" cy="0"/>
+          <a:chOff x="0" y="0"/>
+          <a:chExt cx="0" cy="0"/>
+        </a:xfrm>
+      </p:grpSpPr>
+      <p:sp>
+        <p:nvSpPr>
+          <p:cNvPr id="158" name="Google Shape;158;p27"/>
+          <p:cNvSpPr txBox="1">
+            <a:spLocks noGrp="1"/>
+          </p:cNvSpPr>
+          <p:nvPr>
+            <p:ph type="title"/>
+          </p:nvPr>
+        </p:nvSpPr>
+        <p:spPr>
+          <a:xfrm>
+            <a:off x="455425" y="575950"/>
+            <a:ext cx="8266500" cy="635400"/>
+          </a:xfrm>
+          <a:prstGeom prst="rect">
+            <a:avLst/>
+          </a:prstGeom>
+        </p:spPr>
+        <p:txBody>
+          <a:bodyPr spcFirstLastPara="1" wrap="square" lIns="91425" tIns="91425" rIns="91425" bIns="91425" anchor="t" anchorCtr="0">
+            <a:noAutofit/>
+          </a:bodyPr>
+          <a:lstStyle/>
+          <a:p>
+            <a:pPr marL="0" lvl="0" indent="0" algn="l" rtl="0">
+              <a:spcBef>
+                <a:spcPts val="0"/>
+              </a:spcBef>
+              <a:spcAft>
+                <a:spcPts val="0"/>
+              </a:spcAft>
+              <a:buNone/>
+            </a:pPr>
+            <a:r>
+              <a:rPr lang="en" sz="2600">
+                <a:solidFill>
+                  <a:schemeClr val="dk1"/>
+                </a:solidFill>
+              </a:rPr>
+              <a:t>5.	Testing</a:t>
+            </a:r>
+            <a:endParaRPr sz="2600">
+              <a:solidFill>
+                <a:schemeClr val="dk1"/>
+              </a:solidFill>
+            </a:endParaRPr>
+          </a:p>
+        </p:txBody>
+      </p:sp>
+      <p:sp>
+        <p:nvSpPr>
+          <p:cNvPr id="159" name="Google Shape;159;p27"/>
+          <p:cNvSpPr txBox="1">
+            <a:spLocks noGrp="1"/>
+          </p:cNvSpPr>
+          <p:nvPr>
+            <p:ph type="body" idx="1"/>
+          </p:nvPr>
+        </p:nvSpPr>
+        <p:spPr>
+          <a:xfrm>
+            <a:off x="2410112" y="1595776"/>
+            <a:ext cx="6321600" cy="3002400"/>
+          </a:xfrm>
+          <a:prstGeom prst="rect">
+            <a:avLst/>
+          </a:prstGeom>
+        </p:spPr>
+        <p:txBody>
+          <a:bodyPr spcFirstLastPara="1" wrap="square" lIns="91425" tIns="91425" rIns="91425" bIns="91425" anchor="t" anchorCtr="0">
+            <a:noAutofit/>
+          </a:bodyPr>
+          <a:lstStyle/>
+          <a:p>
+            <a:pPr marL="0" lvl="0" indent="0" algn="l" rtl="0">
+              <a:spcBef>
+                <a:spcPts val="0"/>
+              </a:spcBef>
+              <a:spcAft>
+                <a:spcPts val="1600"/>
+              </a:spcAft>
+              <a:buNone/>
+            </a:pPr>
+            <a:endParaRPr/>
+          </a:p>
+        </p:txBody>
+      </p:sp>
+      <p:pic>
+        <p:nvPicPr>
+          <p:cNvPr id="2" name="圖片 1"/>
+          <p:cNvPicPr>
+            <a:picLocks noChangeAspect="1"/>
+          </p:cNvPicPr>
+          <p:nvPr/>
+        </p:nvPicPr>
+        <p:blipFill>
+          <a:blip r:embed="rId3"/>
+          <a:stretch>
+            <a:fillRect/>
+          </a:stretch>
+        </p:blipFill>
+        <p:spPr>
+          <a:xfrm>
+            <a:off x="509587" y="1685925"/>
+            <a:ext cx="8124825" cy="1771650"/>
+          </a:xfrm>
+          <a:prstGeom prst="rect">
+            <a:avLst/>
+          </a:prstGeom>
+        </p:spPr>
+      </p:pic>
+      <p:pic>
+        <p:nvPicPr>
+          <p:cNvPr id="3" name="圖片 2"/>
+          <p:cNvPicPr>
+            <a:picLocks noChangeAspect="1"/>
+          </p:cNvPicPr>
+          <p:nvPr/>
+        </p:nvPicPr>
+        <p:blipFill>
+          <a:blip r:embed="rId4"/>
+          <a:stretch>
+            <a:fillRect/>
+          </a:stretch>
+        </p:blipFill>
+        <p:spPr>
+          <a:xfrm>
+            <a:off x="702137" y="3457575"/>
+            <a:ext cx="8029575" cy="1200150"/>
+          </a:xfrm>
+          <a:prstGeom prst="rect">
+            <a:avLst/>
+          </a:prstGeom>
+        </p:spPr>
+      </p:pic>
+      <p:sp>
+        <p:nvSpPr>
+          <p:cNvPr id="6" name="Google Shape;110;p19"/>
+          <p:cNvSpPr txBox="1"/>
+          <p:nvPr/>
+        </p:nvSpPr>
+        <p:spPr>
+          <a:xfrm>
+            <a:off x="1178725" y="983625"/>
+            <a:ext cx="7434000" cy="388500"/>
+          </a:xfrm>
+          <a:prstGeom prst="rect">
+            <a:avLst/>
+          </a:prstGeom>
+          <a:noFill/>
+          <a:ln>
+            <a:noFill/>
+          </a:ln>
+        </p:spPr>
+        <p:txBody>
+          <a:bodyPr spcFirstLastPara="1" wrap="square" lIns="91425" tIns="91425" rIns="91425" bIns="91425" anchor="t" anchorCtr="0">
+            <a:noAutofit/>
+          </a:bodyPr>
+          <a:lstStyle/>
+          <a:p>
+            <a:pPr marL="457200" lvl="0">
+              <a:spcBef>
+                <a:spcPts val="700"/>
+              </a:spcBef>
+            </a:pPr>
+            <a:r>
+              <a:rPr lang="en-US" altLang="zh-TW" sz="2000" b="1" dirty="0">
+                <a:latin typeface="Lato"/>
+                <a:ea typeface="Lato"/>
+                <a:cs typeface="Lato"/>
+                <a:sym typeface="Lato"/>
+              </a:rPr>
+              <a:t>A</a:t>
+            </a:r>
+            <a:r>
+              <a:rPr lang="en-US" altLang="zh-TW" sz="2000" b="1" dirty="0" smtClean="0">
+                <a:latin typeface="Lato"/>
+                <a:ea typeface="Lato"/>
+                <a:cs typeface="Lato"/>
+                <a:sym typeface="Lato"/>
+              </a:rPr>
+              <a:t>. Load test data and pipeline</a:t>
+            </a:r>
+            <a:endParaRPr sz="2000" b="1" dirty="0">
+              <a:latin typeface="Lato"/>
+              <a:ea typeface="Lato"/>
+              <a:cs typeface="Lato"/>
+              <a:sym typeface="Lato"/>
+            </a:endParaRPr>
+          </a:p>
+        </p:txBody>
+      </p:sp>
+    </p:spTree>
+  </p:cSld>
+  <p:clrMapOvr>
+    <a:masterClrMapping/>
+  </p:clrMapOvr>
+</p:sld>
+</file>
+
+<file path=ppt/slides/slide25.xml><?xml version="1.0" encoding="utf-8"?>
+<p:sld xmlns:a="http://schemas.openxmlformats.org/drawingml/2006/main" xmlns:r="http://schemas.openxmlformats.org/officeDocument/2006/relationships" xmlns:p="http://schemas.openxmlformats.org/presentationml/2006/main">
+  <p:cSld>
+    <p:spTree>
+      <p:nvGrpSpPr>
+        <p:cNvPr id="1" name="Shape 157"/>
+        <p:cNvGrpSpPr/>
+        <p:nvPr/>
+      </p:nvGrpSpPr>
+      <p:grpSpPr>
+        <a:xfrm>
+          <a:off x="0" y="0"/>
+          <a:ext cx="0" cy="0"/>
+          <a:chOff x="0" y="0"/>
+          <a:chExt cx="0" cy="0"/>
+        </a:xfrm>
+      </p:grpSpPr>
+      <p:sp>
+        <p:nvSpPr>
+          <p:cNvPr id="158" name="Google Shape;158;p27"/>
+          <p:cNvSpPr txBox="1">
+            <a:spLocks noGrp="1"/>
+          </p:cNvSpPr>
+          <p:nvPr>
+            <p:ph type="title"/>
+          </p:nvPr>
+        </p:nvSpPr>
+        <p:spPr>
+          <a:xfrm>
+            <a:off x="455425" y="575950"/>
+            <a:ext cx="8266500" cy="635400"/>
+          </a:xfrm>
+          <a:prstGeom prst="rect">
+            <a:avLst/>
+          </a:prstGeom>
+        </p:spPr>
+        <p:txBody>
+          <a:bodyPr spcFirstLastPara="1" wrap="square" lIns="91425" tIns="91425" rIns="91425" bIns="91425" anchor="t" anchorCtr="0">
+            <a:noAutofit/>
+          </a:bodyPr>
+          <a:lstStyle/>
+          <a:p>
+            <a:pPr marL="0" lvl="0" indent="0" algn="l" rtl="0">
+              <a:spcBef>
+                <a:spcPts val="0"/>
+              </a:spcBef>
+              <a:spcAft>
+                <a:spcPts val="0"/>
+              </a:spcAft>
+              <a:buNone/>
+            </a:pPr>
+            <a:r>
+              <a:rPr lang="en" sz="2600">
+                <a:solidFill>
+                  <a:schemeClr val="dk1"/>
+                </a:solidFill>
+              </a:rPr>
+              <a:t>5.	Testing</a:t>
+            </a:r>
+            <a:endParaRPr sz="2600">
+              <a:solidFill>
+                <a:schemeClr val="dk1"/>
+              </a:solidFill>
+            </a:endParaRPr>
+          </a:p>
+        </p:txBody>
+      </p:sp>
+      <p:sp>
+        <p:nvSpPr>
+          <p:cNvPr id="159" name="Google Shape;159;p27"/>
+          <p:cNvSpPr txBox="1">
+            <a:spLocks noGrp="1"/>
+          </p:cNvSpPr>
+          <p:nvPr>
+            <p:ph type="body" idx="1"/>
+          </p:nvPr>
+        </p:nvSpPr>
+        <p:spPr>
+          <a:xfrm>
+            <a:off x="2410112" y="1595776"/>
+            <a:ext cx="6321600" cy="3002400"/>
+          </a:xfrm>
+          <a:prstGeom prst="rect">
+            <a:avLst/>
+          </a:prstGeom>
+        </p:spPr>
+        <p:txBody>
+          <a:bodyPr spcFirstLastPara="1" wrap="square" lIns="91425" tIns="91425" rIns="91425" bIns="91425" anchor="t" anchorCtr="0">
+            <a:noAutofit/>
+          </a:bodyPr>
+          <a:lstStyle/>
+          <a:p>
+            <a:pPr marL="0" lvl="0" indent="0" algn="l" rtl="0">
+              <a:spcBef>
+                <a:spcPts val="0"/>
+              </a:spcBef>
+              <a:spcAft>
+                <a:spcPts val="1600"/>
+              </a:spcAft>
+              <a:buNone/>
+            </a:pPr>
+            <a:endParaRPr/>
+          </a:p>
+        </p:txBody>
+      </p:sp>
+      <p:sp>
+        <p:nvSpPr>
+          <p:cNvPr id="6" name="Google Shape;110;p19"/>
+          <p:cNvSpPr txBox="1"/>
+          <p:nvPr/>
+        </p:nvSpPr>
+        <p:spPr>
+          <a:xfrm>
+            <a:off x="1178725" y="983625"/>
+            <a:ext cx="7434000" cy="388500"/>
+          </a:xfrm>
+          <a:prstGeom prst="rect">
+            <a:avLst/>
+          </a:prstGeom>
+          <a:noFill/>
+          <a:ln>
+            <a:noFill/>
+          </a:ln>
+        </p:spPr>
+        <p:txBody>
+          <a:bodyPr spcFirstLastPara="1" wrap="square" lIns="91425" tIns="91425" rIns="91425" bIns="91425" anchor="t" anchorCtr="0">
+            <a:noAutofit/>
+          </a:bodyPr>
+          <a:lstStyle/>
+          <a:p>
+            <a:pPr marL="457200" lvl="0">
+              <a:spcBef>
+                <a:spcPts val="700"/>
+              </a:spcBef>
+            </a:pPr>
+            <a:r>
+              <a:rPr lang="en-US" altLang="zh-TW" sz="2000" b="1" dirty="0" smtClean="0">
+                <a:latin typeface="Lato"/>
+                <a:ea typeface="Lato"/>
+                <a:cs typeface="Lato"/>
+                <a:sym typeface="Lato"/>
+              </a:rPr>
+              <a:t>B. Output Results</a:t>
+            </a:r>
+            <a:endParaRPr sz="2000" b="1" dirty="0">
+              <a:latin typeface="Lato"/>
+              <a:ea typeface="Lato"/>
+              <a:cs typeface="Lato"/>
+              <a:sym typeface="Lato"/>
+            </a:endParaRPr>
+          </a:p>
+        </p:txBody>
+      </p:sp>
+      <p:pic>
+        <p:nvPicPr>
+          <p:cNvPr id="4" name="圖片 3"/>
+          <p:cNvPicPr>
+            <a:picLocks noChangeAspect="1"/>
+          </p:cNvPicPr>
+          <p:nvPr/>
+        </p:nvPicPr>
+        <p:blipFill>
+          <a:blip r:embed="rId3"/>
+          <a:stretch>
+            <a:fillRect/>
+          </a:stretch>
+        </p:blipFill>
+        <p:spPr>
+          <a:xfrm>
+            <a:off x="809500" y="1756551"/>
+            <a:ext cx="8172450" cy="2209800"/>
+          </a:xfrm>
+          <a:prstGeom prst="rect">
+            <a:avLst/>
+          </a:prstGeom>
+        </p:spPr>
+      </p:pic>
+    </p:spTree>
+    <p:extLst>
+      <p:ext uri="{BB962C8B-B14F-4D97-AF65-F5344CB8AC3E}">
+        <p14:creationId xmlns:p14="http://schemas.microsoft.com/office/powerpoint/2010/main" val="1990434178"/>
+      </p:ext>
+    </p:extLst>
+  </p:cSld>
+  <p:clrMapOvr>
+    <a:masterClrMapping/>
+  </p:clrMapOvr>
+</p:sld>
+</file>
+
+<file path=ppt/slides/slide26.xml><?xml version="1.0" encoding="utf-8"?>
+<p:sld xmlns:a="http://schemas.openxmlformats.org/drawingml/2006/main" xmlns:r="http://schemas.openxmlformats.org/officeDocument/2006/relationships" xmlns:p="http://schemas.openxmlformats.org/presentationml/2006/main">
+  <p:cSld>
+    <p:spTree>
+      <p:nvGrpSpPr>
+        <p:cNvPr id="1" name="Shape 71"/>
+        <p:cNvGrpSpPr/>
+        <p:nvPr/>
+      </p:nvGrpSpPr>
+      <p:grpSpPr>
+        <a:xfrm>
+          <a:off x="0" y="0"/>
+          <a:ext cx="0" cy="0"/>
+          <a:chOff x="0" y="0"/>
+          <a:chExt cx="0" cy="0"/>
+        </a:xfrm>
+      </p:grpSpPr>
+      <p:sp>
+        <p:nvSpPr>
+          <p:cNvPr id="72" name="Google Shape;72;p13"/>
+          <p:cNvSpPr txBox="1">
+            <a:spLocks noGrp="1"/>
+          </p:cNvSpPr>
+          <p:nvPr>
+            <p:ph type="ctrTitle"/>
+          </p:nvPr>
+        </p:nvSpPr>
+        <p:spPr>
+          <a:xfrm>
+            <a:off x="288300" y="1973852"/>
+            <a:ext cx="8567400" cy="1542000"/>
+          </a:xfrm>
+          <a:prstGeom prst="rect">
+            <a:avLst/>
+          </a:prstGeom>
+        </p:spPr>
+        <p:txBody>
+          <a:bodyPr spcFirstLastPara="1" wrap="square" lIns="91425" tIns="91425" rIns="91425" bIns="91425" anchor="t" anchorCtr="0">
+            <a:noAutofit/>
+          </a:bodyPr>
+          <a:lstStyle/>
+          <a:p>
+            <a:pPr marL="0" lvl="0" indent="0" algn="ctr" rtl="0">
+              <a:spcBef>
+                <a:spcPts val="0"/>
+              </a:spcBef>
+              <a:spcAft>
+                <a:spcPts val="0"/>
+              </a:spcAft>
+              <a:buNone/>
+            </a:pPr>
+            <a:r>
+              <a:rPr lang="en-US" dirty="0" smtClean="0"/>
+              <a:t>End</a:t>
+            </a:r>
+            <a:endParaRPr dirty="0"/>
+          </a:p>
+          <a:p>
+            <a:pPr marL="0" lvl="0" indent="0" algn="l" rtl="0">
+              <a:spcBef>
+                <a:spcPts val="0"/>
+              </a:spcBef>
+              <a:spcAft>
+                <a:spcPts val="0"/>
+              </a:spcAft>
+              <a:buNone/>
+            </a:pPr>
+            <a:endParaRPr dirty="0"/>
+          </a:p>
+        </p:txBody>
+      </p:sp>
+      <p:sp>
+        <p:nvSpPr>
+          <p:cNvPr id="2" name="副標題 1"/>
+          <p:cNvSpPr>
+            <a:spLocks noGrp="1"/>
+          </p:cNvSpPr>
+          <p:nvPr>
+            <p:ph type="subTitle" idx="1"/>
+          </p:nvPr>
+        </p:nvSpPr>
+        <p:spPr/>
+        <p:txBody>
+          <a:bodyPr/>
+          <a:lstStyle/>
+          <a:p>
+            <a:endParaRPr lang="zh-HK" altLang="en-US"/>
+          </a:p>
+        </p:txBody>
+      </p:sp>
+    </p:spTree>
+    <p:extLst>
+      <p:ext uri="{BB962C8B-B14F-4D97-AF65-F5344CB8AC3E}">
+        <p14:creationId xmlns:p14="http://schemas.microsoft.com/office/powerpoint/2010/main" val="2358130989"/>
+      </p:ext>
+    </p:extLst>
   </p:cSld>
   <p:clrMapOvr>
     <a:masterClrMapping/>
@@ -10288,10 +12534,10 @@
               <a:buNone/>
             </a:pPr>
             <a:r>
-              <a:rPr lang="en" sz="2000" b="1"/>
+              <a:rPr lang="en" sz="2000" b="1" dirty="0"/>
               <a:t>C.	Most Common Words in the Data Set</a:t>
             </a:r>
-            <a:endParaRPr sz="2000" b="1"/>
+            <a:endParaRPr sz="2000" b="1" dirty="0"/>
           </a:p>
         </p:txBody>
       </p:sp>
@@ -10436,7 +12682,7 @@
               <a:buNone/>
             </a:pPr>
             <a:r>
-              <a:rPr lang="en" sz="2000" b="1">
+              <a:rPr lang="en" sz="2000" b="1" dirty="0">
                 <a:solidFill>
                   <a:srgbClr val="212121"/>
                 </a:solidFill>
@@ -10448,9 +12694,39 @@
                 <a:cs typeface="Lato"/>
                 <a:sym typeface="Lato"/>
               </a:rPr>
-              <a:t>A &amp; B. 	Remove Punctuations &amp; Special Characters &amp; Lowercase Words</a:t>
+              <a:t>A &amp; B. 	Remove Punctuations &amp; Special Characters &amp; Lowercase </a:t>
             </a:r>
-            <a:endParaRPr sz="2000" b="1">
+            <a:r>
+              <a:rPr lang="en-US" altLang="zh-TW" sz="2000" b="1" dirty="0">
+                <a:solidFill>
+                  <a:srgbClr val="212121"/>
+                </a:solidFill>
+                <a:highlight>
+                  <a:srgbClr val="FFFFFF"/>
+                </a:highlight>
+                <a:latin typeface="Lato"/>
+                <a:ea typeface="Lato"/>
+                <a:cs typeface="Lato"/>
+                <a:sym typeface="Lato"/>
+              </a:rPr>
+              <a:t>W</a:t>
+            </a:r>
+            <a:r>
+              <a:rPr lang="en" sz="2000" b="1" dirty="0" smtClean="0">
+                <a:solidFill>
+                  <a:srgbClr val="212121"/>
+                </a:solidFill>
+                <a:highlight>
+                  <a:srgbClr val="FFFFFF"/>
+                </a:highlight>
+                <a:latin typeface="Lato"/>
+                <a:ea typeface="Lato"/>
+                <a:cs typeface="Lato"/>
+                <a:sym typeface="Lato"/>
+              </a:rPr>
+              <a:t>ords</a:t>
+            </a:r>
+            <a:endParaRPr sz="2000" b="1" dirty="0">
               <a:solidFill>
                 <a:srgbClr val="212121"/>
               </a:solidFill>
@@ -10473,7 +12749,7 @@
               </a:spcAft>
               <a:buNone/>
             </a:pPr>
-            <a:endParaRPr sz="2000" b="1">
+            <a:endParaRPr sz="2000" b="1" dirty="0">
               <a:latin typeface="Lato"/>
               <a:ea typeface="Lato"/>
               <a:cs typeface="Lato"/>
@@ -10600,7 +12876,7 @@
           <p:cNvPr id="3" name="Picture 2">
             <a:extLst>
               <a:ext uri="{FF2B5EF4-FFF2-40B4-BE49-F238E27FC236}">
-                <a16:creationId xmlns:a16="http://schemas.microsoft.com/office/drawing/2014/main" id="{50AFE9C2-5C88-6B45-8CB4-A9ADEC7A1F75}"/>
+                <a16:creationId xmlns:a16="http://schemas.microsoft.com/office/drawing/2014/main" xmlns="" id="{50AFE9C2-5C88-6B45-8CB4-A9ADEC7A1F75}"/>
               </a:ext>
             </a:extLst>
           </p:cNvPr>
@@ -10707,7 +12983,7 @@
           <p:cNvPr id="3" name="Picture 2">
             <a:extLst>
               <a:ext uri="{FF2B5EF4-FFF2-40B4-BE49-F238E27FC236}">
-                <a16:creationId xmlns:a16="http://schemas.microsoft.com/office/drawing/2014/main" id="{5776BF2A-454B-5B47-A079-0C770BE62E1B}"/>
+                <a16:creationId xmlns:a16="http://schemas.microsoft.com/office/drawing/2014/main" xmlns="" id="{5776BF2A-454B-5B47-A079-0C770BE62E1B}"/>
               </a:ext>
             </a:extLst>
           </p:cNvPr>

--- a/Final Project DS610.pptx
+++ b/Final Project DS610.pptx
@@ -5,7 +5,7 @@
     <p:sldMasterId id="2147483659" r:id="rId1"/>
   </p:sldMasterIdLst>
   <p:notesMasterIdLst>
-    <p:notesMasterId r:id="rId19"/>
+    <p:notesMasterId r:id="rId25"/>
   </p:notesMasterIdLst>
   <p:sldIdLst>
     <p:sldId id="256" r:id="rId2"/>
@@ -21,27 +21,33 @@
     <p:sldId id="266" r:id="rId12"/>
     <p:sldId id="267" r:id="rId13"/>
     <p:sldId id="272" r:id="rId14"/>
-    <p:sldId id="273" r:id="rId15"/>
-    <p:sldId id="268" r:id="rId16"/>
-    <p:sldId id="269" r:id="rId17"/>
-    <p:sldId id="270" r:id="rId18"/>
+    <p:sldId id="268" r:id="rId15"/>
+    <p:sldId id="274" r:id="rId16"/>
+    <p:sldId id="276" r:id="rId17"/>
+    <p:sldId id="277" r:id="rId18"/>
+    <p:sldId id="278" r:id="rId19"/>
+    <p:sldId id="279" r:id="rId20"/>
+    <p:sldId id="269" r:id="rId21"/>
+    <p:sldId id="280" r:id="rId22"/>
+    <p:sldId id="281" r:id="rId23"/>
+    <p:sldId id="270" r:id="rId24"/>
   </p:sldIdLst>
   <p:sldSz cx="9144000" cy="5143500" type="screen16x9"/>
   <p:notesSz cx="6858000" cy="9144000"/>
   <p:embeddedFontLst>
     <p:embeddedFont>
       <p:font typeface="Lato" panose="020F0502020204030203" pitchFamily="34" charset="77"/>
-      <p:regular r:id="rId20"/>
-      <p:bold r:id="rId21"/>
-      <p:italic r:id="rId22"/>
-      <p:boldItalic r:id="rId23"/>
+      <p:regular r:id="rId26"/>
+      <p:bold r:id="rId27"/>
+      <p:italic r:id="rId28"/>
+      <p:boldItalic r:id="rId29"/>
     </p:embeddedFont>
     <p:embeddedFont>
       <p:font typeface="Raleway" panose="020B0603030101060003" pitchFamily="34" charset="77"/>
-      <p:regular r:id="rId24"/>
-      <p:bold r:id="rId25"/>
-      <p:italic r:id="rId26"/>
-      <p:boldItalic r:id="rId27"/>
+      <p:regular r:id="rId30"/>
+      <p:bold r:id="rId31"/>
+      <p:italic r:id="rId32"/>
+      <p:boldItalic r:id="rId33"/>
     </p:embeddedFont>
   </p:embeddedFontLst>
   <p:defaultTextStyle>
@@ -1263,6 +1269,110 @@
   <p:cSld>
     <p:spTree>
       <p:nvGrpSpPr>
+        <p:cNvPr id="1" name="Shape 142"/>
+        <p:cNvGrpSpPr/>
+        <p:nvPr/>
+      </p:nvGrpSpPr>
+      <p:grpSpPr>
+        <a:xfrm>
+          <a:off x="0" y="0"/>
+          <a:ext cx="0" cy="0"/>
+          <a:chOff x="0" y="0"/>
+          <a:chExt cx="0" cy="0"/>
+        </a:xfrm>
+      </p:grpSpPr>
+      <p:sp>
+        <p:nvSpPr>
+          <p:cNvPr id="143" name="Google Shape;143;g6f1032757d_0_47:notes"/>
+          <p:cNvSpPr>
+            <a:spLocks noGrp="1" noRot="1" noChangeAspect="1"/>
+          </p:cNvSpPr>
+          <p:nvPr>
+            <p:ph type="sldImg" idx="2"/>
+          </p:nvPr>
+        </p:nvSpPr>
+        <p:spPr>
+          <a:xfrm>
+            <a:off x="381000" y="685800"/>
+            <a:ext cx="6096000" cy="3429000"/>
+          </a:xfrm>
+          <a:custGeom>
+            <a:avLst/>
+            <a:gdLst/>
+            <a:ahLst/>
+            <a:cxnLst/>
+            <a:rect l="l" t="t" r="r" b="b"/>
+            <a:pathLst>
+              <a:path w="120000" h="120000" extrusionOk="0">
+                <a:moveTo>
+                  <a:pt x="0" y="0"/>
+                </a:moveTo>
+                <a:lnTo>
+                  <a:pt x="120000" y="0"/>
+                </a:lnTo>
+                <a:lnTo>
+                  <a:pt x="120000" y="120000"/>
+                </a:lnTo>
+                <a:lnTo>
+                  <a:pt x="0" y="120000"/>
+                </a:lnTo>
+                <a:close/>
+              </a:path>
+            </a:pathLst>
+          </a:custGeom>
+        </p:spPr>
+      </p:sp>
+      <p:sp>
+        <p:nvSpPr>
+          <p:cNvPr id="144" name="Google Shape;144;g6f1032757d_0_47:notes"/>
+          <p:cNvSpPr txBox="1">
+            <a:spLocks noGrp="1"/>
+          </p:cNvSpPr>
+          <p:nvPr>
+            <p:ph type="body" idx="1"/>
+          </p:nvPr>
+        </p:nvSpPr>
+        <p:spPr>
+          <a:xfrm>
+            <a:off x="685800" y="4343400"/>
+            <a:ext cx="5486400" cy="4114800"/>
+          </a:xfrm>
+          <a:prstGeom prst="rect">
+            <a:avLst/>
+          </a:prstGeom>
+        </p:spPr>
+        <p:txBody>
+          <a:bodyPr spcFirstLastPara="1" wrap="square" lIns="91425" tIns="91425" rIns="91425" bIns="91425" anchor="t" anchorCtr="0">
+            <a:noAutofit/>
+          </a:bodyPr>
+          <a:lstStyle/>
+          <a:p>
+            <a:pPr marL="0" lvl="0" indent="0" algn="l" rtl="0">
+              <a:spcBef>
+                <a:spcPts val="0"/>
+              </a:spcBef>
+              <a:spcAft>
+                <a:spcPts val="0"/>
+              </a:spcAft>
+              <a:buNone/>
+            </a:pPr>
+            <a:endParaRPr/>
+          </a:p>
+        </p:txBody>
+      </p:sp>
+    </p:spTree>
+  </p:cSld>
+  <p:clrMapOvr>
+    <a:masterClrMapping/>
+  </p:clrMapOvr>
+</p:notes>
+</file>
+
+<file path=ppt/notesSlides/notesSlide15.xml><?xml version="1.0" encoding="utf-8"?>
+<p:notes xmlns:a="http://schemas.openxmlformats.org/drawingml/2006/main" xmlns:r="http://schemas.openxmlformats.org/officeDocument/2006/relationships" xmlns:p="http://schemas.openxmlformats.org/presentationml/2006/main" showMasterSp="0" showMasterPhAnim="0">
+  <p:cSld>
+    <p:spTree>
+      <p:nvGrpSpPr>
         <p:cNvPr id="1" name="Shape 136"/>
         <p:cNvGrpSpPr/>
         <p:nvPr/>
@@ -1357,113 +1467,9 @@
     </p:spTree>
     <p:extLst>
       <p:ext uri="{BB962C8B-B14F-4D97-AF65-F5344CB8AC3E}">
-        <p14:creationId xmlns:p14="http://schemas.microsoft.com/office/powerpoint/2010/main" val="2718245340"/>
+        <p14:creationId xmlns:p14="http://schemas.microsoft.com/office/powerpoint/2010/main" val="916603833"/>
       </p:ext>
     </p:extLst>
-  </p:cSld>
-  <p:clrMapOvr>
-    <a:masterClrMapping/>
-  </p:clrMapOvr>
-</p:notes>
-</file>
-
-<file path=ppt/notesSlides/notesSlide15.xml><?xml version="1.0" encoding="utf-8"?>
-<p:notes xmlns:a="http://schemas.openxmlformats.org/drawingml/2006/main" xmlns:r="http://schemas.openxmlformats.org/officeDocument/2006/relationships" xmlns:p="http://schemas.openxmlformats.org/presentationml/2006/main" showMasterSp="0" showMasterPhAnim="0">
-  <p:cSld>
-    <p:spTree>
-      <p:nvGrpSpPr>
-        <p:cNvPr id="1" name="Shape 142"/>
-        <p:cNvGrpSpPr/>
-        <p:nvPr/>
-      </p:nvGrpSpPr>
-      <p:grpSpPr>
-        <a:xfrm>
-          <a:off x="0" y="0"/>
-          <a:ext cx="0" cy="0"/>
-          <a:chOff x="0" y="0"/>
-          <a:chExt cx="0" cy="0"/>
-        </a:xfrm>
-      </p:grpSpPr>
-      <p:sp>
-        <p:nvSpPr>
-          <p:cNvPr id="143" name="Google Shape;143;g6f1032757d_0_47:notes"/>
-          <p:cNvSpPr>
-            <a:spLocks noGrp="1" noRot="1" noChangeAspect="1"/>
-          </p:cNvSpPr>
-          <p:nvPr>
-            <p:ph type="sldImg" idx="2"/>
-          </p:nvPr>
-        </p:nvSpPr>
-        <p:spPr>
-          <a:xfrm>
-            <a:off x="381300" y="685800"/>
-            <a:ext cx="6096000" cy="3429000"/>
-          </a:xfrm>
-          <a:custGeom>
-            <a:avLst/>
-            <a:gdLst/>
-            <a:ahLst/>
-            <a:cxnLst/>
-            <a:rect l="l" t="t" r="r" b="b"/>
-            <a:pathLst>
-              <a:path w="120000" h="120000" extrusionOk="0">
-                <a:moveTo>
-                  <a:pt x="0" y="0"/>
-                </a:moveTo>
-                <a:lnTo>
-                  <a:pt x="120000" y="0"/>
-                </a:lnTo>
-                <a:lnTo>
-                  <a:pt x="120000" y="120000"/>
-                </a:lnTo>
-                <a:lnTo>
-                  <a:pt x="0" y="120000"/>
-                </a:lnTo>
-                <a:close/>
-              </a:path>
-            </a:pathLst>
-          </a:custGeom>
-        </p:spPr>
-      </p:sp>
-      <p:sp>
-        <p:nvSpPr>
-          <p:cNvPr id="144" name="Google Shape;144;g6f1032757d_0_47:notes"/>
-          <p:cNvSpPr txBox="1">
-            <a:spLocks noGrp="1"/>
-          </p:cNvSpPr>
-          <p:nvPr>
-            <p:ph type="body" idx="1"/>
-          </p:nvPr>
-        </p:nvSpPr>
-        <p:spPr>
-          <a:xfrm>
-            <a:off x="685800" y="4343400"/>
-            <a:ext cx="5486400" cy="4114800"/>
-          </a:xfrm>
-          <a:prstGeom prst="rect">
-            <a:avLst/>
-          </a:prstGeom>
-        </p:spPr>
-        <p:txBody>
-          <a:bodyPr spcFirstLastPara="1" wrap="square" lIns="91425" tIns="91425" rIns="91425" bIns="91425" anchor="t" anchorCtr="0">
-            <a:noAutofit/>
-          </a:bodyPr>
-          <a:lstStyle/>
-          <a:p>
-            <a:pPr marL="0" lvl="0" indent="0" algn="l" rtl="0">
-              <a:spcBef>
-                <a:spcPts val="0"/>
-              </a:spcBef>
-              <a:spcAft>
-                <a:spcPts val="0"/>
-              </a:spcAft>
-              <a:buNone/>
-            </a:pPr>
-            <a:endParaRPr/>
-          </a:p>
-        </p:txBody>
-      </p:sp>
-    </p:spTree>
   </p:cSld>
   <p:clrMapOvr>
     <a:masterClrMapping/>
@@ -1500,7 +1506,7 @@
         </p:nvSpPr>
         <p:spPr>
           <a:xfrm>
-            <a:off x="381300" y="685800"/>
+            <a:off x="381000" y="685800"/>
             <a:ext cx="6096000" cy="3429000"/>
           </a:xfrm>
           <a:custGeom>
@@ -1604,7 +1610,7 @@
         </p:nvSpPr>
         <p:spPr>
           <a:xfrm>
-            <a:off x="381300" y="685800"/>
+            <a:off x="381000" y="685800"/>
             <a:ext cx="6096000" cy="3429000"/>
           </a:xfrm>
           <a:custGeom>
@@ -1812,7 +1818,7 @@
         </p:nvSpPr>
         <p:spPr>
           <a:xfrm>
-            <a:off x="381300" y="685800"/>
+            <a:off x="381000" y="685800"/>
             <a:ext cx="6096000" cy="3429000"/>
           </a:xfrm>
           <a:custGeom>
@@ -1916,7 +1922,7 @@
         </p:nvSpPr>
         <p:spPr>
           <a:xfrm>
-            <a:off x="381300" y="685800"/>
+            <a:off x="381000" y="685800"/>
             <a:ext cx="6096000" cy="3429000"/>
           </a:xfrm>
           <a:custGeom>
@@ -2020,7 +2026,7 @@
         </p:nvSpPr>
         <p:spPr>
           <a:xfrm>
-            <a:off x="381300" y="685800"/>
+            <a:off x="381000" y="685800"/>
             <a:ext cx="6096000" cy="3429000"/>
           </a:xfrm>
           <a:custGeom>
@@ -2124,7 +2130,7 @@
         </p:nvSpPr>
         <p:spPr>
           <a:xfrm>
-            <a:off x="381300" y="685800"/>
+            <a:off x="381000" y="685800"/>
             <a:ext cx="6096000" cy="3429000"/>
           </a:xfrm>
           <a:custGeom>
@@ -2228,8 +2234,8 @@
         </p:nvSpPr>
         <p:spPr>
           <a:xfrm>
-            <a:off x="381188" y="685800"/>
-            <a:ext cx="6096300" cy="3429000"/>
+            <a:off x="381000" y="685800"/>
+            <a:ext cx="6096000" cy="3429000"/>
           </a:xfrm>
           <a:custGeom>
             <a:avLst/>
@@ -8686,15 +8692,15 @@
               <a:buNone/>
             </a:pPr>
             <a:r>
-              <a:rPr lang="en" sz="2000">
+              <a:rPr lang="en" sz="2000" dirty="0">
                 <a:latin typeface="Lato"/>
                 <a:ea typeface="Lato"/>
                 <a:cs typeface="Lato"/>
                 <a:sym typeface="Lato"/>
               </a:rPr>
-              <a:t>C.	Tokenizer &amp; Remove Stop Words (part 2)</a:t>
+              <a:t>C.  Tokenizer &amp; Remove Stop Words (part 2)</a:t>
             </a:r>
-            <a:endParaRPr/>
+            <a:endParaRPr dirty="0"/>
           </a:p>
         </p:txBody>
       </p:sp>
@@ -8726,6 +8732,16 @@
           <a:prstGeom prst="rect">
             <a:avLst/>
           </a:prstGeom>
+          <a:ln>
+            <a:noFill/>
+          </a:ln>
+          <a:effectLst>
+            <a:outerShdw blurRad="292100" dist="139700" dir="2700000" algn="tl" rotWithShape="0">
+              <a:srgbClr val="333333">
+                <a:alpha val="65000"/>
+              </a:srgbClr>
+            </a:outerShdw>
+          </a:effectLst>
         </p:spPr>
       </p:pic>
     </p:spTree>
@@ -8788,15 +8804,15 @@
               <a:buNone/>
             </a:pPr>
             <a:r>
-              <a:rPr lang="en" sz="2000">
+              <a:rPr lang="en" sz="2000" dirty="0">
                 <a:latin typeface="Lato"/>
                 <a:ea typeface="Lato"/>
                 <a:cs typeface="Lato"/>
                 <a:sym typeface="Lato"/>
               </a:rPr>
-              <a:t>D. 	Lemmatization</a:t>
+              <a:t>D.   Lemmatization</a:t>
             </a:r>
-            <a:endParaRPr sz="2000">
+            <a:endParaRPr sz="2000" dirty="0">
               <a:latin typeface="Lato"/>
               <a:ea typeface="Lato"/>
               <a:cs typeface="Lato"/>
@@ -8833,6 +8849,16 @@
           <a:prstGeom prst="rect">
             <a:avLst/>
           </a:prstGeom>
+          <a:ln>
+            <a:noFill/>
+          </a:ln>
+          <a:effectLst>
+            <a:outerShdw blurRad="292100" dist="139700" dir="2700000" algn="tl" rotWithShape="0">
+              <a:srgbClr val="333333">
+                <a:alpha val="65000"/>
+              </a:srgbClr>
+            </a:outerShdw>
+          </a:effectLst>
         </p:spPr>
       </p:pic>
     </p:spTree>
@@ -8895,15 +8921,15 @@
               <a:buNone/>
             </a:pPr>
             <a:r>
-              <a:rPr lang="en" sz="2000">
+              <a:rPr lang="en" sz="2000" dirty="0">
                 <a:latin typeface="Lato"/>
                 <a:ea typeface="Lato"/>
                 <a:cs typeface="Lato"/>
                 <a:sym typeface="Lato"/>
               </a:rPr>
-              <a:t>E.	Removing Short Words</a:t>
+              <a:t>E.  Removing Short Words</a:t>
             </a:r>
-            <a:endParaRPr sz="2000">
+            <a:endParaRPr sz="2000" dirty="0">
               <a:latin typeface="Lato"/>
               <a:ea typeface="Lato"/>
               <a:cs typeface="Lato"/>
@@ -8940,6 +8966,16 @@
           <a:prstGeom prst="rect">
             <a:avLst/>
           </a:prstGeom>
+          <a:ln>
+            <a:noFill/>
+          </a:ln>
+          <a:effectLst>
+            <a:outerShdw blurRad="292100" dist="139700" dir="2700000" algn="tl" rotWithShape="0">
+              <a:srgbClr val="333333">
+                <a:alpha val="65000"/>
+              </a:srgbClr>
+            </a:outerShdw>
+          </a:effectLst>
         </p:spPr>
       </p:pic>
     </p:spTree>
@@ -9008,7 +9044,7 @@
                 <a:cs typeface="Lato"/>
                 <a:sym typeface="Lato"/>
               </a:rPr>
-              <a:t>F.	Split data into Train, Validation, Test</a:t>
+              <a:t>F.   Split data into Train, Validation, Test</a:t>
             </a:r>
             <a:endParaRPr sz="2000" dirty="0">
               <a:latin typeface="Lato"/>
@@ -9047,6 +9083,16 @@
           <a:prstGeom prst="rect">
             <a:avLst/>
           </a:prstGeom>
+          <a:ln>
+            <a:noFill/>
+          </a:ln>
+          <a:effectLst>
+            <a:outerShdw blurRad="292100" dist="139700" dir="2700000" algn="tl" rotWithShape="0">
+              <a:srgbClr val="333333">
+                <a:alpha val="65000"/>
+              </a:srgbClr>
+            </a:outerShdw>
+          </a:effectLst>
         </p:spPr>
       </p:pic>
     </p:spTree>
@@ -9063,6 +9109,249 @@
 </file>
 
 <file path=ppt/slides/slide14.xml><?xml version="1.0" encoding="utf-8"?>
+<p:sld xmlns:a="http://schemas.openxmlformats.org/drawingml/2006/main" xmlns:r="http://schemas.openxmlformats.org/officeDocument/2006/relationships" xmlns:p="http://schemas.openxmlformats.org/presentationml/2006/main">
+  <p:cSld>
+    <p:spTree>
+      <p:nvGrpSpPr>
+        <p:cNvPr id="1" name="Shape 145"/>
+        <p:cNvGrpSpPr/>
+        <p:nvPr/>
+      </p:nvGrpSpPr>
+      <p:grpSpPr>
+        <a:xfrm>
+          <a:off x="0" y="0"/>
+          <a:ext cx="0" cy="0"/>
+          <a:chOff x="0" y="0"/>
+          <a:chExt cx="0" cy="0"/>
+        </a:xfrm>
+      </p:grpSpPr>
+      <p:sp>
+        <p:nvSpPr>
+          <p:cNvPr id="146" name="Google Shape;146;p25"/>
+          <p:cNvSpPr txBox="1">
+            <a:spLocks noGrp="1"/>
+          </p:cNvSpPr>
+          <p:nvPr>
+            <p:ph type="title"/>
+          </p:nvPr>
+        </p:nvSpPr>
+        <p:spPr>
+          <a:xfrm>
+            <a:off x="468800" y="575950"/>
+            <a:ext cx="8253000" cy="635400"/>
+          </a:xfrm>
+          <a:prstGeom prst="rect">
+            <a:avLst/>
+          </a:prstGeom>
+        </p:spPr>
+        <p:txBody>
+          <a:bodyPr spcFirstLastPara="1" wrap="square" lIns="91425" tIns="91425" rIns="91425" bIns="91425" anchor="t" anchorCtr="0">
+            <a:noAutofit/>
+          </a:bodyPr>
+          <a:lstStyle/>
+          <a:p>
+            <a:pPr marL="0" lvl="0" indent="0" algn="l" rtl="0">
+              <a:spcBef>
+                <a:spcPts val="0"/>
+              </a:spcBef>
+              <a:spcAft>
+                <a:spcPts val="0"/>
+              </a:spcAft>
+              <a:buNone/>
+            </a:pPr>
+            <a:r>
+              <a:rPr lang="en" sz="2600" dirty="0">
+                <a:solidFill>
+                  <a:schemeClr val="dk1"/>
+                </a:solidFill>
+              </a:rPr>
+              <a:t>3.  Machine Learning</a:t>
+            </a:r>
+            <a:endParaRPr sz="2600" dirty="0">
+              <a:solidFill>
+                <a:schemeClr val="dk1"/>
+              </a:solidFill>
+            </a:endParaRPr>
+          </a:p>
+        </p:txBody>
+      </p:sp>
+      <p:sp>
+        <p:nvSpPr>
+          <p:cNvPr id="147" name="Google Shape;147;p25"/>
+          <p:cNvSpPr txBox="1">
+            <a:spLocks noGrp="1"/>
+          </p:cNvSpPr>
+          <p:nvPr>
+            <p:ph type="body" idx="1"/>
+          </p:nvPr>
+        </p:nvSpPr>
+        <p:spPr>
+          <a:xfrm>
+            <a:off x="937647" y="1348353"/>
+            <a:ext cx="7794066" cy="3249823"/>
+          </a:xfrm>
+          <a:prstGeom prst="rect">
+            <a:avLst/>
+          </a:prstGeom>
+        </p:spPr>
+        <p:txBody>
+          <a:bodyPr spcFirstLastPara="1" wrap="square" lIns="91425" tIns="91425" rIns="91425" bIns="91425" anchor="t" anchorCtr="0">
+            <a:noAutofit/>
+          </a:bodyPr>
+          <a:lstStyle/>
+          <a:p>
+            <a:pPr marL="0" lvl="0" indent="0" algn="l" rtl="0">
+              <a:spcBef>
+                <a:spcPts val="0"/>
+              </a:spcBef>
+              <a:spcAft>
+                <a:spcPts val="1600"/>
+              </a:spcAft>
+              <a:buNone/>
+            </a:pPr>
+            <a:r>
+              <a:rPr lang="en-US" sz="2000" b="1" dirty="0"/>
+              <a:t>A .  Create a Label Column </a:t>
+            </a:r>
+            <a:endParaRPr sz="2000" b="1" dirty="0"/>
+          </a:p>
+        </p:txBody>
+      </p:sp>
+      <p:pic>
+        <p:nvPicPr>
+          <p:cNvPr id="7" name="Picture 6">
+            <a:extLst>
+              <a:ext uri="{FF2B5EF4-FFF2-40B4-BE49-F238E27FC236}">
+                <a16:creationId xmlns:a16="http://schemas.microsoft.com/office/drawing/2014/main" id="{28EDF6A4-49BD-DA42-8BA9-35A35FFBA138}"/>
+              </a:ext>
+            </a:extLst>
+          </p:cNvPr>
+          <p:cNvPicPr>
+            <a:picLocks noChangeAspect="1"/>
+          </p:cNvPicPr>
+          <p:nvPr/>
+        </p:nvPicPr>
+        <p:blipFill>
+          <a:blip r:embed="rId3"/>
+          <a:stretch>
+            <a:fillRect/>
+          </a:stretch>
+        </p:blipFill>
+        <p:spPr>
+          <a:xfrm>
+            <a:off x="5344120" y="2035857"/>
+            <a:ext cx="2952399" cy="2670048"/>
+          </a:xfrm>
+          <a:prstGeom prst="rect">
+            <a:avLst/>
+          </a:prstGeom>
+          <a:ln>
+            <a:noFill/>
+          </a:ln>
+          <a:effectLst>
+            <a:outerShdw blurRad="292100" dist="139700" dir="2700000" algn="tl" rotWithShape="0">
+              <a:srgbClr val="333333">
+                <a:alpha val="65000"/>
+              </a:srgbClr>
+            </a:outerShdw>
+          </a:effectLst>
+        </p:spPr>
+      </p:pic>
+      <p:pic>
+        <p:nvPicPr>
+          <p:cNvPr id="9" name="Picture 8">
+            <a:extLst>
+              <a:ext uri="{FF2B5EF4-FFF2-40B4-BE49-F238E27FC236}">
+                <a16:creationId xmlns:a16="http://schemas.microsoft.com/office/drawing/2014/main" id="{BFCCB49D-673B-E744-93BC-14C554C13128}"/>
+              </a:ext>
+            </a:extLst>
+          </p:cNvPr>
+          <p:cNvPicPr>
+            <a:picLocks noChangeAspect="1"/>
+          </p:cNvPicPr>
+          <p:nvPr/>
+        </p:nvPicPr>
+        <p:blipFill>
+          <a:blip r:embed="rId4"/>
+          <a:stretch>
+            <a:fillRect/>
+          </a:stretch>
+        </p:blipFill>
+        <p:spPr>
+          <a:xfrm>
+            <a:off x="133025" y="2035857"/>
+            <a:ext cx="2996601" cy="2670048"/>
+          </a:xfrm>
+          <a:prstGeom prst="rect">
+            <a:avLst/>
+          </a:prstGeom>
+          <a:ln>
+            <a:noFill/>
+          </a:ln>
+          <a:effectLst>
+            <a:outerShdw blurRad="292100" dist="139700" dir="2700000" algn="tl" rotWithShape="0">
+              <a:srgbClr val="333333">
+                <a:alpha val="65000"/>
+              </a:srgbClr>
+            </a:outerShdw>
+          </a:effectLst>
+        </p:spPr>
+      </p:pic>
+      <p:sp>
+        <p:nvSpPr>
+          <p:cNvPr id="10" name="Right Arrow 9">
+            <a:extLst>
+              <a:ext uri="{FF2B5EF4-FFF2-40B4-BE49-F238E27FC236}">
+                <a16:creationId xmlns:a16="http://schemas.microsoft.com/office/drawing/2014/main" id="{3C0E6DF2-34DD-9542-A0B7-FAC03777196D}"/>
+              </a:ext>
+            </a:extLst>
+          </p:cNvPr>
+          <p:cNvSpPr/>
+          <p:nvPr/>
+        </p:nvSpPr>
+        <p:spPr>
+          <a:xfrm>
+            <a:off x="3633839" y="2921431"/>
+            <a:ext cx="1206068" cy="449450"/>
+          </a:xfrm>
+          <a:prstGeom prst="rightArrow">
+            <a:avLst/>
+          </a:prstGeom>
+        </p:spPr>
+        <p:style>
+          <a:lnRef idx="2">
+            <a:schemeClr val="accent1">
+              <a:shade val="50000"/>
+            </a:schemeClr>
+          </a:lnRef>
+          <a:fillRef idx="1">
+            <a:schemeClr val="accent1"/>
+          </a:fillRef>
+          <a:effectRef idx="0">
+            <a:schemeClr val="accent1"/>
+          </a:effectRef>
+          <a:fontRef idx="minor">
+            <a:schemeClr val="lt1"/>
+          </a:fontRef>
+        </p:style>
+        <p:txBody>
+          <a:bodyPr rtlCol="0" anchor="ctr"/>
+          <a:lstStyle/>
+          <a:p>
+            <a:pPr algn="ctr"/>
+            <a:endParaRPr lang="en-US"/>
+          </a:p>
+        </p:txBody>
+      </p:sp>
+    </p:spTree>
+  </p:cSld>
+  <p:clrMapOvr>
+    <a:masterClrMapping/>
+  </p:clrMapOvr>
+</p:sld>
+</file>
+
+<file path=ppt/slides/slide15.xml><?xml version="1.0" encoding="utf-8"?>
 <p:sld xmlns:a="http://schemas.openxmlformats.org/drawingml/2006/main" xmlns:r="http://schemas.openxmlformats.org/officeDocument/2006/relationships" xmlns:p="http://schemas.openxmlformats.org/presentationml/2006/main">
   <p:cSld>
     <p:spTree>
@@ -9120,7 +9409,7 @@
                 <a:cs typeface="Lato"/>
                 <a:sym typeface="Lato"/>
               </a:rPr>
-              <a:t>F.	Export Train, Validation, Test</a:t>
+              <a:t>B.   Create a Pipeline</a:t>
             </a:r>
             <a:endParaRPr sz="2000" dirty="0">
               <a:latin typeface="Lato"/>
@@ -9133,10 +9422,10 @@
       </p:sp>
       <p:pic>
         <p:nvPicPr>
-          <p:cNvPr id="3" name="Picture 2">
+          <p:cNvPr id="6" name="Picture 5">
             <a:extLst>
               <a:ext uri="{FF2B5EF4-FFF2-40B4-BE49-F238E27FC236}">
-                <a16:creationId xmlns:a16="http://schemas.microsoft.com/office/drawing/2014/main" id="{23920987-CE8A-9B41-94A8-6DA317CB4EAF}"/>
+                <a16:creationId xmlns:a16="http://schemas.microsoft.com/office/drawing/2014/main" id="{3A83C719-5FF5-3B4D-BCE4-C74EC27AE70E}"/>
               </a:ext>
             </a:extLst>
           </p:cNvPr>
@@ -9153,18 +9442,28 @@
         </p:blipFill>
         <p:spPr>
           <a:xfrm>
-            <a:off x="2034905" y="1567811"/>
-            <a:ext cx="5240225" cy="2217650"/>
+            <a:off x="1010546" y="1443824"/>
+            <a:ext cx="7598057" cy="2484673"/>
           </a:xfrm>
           <a:prstGeom prst="rect">
             <a:avLst/>
           </a:prstGeom>
+          <a:ln>
+            <a:noFill/>
+          </a:ln>
+          <a:effectLst>
+            <a:outerShdw blurRad="292100" dist="139700" dir="2700000" algn="tl" rotWithShape="0">
+              <a:srgbClr val="333333">
+                <a:alpha val="65000"/>
+              </a:srgbClr>
+            </a:outerShdw>
+          </a:effectLst>
         </p:spPr>
       </p:pic>
     </p:spTree>
     <p:extLst>
       <p:ext uri="{BB962C8B-B14F-4D97-AF65-F5344CB8AC3E}">
-        <p14:creationId xmlns:p14="http://schemas.microsoft.com/office/powerpoint/2010/main" val="3371012972"/>
+        <p14:creationId xmlns:p14="http://schemas.microsoft.com/office/powerpoint/2010/main" val="2653191182"/>
       </p:ext>
     </p:extLst>
   </p:cSld>
@@ -9174,12 +9473,12 @@
 </p:sld>
 </file>
 
-<file path=ppt/slides/slide15.xml><?xml version="1.0" encoding="utf-8"?>
+<file path=ppt/slides/slide16.xml><?xml version="1.0" encoding="utf-8"?>
 <p:sld xmlns:a="http://schemas.openxmlformats.org/drawingml/2006/main" xmlns:r="http://schemas.openxmlformats.org/officeDocument/2006/relationships" xmlns:p="http://schemas.openxmlformats.org/presentationml/2006/main">
   <p:cSld>
     <p:spTree>
       <p:nvGrpSpPr>
-        <p:cNvPr id="1" name="Shape 145"/>
+        <p:cNvPr id="1" name=""/>
         <p:cNvGrpSpPr/>
         <p:nvPr/>
       </p:nvGrpSpPr>
@@ -9193,8 +9492,14 @@
       </p:grpSpPr>
       <p:sp>
         <p:nvSpPr>
-          <p:cNvPr id="146" name="Google Shape;146;p25"/>
-          <p:cNvSpPr txBox="1">
+          <p:cNvPr id="2" name="Title 1">
+            <a:extLst>
+              <a:ext uri="{FF2B5EF4-FFF2-40B4-BE49-F238E27FC236}">
+                <a16:creationId xmlns:a16="http://schemas.microsoft.com/office/drawing/2014/main" id="{8092F1C5-A3C1-D147-AA8A-66853639454F}"/>
+              </a:ext>
+            </a:extLst>
+          </p:cNvPr>
+          <p:cNvSpPr>
             <a:spLocks noGrp="1"/>
           </p:cNvSpPr>
           <p:nvPr>
@@ -9203,83 +9508,102 @@
         </p:nvSpPr>
         <p:spPr>
           <a:xfrm>
-            <a:off x="468800" y="575950"/>
-            <a:ext cx="8253000" cy="635400"/>
-          </a:xfrm>
-          <a:prstGeom prst="rect">
-            <a:avLst/>
-          </a:prstGeom>
+            <a:off x="1015139" y="575950"/>
+            <a:ext cx="7706711" cy="635400"/>
+          </a:xfrm>
         </p:spPr>
         <p:txBody>
-          <a:bodyPr spcFirstLastPara="1" wrap="square" lIns="91425" tIns="91425" rIns="91425" bIns="91425" anchor="t" anchorCtr="0">
-            <a:noAutofit/>
-          </a:bodyPr>
+          <a:bodyPr/>
           <a:lstStyle/>
           <a:p>
-            <a:pPr marL="0" lvl="0" indent="0" algn="l" rtl="0">
-              <a:spcBef>
-                <a:spcPts val="0"/>
-              </a:spcBef>
-              <a:spcAft>
-                <a:spcPts val="0"/>
-              </a:spcAft>
-              <a:buNone/>
-            </a:pPr>
             <a:r>
-              <a:rPr lang="en" sz="2600">
-                <a:solidFill>
-                  <a:schemeClr val="dk1"/>
-                </a:solidFill>
+              <a:rPr lang="en-US" sz="2000" dirty="0"/>
+              <a:t>C.  </a:t>
+            </a:r>
+            <a:r>
+              <a:rPr lang="en" sz="2000" dirty="0">
+                <a:latin typeface="Lato"/>
+                <a:ea typeface="Lato"/>
+                <a:cs typeface="Lato"/>
+                <a:sym typeface="Lato"/>
               </a:rPr>
-              <a:t>3. Machine Learning</a:t>
+              <a:t>Create &amp; Fit a Logistic Regression Model</a:t>
             </a:r>
-            <a:endParaRPr sz="2600">
-              <a:solidFill>
-                <a:schemeClr val="dk1"/>
-              </a:solidFill>
-            </a:endParaRPr>
+            <a:endParaRPr lang="en-US" sz="2000" dirty="0"/>
           </a:p>
         </p:txBody>
       </p:sp>
       <p:sp>
         <p:nvSpPr>
-          <p:cNvPr id="147" name="Google Shape;147;p25"/>
-          <p:cNvSpPr txBox="1">
+          <p:cNvPr id="5" name="Text Placeholder 4">
+            <a:extLst>
+              <a:ext uri="{FF2B5EF4-FFF2-40B4-BE49-F238E27FC236}">
+                <a16:creationId xmlns:a16="http://schemas.microsoft.com/office/drawing/2014/main" id="{4EB66222-B8BF-5247-ACFD-4FE57B4BE524}"/>
+              </a:ext>
+            </a:extLst>
+          </p:cNvPr>
+          <p:cNvSpPr>
             <a:spLocks noGrp="1"/>
           </p:cNvSpPr>
           <p:nvPr>
             <p:ph type="body" idx="1"/>
           </p:nvPr>
         </p:nvSpPr>
-        <p:spPr>
-          <a:xfrm>
-            <a:off x="2410112" y="1595776"/>
-            <a:ext cx="6321600" cy="3002400"/>
-          </a:xfrm>
-          <a:prstGeom prst="rect">
-            <a:avLst/>
-          </a:prstGeom>
-        </p:spPr>
+        <p:spPr/>
         <p:txBody>
-          <a:bodyPr spcFirstLastPara="1" wrap="square" lIns="91425" tIns="91425" rIns="91425" bIns="91425" anchor="t" anchorCtr="0">
-            <a:noAutofit/>
-          </a:bodyPr>
+          <a:bodyPr/>
           <a:lstStyle/>
           <a:p>
-            <a:pPr marL="0" lvl="0" indent="0" algn="l" rtl="0">
-              <a:spcBef>
-                <a:spcPts val="0"/>
-              </a:spcBef>
-              <a:spcAft>
-                <a:spcPts val="1600"/>
-              </a:spcAft>
-              <a:buNone/>
-            </a:pPr>
-            <a:endParaRPr/>
+            <a:endParaRPr lang="en-US" dirty="0"/>
           </a:p>
         </p:txBody>
       </p:sp>
+      <p:pic>
+        <p:nvPicPr>
+          <p:cNvPr id="7" name="Picture 6">
+            <a:extLst>
+              <a:ext uri="{FF2B5EF4-FFF2-40B4-BE49-F238E27FC236}">
+                <a16:creationId xmlns:a16="http://schemas.microsoft.com/office/drawing/2014/main" id="{5AEC1F37-D4DA-2C4D-9FF9-DAEFF3AB4C79}"/>
+              </a:ext>
+            </a:extLst>
+          </p:cNvPr>
+          <p:cNvPicPr>
+            <a:picLocks noChangeAspect="1"/>
+          </p:cNvPicPr>
+          <p:nvPr/>
+        </p:nvPicPr>
+        <p:blipFill>
+          <a:blip r:embed="rId2"/>
+          <a:stretch>
+            <a:fillRect/>
+          </a:stretch>
+        </p:blipFill>
+        <p:spPr>
+          <a:xfrm>
+            <a:off x="340315" y="2224007"/>
+            <a:ext cx="8061077" cy="927213"/>
+          </a:xfrm>
+          <a:prstGeom prst="rect">
+            <a:avLst/>
+          </a:prstGeom>
+          <a:ln>
+            <a:noFill/>
+          </a:ln>
+          <a:effectLst>
+            <a:outerShdw blurRad="292100" dist="139700" dir="2700000" algn="tl" rotWithShape="0">
+              <a:srgbClr val="333333">
+                <a:alpha val="65000"/>
+              </a:srgbClr>
+            </a:outerShdw>
+          </a:effectLst>
+        </p:spPr>
+      </p:pic>
     </p:spTree>
+    <p:extLst>
+      <p:ext uri="{BB962C8B-B14F-4D97-AF65-F5344CB8AC3E}">
+        <p14:creationId xmlns:p14="http://schemas.microsoft.com/office/powerpoint/2010/main" val="304091487"/>
+      </p:ext>
+    </p:extLst>
   </p:cSld>
   <p:clrMapOvr>
     <a:masterClrMapping/>
@@ -9287,12 +9611,12 @@
 </p:sld>
 </file>
 
-<file path=ppt/slides/slide16.xml><?xml version="1.0" encoding="utf-8"?>
+<file path=ppt/slides/slide17.xml><?xml version="1.0" encoding="utf-8"?>
 <p:sld xmlns:a="http://schemas.openxmlformats.org/drawingml/2006/main" xmlns:r="http://schemas.openxmlformats.org/officeDocument/2006/relationships" xmlns:p="http://schemas.openxmlformats.org/presentationml/2006/main">
   <p:cSld>
     <p:spTree>
       <p:nvGrpSpPr>
-        <p:cNvPr id="1" name="Shape 151"/>
+        <p:cNvPr id="1" name=""/>
         <p:cNvGrpSpPr/>
         <p:nvPr/>
       </p:nvGrpSpPr>
@@ -9306,8 +9630,14 @@
       </p:grpSpPr>
       <p:sp>
         <p:nvSpPr>
-          <p:cNvPr id="152" name="Google Shape;152;p26"/>
-          <p:cNvSpPr txBox="1">
+          <p:cNvPr id="2" name="Title 1">
+            <a:extLst>
+              <a:ext uri="{FF2B5EF4-FFF2-40B4-BE49-F238E27FC236}">
+                <a16:creationId xmlns:a16="http://schemas.microsoft.com/office/drawing/2014/main" id="{8092F1C5-A3C1-D147-AA8A-66853639454F}"/>
+              </a:ext>
+            </a:extLst>
+          </p:cNvPr>
+          <p:cNvSpPr>
             <a:spLocks noGrp="1"/>
           </p:cNvSpPr>
           <p:nvPr>
@@ -9316,48 +9646,31 @@
         </p:nvSpPr>
         <p:spPr>
           <a:xfrm>
-            <a:off x="468800" y="575950"/>
-            <a:ext cx="8253000" cy="635400"/>
-          </a:xfrm>
-          <a:prstGeom prst="rect">
-            <a:avLst/>
-          </a:prstGeom>
+            <a:off x="1015139" y="575950"/>
+            <a:ext cx="7706711" cy="635400"/>
+          </a:xfrm>
         </p:spPr>
         <p:txBody>
-          <a:bodyPr spcFirstLastPara="1" wrap="square" lIns="91425" tIns="91425" rIns="91425" bIns="91425" anchor="t" anchorCtr="0">
-            <a:noAutofit/>
-          </a:bodyPr>
+          <a:bodyPr/>
           <a:lstStyle/>
           <a:p>
-            <a:pPr marL="0" lvl="0" indent="0" algn="l" rtl="0">
-              <a:spcBef>
-                <a:spcPts val="0"/>
-              </a:spcBef>
-              <a:spcAft>
-                <a:spcPts val="0"/>
-              </a:spcAft>
-              <a:buNone/>
-            </a:pPr>
             <a:r>
-              <a:rPr lang="en" sz="2600">
-                <a:solidFill>
-                  <a:schemeClr val="dk1"/>
-                </a:solidFill>
-              </a:rPr>
-              <a:t>4. Validation</a:t>
+              <a:rPr lang="en-US" sz="2000" dirty="0"/>
+              <a:t>C.   Change Threshold</a:t>
             </a:r>
-            <a:endParaRPr sz="2600">
-              <a:solidFill>
-                <a:schemeClr val="dk1"/>
-              </a:solidFill>
-            </a:endParaRPr>
           </a:p>
         </p:txBody>
       </p:sp>
       <p:sp>
         <p:nvSpPr>
-          <p:cNvPr id="153" name="Google Shape;153;p26"/>
-          <p:cNvSpPr txBox="1">
+          <p:cNvPr id="5" name="Text Placeholder 4">
+            <a:extLst>
+              <a:ext uri="{FF2B5EF4-FFF2-40B4-BE49-F238E27FC236}">
+                <a16:creationId xmlns:a16="http://schemas.microsoft.com/office/drawing/2014/main" id="{4EB66222-B8BF-5247-ACFD-4FE57B4BE524}"/>
+              </a:ext>
+            </a:extLst>
+          </p:cNvPr>
+          <p:cNvSpPr>
             <a:spLocks noGrp="1"/>
           </p:cNvSpPr>
           <p:nvPr>
@@ -9366,33 +9679,119 @@
         </p:nvSpPr>
         <p:spPr>
           <a:xfrm>
-            <a:off x="2410112" y="1595776"/>
-            <a:ext cx="6321600" cy="3002400"/>
-          </a:xfrm>
-          <a:prstGeom prst="rect">
-            <a:avLst/>
-          </a:prstGeom>
+            <a:off x="1015139" y="1211350"/>
+            <a:ext cx="7716573" cy="3386826"/>
+          </a:xfrm>
         </p:spPr>
         <p:txBody>
-          <a:bodyPr spcFirstLastPara="1" wrap="square" lIns="91425" tIns="91425" rIns="91425" bIns="91425" anchor="t" anchorCtr="0">
-            <a:noAutofit/>
-          </a:bodyPr>
+          <a:bodyPr/>
           <a:lstStyle/>
           <a:p>
-            <a:pPr marL="0" lvl="0" indent="0" algn="l" rtl="0">
-              <a:spcBef>
-                <a:spcPts val="0"/>
-              </a:spcBef>
-              <a:spcAft>
-                <a:spcPts val="1600"/>
-              </a:spcAft>
-              <a:buNone/>
-            </a:pPr>
-            <a:endParaRPr/>
+            <a:r>
+              <a:rPr lang="en-US" dirty="0"/>
+              <a:t>3:1 True to False</a:t>
+            </a:r>
+          </a:p>
+          <a:p>
+            <a:r>
+              <a:rPr lang="en-US" dirty="0"/>
+              <a:t>Threshold starts out at 0.5</a:t>
+            </a:r>
+          </a:p>
+          <a:p>
+            <a:r>
+              <a:rPr lang="en-US" dirty="0"/>
+              <a:t>New Threshold is 0.615 for positive class (1)</a:t>
+            </a:r>
           </a:p>
         </p:txBody>
       </p:sp>
+      <p:pic>
+        <p:nvPicPr>
+          <p:cNvPr id="4" name="Picture 3">
+            <a:extLst>
+              <a:ext uri="{FF2B5EF4-FFF2-40B4-BE49-F238E27FC236}">
+                <a16:creationId xmlns:a16="http://schemas.microsoft.com/office/drawing/2014/main" id="{E9243883-05A3-5246-9C60-D6417B911939}"/>
+              </a:ext>
+            </a:extLst>
+          </p:cNvPr>
+          <p:cNvPicPr>
+            <a:picLocks noChangeAspect="1"/>
+          </p:cNvPicPr>
+          <p:nvPr/>
+        </p:nvPicPr>
+        <p:blipFill>
+          <a:blip r:embed="rId2"/>
+          <a:stretch>
+            <a:fillRect/>
+          </a:stretch>
+        </p:blipFill>
+        <p:spPr>
+          <a:xfrm>
+            <a:off x="418453" y="2473889"/>
+            <a:ext cx="2743201" cy="2031297"/>
+          </a:xfrm>
+          <a:prstGeom prst="rect">
+            <a:avLst/>
+          </a:prstGeom>
+          <a:ln>
+            <a:noFill/>
+          </a:ln>
+          <a:effectLst>
+            <a:outerShdw blurRad="292100" dist="139700" dir="2700000" algn="tl" rotWithShape="0">
+              <a:srgbClr val="333333">
+                <a:alpha val="65000"/>
+              </a:srgbClr>
+            </a:outerShdw>
+          </a:effectLst>
+        </p:spPr>
+      </p:pic>
+      <p:pic>
+        <p:nvPicPr>
+          <p:cNvPr id="8" name="Picture 7">
+            <a:extLst>
+              <a:ext uri="{FF2B5EF4-FFF2-40B4-BE49-F238E27FC236}">
+                <a16:creationId xmlns:a16="http://schemas.microsoft.com/office/drawing/2014/main" id="{5A181164-C6AA-F045-B6A8-8062BF99AA6B}"/>
+              </a:ext>
+            </a:extLst>
+          </p:cNvPr>
+          <p:cNvPicPr>
+            <a:picLocks noChangeAspect="1"/>
+          </p:cNvPicPr>
+          <p:nvPr/>
+        </p:nvPicPr>
+        <p:blipFill>
+          <a:blip r:embed="rId3"/>
+          <a:stretch>
+            <a:fillRect/>
+          </a:stretch>
+        </p:blipFill>
+        <p:spPr>
+          <a:xfrm>
+            <a:off x="3878414" y="2563247"/>
+            <a:ext cx="4909125" cy="1941939"/>
+          </a:xfrm>
+          <a:prstGeom prst="rect">
+            <a:avLst/>
+          </a:prstGeom>
+          <a:ln>
+            <a:noFill/>
+          </a:ln>
+          <a:effectLst>
+            <a:outerShdw blurRad="292100" dist="139700" dir="2700000" algn="tl" rotWithShape="0">
+              <a:srgbClr val="333333">
+                <a:alpha val="65000"/>
+              </a:srgbClr>
+            </a:outerShdw>
+          </a:effectLst>
+        </p:spPr>
+      </p:pic>
     </p:spTree>
+    <p:extLst>
+      <p:ext uri="{BB962C8B-B14F-4D97-AF65-F5344CB8AC3E}">
+        <p14:creationId xmlns:p14="http://schemas.microsoft.com/office/powerpoint/2010/main" val="3065201185"/>
+      </p:ext>
+    </p:extLst>
   </p:cSld>
   <p:clrMapOvr>
     <a:masterClrMapping/>
@@ -9400,12 +9799,12 @@
 </p:sld>
 </file>
 
-<file path=ppt/slides/slide17.xml><?xml version="1.0" encoding="utf-8"?>
+<file path=ppt/slides/slide18.xml><?xml version="1.0" encoding="utf-8"?>
 <p:sld xmlns:a="http://schemas.openxmlformats.org/drawingml/2006/main" xmlns:r="http://schemas.openxmlformats.org/officeDocument/2006/relationships" xmlns:p="http://schemas.openxmlformats.org/presentationml/2006/main">
   <p:cSld>
     <p:spTree>
       <p:nvGrpSpPr>
-        <p:cNvPr id="1" name="Shape 157"/>
+        <p:cNvPr id="1" name=""/>
         <p:cNvGrpSpPr/>
         <p:nvPr/>
       </p:nvGrpSpPr>
@@ -9419,8 +9818,14 @@
       </p:grpSpPr>
       <p:sp>
         <p:nvSpPr>
-          <p:cNvPr id="158" name="Google Shape;158;p27"/>
-          <p:cNvSpPr txBox="1">
+          <p:cNvPr id="2" name="Title 1">
+            <a:extLst>
+              <a:ext uri="{FF2B5EF4-FFF2-40B4-BE49-F238E27FC236}">
+                <a16:creationId xmlns:a16="http://schemas.microsoft.com/office/drawing/2014/main" id="{8092F1C5-A3C1-D147-AA8A-66853639454F}"/>
+              </a:ext>
+            </a:extLst>
+          </p:cNvPr>
+          <p:cNvSpPr>
             <a:spLocks noGrp="1"/>
           </p:cNvSpPr>
           <p:nvPr>
@@ -9429,48 +9834,31 @@
         </p:nvSpPr>
         <p:spPr>
           <a:xfrm>
-            <a:off x="455425" y="575950"/>
-            <a:ext cx="8266500" cy="635400"/>
-          </a:xfrm>
-          <a:prstGeom prst="rect">
-            <a:avLst/>
-          </a:prstGeom>
+            <a:off x="1015139" y="575950"/>
+            <a:ext cx="7706711" cy="635400"/>
+          </a:xfrm>
         </p:spPr>
         <p:txBody>
-          <a:bodyPr spcFirstLastPara="1" wrap="square" lIns="91425" tIns="91425" rIns="91425" bIns="91425" anchor="t" anchorCtr="0">
-            <a:noAutofit/>
-          </a:bodyPr>
+          <a:bodyPr/>
           <a:lstStyle/>
           <a:p>
-            <a:pPr marL="0" lvl="0" indent="0" algn="l" rtl="0">
-              <a:spcBef>
-                <a:spcPts val="0"/>
-              </a:spcBef>
-              <a:spcAft>
-                <a:spcPts val="0"/>
-              </a:spcAft>
-              <a:buNone/>
-            </a:pPr>
             <a:r>
-              <a:rPr lang="en" sz="2600">
-                <a:solidFill>
-                  <a:schemeClr val="dk1"/>
-                </a:solidFill>
-              </a:rPr>
-              <a:t>5.	Testing</a:t>
+              <a:rPr lang="en-US" sz="2000" dirty="0"/>
+              <a:t>D. Evaluate Model on Train Data</a:t>
             </a:r>
-            <a:endParaRPr sz="2600">
-              <a:solidFill>
-                <a:schemeClr val="dk1"/>
-              </a:solidFill>
-            </a:endParaRPr>
           </a:p>
         </p:txBody>
       </p:sp>
       <p:sp>
         <p:nvSpPr>
-          <p:cNvPr id="159" name="Google Shape;159;p27"/>
-          <p:cNvSpPr txBox="1">
+          <p:cNvPr id="5" name="Text Placeholder 4">
+            <a:extLst>
+              <a:ext uri="{FF2B5EF4-FFF2-40B4-BE49-F238E27FC236}">
+                <a16:creationId xmlns:a16="http://schemas.microsoft.com/office/drawing/2014/main" id="{4EB66222-B8BF-5247-ACFD-4FE57B4BE524}"/>
+              </a:ext>
+            </a:extLst>
+          </p:cNvPr>
+          <p:cNvSpPr>
             <a:spLocks noGrp="1"/>
           </p:cNvSpPr>
           <p:nvPr>
@@ -9479,33 +9867,212 @@
         </p:nvSpPr>
         <p:spPr>
           <a:xfrm>
-            <a:off x="2410112" y="1595776"/>
-            <a:ext cx="6321600" cy="3002400"/>
-          </a:xfrm>
-          <a:prstGeom prst="rect">
-            <a:avLst/>
-          </a:prstGeom>
+            <a:off x="1015139" y="1211350"/>
+            <a:ext cx="7716573" cy="3386826"/>
+          </a:xfrm>
         </p:spPr>
         <p:txBody>
-          <a:bodyPr spcFirstLastPara="1" wrap="square" lIns="91425" tIns="91425" rIns="91425" bIns="91425" anchor="t" anchorCtr="0">
-            <a:noAutofit/>
-          </a:bodyPr>
+          <a:bodyPr/>
           <a:lstStyle/>
           <a:p>
-            <a:pPr marL="0" lvl="0" indent="0" algn="l" rtl="0">
-              <a:spcBef>
-                <a:spcPts val="0"/>
-              </a:spcBef>
-              <a:spcAft>
-                <a:spcPts val="1600"/>
-              </a:spcAft>
-              <a:buNone/>
-            </a:pPr>
-            <a:endParaRPr/>
+            <a:r>
+              <a:rPr lang="en-US" dirty="0"/>
+              <a:t>Roc : 0.80</a:t>
+            </a:r>
+          </a:p>
+          <a:p>
+            <a:r>
+              <a:rPr lang="en-US" dirty="0"/>
+              <a:t>Accuracy: .804</a:t>
+            </a:r>
+          </a:p>
+          <a:p>
+            <a:r>
+              <a:rPr lang="en-US" dirty="0"/>
+              <a:t>F1 score: 0.7658</a:t>
+            </a:r>
           </a:p>
         </p:txBody>
       </p:sp>
+      <p:pic>
+        <p:nvPicPr>
+          <p:cNvPr id="6" name="Picture 5">
+            <a:extLst>
+              <a:ext uri="{FF2B5EF4-FFF2-40B4-BE49-F238E27FC236}">
+                <a16:creationId xmlns:a16="http://schemas.microsoft.com/office/drawing/2014/main" id="{AB6CF622-1A0A-8643-82E0-D3330FDE5B31}"/>
+              </a:ext>
+            </a:extLst>
+          </p:cNvPr>
+          <p:cNvPicPr>
+            <a:picLocks noChangeAspect="1"/>
+          </p:cNvPicPr>
+          <p:nvPr/>
+        </p:nvPicPr>
+        <p:blipFill>
+          <a:blip r:embed="rId2"/>
+          <a:stretch>
+            <a:fillRect/>
+          </a:stretch>
+        </p:blipFill>
+        <p:spPr>
+          <a:xfrm>
+            <a:off x="2232758" y="2457868"/>
+            <a:ext cx="4992499" cy="1868420"/>
+          </a:xfrm>
+          <a:prstGeom prst="rect">
+            <a:avLst/>
+          </a:prstGeom>
+          <a:ln>
+            <a:noFill/>
+          </a:ln>
+          <a:effectLst>
+            <a:outerShdw blurRad="292100" dist="139700" dir="2700000" algn="tl" rotWithShape="0">
+              <a:srgbClr val="333333">
+                <a:alpha val="65000"/>
+              </a:srgbClr>
+            </a:outerShdw>
+          </a:effectLst>
+        </p:spPr>
+      </p:pic>
     </p:spTree>
+    <p:extLst>
+      <p:ext uri="{BB962C8B-B14F-4D97-AF65-F5344CB8AC3E}">
+        <p14:creationId xmlns:p14="http://schemas.microsoft.com/office/powerpoint/2010/main" val="1070874341"/>
+      </p:ext>
+    </p:extLst>
+  </p:cSld>
+  <p:clrMapOvr>
+    <a:masterClrMapping/>
+  </p:clrMapOvr>
+</p:sld>
+</file>
+
+<file path=ppt/slides/slide19.xml><?xml version="1.0" encoding="utf-8"?>
+<p:sld xmlns:a="http://schemas.openxmlformats.org/drawingml/2006/main" xmlns:r="http://schemas.openxmlformats.org/officeDocument/2006/relationships" xmlns:p="http://schemas.openxmlformats.org/presentationml/2006/main">
+  <p:cSld>
+    <p:spTree>
+      <p:nvGrpSpPr>
+        <p:cNvPr id="1" name=""/>
+        <p:cNvGrpSpPr/>
+        <p:nvPr/>
+      </p:nvGrpSpPr>
+      <p:grpSpPr>
+        <a:xfrm>
+          <a:off x="0" y="0"/>
+          <a:ext cx="0" cy="0"/>
+          <a:chOff x="0" y="0"/>
+          <a:chExt cx="0" cy="0"/>
+        </a:xfrm>
+      </p:grpSpPr>
+      <p:sp>
+        <p:nvSpPr>
+          <p:cNvPr id="2" name="Title 1">
+            <a:extLst>
+              <a:ext uri="{FF2B5EF4-FFF2-40B4-BE49-F238E27FC236}">
+                <a16:creationId xmlns:a16="http://schemas.microsoft.com/office/drawing/2014/main" id="{8092F1C5-A3C1-D147-AA8A-66853639454F}"/>
+              </a:ext>
+            </a:extLst>
+          </p:cNvPr>
+          <p:cNvSpPr>
+            <a:spLocks noGrp="1"/>
+          </p:cNvSpPr>
+          <p:nvPr>
+            <p:ph type="title"/>
+          </p:nvPr>
+        </p:nvSpPr>
+        <p:spPr>
+          <a:xfrm>
+            <a:off x="1015139" y="575950"/>
+            <a:ext cx="7706711" cy="635400"/>
+          </a:xfrm>
+        </p:spPr>
+        <p:txBody>
+          <a:bodyPr/>
+          <a:lstStyle/>
+          <a:p>
+            <a:r>
+              <a:rPr lang="en-US" sz="2000" dirty="0"/>
+              <a:t>E.  Save Model and Pipeline</a:t>
+            </a:r>
+          </a:p>
+        </p:txBody>
+      </p:sp>
+      <p:sp>
+        <p:nvSpPr>
+          <p:cNvPr id="5" name="Text Placeholder 4">
+            <a:extLst>
+              <a:ext uri="{FF2B5EF4-FFF2-40B4-BE49-F238E27FC236}">
+                <a16:creationId xmlns:a16="http://schemas.microsoft.com/office/drawing/2014/main" id="{4EB66222-B8BF-5247-ACFD-4FE57B4BE524}"/>
+              </a:ext>
+            </a:extLst>
+          </p:cNvPr>
+          <p:cNvSpPr>
+            <a:spLocks noGrp="1"/>
+          </p:cNvSpPr>
+          <p:nvPr>
+            <p:ph type="body" idx="1"/>
+          </p:nvPr>
+        </p:nvSpPr>
+        <p:spPr>
+          <a:xfrm>
+            <a:off x="2410112" y="1211350"/>
+            <a:ext cx="6321600" cy="3386826"/>
+          </a:xfrm>
+        </p:spPr>
+        <p:txBody>
+          <a:bodyPr/>
+          <a:lstStyle/>
+          <a:p>
+            <a:endParaRPr lang="en-US" dirty="0"/>
+          </a:p>
+        </p:txBody>
+      </p:sp>
+      <p:pic>
+        <p:nvPicPr>
+          <p:cNvPr id="4" name="Picture 3">
+            <a:extLst>
+              <a:ext uri="{FF2B5EF4-FFF2-40B4-BE49-F238E27FC236}">
+                <a16:creationId xmlns:a16="http://schemas.microsoft.com/office/drawing/2014/main" id="{B5E54B99-1EC8-8147-8928-C1424B82D59B}"/>
+              </a:ext>
+            </a:extLst>
+          </p:cNvPr>
+          <p:cNvPicPr>
+            <a:picLocks noChangeAspect="1"/>
+          </p:cNvPicPr>
+          <p:nvPr/>
+        </p:nvPicPr>
+        <p:blipFill>
+          <a:blip r:embed="rId2"/>
+          <a:stretch>
+            <a:fillRect/>
+          </a:stretch>
+        </p:blipFill>
+        <p:spPr>
+          <a:xfrm>
+            <a:off x="1659395" y="1960535"/>
+            <a:ext cx="4763616" cy="1464590"/>
+          </a:xfrm>
+          <a:prstGeom prst="rect">
+            <a:avLst/>
+          </a:prstGeom>
+          <a:ln>
+            <a:noFill/>
+          </a:ln>
+          <a:effectLst>
+            <a:outerShdw blurRad="292100" dist="139700" dir="2700000" algn="tl" rotWithShape="0">
+              <a:srgbClr val="333333">
+                <a:alpha val="65000"/>
+              </a:srgbClr>
+            </a:outerShdw>
+          </a:effectLst>
+        </p:spPr>
+      </p:pic>
+    </p:spTree>
+    <p:extLst>
+      <p:ext uri="{BB962C8B-B14F-4D97-AF65-F5344CB8AC3E}">
+        <p14:creationId xmlns:p14="http://schemas.microsoft.com/office/powerpoint/2010/main" val="650828394"/>
+      </p:ext>
+    </p:extLst>
   </p:cSld>
   <p:clrMapOvr>
     <a:masterClrMapping/>
@@ -9817,6 +10384,680 @@
           </a:p>
         </p:txBody>
       </p:sp>
+    </p:spTree>
+  </p:cSld>
+  <p:clrMapOvr>
+    <a:masterClrMapping/>
+  </p:clrMapOvr>
+</p:sld>
+</file>
+
+<file path=ppt/slides/slide20.xml><?xml version="1.0" encoding="utf-8"?>
+<p:sld xmlns:a="http://schemas.openxmlformats.org/drawingml/2006/main" xmlns:r="http://schemas.openxmlformats.org/officeDocument/2006/relationships" xmlns:p="http://schemas.openxmlformats.org/presentationml/2006/main">
+  <p:cSld>
+    <p:spTree>
+      <p:nvGrpSpPr>
+        <p:cNvPr id="1" name="Shape 151"/>
+        <p:cNvGrpSpPr/>
+        <p:nvPr/>
+      </p:nvGrpSpPr>
+      <p:grpSpPr>
+        <a:xfrm>
+          <a:off x="0" y="0"/>
+          <a:ext cx="0" cy="0"/>
+          <a:chOff x="0" y="0"/>
+          <a:chExt cx="0" cy="0"/>
+        </a:xfrm>
+      </p:grpSpPr>
+      <p:sp>
+        <p:nvSpPr>
+          <p:cNvPr id="152" name="Google Shape;152;p26"/>
+          <p:cNvSpPr txBox="1">
+            <a:spLocks noGrp="1"/>
+          </p:cNvSpPr>
+          <p:nvPr>
+            <p:ph type="title"/>
+          </p:nvPr>
+        </p:nvSpPr>
+        <p:spPr>
+          <a:xfrm>
+            <a:off x="468800" y="575950"/>
+            <a:ext cx="8253000" cy="635400"/>
+          </a:xfrm>
+          <a:prstGeom prst="rect">
+            <a:avLst/>
+          </a:prstGeom>
+        </p:spPr>
+        <p:txBody>
+          <a:bodyPr spcFirstLastPara="1" wrap="square" lIns="91425" tIns="91425" rIns="91425" bIns="91425" anchor="t" anchorCtr="0">
+            <a:noAutofit/>
+          </a:bodyPr>
+          <a:lstStyle/>
+          <a:p>
+            <a:pPr marL="0" lvl="0" indent="0" algn="l" rtl="0">
+              <a:spcBef>
+                <a:spcPts val="0"/>
+              </a:spcBef>
+              <a:spcAft>
+                <a:spcPts val="0"/>
+              </a:spcAft>
+              <a:buNone/>
+            </a:pPr>
+            <a:r>
+              <a:rPr lang="en" sz="2600" dirty="0">
+                <a:solidFill>
+                  <a:schemeClr val="dk1"/>
+                </a:solidFill>
+              </a:rPr>
+              <a:t>4. Validation</a:t>
+            </a:r>
+            <a:endParaRPr sz="2600" dirty="0">
+              <a:solidFill>
+                <a:schemeClr val="dk1"/>
+              </a:solidFill>
+            </a:endParaRPr>
+          </a:p>
+        </p:txBody>
+      </p:sp>
+      <p:sp>
+        <p:nvSpPr>
+          <p:cNvPr id="153" name="Google Shape;153;p26"/>
+          <p:cNvSpPr txBox="1">
+            <a:spLocks noGrp="1"/>
+          </p:cNvSpPr>
+          <p:nvPr>
+            <p:ph type="body" idx="1"/>
+          </p:nvPr>
+        </p:nvSpPr>
+        <p:spPr>
+          <a:xfrm>
+            <a:off x="937647" y="1286359"/>
+            <a:ext cx="7794066" cy="3311817"/>
+          </a:xfrm>
+          <a:prstGeom prst="rect">
+            <a:avLst/>
+          </a:prstGeom>
+        </p:spPr>
+        <p:txBody>
+          <a:bodyPr spcFirstLastPara="1" wrap="square" lIns="91425" tIns="91425" rIns="91425" bIns="91425" anchor="t" anchorCtr="0">
+            <a:noAutofit/>
+          </a:bodyPr>
+          <a:lstStyle/>
+          <a:p>
+            <a:pPr marL="0" lvl="0" indent="0" algn="l" rtl="0">
+              <a:spcBef>
+                <a:spcPts val="0"/>
+              </a:spcBef>
+              <a:spcAft>
+                <a:spcPts val="1600"/>
+              </a:spcAft>
+              <a:buNone/>
+            </a:pPr>
+            <a:r>
+              <a:rPr lang="en-US" sz="2000" b="1" dirty="0"/>
+              <a:t>A.  Load Model and Pipeline </a:t>
+            </a:r>
+            <a:endParaRPr sz="2000" b="1" dirty="0"/>
+          </a:p>
+        </p:txBody>
+      </p:sp>
+      <p:pic>
+        <p:nvPicPr>
+          <p:cNvPr id="3" name="Picture 2">
+            <a:extLst>
+              <a:ext uri="{FF2B5EF4-FFF2-40B4-BE49-F238E27FC236}">
+                <a16:creationId xmlns:a16="http://schemas.microsoft.com/office/drawing/2014/main" id="{745CCFD9-E7E8-8B44-9F74-5A9D83E73770}"/>
+              </a:ext>
+            </a:extLst>
+          </p:cNvPr>
+          <p:cNvPicPr>
+            <a:picLocks noChangeAspect="1"/>
+          </p:cNvPicPr>
+          <p:nvPr/>
+        </p:nvPicPr>
+        <p:blipFill>
+          <a:blip r:embed="rId3"/>
+          <a:stretch>
+            <a:fillRect/>
+          </a:stretch>
+        </p:blipFill>
+        <p:spPr>
+          <a:xfrm>
+            <a:off x="2160773" y="2200759"/>
+            <a:ext cx="4874170" cy="1733765"/>
+          </a:xfrm>
+          <a:prstGeom prst="rect">
+            <a:avLst/>
+          </a:prstGeom>
+          <a:ln>
+            <a:noFill/>
+          </a:ln>
+          <a:effectLst>
+            <a:outerShdw blurRad="292100" dist="139700" dir="2700000" algn="tl" rotWithShape="0">
+              <a:srgbClr val="333333">
+                <a:alpha val="65000"/>
+              </a:srgbClr>
+            </a:outerShdw>
+          </a:effectLst>
+        </p:spPr>
+      </p:pic>
+    </p:spTree>
+  </p:cSld>
+  <p:clrMapOvr>
+    <a:masterClrMapping/>
+  </p:clrMapOvr>
+</p:sld>
+</file>
+
+<file path=ppt/slides/slide21.xml><?xml version="1.0" encoding="utf-8"?>
+<p:sld xmlns:a="http://schemas.openxmlformats.org/drawingml/2006/main" xmlns:r="http://schemas.openxmlformats.org/officeDocument/2006/relationships" xmlns:p="http://schemas.openxmlformats.org/presentationml/2006/main">
+  <p:cSld>
+    <p:spTree>
+      <p:nvGrpSpPr>
+        <p:cNvPr id="1" name=""/>
+        <p:cNvGrpSpPr/>
+        <p:nvPr/>
+      </p:nvGrpSpPr>
+      <p:grpSpPr>
+        <a:xfrm>
+          <a:off x="0" y="0"/>
+          <a:ext cx="0" cy="0"/>
+          <a:chOff x="0" y="0"/>
+          <a:chExt cx="0" cy="0"/>
+        </a:xfrm>
+      </p:grpSpPr>
+      <p:sp>
+        <p:nvSpPr>
+          <p:cNvPr id="2" name="Title 1">
+            <a:extLst>
+              <a:ext uri="{FF2B5EF4-FFF2-40B4-BE49-F238E27FC236}">
+                <a16:creationId xmlns:a16="http://schemas.microsoft.com/office/drawing/2014/main" id="{8092F1C5-A3C1-D147-AA8A-66853639454F}"/>
+              </a:ext>
+            </a:extLst>
+          </p:cNvPr>
+          <p:cNvSpPr>
+            <a:spLocks noGrp="1"/>
+          </p:cNvSpPr>
+          <p:nvPr>
+            <p:ph type="title"/>
+          </p:nvPr>
+        </p:nvSpPr>
+        <p:spPr>
+          <a:xfrm>
+            <a:off x="1015139" y="575950"/>
+            <a:ext cx="7706711" cy="635400"/>
+          </a:xfrm>
+        </p:spPr>
+        <p:txBody>
+          <a:bodyPr/>
+          <a:lstStyle/>
+          <a:p>
+            <a:r>
+              <a:rPr lang="en-US" sz="2000" dirty="0"/>
+              <a:t>B.  Transform data and predict </a:t>
+            </a:r>
+          </a:p>
+        </p:txBody>
+      </p:sp>
+      <p:sp>
+        <p:nvSpPr>
+          <p:cNvPr id="5" name="Text Placeholder 4">
+            <a:extLst>
+              <a:ext uri="{FF2B5EF4-FFF2-40B4-BE49-F238E27FC236}">
+                <a16:creationId xmlns:a16="http://schemas.microsoft.com/office/drawing/2014/main" id="{4EB66222-B8BF-5247-ACFD-4FE57B4BE524}"/>
+              </a:ext>
+            </a:extLst>
+          </p:cNvPr>
+          <p:cNvSpPr>
+            <a:spLocks noGrp="1"/>
+          </p:cNvSpPr>
+          <p:nvPr>
+            <p:ph type="body" idx="1"/>
+          </p:nvPr>
+        </p:nvSpPr>
+        <p:spPr>
+          <a:xfrm>
+            <a:off x="2410112" y="1211350"/>
+            <a:ext cx="6321600" cy="3386826"/>
+          </a:xfrm>
+        </p:spPr>
+        <p:txBody>
+          <a:bodyPr/>
+          <a:lstStyle/>
+          <a:p>
+            <a:endParaRPr lang="en-US" dirty="0"/>
+          </a:p>
+        </p:txBody>
+      </p:sp>
+      <p:pic>
+        <p:nvPicPr>
+          <p:cNvPr id="6" name="Picture 5">
+            <a:extLst>
+              <a:ext uri="{FF2B5EF4-FFF2-40B4-BE49-F238E27FC236}">
+                <a16:creationId xmlns:a16="http://schemas.microsoft.com/office/drawing/2014/main" id="{C015ECAD-C632-A74C-A31D-961CC234BEF9}"/>
+              </a:ext>
+            </a:extLst>
+          </p:cNvPr>
+          <p:cNvPicPr>
+            <a:picLocks noChangeAspect="1"/>
+          </p:cNvPicPr>
+          <p:nvPr/>
+        </p:nvPicPr>
+        <p:blipFill>
+          <a:blip r:embed="rId2"/>
+          <a:stretch>
+            <a:fillRect/>
+          </a:stretch>
+        </p:blipFill>
+        <p:spPr>
+          <a:xfrm>
+            <a:off x="1351130" y="1410562"/>
+            <a:ext cx="6121400" cy="1206500"/>
+          </a:xfrm>
+          <a:prstGeom prst="rect">
+            <a:avLst/>
+          </a:prstGeom>
+          <a:ln>
+            <a:noFill/>
+          </a:ln>
+          <a:effectLst>
+            <a:outerShdw blurRad="292100" dist="139700" dir="2700000" algn="tl" rotWithShape="0">
+              <a:srgbClr val="333333">
+                <a:alpha val="65000"/>
+              </a:srgbClr>
+            </a:outerShdw>
+          </a:effectLst>
+        </p:spPr>
+      </p:pic>
+      <p:pic>
+        <p:nvPicPr>
+          <p:cNvPr id="8" name="Picture 7">
+            <a:extLst>
+              <a:ext uri="{FF2B5EF4-FFF2-40B4-BE49-F238E27FC236}">
+                <a16:creationId xmlns:a16="http://schemas.microsoft.com/office/drawing/2014/main" id="{4DA40109-69B5-5D45-BC62-C827C78E9587}"/>
+              </a:ext>
+            </a:extLst>
+          </p:cNvPr>
+          <p:cNvPicPr>
+            <a:picLocks noChangeAspect="1"/>
+          </p:cNvPicPr>
+          <p:nvPr/>
+        </p:nvPicPr>
+        <p:blipFill>
+          <a:blip r:embed="rId3"/>
+          <a:stretch>
+            <a:fillRect/>
+          </a:stretch>
+        </p:blipFill>
+        <p:spPr>
+          <a:xfrm>
+            <a:off x="2608233" y="3118490"/>
+            <a:ext cx="3607193" cy="1216379"/>
+          </a:xfrm>
+          <a:prstGeom prst="rect">
+            <a:avLst/>
+          </a:prstGeom>
+          <a:ln>
+            <a:noFill/>
+          </a:ln>
+          <a:effectLst>
+            <a:outerShdw blurRad="292100" dist="139700" dir="2700000" algn="tl" rotWithShape="0">
+              <a:srgbClr val="333333">
+                <a:alpha val="65000"/>
+              </a:srgbClr>
+            </a:outerShdw>
+          </a:effectLst>
+        </p:spPr>
+      </p:pic>
+    </p:spTree>
+    <p:extLst>
+      <p:ext uri="{BB962C8B-B14F-4D97-AF65-F5344CB8AC3E}">
+        <p14:creationId xmlns:p14="http://schemas.microsoft.com/office/powerpoint/2010/main" val="3292524252"/>
+      </p:ext>
+    </p:extLst>
+  </p:cSld>
+  <p:clrMapOvr>
+    <a:masterClrMapping/>
+  </p:clrMapOvr>
+</p:sld>
+</file>
+
+<file path=ppt/slides/slide22.xml><?xml version="1.0" encoding="utf-8"?>
+<p:sld xmlns:a="http://schemas.openxmlformats.org/drawingml/2006/main" xmlns:r="http://schemas.openxmlformats.org/officeDocument/2006/relationships" xmlns:p="http://schemas.openxmlformats.org/presentationml/2006/main">
+  <p:cSld>
+    <p:spTree>
+      <p:nvGrpSpPr>
+        <p:cNvPr id="1" name=""/>
+        <p:cNvGrpSpPr/>
+        <p:nvPr/>
+      </p:nvGrpSpPr>
+      <p:grpSpPr>
+        <a:xfrm>
+          <a:off x="0" y="0"/>
+          <a:ext cx="0" cy="0"/>
+          <a:chOff x="0" y="0"/>
+          <a:chExt cx="0" cy="0"/>
+        </a:xfrm>
+      </p:grpSpPr>
+      <p:sp>
+        <p:nvSpPr>
+          <p:cNvPr id="2" name="Title 1">
+            <a:extLst>
+              <a:ext uri="{FF2B5EF4-FFF2-40B4-BE49-F238E27FC236}">
+                <a16:creationId xmlns:a16="http://schemas.microsoft.com/office/drawing/2014/main" id="{8092F1C5-A3C1-D147-AA8A-66853639454F}"/>
+              </a:ext>
+            </a:extLst>
+          </p:cNvPr>
+          <p:cNvSpPr>
+            <a:spLocks noGrp="1"/>
+          </p:cNvSpPr>
+          <p:nvPr>
+            <p:ph type="title"/>
+          </p:nvPr>
+        </p:nvSpPr>
+        <p:spPr>
+          <a:xfrm>
+            <a:off x="1015139" y="575950"/>
+            <a:ext cx="7706711" cy="635400"/>
+          </a:xfrm>
+        </p:spPr>
+        <p:txBody>
+          <a:bodyPr/>
+          <a:lstStyle/>
+          <a:p>
+            <a:r>
+              <a:rPr lang="en-US" sz="2000" dirty="0"/>
+              <a:t>C. Evaluate Model on Validation Data</a:t>
+            </a:r>
+          </a:p>
+        </p:txBody>
+      </p:sp>
+      <p:sp>
+        <p:nvSpPr>
+          <p:cNvPr id="5" name="Text Placeholder 4">
+            <a:extLst>
+              <a:ext uri="{FF2B5EF4-FFF2-40B4-BE49-F238E27FC236}">
+                <a16:creationId xmlns:a16="http://schemas.microsoft.com/office/drawing/2014/main" id="{4EB66222-B8BF-5247-ACFD-4FE57B4BE524}"/>
+              </a:ext>
+            </a:extLst>
+          </p:cNvPr>
+          <p:cNvSpPr>
+            <a:spLocks noGrp="1"/>
+          </p:cNvSpPr>
+          <p:nvPr>
+            <p:ph type="body" idx="1"/>
+          </p:nvPr>
+        </p:nvSpPr>
+        <p:spPr>
+          <a:xfrm>
+            <a:off x="1015139" y="1211350"/>
+            <a:ext cx="7716573" cy="3386826"/>
+          </a:xfrm>
+        </p:spPr>
+        <p:txBody>
+          <a:bodyPr/>
+          <a:lstStyle/>
+          <a:p>
+            <a:r>
+              <a:rPr lang="en-US" dirty="0"/>
+              <a:t>Roc : 0.80</a:t>
+            </a:r>
+          </a:p>
+          <a:p>
+            <a:r>
+              <a:rPr lang="en-US" dirty="0"/>
+              <a:t>Accuracy: .852</a:t>
+            </a:r>
+          </a:p>
+          <a:p>
+            <a:r>
+              <a:rPr lang="en-US" dirty="0"/>
+              <a:t>F1 score: 0.822</a:t>
+            </a:r>
+          </a:p>
+        </p:txBody>
+      </p:sp>
+      <p:pic>
+        <p:nvPicPr>
+          <p:cNvPr id="4" name="Picture 3">
+            <a:extLst>
+              <a:ext uri="{FF2B5EF4-FFF2-40B4-BE49-F238E27FC236}">
+                <a16:creationId xmlns:a16="http://schemas.microsoft.com/office/drawing/2014/main" id="{93261B50-8692-9A44-A26C-2CDCADB4932F}"/>
+              </a:ext>
+            </a:extLst>
+          </p:cNvPr>
+          <p:cNvPicPr>
+            <a:picLocks noChangeAspect="1"/>
+          </p:cNvPicPr>
+          <p:nvPr/>
+        </p:nvPicPr>
+        <p:blipFill>
+          <a:blip r:embed="rId2"/>
+          <a:stretch>
+            <a:fillRect/>
+          </a:stretch>
+        </p:blipFill>
+        <p:spPr>
+          <a:xfrm>
+            <a:off x="2223145" y="2424567"/>
+            <a:ext cx="4371383" cy="1984378"/>
+          </a:xfrm>
+          <a:prstGeom prst="rect">
+            <a:avLst/>
+          </a:prstGeom>
+          <a:ln>
+            <a:noFill/>
+          </a:ln>
+          <a:effectLst>
+            <a:outerShdw blurRad="292100" dist="139700" dir="2700000" algn="tl" rotWithShape="0">
+              <a:srgbClr val="333333">
+                <a:alpha val="65000"/>
+              </a:srgbClr>
+            </a:outerShdw>
+          </a:effectLst>
+        </p:spPr>
+      </p:pic>
+    </p:spTree>
+    <p:extLst>
+      <p:ext uri="{BB962C8B-B14F-4D97-AF65-F5344CB8AC3E}">
+        <p14:creationId xmlns:p14="http://schemas.microsoft.com/office/powerpoint/2010/main" val="655131103"/>
+      </p:ext>
+    </p:extLst>
+  </p:cSld>
+  <p:clrMapOvr>
+    <a:masterClrMapping/>
+  </p:clrMapOvr>
+</p:sld>
+</file>
+
+<file path=ppt/slides/slide23.xml><?xml version="1.0" encoding="utf-8"?>
+<p:sld xmlns:a="http://schemas.openxmlformats.org/drawingml/2006/main" xmlns:r="http://schemas.openxmlformats.org/officeDocument/2006/relationships" xmlns:p="http://schemas.openxmlformats.org/presentationml/2006/main">
+  <p:cSld>
+    <p:spTree>
+      <p:nvGrpSpPr>
+        <p:cNvPr id="1" name="Shape 157"/>
+        <p:cNvGrpSpPr/>
+        <p:nvPr/>
+      </p:nvGrpSpPr>
+      <p:grpSpPr>
+        <a:xfrm>
+          <a:off x="0" y="0"/>
+          <a:ext cx="0" cy="0"/>
+          <a:chOff x="0" y="0"/>
+          <a:chExt cx="0" cy="0"/>
+        </a:xfrm>
+      </p:grpSpPr>
+      <p:sp>
+        <p:nvSpPr>
+          <p:cNvPr id="158" name="Google Shape;158;p27"/>
+          <p:cNvSpPr txBox="1">
+            <a:spLocks noGrp="1"/>
+          </p:cNvSpPr>
+          <p:nvPr>
+            <p:ph type="title"/>
+          </p:nvPr>
+        </p:nvSpPr>
+        <p:spPr>
+          <a:xfrm>
+            <a:off x="455425" y="575950"/>
+            <a:ext cx="8266500" cy="635400"/>
+          </a:xfrm>
+          <a:prstGeom prst="rect">
+            <a:avLst/>
+          </a:prstGeom>
+        </p:spPr>
+        <p:txBody>
+          <a:bodyPr spcFirstLastPara="1" wrap="square" lIns="91425" tIns="91425" rIns="91425" bIns="91425" anchor="t" anchorCtr="0">
+            <a:noAutofit/>
+          </a:bodyPr>
+          <a:lstStyle/>
+          <a:p>
+            <a:pPr marL="0" lvl="0" indent="0" algn="l" rtl="0">
+              <a:spcBef>
+                <a:spcPts val="0"/>
+              </a:spcBef>
+              <a:spcAft>
+                <a:spcPts val="0"/>
+              </a:spcAft>
+              <a:buNone/>
+            </a:pPr>
+            <a:r>
+              <a:rPr lang="en" sz="2600" dirty="0">
+                <a:solidFill>
+                  <a:schemeClr val="dk1"/>
+                </a:solidFill>
+              </a:rPr>
+              <a:t>5. Testing</a:t>
+            </a:r>
+            <a:endParaRPr sz="2600" dirty="0">
+              <a:solidFill>
+                <a:schemeClr val="dk1"/>
+              </a:solidFill>
+            </a:endParaRPr>
+          </a:p>
+        </p:txBody>
+      </p:sp>
+      <p:sp>
+        <p:nvSpPr>
+          <p:cNvPr id="159" name="Google Shape;159;p27"/>
+          <p:cNvSpPr txBox="1">
+            <a:spLocks noGrp="1"/>
+          </p:cNvSpPr>
+          <p:nvPr>
+            <p:ph type="body" idx="1"/>
+          </p:nvPr>
+        </p:nvSpPr>
+        <p:spPr>
+          <a:xfrm>
+            <a:off x="844658" y="1211350"/>
+            <a:ext cx="7887054" cy="3386826"/>
+          </a:xfrm>
+          <a:prstGeom prst="rect">
+            <a:avLst/>
+          </a:prstGeom>
+        </p:spPr>
+        <p:txBody>
+          <a:bodyPr spcFirstLastPara="1" wrap="square" lIns="91425" tIns="91425" rIns="91425" bIns="91425" anchor="t" anchorCtr="0">
+            <a:noAutofit/>
+          </a:bodyPr>
+          <a:lstStyle/>
+          <a:p>
+            <a:pPr lvl="0" indent="-457200" algn="l" rtl="0">
+              <a:spcBef>
+                <a:spcPts val="0"/>
+              </a:spcBef>
+              <a:spcAft>
+                <a:spcPts val="1600"/>
+              </a:spcAft>
+              <a:buAutoNum type="alphaUcPeriod"/>
+            </a:pPr>
+            <a:r>
+              <a:rPr lang="en-US" sz="2000" b="1" dirty="0"/>
+              <a:t>Output a Result</a:t>
+            </a:r>
+          </a:p>
+        </p:txBody>
+      </p:sp>
+      <p:pic>
+        <p:nvPicPr>
+          <p:cNvPr id="3" name="Picture 2">
+            <a:extLst>
+              <a:ext uri="{FF2B5EF4-FFF2-40B4-BE49-F238E27FC236}">
+                <a16:creationId xmlns:a16="http://schemas.microsoft.com/office/drawing/2014/main" id="{4ADB7D87-DA59-D74A-ABB2-4BDD49B934AC}"/>
+              </a:ext>
+            </a:extLst>
+          </p:cNvPr>
+          <p:cNvPicPr>
+            <a:picLocks noChangeAspect="1"/>
+          </p:cNvPicPr>
+          <p:nvPr/>
+        </p:nvPicPr>
+        <p:blipFill>
+          <a:blip r:embed="rId3"/>
+          <a:stretch>
+            <a:fillRect/>
+          </a:stretch>
+        </p:blipFill>
+        <p:spPr>
+          <a:xfrm>
+            <a:off x="1319508" y="1846750"/>
+            <a:ext cx="6350000" cy="647700"/>
+          </a:xfrm>
+          <a:prstGeom prst="rect">
+            <a:avLst/>
+          </a:prstGeom>
+          <a:ln>
+            <a:noFill/>
+          </a:ln>
+          <a:effectLst>
+            <a:outerShdw blurRad="292100" dist="139700" dir="2700000" algn="tl" rotWithShape="0">
+              <a:srgbClr val="333333">
+                <a:alpha val="65000"/>
+              </a:srgbClr>
+            </a:outerShdw>
+          </a:effectLst>
+        </p:spPr>
+      </p:pic>
+      <p:pic>
+        <p:nvPicPr>
+          <p:cNvPr id="5" name="Picture 4">
+            <a:extLst>
+              <a:ext uri="{FF2B5EF4-FFF2-40B4-BE49-F238E27FC236}">
+                <a16:creationId xmlns:a16="http://schemas.microsoft.com/office/drawing/2014/main" id="{29C0F3C2-7146-4743-B30E-9175BA496C20}"/>
+              </a:ext>
+            </a:extLst>
+          </p:cNvPr>
+          <p:cNvPicPr>
+            <a:picLocks noChangeAspect="1"/>
+          </p:cNvPicPr>
+          <p:nvPr/>
+        </p:nvPicPr>
+        <p:blipFill>
+          <a:blip r:embed="rId4"/>
+          <a:stretch>
+            <a:fillRect/>
+          </a:stretch>
+        </p:blipFill>
+        <p:spPr>
+          <a:xfrm>
+            <a:off x="2538708" y="2580913"/>
+            <a:ext cx="3911600" cy="2044700"/>
+          </a:xfrm>
+          <a:prstGeom prst="rect">
+            <a:avLst/>
+          </a:prstGeom>
+          <a:ln>
+            <a:noFill/>
+          </a:ln>
+          <a:effectLst>
+            <a:outerShdw blurRad="292100" dist="139700" dir="2700000" algn="tl" rotWithShape="0">
+              <a:srgbClr val="333333">
+                <a:alpha val="65000"/>
+              </a:srgbClr>
+            </a:outerShdw>
+          </a:effectLst>
+        </p:spPr>
+      </p:pic>
     </p:spTree>
   </p:cSld>
   <p:clrMapOvr>
@@ -9885,14 +11126,14 @@
               <a:buAutoNum type="arabicPeriod"/>
             </a:pPr>
             <a:r>
-              <a:rPr lang="en" sz="2600">
+              <a:rPr lang="en" sz="2600" dirty="0">
                 <a:solidFill>
                   <a:schemeClr val="dk1"/>
                 </a:solidFill>
               </a:rPr>
               <a:t>Exploratory Data Analysis (EDA)</a:t>
             </a:r>
-            <a:endParaRPr sz="2600">
+            <a:endParaRPr sz="2600" dirty="0">
               <a:solidFill>
                 <a:schemeClr val="dk1"/>
               </a:solidFill>
@@ -9908,7 +11149,7 @@
               </a:spcAft>
               <a:buNone/>
             </a:pPr>
-            <a:endParaRPr/>
+            <a:endParaRPr dirty="0"/>
           </a:p>
         </p:txBody>
       </p:sp>
@@ -9924,8 +11165,8 @@
         </p:nvSpPr>
         <p:spPr>
           <a:xfrm>
-            <a:off x="876675" y="1211351"/>
-            <a:ext cx="6102000" cy="635400"/>
+            <a:off x="953145" y="1211351"/>
+            <a:ext cx="6025529" cy="635400"/>
           </a:xfrm>
           <a:prstGeom prst="rect">
             <a:avLst/>
@@ -9948,10 +11189,10 @@
               <a:buAutoNum type="alphaUcPeriod"/>
             </a:pPr>
             <a:r>
-              <a:rPr lang="en" sz="2000" b="1"/>
+              <a:rPr lang="en" sz="2000" b="1" dirty="0"/>
               <a:t>Overall Representation of the Data</a:t>
             </a:r>
-            <a:endParaRPr sz="2000" b="1"/>
+            <a:endParaRPr sz="2000" b="1" dirty="0"/>
           </a:p>
         </p:txBody>
       </p:sp>
@@ -9971,16 +11212,22 @@
         </p:blipFill>
         <p:spPr>
           <a:xfrm>
-            <a:off x="876674" y="1636575"/>
-            <a:ext cx="6960723" cy="3098300"/>
+            <a:off x="1140566" y="1670796"/>
+            <a:ext cx="6709746" cy="2986587"/>
           </a:xfrm>
           <a:prstGeom prst="rect">
             <a:avLst/>
           </a:prstGeom>
-          <a:noFill/>
           <a:ln>
             <a:noFill/>
           </a:ln>
+          <a:effectLst>
+            <a:outerShdw blurRad="292100" dist="139700" dir="2700000" algn="tl" rotWithShape="0">
+              <a:srgbClr val="333333">
+                <a:alpha val="65000"/>
+              </a:srgbClr>
+            </a:outerShdw>
+          </a:effectLst>
         </p:spPr>
       </p:pic>
     </p:spTree>
@@ -10029,10 +11276,16 @@
           <a:prstGeom prst="rect">
             <a:avLst/>
           </a:prstGeom>
-          <a:noFill/>
           <a:ln>
             <a:noFill/>
           </a:ln>
+          <a:effectLst>
+            <a:outerShdw blurRad="292100" dist="139700" dir="2700000" algn="tl" rotWithShape="0">
+              <a:srgbClr val="333333">
+                <a:alpha val="65000"/>
+              </a:srgbClr>
+            </a:outerShdw>
+          </a:effectLst>
         </p:spPr>
       </p:pic>
       <p:sp>
@@ -10070,15 +11323,15 @@
               <a:buNone/>
             </a:pPr>
             <a:r>
-              <a:rPr lang="en" sz="2000" b="1">
+              <a:rPr lang="en" sz="2000" b="1" dirty="0">
                 <a:latin typeface="Lato"/>
                 <a:ea typeface="Lato"/>
                 <a:cs typeface="Lato"/>
                 <a:sym typeface="Lato"/>
               </a:rPr>
-              <a:t>B. 	Categorize the Length of the Data</a:t>
+              <a:t>B. Categorize the Length of the Data</a:t>
             </a:r>
-            <a:endParaRPr sz="2000" b="1">
+            <a:endParaRPr sz="2000" b="1" dirty="0">
               <a:latin typeface="Lato"/>
               <a:ea typeface="Lato"/>
               <a:cs typeface="Lato"/>
@@ -10134,10 +11387,16 @@
           <a:prstGeom prst="rect">
             <a:avLst/>
           </a:prstGeom>
-          <a:noFill/>
           <a:ln>
             <a:noFill/>
           </a:ln>
+          <a:effectLst>
+            <a:outerShdw blurRad="292100" dist="139700" dir="2700000" algn="tl" rotWithShape="0">
+              <a:srgbClr val="333333">
+                <a:alpha val="65000"/>
+              </a:srgbClr>
+            </a:outerShdw>
+          </a:effectLst>
         </p:spPr>
       </p:pic>
       <p:sp>
@@ -10175,15 +11434,15 @@
               <a:buNone/>
             </a:pPr>
             <a:r>
-              <a:rPr lang="en" sz="2000" b="1">
+              <a:rPr lang="en" sz="2000" b="1" dirty="0">
                 <a:latin typeface="Lato"/>
                 <a:ea typeface="Lato"/>
                 <a:cs typeface="Lato"/>
                 <a:sym typeface="Lato"/>
               </a:rPr>
-              <a:t>B.	Length of the Data -- Results</a:t>
+              <a:t>B.  Length of the Data -- Results</a:t>
             </a:r>
-            <a:endParaRPr sz="2000" b="1">
+            <a:endParaRPr sz="2000" b="1" dirty="0">
               <a:latin typeface="Lato"/>
               <a:ea typeface="Lato"/>
               <a:cs typeface="Lato"/>
@@ -10241,16 +11500,22 @@
         </p:blipFill>
         <p:spPr>
           <a:xfrm>
-            <a:off x="996250" y="852475"/>
-            <a:ext cx="5727801" cy="4123676"/>
+            <a:off x="2174121" y="1207747"/>
+            <a:ext cx="4466903" cy="3215904"/>
           </a:xfrm>
           <a:prstGeom prst="rect">
             <a:avLst/>
           </a:prstGeom>
-          <a:noFill/>
           <a:ln>
             <a:noFill/>
           </a:ln>
+          <a:effectLst>
+            <a:outerShdw blurRad="292100" dist="139700" dir="2700000" algn="tl" rotWithShape="0">
+              <a:srgbClr val="333333">
+                <a:alpha val="65000"/>
+              </a:srgbClr>
+            </a:outerShdw>
+          </a:effectLst>
         </p:spPr>
       </p:pic>
       <p:sp>
@@ -10265,8 +11530,8 @@
         </p:nvSpPr>
         <p:spPr>
           <a:xfrm>
-            <a:off x="655399" y="417025"/>
-            <a:ext cx="4983600" cy="493800"/>
+            <a:off x="655399" y="472697"/>
+            <a:ext cx="5776398" cy="581188"/>
           </a:xfrm>
           <a:prstGeom prst="rect">
             <a:avLst/>
@@ -10288,10 +11553,10 @@
               <a:buNone/>
             </a:pPr>
             <a:r>
-              <a:rPr lang="en" sz="2000" b="1"/>
-              <a:t>C.	Most Common Words in the Data Set</a:t>
+              <a:rPr lang="en" sz="2000" b="1" dirty="0"/>
+              <a:t>C.   Most Common Words in the Data Set</a:t>
             </a:r>
-            <a:endParaRPr sz="2000" b="1"/>
+            <a:endParaRPr sz="2000" b="1" dirty="0"/>
           </a:p>
         </p:txBody>
       </p:sp>
@@ -10371,14 +11636,14 @@
               <a:buNone/>
             </a:pPr>
             <a:r>
-              <a:rPr lang="en" sz="2600">
+              <a:rPr lang="en" sz="2600" dirty="0">
                 <a:solidFill>
                   <a:schemeClr val="dk1"/>
                 </a:solidFill>
               </a:rPr>
-              <a:t>2. 	Data Processing</a:t>
+              <a:t>2.  Data Processing</a:t>
             </a:r>
-            <a:endParaRPr sz="2600">
+            <a:endParaRPr sz="2600" dirty="0">
               <a:solidFill>
                 <a:schemeClr val="dk1"/>
               </a:solidFill>
@@ -10394,7 +11659,7 @@
               </a:spcAft>
               <a:buNone/>
             </a:pPr>
-            <a:endParaRPr/>
+            <a:endParaRPr dirty="0"/>
           </a:p>
         </p:txBody>
       </p:sp>
@@ -10406,8 +11671,8 @@
         </p:nvSpPr>
         <p:spPr>
           <a:xfrm>
-            <a:off x="1178725" y="983625"/>
-            <a:ext cx="7434000" cy="388500"/>
+            <a:off x="991892" y="983625"/>
+            <a:ext cx="7620833" cy="690192"/>
           </a:xfrm>
           <a:prstGeom prst="rect">
             <a:avLst/>
@@ -10436,7 +11701,7 @@
               <a:buNone/>
             </a:pPr>
             <a:r>
-              <a:rPr lang="en" sz="2000" b="1">
+              <a:rPr lang="en" sz="2000" b="1" dirty="0">
                 <a:solidFill>
                   <a:srgbClr val="212121"/>
                 </a:solidFill>
@@ -10448,9 +11713,9 @@
                 <a:cs typeface="Lato"/>
                 <a:sym typeface="Lato"/>
               </a:rPr>
-              <a:t>A &amp; B. 	Remove Punctuations &amp; Special Characters &amp; Lowercase Words</a:t>
+              <a:t>A &amp; B.  Remove Punctuations &amp; Special Characters &amp; Lowercase</a:t>
             </a:r>
-            <a:endParaRPr sz="2000" b="1">
+            <a:endParaRPr sz="2000" b="1" dirty="0">
               <a:solidFill>
                 <a:srgbClr val="212121"/>
               </a:solidFill>
@@ -10473,7 +11738,7 @@
               </a:spcAft>
               <a:buNone/>
             </a:pPr>
-            <a:endParaRPr sz="2000" b="1">
+            <a:endParaRPr sz="2000" b="1" dirty="0">
               <a:latin typeface="Lato"/>
               <a:ea typeface="Lato"/>
               <a:cs typeface="Lato"/>
@@ -10498,16 +11763,22 @@
         </p:blipFill>
         <p:spPr>
           <a:xfrm>
-            <a:off x="663325" y="1893625"/>
+            <a:off x="663325" y="1673817"/>
             <a:ext cx="8058449" cy="2703650"/>
           </a:xfrm>
           <a:prstGeom prst="rect">
             <a:avLst/>
           </a:prstGeom>
-          <a:noFill/>
           <a:ln>
             <a:noFill/>
           </a:ln>
+          <a:effectLst>
+            <a:outerShdw blurRad="292100" dist="139700" dir="2700000" algn="tl" rotWithShape="0">
+              <a:srgbClr val="333333">
+                <a:alpha val="65000"/>
+              </a:srgbClr>
+            </a:outerShdw>
+          </a:effectLst>
         </p:spPr>
       </p:pic>
     </p:spTree>
@@ -10578,15 +11849,15 @@
               <a:buNone/>
             </a:pPr>
             <a:r>
-              <a:rPr lang="en" sz="2000" b="1">
+              <a:rPr lang="en" sz="2000" b="1" dirty="0">
                 <a:latin typeface="Lato"/>
                 <a:ea typeface="Lato"/>
                 <a:cs typeface="Lato"/>
                 <a:sym typeface="Lato"/>
               </a:rPr>
-              <a:t>A &amp; B.	Results</a:t>
+              <a:t>A &amp; B. Results</a:t>
             </a:r>
-            <a:endParaRPr sz="2000" b="1">
+            <a:endParaRPr sz="2000" b="1" dirty="0">
               <a:latin typeface="Lato"/>
               <a:ea typeface="Lato"/>
               <a:cs typeface="Lato"/>
@@ -10623,6 +11894,16 @@
           <a:prstGeom prst="rect">
             <a:avLst/>
           </a:prstGeom>
+          <a:ln>
+            <a:noFill/>
+          </a:ln>
+          <a:effectLst>
+            <a:outerShdw blurRad="292100" dist="139700" dir="2700000" algn="tl" rotWithShape="0">
+              <a:srgbClr val="333333">
+                <a:alpha val="65000"/>
+              </a:srgbClr>
+            </a:outerShdw>
+          </a:effectLst>
         </p:spPr>
       </p:pic>
     </p:spTree>
@@ -10685,15 +11966,15 @@
               <a:buNone/>
             </a:pPr>
             <a:r>
-              <a:rPr lang="en" sz="2000">
+              <a:rPr lang="en" sz="2000" dirty="0">
                 <a:latin typeface="Lato"/>
                 <a:ea typeface="Lato"/>
                 <a:cs typeface="Lato"/>
                 <a:sym typeface="Lato"/>
               </a:rPr>
-              <a:t>C.	Tokenizer &amp; Remove Stop Words</a:t>
+              <a:t>C.  Tokenizer &amp; Remove Stop Words</a:t>
             </a:r>
-            <a:endParaRPr sz="2000">
+            <a:endParaRPr sz="2000" dirty="0">
               <a:latin typeface="Lato"/>
               <a:ea typeface="Lato"/>
               <a:cs typeface="Lato"/>
@@ -10730,6 +12011,16 @@
           <a:prstGeom prst="rect">
             <a:avLst/>
           </a:prstGeom>
+          <a:ln>
+            <a:noFill/>
+          </a:ln>
+          <a:effectLst>
+            <a:outerShdw blurRad="292100" dist="139700" dir="2700000" algn="tl" rotWithShape="0">
+              <a:srgbClr val="333333">
+                <a:alpha val="65000"/>
+              </a:srgbClr>
+            </a:outerShdw>
+          </a:effectLst>
         </p:spPr>
       </p:pic>
     </p:spTree>
